--- a/Diplom_Rakov.pptx
+++ b/Diplom_Rakov.pptx
@@ -16,31 +16,23 @@
     <p:sldId id="272" r:id="rId10"/>
     <p:sldId id="271" r:id="rId11"/>
     <p:sldId id="270" r:id="rId12"/>
-    <p:sldId id="273" r:id="rId13"/>
-    <p:sldId id="274" r:id="rId14"/>
-    <p:sldId id="275" r:id="rId15"/>
-    <p:sldId id="277" r:id="rId16"/>
-    <p:sldId id="279" r:id="rId17"/>
-    <p:sldId id="280" r:id="rId18"/>
-    <p:sldId id="281" r:id="rId19"/>
-    <p:sldId id="282" r:id="rId20"/>
-    <p:sldId id="283" r:id="rId21"/>
-    <p:sldId id="286" r:id="rId22"/>
-    <p:sldId id="301" r:id="rId23"/>
-    <p:sldId id="287" r:id="rId24"/>
-    <p:sldId id="288" r:id="rId25"/>
-    <p:sldId id="289" r:id="rId26"/>
-    <p:sldId id="290" r:id="rId27"/>
-    <p:sldId id="291" r:id="rId28"/>
-    <p:sldId id="292" r:id="rId29"/>
-    <p:sldId id="293" r:id="rId30"/>
-    <p:sldId id="295" r:id="rId31"/>
-    <p:sldId id="296" r:id="rId32"/>
-    <p:sldId id="297" r:id="rId33"/>
-    <p:sldId id="298" r:id="rId34"/>
-    <p:sldId id="299" r:id="rId35"/>
-    <p:sldId id="260" r:id="rId36"/>
-    <p:sldId id="265" r:id="rId37"/>
+    <p:sldId id="275" r:id="rId13"/>
+    <p:sldId id="282" r:id="rId14"/>
+    <p:sldId id="283" r:id="rId15"/>
+    <p:sldId id="301" r:id="rId16"/>
+    <p:sldId id="288" r:id="rId17"/>
+    <p:sldId id="289" r:id="rId18"/>
+    <p:sldId id="290" r:id="rId19"/>
+    <p:sldId id="291" r:id="rId20"/>
+    <p:sldId id="292" r:id="rId21"/>
+    <p:sldId id="293" r:id="rId22"/>
+    <p:sldId id="295" r:id="rId23"/>
+    <p:sldId id="296" r:id="rId24"/>
+    <p:sldId id="297" r:id="rId25"/>
+    <p:sldId id="298" r:id="rId26"/>
+    <p:sldId id="299" r:id="rId27"/>
+    <p:sldId id="260" r:id="rId28"/>
+    <p:sldId id="265" r:id="rId29"/>
   </p:sldIdLst>
   <p:sldSz cx="9144000" cy="6858000" type="screen4x3"/>
   <p:notesSz cx="6858000" cy="9144000"/>
@@ -288,7 +280,7 @@
             <a:fld id="{B4C71EC6-210F-42DE-9C53-41977AD35B3D}" type="datetimeFigureOut">
               <a:rPr lang="ru-RU" smtClean="0"/>
               <a:pPr/>
-              <a:t>29.05.2024</a:t>
+              <a:t>04.06.2024</a:t>
             </a:fld>
             <a:endParaRPr lang="ru-RU"/>
           </a:p>
@@ -461,7 +453,7 @@
             <a:fld id="{B4C71EC6-210F-42DE-9C53-41977AD35B3D}" type="datetimeFigureOut">
               <a:rPr lang="ru-RU" smtClean="0"/>
               <a:pPr/>
-              <a:t>29.05.2024</a:t>
+              <a:t>04.06.2024</a:t>
             </a:fld>
             <a:endParaRPr lang="ru-RU"/>
           </a:p>
@@ -644,7 +636,7 @@
             <a:fld id="{B4C71EC6-210F-42DE-9C53-41977AD35B3D}" type="datetimeFigureOut">
               <a:rPr lang="ru-RU" smtClean="0"/>
               <a:pPr/>
-              <a:t>29.05.2024</a:t>
+              <a:t>04.06.2024</a:t>
             </a:fld>
             <a:endParaRPr lang="ru-RU"/>
           </a:p>
@@ -817,7 +809,7 @@
             <a:fld id="{B4C71EC6-210F-42DE-9C53-41977AD35B3D}" type="datetimeFigureOut">
               <a:rPr lang="ru-RU" smtClean="0"/>
               <a:pPr/>
-              <a:t>29.05.2024</a:t>
+              <a:t>04.06.2024</a:t>
             </a:fld>
             <a:endParaRPr lang="ru-RU"/>
           </a:p>
@@ -1067,7 +1059,7 @@
             <a:fld id="{B4C71EC6-210F-42DE-9C53-41977AD35B3D}" type="datetimeFigureOut">
               <a:rPr lang="ru-RU" smtClean="0"/>
               <a:pPr/>
-              <a:t>29.05.2024</a:t>
+              <a:t>04.06.2024</a:t>
             </a:fld>
             <a:endParaRPr lang="ru-RU"/>
           </a:p>
@@ -1301,7 +1293,7 @@
             <a:fld id="{B4C71EC6-210F-42DE-9C53-41977AD35B3D}" type="datetimeFigureOut">
               <a:rPr lang="ru-RU" smtClean="0"/>
               <a:pPr/>
-              <a:t>29.05.2024</a:t>
+              <a:t>04.06.2024</a:t>
             </a:fld>
             <a:endParaRPr lang="ru-RU"/>
           </a:p>
@@ -1670,7 +1662,7 @@
             <a:fld id="{B4C71EC6-210F-42DE-9C53-41977AD35B3D}" type="datetimeFigureOut">
               <a:rPr lang="ru-RU" smtClean="0"/>
               <a:pPr/>
-              <a:t>29.05.2024</a:t>
+              <a:t>04.06.2024</a:t>
             </a:fld>
             <a:endParaRPr lang="ru-RU"/>
           </a:p>
@@ -1792,7 +1784,7 @@
             <a:fld id="{B4C71EC6-210F-42DE-9C53-41977AD35B3D}" type="datetimeFigureOut">
               <a:rPr lang="ru-RU" smtClean="0"/>
               <a:pPr/>
-              <a:t>29.05.2024</a:t>
+              <a:t>04.06.2024</a:t>
             </a:fld>
             <a:endParaRPr lang="ru-RU"/>
           </a:p>
@@ -1892,7 +1884,7 @@
             <a:fld id="{B4C71EC6-210F-42DE-9C53-41977AD35B3D}" type="datetimeFigureOut">
               <a:rPr lang="ru-RU" smtClean="0"/>
               <a:pPr/>
-              <a:t>29.05.2024</a:t>
+              <a:t>04.06.2024</a:t>
             </a:fld>
             <a:endParaRPr lang="ru-RU"/>
           </a:p>
@@ -2172,7 +2164,7 @@
             <a:fld id="{B4C71EC6-210F-42DE-9C53-41977AD35B3D}" type="datetimeFigureOut">
               <a:rPr lang="ru-RU" smtClean="0"/>
               <a:pPr/>
-              <a:t>29.05.2024</a:t>
+              <a:t>04.06.2024</a:t>
             </a:fld>
             <a:endParaRPr lang="ru-RU"/>
           </a:p>
@@ -2429,7 +2421,7 @@
             <a:fld id="{B4C71EC6-210F-42DE-9C53-41977AD35B3D}" type="datetimeFigureOut">
               <a:rPr lang="ru-RU" smtClean="0"/>
               <a:pPr/>
-              <a:t>29.05.2024</a:t>
+              <a:t>04.06.2024</a:t>
             </a:fld>
             <a:endParaRPr lang="ru-RU"/>
           </a:p>
@@ -2645,7 +2637,7 @@
             <a:fld id="{B4C71EC6-210F-42DE-9C53-41977AD35B3D}" type="datetimeFigureOut">
               <a:rPr lang="ru-RU" smtClean="0"/>
               <a:pPr/>
-              <a:t>29.05.2024</a:t>
+              <a:t>04.06.2024</a:t>
             </a:fld>
             <a:endParaRPr lang="ru-RU"/>
           </a:p>
@@ -3681,11 +3673,11 @@
   <p:clrMapOvr>
     <a:masterClrMapping/>
   </p:clrMapOvr>
-  <mc:AlternateContent xmlns:mc="http://schemas.openxmlformats.org/markup-compatibility/2006">
-    <mc:Choice xmlns:p14="http://schemas.microsoft.com/office/powerpoint/2010/main" Requires="p14">
+  <mc:AlternateContent xmlns:mc="http://schemas.openxmlformats.org/markup-compatibility/2006" xmlns:p14="http://schemas.microsoft.com/office/powerpoint/2010/main">
+    <mc:Choice Requires="p14">
       <p:transition p14:dur="0"/>
     </mc:Choice>
-    <mc:Fallback>
+    <mc:Fallback xmlns="">
       <p:transition/>
     </mc:Fallback>
   </mc:AlternateContent>
@@ -3820,8 +3812,8 @@
         </p:nvSpPr>
         <p:spPr>
           <a:xfrm>
-            <a:off x="3203847" y="779303"/>
-            <a:ext cx="2551661" cy="369332"/>
+            <a:off x="2716780" y="767914"/>
+            <a:ext cx="3710439" cy="430887"/>
           </a:xfrm>
           <a:prstGeom prst="rect">
             <a:avLst/>
@@ -3835,13 +3827,27 @@
           <a:lstStyle/>
           <a:p>
             <a:r>
-              <a:rPr lang="ru-RU" dirty="0">
-                <a:latin typeface="Times New Roman" panose="02020603050405020304" pitchFamily="18" charset="0"/>
-                <a:cs typeface="Times New Roman" panose="02020603050405020304" pitchFamily="18" charset="0"/>
-              </a:rPr>
-              <a:t>Настройка интерфейсов</a:t>
-            </a:r>
-            <a:endParaRPr lang="en-US" dirty="0"/>
+              <a:rPr lang="ru-RU" sz="2200" dirty="0">
+                <a:latin typeface="Times New Roman" panose="02020603050405020304" pitchFamily="18" charset="0"/>
+                <a:cs typeface="Times New Roman" panose="02020603050405020304" pitchFamily="18" charset="0"/>
+              </a:rPr>
+              <a:t>Настройка </a:t>
+            </a:r>
+            <a:r>
+              <a:rPr lang="en-US" sz="2200" dirty="0">
+                <a:latin typeface="Times New Roman" panose="02020603050405020304" pitchFamily="18" charset="0"/>
+                <a:cs typeface="Times New Roman" panose="02020603050405020304" pitchFamily="18" charset="0"/>
+              </a:rPr>
+              <a:t>bond</a:t>
+            </a:r>
+            <a:r>
+              <a:rPr lang="ru-RU" sz="2200" dirty="0">
+                <a:latin typeface="Times New Roman" panose="02020603050405020304" pitchFamily="18" charset="0"/>
+                <a:cs typeface="Times New Roman" panose="02020603050405020304" pitchFamily="18" charset="0"/>
+              </a:rPr>
+              <a:t> интерфейсов</a:t>
+            </a:r>
+            <a:endParaRPr lang="en-US" sz="2200" dirty="0"/>
           </a:p>
         </p:txBody>
       </p:sp>
@@ -4045,8 +4051,8 @@
         </p:nvSpPr>
         <p:spPr>
           <a:xfrm>
-            <a:off x="3203848" y="908720"/>
-            <a:ext cx="2283959" cy="369332"/>
+            <a:off x="2712645" y="925247"/>
+            <a:ext cx="3862724" cy="430887"/>
           </a:xfrm>
           <a:prstGeom prst="rect">
             <a:avLst/>
@@ -4060,20 +4066,34 @@
           <a:lstStyle/>
           <a:p>
             <a:r>
-              <a:rPr lang="ru-RU" dirty="0">
-                <a:latin typeface="Times New Roman" panose="02020603050405020304" pitchFamily="18" charset="0"/>
-                <a:cs typeface="Times New Roman" panose="02020603050405020304" pitchFamily="18" charset="0"/>
-              </a:rPr>
-              <a:t>Настройка </a:t>
-            </a:r>
-            <a:r>
-              <a:rPr lang="en-US" dirty="0" err="1">
+              <a:rPr lang="ru-RU" sz="2200" dirty="0">
+                <a:latin typeface="Times New Roman" panose="02020603050405020304" pitchFamily="18" charset="0"/>
+                <a:cs typeface="Times New Roman" panose="02020603050405020304" pitchFamily="18" charset="0"/>
+              </a:rPr>
+              <a:t>Настройка</a:t>
+            </a:r>
+            <a:r>
+              <a:rPr lang="en-US" sz="2200" dirty="0">
+                <a:latin typeface="Times New Roman" panose="02020603050405020304" pitchFamily="18" charset="0"/>
+                <a:cs typeface="Times New Roman" panose="02020603050405020304" pitchFamily="18" charset="0"/>
+              </a:rPr>
+              <a:t> </a:t>
+            </a:r>
+            <a:r>
+              <a:rPr lang="ru-RU" sz="2200" dirty="0">
+                <a:latin typeface="Times New Roman" panose="02020603050405020304" pitchFamily="18" charset="0"/>
+                <a:cs typeface="Times New Roman" panose="02020603050405020304" pitchFamily="18" charset="0"/>
+              </a:rPr>
+              <a:t>кластера </a:t>
+            </a:r>
+            <a:r>
+              <a:rPr lang="en-US" sz="2200" dirty="0" err="1">
                 <a:latin typeface="Times New Roman" panose="02020603050405020304" pitchFamily="18" charset="0"/>
                 <a:cs typeface="Times New Roman" panose="02020603050405020304" pitchFamily="18" charset="0"/>
               </a:rPr>
               <a:t>keepalived</a:t>
             </a:r>
-            <a:endParaRPr lang="en-US" dirty="0"/>
+            <a:endParaRPr lang="en-US" sz="2200" dirty="0"/>
           </a:p>
         </p:txBody>
       </p:sp>
@@ -4126,7 +4146,7 @@
         </p:nvSpPr>
         <p:spPr>
           <a:xfrm>
-            <a:off x="628650" y="345513"/>
+            <a:off x="628649" y="116632"/>
             <a:ext cx="7886700" cy="471586"/>
           </a:xfrm>
           <a:prstGeom prst="rect">
@@ -4170,10 +4190,10 @@
       </p:sp>
       <p:pic>
         <p:nvPicPr>
-          <p:cNvPr id="3074" name="Рисунок 1">
+          <p:cNvPr id="5122" name="Рисунок 1">
             <a:extLst>
               <a:ext uri="{FF2B5EF4-FFF2-40B4-BE49-F238E27FC236}">
-                <a16:creationId xmlns:a16="http://schemas.microsoft.com/office/drawing/2014/main" id="{22EFB79A-7103-0CCE-6ADC-9AECF9007A8E}"/>
+                <a16:creationId xmlns:a16="http://schemas.microsoft.com/office/drawing/2014/main" id="{7B48B4D9-4A6E-D483-7597-EFCEE2920876}"/>
               </a:ext>
             </a:extLst>
           </p:cNvPr>
@@ -4197,8 +4217,8 @@
         </p:blipFill>
         <p:spPr bwMode="auto">
           <a:xfrm>
-            <a:off x="3203848" y="1027248"/>
-            <a:ext cx="4152900" cy="3990975"/>
+            <a:off x="179512" y="3235227"/>
+            <a:ext cx="4248472" cy="2315954"/>
           </a:xfrm>
           <a:prstGeom prst="rect">
             <a:avLst/>
@@ -4230,40 +4250,70 @@
       </p:pic>
       <p:pic>
         <p:nvPicPr>
-          <p:cNvPr id="9" name="Рисунок 8">
+          <p:cNvPr id="2" name="Рисунок 1">
             <a:extLst>
               <a:ext uri="{FF2B5EF4-FFF2-40B4-BE49-F238E27FC236}">
-                <a16:creationId xmlns:a16="http://schemas.microsoft.com/office/drawing/2014/main" id="{82C231AC-73DF-DE0B-67F5-F4BE630B33AA}"/>
+                <a16:creationId xmlns:a16="http://schemas.microsoft.com/office/drawing/2014/main" id="{09465F09-6E04-5192-33E3-89A2F4B40BB1}"/>
               </a:ext>
             </a:extLst>
           </p:cNvPr>
           <p:cNvPicPr>
-            <a:picLocks noChangeAspect="1"/>
+            <a:picLocks noChangeAspect="1" noChangeArrowheads="1"/>
           </p:cNvPicPr>
           <p:nvPr/>
         </p:nvPicPr>
         <p:blipFill>
-          <a:blip r:embed="rId3"/>
+          <a:blip r:embed="rId3">
+            <a:extLst>
+              <a:ext uri="{28A0092B-C50C-407E-A947-70E740481C1C}">
+                <a14:useLocalDpi xmlns:a14="http://schemas.microsoft.com/office/drawing/2010/main" val="0"/>
+              </a:ext>
+            </a:extLst>
+          </a:blip>
+          <a:srcRect/>
           <a:stretch>
             <a:fillRect/>
           </a:stretch>
         </p:blipFill>
-        <p:spPr>
-          <a:xfrm>
-            <a:off x="999626" y="5214631"/>
-            <a:ext cx="7144747" cy="1181265"/>
+        <p:spPr bwMode="auto">
+          <a:xfrm>
+            <a:off x="4454085" y="1285858"/>
+            <a:ext cx="4510403" cy="4286283"/>
           </a:xfrm>
           <a:prstGeom prst="rect">
             <a:avLst/>
           </a:prstGeom>
+          <a:noFill/>
+          <a:ln>
+            <a:noFill/>
+          </a:ln>
+          <a:extLst>
+            <a:ext uri="{909E8E84-426E-40DD-AFC4-6F175D3DCCD1}">
+              <a14:hiddenFill xmlns:a14="http://schemas.microsoft.com/office/drawing/2010/main">
+                <a:solidFill>
+                  <a:srgbClr val="FFFFFF"/>
+                </a:solidFill>
+              </a14:hiddenFill>
+            </a:ext>
+            <a:ext uri="{91240B29-F687-4F45-9708-019B960494DF}">
+              <a14:hiddenLine xmlns:a14="http://schemas.microsoft.com/office/drawing/2010/main" w="9525">
+                <a:solidFill>
+                  <a:srgbClr val="000000"/>
+                </a:solidFill>
+                <a:miter lim="800000"/>
+                <a:headEnd/>
+                <a:tailEnd/>
+              </a14:hiddenLine>
+            </a:ext>
+          </a:extLst>
         </p:spPr>
       </p:pic>
       <p:sp>
         <p:nvSpPr>
-          <p:cNvPr id="10" name="TextBox 9">
+          <p:cNvPr id="4" name="TextBox 3">
             <a:extLst>
               <a:ext uri="{FF2B5EF4-FFF2-40B4-BE49-F238E27FC236}">
-                <a16:creationId xmlns:a16="http://schemas.microsoft.com/office/drawing/2014/main" id="{D2BC7A7C-C154-831E-7E43-AC1436F29924}"/>
+                <a16:creationId xmlns:a16="http://schemas.microsoft.com/office/drawing/2014/main" id="{C09EB5DD-8E6F-027E-8F7B-C0E2C4A2E332}"/>
               </a:ext>
             </a:extLst>
           </p:cNvPr>
@@ -4272,8 +4322,8 @@
         </p:nvSpPr>
         <p:spPr>
           <a:xfrm>
-            <a:off x="1009945" y="2420888"/>
-            <a:ext cx="1612307" cy="923330"/>
+            <a:off x="446316" y="1988840"/>
+            <a:ext cx="3714863" cy="430887"/>
           </a:xfrm>
           <a:prstGeom prst="rect">
             <a:avLst/>
@@ -4281,26 +4331,33 @@
           <a:noFill/>
         </p:spPr>
         <p:txBody>
-          <a:bodyPr wrap="square" rtlCol="0">
+          <a:bodyPr wrap="none" rtlCol="0">
             <a:spAutoFit/>
           </a:bodyPr>
           <a:lstStyle/>
           <a:p>
             <a:r>
-              <a:rPr lang="ru-RU" dirty="0">
-                <a:latin typeface="Times New Roman" panose="02020603050405020304" pitchFamily="18" charset="0"/>
-                <a:cs typeface="Times New Roman" panose="02020603050405020304" pitchFamily="18" charset="0"/>
-              </a:rPr>
-              <a:t>Настройка скриптов переключения</a:t>
-            </a:r>
-            <a:endParaRPr lang="en-US" dirty="0"/>
+              <a:rPr lang="ru-RU" sz="2200" dirty="0">
+                <a:latin typeface="Times New Roman" panose="02020603050405020304" pitchFamily="18" charset="0"/>
+                <a:cs typeface="Times New Roman" panose="02020603050405020304" pitchFamily="18" charset="0"/>
+              </a:rPr>
+              <a:t>Настройка пакета </a:t>
+            </a:r>
+            <a:r>
+              <a:rPr lang="en-US" sz="2200" dirty="0">
+                <a:latin typeface="Times New Roman" panose="02020603050405020304" pitchFamily="18" charset="0"/>
+                <a:cs typeface="Times New Roman" panose="02020603050405020304" pitchFamily="18" charset="0"/>
+              </a:rPr>
+              <a:t>net-monitor</a:t>
+            </a:r>
+            <a:endParaRPr lang="en-US" sz="2200" dirty="0"/>
           </a:p>
         </p:txBody>
       </p:sp>
     </p:spTree>
     <p:extLst>
       <p:ext uri="{BB962C8B-B14F-4D97-AF65-F5344CB8AC3E}">
-        <p14:creationId xmlns:p14="http://schemas.microsoft.com/office/powerpoint/2010/main" val="3474603618"/>
+        <p14:creationId xmlns:p14="http://schemas.microsoft.com/office/powerpoint/2010/main" val="2917901199"/>
       </p:ext>
     </p:extLst>
   </p:cSld>
@@ -4390,10 +4447,10 @@
       </p:sp>
       <p:pic>
         <p:nvPicPr>
-          <p:cNvPr id="4098" name="Picture 2">
+          <p:cNvPr id="10242" name="Рисунок 1">
             <a:extLst>
               <a:ext uri="{FF2B5EF4-FFF2-40B4-BE49-F238E27FC236}">
-                <a16:creationId xmlns:a16="http://schemas.microsoft.com/office/drawing/2014/main" id="{98623274-5571-BE14-FAD8-4BC091B6B0DD}"/>
+                <a16:creationId xmlns:a16="http://schemas.microsoft.com/office/drawing/2014/main" id="{5FB9BBBC-78F5-D029-2A0E-F787A24953C9}"/>
               </a:ext>
             </a:extLst>
           </p:cNvPr>
@@ -4417,8 +4474,8 @@
         </p:blipFill>
         <p:spPr bwMode="auto">
           <a:xfrm>
-            <a:off x="2195736" y="822829"/>
-            <a:ext cx="5809143" cy="5781169"/>
+            <a:off x="2805112" y="1704342"/>
+            <a:ext cx="3533775" cy="2838450"/>
           </a:xfrm>
           <a:prstGeom prst="rect">
             <a:avLst/>
@@ -4448,12 +4505,72 @@
           </a:extLst>
         </p:spPr>
       </p:pic>
+      <p:pic>
+        <p:nvPicPr>
+          <p:cNvPr id="10243" name="Picture 3">
+            <a:extLst>
+              <a:ext uri="{FF2B5EF4-FFF2-40B4-BE49-F238E27FC236}">
+                <a16:creationId xmlns:a16="http://schemas.microsoft.com/office/drawing/2014/main" id="{B96C1D6B-3CEF-C1C1-0944-C1BC09842255}"/>
+              </a:ext>
+            </a:extLst>
+          </p:cNvPr>
+          <p:cNvPicPr>
+            <a:picLocks noChangeAspect="1" noChangeArrowheads="1"/>
+          </p:cNvPicPr>
+          <p:nvPr/>
+        </p:nvPicPr>
+        <p:blipFill>
+          <a:blip r:embed="rId3">
+            <a:extLst>
+              <a:ext uri="{28A0092B-C50C-407E-A947-70E740481C1C}">
+                <a14:useLocalDpi xmlns:a14="http://schemas.microsoft.com/office/drawing/2010/main" val="0"/>
+              </a:ext>
+            </a:extLst>
+          </a:blip>
+          <a:srcRect/>
+          <a:stretch>
+            <a:fillRect/>
+          </a:stretch>
+        </p:blipFill>
+        <p:spPr bwMode="auto">
+          <a:xfrm>
+            <a:off x="785034" y="4653136"/>
+            <a:ext cx="7573932" cy="936104"/>
+          </a:xfrm>
+          <a:prstGeom prst="rect">
+            <a:avLst/>
+          </a:prstGeom>
+          <a:noFill/>
+          <a:ln>
+            <a:noFill/>
+          </a:ln>
+          <a:extLst>
+            <a:ext uri="{909E8E84-426E-40DD-AFC4-6F175D3DCCD1}">
+              <a14:hiddenFill xmlns:a14="http://schemas.microsoft.com/office/drawing/2010/main">
+                <a:solidFill>
+                  <a:srgbClr val="FFFFFF"/>
+                </a:solidFill>
+              </a14:hiddenFill>
+            </a:ext>
+            <a:ext uri="{91240B29-F687-4F45-9708-019B960494DF}">
+              <a14:hiddenLine xmlns:a14="http://schemas.microsoft.com/office/drawing/2010/main" w="9525">
+                <a:solidFill>
+                  <a:srgbClr val="000000"/>
+                </a:solidFill>
+                <a:miter lim="800000"/>
+                <a:headEnd/>
+                <a:tailEnd/>
+              </a14:hiddenLine>
+            </a:ext>
+          </a:extLst>
+        </p:spPr>
+      </p:pic>
       <p:sp>
         <p:nvSpPr>
           <p:cNvPr id="2" name="TextBox 1">
             <a:extLst>
               <a:ext uri="{FF2B5EF4-FFF2-40B4-BE49-F238E27FC236}">
-                <a16:creationId xmlns:a16="http://schemas.microsoft.com/office/drawing/2014/main" id="{D7379E5D-2898-456B-09CE-CEF98848642B}"/>
+                <a16:creationId xmlns:a16="http://schemas.microsoft.com/office/drawing/2014/main" id="{07AEAFA3-34B2-D264-B3A3-5CC412447F89}"/>
               </a:ext>
             </a:extLst>
           </p:cNvPr>
@@ -4462,8 +4579,8 @@
         </p:nvSpPr>
         <p:spPr>
           <a:xfrm>
-            <a:off x="459288" y="2967335"/>
-            <a:ext cx="1225977" cy="923330"/>
+            <a:off x="1790500" y="1053316"/>
+            <a:ext cx="5562998" cy="430887"/>
           </a:xfrm>
           <a:prstGeom prst="rect">
             <a:avLst/>
@@ -4477,38 +4594,41 @@
           <a:lstStyle/>
           <a:p>
             <a:r>
-              <a:rPr lang="ru-RU" dirty="0">
+              <a:rPr lang="ru-RU" sz="2200" dirty="0">
                 <a:latin typeface="Times New Roman" panose="02020603050405020304" pitchFamily="18" charset="0"/>
                 <a:cs typeface="Times New Roman" panose="02020603050405020304" pitchFamily="18" charset="0"/>
               </a:rPr>
               <a:t>Настройка</a:t>
             </a:r>
-          </a:p>
-          <a:p>
-            <a:r>
-              <a:rPr lang="ru-RU" dirty="0">
-                <a:latin typeface="Times New Roman" panose="02020603050405020304" pitchFamily="18" charset="0"/>
-                <a:cs typeface="Times New Roman" panose="02020603050405020304" pitchFamily="18" charset="0"/>
-              </a:rPr>
-              <a:t>пакетного</a:t>
-            </a:r>
-          </a:p>
-          <a:p>
-            <a:r>
-              <a:rPr lang="ru-RU" dirty="0">
-                <a:latin typeface="Times New Roman" panose="02020603050405020304" pitchFamily="18" charset="0"/>
-                <a:cs typeface="Times New Roman" panose="02020603050405020304" pitchFamily="18" charset="0"/>
-              </a:rPr>
-              <a:t>фильтра</a:t>
-            </a:r>
-            <a:endParaRPr lang="en-US" dirty="0"/>
+            <a:r>
+              <a:rPr lang="en-US" sz="2200" dirty="0">
+                <a:latin typeface="Times New Roman" panose="02020603050405020304" pitchFamily="18" charset="0"/>
+                <a:cs typeface="Times New Roman" panose="02020603050405020304" pitchFamily="18" charset="0"/>
+              </a:rPr>
+              <a:t> </a:t>
+            </a:r>
+            <a:r>
+              <a:rPr lang="ru-RU" sz="2200" dirty="0">
+                <a:latin typeface="Times New Roman" panose="02020603050405020304" pitchFamily="18" charset="0"/>
+                <a:cs typeface="Times New Roman" panose="02020603050405020304" pitchFamily="18" charset="0"/>
+              </a:rPr>
+              <a:t>механизма синхронизации </a:t>
+            </a:r>
+            <a:r>
+              <a:rPr lang="en-US" sz="2200" dirty="0">
+                <a:latin typeface="Times New Roman" panose="02020603050405020304" pitchFamily="18" charset="0"/>
+                <a:cs typeface="Times New Roman" panose="02020603050405020304" pitchFamily="18" charset="0"/>
+              </a:rPr>
+              <a:t>csync2</a:t>
+            </a:r>
+            <a:endParaRPr lang="en-US" sz="2200" dirty="0"/>
           </a:p>
         </p:txBody>
       </p:sp>
     </p:spTree>
     <p:extLst>
       <p:ext uri="{BB962C8B-B14F-4D97-AF65-F5344CB8AC3E}">
-        <p14:creationId xmlns:p14="http://schemas.microsoft.com/office/powerpoint/2010/main" val="114894293"/>
+        <p14:creationId xmlns:p14="http://schemas.microsoft.com/office/powerpoint/2010/main" val="1838519652"/>
       </p:ext>
     </p:extLst>
   </p:cSld>
@@ -4554,7 +4674,7 @@
         </p:nvSpPr>
         <p:spPr>
           <a:xfrm>
-            <a:off x="628649" y="116632"/>
+            <a:off x="628650" y="345513"/>
             <a:ext cx="7886700" cy="471586"/>
           </a:xfrm>
           <a:prstGeom prst="rect">
@@ -4591,17 +4711,28 @@
                 <a:latin typeface="Times New Roman" panose="02020603050405020304" pitchFamily="18" charset="0"/>
                 <a:cs typeface="Times New Roman" panose="02020603050405020304" pitchFamily="18" charset="0"/>
               </a:rPr>
-              <a:t>Настройка кластера маршрутизаторов</a:t>
-            </a:r>
+              <a:t>Настройка хранилища </a:t>
+            </a:r>
+            <a:r>
+              <a:rPr lang="en-US" sz="2800" b="1" dirty="0" err="1">
+                <a:latin typeface="Times New Roman" panose="02020603050405020304" pitchFamily="18" charset="0"/>
+                <a:cs typeface="Times New Roman" panose="02020603050405020304" pitchFamily="18" charset="0"/>
+              </a:rPr>
+              <a:t>ceph</a:t>
+            </a:r>
+            <a:endParaRPr lang="ru-RU" sz="2800" b="1" dirty="0">
+              <a:latin typeface="Times New Roman" panose="02020603050405020304" pitchFamily="18" charset="0"/>
+              <a:cs typeface="Times New Roman" panose="02020603050405020304" pitchFamily="18" charset="0"/>
+            </a:endParaRPr>
           </a:p>
         </p:txBody>
       </p:sp>
       <p:pic>
         <p:nvPicPr>
-          <p:cNvPr id="5122" name="Рисунок 1">
+          <p:cNvPr id="11266" name="Picture 2">
             <a:extLst>
               <a:ext uri="{FF2B5EF4-FFF2-40B4-BE49-F238E27FC236}">
-                <a16:creationId xmlns:a16="http://schemas.microsoft.com/office/drawing/2014/main" id="{7B48B4D9-4A6E-D483-7597-EFCEE2920876}"/>
+                <a16:creationId xmlns:a16="http://schemas.microsoft.com/office/drawing/2014/main" id="{6E2D42DF-FBF3-BE87-CC7E-695BEF4CC53D}"/>
               </a:ext>
             </a:extLst>
           </p:cNvPr>
@@ -4625,8 +4756,8 @@
         </p:blipFill>
         <p:spPr bwMode="auto">
           <a:xfrm>
-            <a:off x="179512" y="3235227"/>
-            <a:ext cx="4248472" cy="2315954"/>
+            <a:off x="2730170" y="908682"/>
+            <a:ext cx="5429250" cy="1857375"/>
           </a:xfrm>
           <a:prstGeom prst="rect">
             <a:avLst/>
@@ -4658,10 +4789,10 @@
       </p:pic>
       <p:pic>
         <p:nvPicPr>
-          <p:cNvPr id="2" name="Рисунок 1">
+          <p:cNvPr id="11267" name="Picture 3">
             <a:extLst>
               <a:ext uri="{FF2B5EF4-FFF2-40B4-BE49-F238E27FC236}">
-                <a16:creationId xmlns:a16="http://schemas.microsoft.com/office/drawing/2014/main" id="{09465F09-6E04-5192-33E3-89A2F4B40BB1}"/>
+                <a16:creationId xmlns:a16="http://schemas.microsoft.com/office/drawing/2014/main" id="{9FE9DF08-887D-4292-72A2-F0AE6744AEB8}"/>
               </a:ext>
             </a:extLst>
           </p:cNvPr>
@@ -4685,8 +4816,8 @@
         </p:blipFill>
         <p:spPr bwMode="auto">
           <a:xfrm>
-            <a:off x="4454085" y="1285858"/>
-            <a:ext cx="4510403" cy="4286283"/>
+            <a:off x="971230" y="2857641"/>
+            <a:ext cx="7201535" cy="2376264"/>
           </a:xfrm>
           <a:prstGeom prst="rect">
             <a:avLst/>
@@ -4716,12 +4847,72 @@
           </a:extLst>
         </p:spPr>
       </p:pic>
-      <p:sp>
-        <p:nvSpPr>
-          <p:cNvPr id="4" name="TextBox 3">
+      <p:pic>
+        <p:nvPicPr>
+          <p:cNvPr id="11268" name="Picture 4">
             <a:extLst>
               <a:ext uri="{FF2B5EF4-FFF2-40B4-BE49-F238E27FC236}">
-                <a16:creationId xmlns:a16="http://schemas.microsoft.com/office/drawing/2014/main" id="{C09EB5DD-8E6F-027E-8F7B-C0E2C4A2E332}"/>
+                <a16:creationId xmlns:a16="http://schemas.microsoft.com/office/drawing/2014/main" id="{F36161D1-FE1A-B2A5-224C-639CC7DF662D}"/>
+              </a:ext>
+            </a:extLst>
+          </p:cNvPr>
+          <p:cNvPicPr>
+            <a:picLocks noChangeAspect="1" noChangeArrowheads="1"/>
+          </p:cNvPicPr>
+          <p:nvPr/>
+        </p:nvPicPr>
+        <p:blipFill>
+          <a:blip r:embed="rId4">
+            <a:extLst>
+              <a:ext uri="{28A0092B-C50C-407E-A947-70E740481C1C}">
+                <a14:useLocalDpi xmlns:a14="http://schemas.microsoft.com/office/drawing/2010/main" val="0"/>
+              </a:ext>
+            </a:extLst>
+          </a:blip>
+          <a:srcRect/>
+          <a:stretch>
+            <a:fillRect/>
+          </a:stretch>
+        </p:blipFill>
+        <p:spPr bwMode="auto">
+          <a:xfrm>
+            <a:off x="971230" y="5287248"/>
+            <a:ext cx="3355257" cy="1525905"/>
+          </a:xfrm>
+          <a:prstGeom prst="rect">
+            <a:avLst/>
+          </a:prstGeom>
+          <a:noFill/>
+          <a:ln>
+            <a:noFill/>
+          </a:ln>
+          <a:extLst>
+            <a:ext uri="{909E8E84-426E-40DD-AFC4-6F175D3DCCD1}">
+              <a14:hiddenFill xmlns:a14="http://schemas.microsoft.com/office/drawing/2010/main">
+                <a:solidFill>
+                  <a:srgbClr val="FFFFFF"/>
+                </a:solidFill>
+              </a14:hiddenFill>
+            </a:ext>
+            <a:ext uri="{91240B29-F687-4F45-9708-019B960494DF}">
+              <a14:hiddenLine xmlns:a14="http://schemas.microsoft.com/office/drawing/2010/main" w="9525">
+                <a:solidFill>
+                  <a:srgbClr val="000000"/>
+                </a:solidFill>
+                <a:miter lim="800000"/>
+                <a:headEnd/>
+                <a:tailEnd/>
+              </a14:hiddenLine>
+            </a:ext>
+          </a:extLst>
+        </p:spPr>
+      </p:pic>
+      <p:sp>
+        <p:nvSpPr>
+          <p:cNvPr id="2" name="TextBox 1">
+            <a:extLst>
+              <a:ext uri="{FF2B5EF4-FFF2-40B4-BE49-F238E27FC236}">
+                <a16:creationId xmlns:a16="http://schemas.microsoft.com/office/drawing/2014/main" id="{EB7C7A78-BD14-5982-9BD3-E7B01531C1A6}"/>
               </a:ext>
             </a:extLst>
           </p:cNvPr>
@@ -4730,8 +4921,8 @@
         </p:nvSpPr>
         <p:spPr>
           <a:xfrm>
-            <a:off x="1043608" y="1988840"/>
-            <a:ext cx="2373727" cy="369332"/>
+            <a:off x="971230" y="1052736"/>
+            <a:ext cx="1584546" cy="1107996"/>
           </a:xfrm>
           <a:prstGeom prst="rect">
             <a:avLst/>
@@ -4739,33 +4930,70 @@
           <a:noFill/>
         </p:spPr>
         <p:txBody>
-          <a:bodyPr wrap="none" rtlCol="0">
+          <a:bodyPr wrap="square" rtlCol="0">
             <a:spAutoFit/>
           </a:bodyPr>
           <a:lstStyle/>
           <a:p>
             <a:r>
-              <a:rPr lang="ru-RU" dirty="0">
-                <a:latin typeface="Times New Roman" panose="02020603050405020304" pitchFamily="18" charset="0"/>
-                <a:cs typeface="Times New Roman" panose="02020603050405020304" pitchFamily="18" charset="0"/>
-              </a:rPr>
-              <a:t>Настройка </a:t>
-            </a:r>
-            <a:r>
-              <a:rPr lang="en-US" dirty="0">
-                <a:latin typeface="Times New Roman" panose="02020603050405020304" pitchFamily="18" charset="0"/>
-                <a:cs typeface="Times New Roman" panose="02020603050405020304" pitchFamily="18" charset="0"/>
-              </a:rPr>
-              <a:t>net-monitor</a:t>
-            </a:r>
-            <a:endParaRPr lang="en-US" dirty="0"/>
-          </a:p>
-        </p:txBody>
-      </p:sp>
+              <a:rPr lang="ru-RU" sz="2200" dirty="0">
+                <a:latin typeface="Times New Roman" panose="02020603050405020304" pitchFamily="18" charset="0"/>
+                <a:cs typeface="Times New Roman" panose="02020603050405020304" pitchFamily="18" charset="0"/>
+              </a:rPr>
+              <a:t>Настройка хранилища</a:t>
+            </a:r>
+            <a:r>
+              <a:rPr lang="en-US" sz="2200" dirty="0">
+                <a:latin typeface="Times New Roman" panose="02020603050405020304" pitchFamily="18" charset="0"/>
+                <a:cs typeface="Times New Roman" panose="02020603050405020304" pitchFamily="18" charset="0"/>
+              </a:rPr>
+              <a:t> </a:t>
+            </a:r>
+            <a:r>
+              <a:rPr lang="en-US" sz="2200" dirty="0" err="1">
+                <a:latin typeface="Times New Roman" panose="02020603050405020304" pitchFamily="18" charset="0"/>
+                <a:cs typeface="Times New Roman" panose="02020603050405020304" pitchFamily="18" charset="0"/>
+              </a:rPr>
+              <a:t>ceph</a:t>
+            </a:r>
+            <a:endParaRPr lang="en-US" sz="2200" dirty="0"/>
+          </a:p>
+        </p:txBody>
+      </p:sp>
+      <p:pic>
+        <p:nvPicPr>
+          <p:cNvPr id="4" name="Рисунок 3">
+            <a:extLst>
+              <a:ext uri="{FF2B5EF4-FFF2-40B4-BE49-F238E27FC236}">
+                <a16:creationId xmlns:a16="http://schemas.microsoft.com/office/drawing/2014/main" id="{8FCE6255-D739-6366-7D80-C02EB4422223}"/>
+              </a:ext>
+            </a:extLst>
+          </p:cNvPr>
+          <p:cNvPicPr>
+            <a:picLocks noChangeAspect="1"/>
+          </p:cNvPicPr>
+          <p:nvPr/>
+        </p:nvPicPr>
+        <p:blipFill>
+          <a:blip r:embed="rId5"/>
+          <a:stretch>
+            <a:fillRect/>
+          </a:stretch>
+        </p:blipFill>
+        <p:spPr>
+          <a:xfrm>
+            <a:off x="4720415" y="5502436"/>
+            <a:ext cx="3439005" cy="1095528"/>
+          </a:xfrm>
+          <a:prstGeom prst="rect">
+            <a:avLst/>
+          </a:prstGeom>
+        </p:spPr>
+      </p:pic>
     </p:spTree>
     <p:extLst>
       <p:ext uri="{BB962C8B-B14F-4D97-AF65-F5344CB8AC3E}">
-        <p14:creationId xmlns:p14="http://schemas.microsoft.com/office/powerpoint/2010/main" val="2917901199"/>
+        <p14:creationId xmlns:p14="http://schemas.microsoft.com/office/powerpoint/2010/main" val="1128094416"/>
       </p:ext>
     </p:extLst>
   </p:cSld>
@@ -4848,17 +5076,17 @@
                 <a:latin typeface="Times New Roman" panose="02020603050405020304" pitchFamily="18" charset="0"/>
                 <a:cs typeface="Times New Roman" panose="02020603050405020304" pitchFamily="18" charset="0"/>
               </a:rPr>
-              <a:t>Настройка кластера маршрутизаторов</a:t>
+              <a:t>Настройка кластера виртуализации</a:t>
             </a:r>
           </a:p>
         </p:txBody>
       </p:sp>
       <p:pic>
         <p:nvPicPr>
-          <p:cNvPr id="6146" name="Рисунок 1">
+          <p:cNvPr id="12290" name="Picture 2">
             <a:extLst>
               <a:ext uri="{FF2B5EF4-FFF2-40B4-BE49-F238E27FC236}">
-                <a16:creationId xmlns:a16="http://schemas.microsoft.com/office/drawing/2014/main" id="{0631B5F8-A189-9B0B-B8F2-2E5584BDA317}"/>
+                <a16:creationId xmlns:a16="http://schemas.microsoft.com/office/drawing/2014/main" id="{3C3DCF46-C9BB-E524-C7B7-40805E15DB64}"/>
               </a:ext>
             </a:extLst>
           </p:cNvPr>
@@ -4882,8 +5110,8 @@
         </p:blipFill>
         <p:spPr bwMode="auto">
           <a:xfrm>
-            <a:off x="1093094" y="2348878"/>
-            <a:ext cx="3190875" cy="2466975"/>
+            <a:off x="5220072" y="817099"/>
+            <a:ext cx="3672408" cy="5883836"/>
           </a:xfrm>
           <a:prstGeom prst="rect">
             <a:avLst/>
@@ -4913,12 +5141,58 @@
           </a:extLst>
         </p:spPr>
       </p:pic>
+      <p:sp>
+        <p:nvSpPr>
+          <p:cNvPr id="2" name="TextBox 1">
+            <a:extLst>
+              <a:ext uri="{FF2B5EF4-FFF2-40B4-BE49-F238E27FC236}">
+                <a16:creationId xmlns:a16="http://schemas.microsoft.com/office/drawing/2014/main" id="{5F1299AB-35DF-2D7D-E5EC-27204DB8E14A}"/>
+              </a:ext>
+            </a:extLst>
+          </p:cNvPr>
+          <p:cNvSpPr txBox="1"/>
+          <p:nvPr/>
+        </p:nvSpPr>
+        <p:spPr>
+          <a:xfrm>
+            <a:off x="949857" y="1691582"/>
+            <a:ext cx="3672408" cy="430887"/>
+          </a:xfrm>
+          <a:prstGeom prst="rect">
+            <a:avLst/>
+          </a:prstGeom>
+          <a:noFill/>
+        </p:spPr>
+        <p:txBody>
+          <a:bodyPr wrap="square" rtlCol="0">
+            <a:spAutoFit/>
+          </a:bodyPr>
+          <a:lstStyle/>
+          <a:p>
+            <a:r>
+              <a:rPr lang="ru-RU" sz="2200" dirty="0">
+                <a:latin typeface="Times New Roman" panose="02020603050405020304" pitchFamily="18" charset="0"/>
+                <a:cs typeface="Times New Roman" panose="02020603050405020304" pitchFamily="18" charset="0"/>
+              </a:rPr>
+              <a:t>Настройка кластера </a:t>
+            </a:r>
+            <a:r>
+              <a:rPr lang="en-US" sz="2200" dirty="0" err="1">
+                <a:latin typeface="Times New Roman" panose="02020603050405020304" pitchFamily="18" charset="0"/>
+                <a:cs typeface="Times New Roman" panose="02020603050405020304" pitchFamily="18" charset="0"/>
+              </a:rPr>
+              <a:t>corosync</a:t>
+            </a:r>
+            <a:endParaRPr lang="en-US" sz="2200" dirty="0"/>
+          </a:p>
+        </p:txBody>
+      </p:sp>
       <p:pic>
         <p:nvPicPr>
-          <p:cNvPr id="6147" name="Picture 3">
+          <p:cNvPr id="4" name="Рисунок 1">
             <a:extLst>
               <a:ext uri="{FF2B5EF4-FFF2-40B4-BE49-F238E27FC236}">
-                <a16:creationId xmlns:a16="http://schemas.microsoft.com/office/drawing/2014/main" id="{3D67683B-3AEF-7F82-55E7-A782A3D39134}"/>
+                <a16:creationId xmlns:a16="http://schemas.microsoft.com/office/drawing/2014/main" id="{E752BD58-C574-EE3A-A4E5-419FA78FB9A4}"/>
               </a:ext>
             </a:extLst>
           </p:cNvPr>
@@ -4942,8 +5216,8 @@
         </p:blipFill>
         <p:spPr bwMode="auto">
           <a:xfrm>
-            <a:off x="4860032" y="2225054"/>
-            <a:ext cx="2752725" cy="2714625"/>
+            <a:off x="628650" y="2996952"/>
+            <a:ext cx="4314825" cy="1257300"/>
           </a:xfrm>
           <a:prstGeom prst="rect">
             <a:avLst/>
@@ -4973,77 +5247,70 @@
           </a:extLst>
         </p:spPr>
       </p:pic>
-      <p:sp>
-        <p:nvSpPr>
-          <p:cNvPr id="2" name="TextBox 1">
+      <p:pic>
+        <p:nvPicPr>
+          <p:cNvPr id="5" name="Picture 3">
             <a:extLst>
               <a:ext uri="{FF2B5EF4-FFF2-40B4-BE49-F238E27FC236}">
-                <a16:creationId xmlns:a16="http://schemas.microsoft.com/office/drawing/2014/main" id="{571D3B03-151A-37F4-4B37-4FF6445C6FE6}"/>
+                <a16:creationId xmlns:a16="http://schemas.microsoft.com/office/drawing/2014/main" id="{EF81809F-93A7-E9EE-CE6A-09517972B868}"/>
               </a:ext>
             </a:extLst>
           </p:cNvPr>
-          <p:cNvSpPr txBox="1"/>
+          <p:cNvPicPr>
+            <a:picLocks noChangeAspect="1" noChangeArrowheads="1"/>
+          </p:cNvPicPr>
           <p:nvPr/>
-        </p:nvSpPr>
-        <p:spPr>
-          <a:xfrm>
-            <a:off x="3374717" y="1089833"/>
-            <a:ext cx="2394566" cy="369332"/>
+        </p:nvPicPr>
+        <p:blipFill>
+          <a:blip r:embed="rId4">
+            <a:extLst>
+              <a:ext uri="{28A0092B-C50C-407E-A947-70E740481C1C}">
+                <a14:useLocalDpi xmlns:a14="http://schemas.microsoft.com/office/drawing/2010/main" val="0"/>
+              </a:ext>
+            </a:extLst>
+          </a:blip>
+          <a:srcRect/>
+          <a:stretch>
+            <a:fillRect/>
+          </a:stretch>
+        </p:blipFill>
+        <p:spPr bwMode="auto">
+          <a:xfrm>
+            <a:off x="800099" y="4365104"/>
+            <a:ext cx="3971925" cy="2000250"/>
           </a:xfrm>
           <a:prstGeom prst="rect">
             <a:avLst/>
           </a:prstGeom>
           <a:noFill/>
-        </p:spPr>
-        <p:txBody>
-          <a:bodyPr wrap="none" rtlCol="0">
-            <a:spAutoFit/>
-          </a:bodyPr>
-          <a:lstStyle/>
-          <a:p>
-            <a:r>
-              <a:rPr lang="ru-RU" dirty="0">
-                <a:latin typeface="Times New Roman" panose="02020603050405020304" pitchFamily="18" charset="0"/>
-                <a:cs typeface="Times New Roman" panose="02020603050405020304" pitchFamily="18" charset="0"/>
-              </a:rPr>
-              <a:t>Настройка </a:t>
-            </a:r>
-            <a:r>
-              <a:rPr lang="en-US" dirty="0" err="1">
-                <a:latin typeface="Times New Roman" panose="02020603050405020304" pitchFamily="18" charset="0"/>
-                <a:cs typeface="Times New Roman" panose="02020603050405020304" pitchFamily="18" charset="0"/>
-              </a:rPr>
-              <a:t>ipsec</a:t>
-            </a:r>
-            <a:r>
-              <a:rPr lang="en-US" dirty="0">
-                <a:latin typeface="Times New Roman" panose="02020603050405020304" pitchFamily="18" charset="0"/>
-                <a:cs typeface="Times New Roman" panose="02020603050405020304" pitchFamily="18" charset="0"/>
-              </a:rPr>
-              <a:t> </a:t>
-            </a:r>
-            <a:r>
-              <a:rPr lang="ru-RU" dirty="0">
-                <a:latin typeface="Times New Roman" panose="02020603050405020304" pitchFamily="18" charset="0"/>
-                <a:cs typeface="Times New Roman" panose="02020603050405020304" pitchFamily="18" charset="0"/>
-              </a:rPr>
-              <a:t>и </a:t>
-            </a:r>
-            <a:r>
-              <a:rPr lang="en-US" dirty="0" err="1">
-                <a:latin typeface="Times New Roman" panose="02020603050405020304" pitchFamily="18" charset="0"/>
-                <a:cs typeface="Times New Roman" panose="02020603050405020304" pitchFamily="18" charset="0"/>
-              </a:rPr>
-              <a:t>ospf</a:t>
-            </a:r>
-            <a:endParaRPr lang="en-US" dirty="0"/>
-          </a:p>
-        </p:txBody>
-      </p:sp>
+          <a:ln>
+            <a:noFill/>
+          </a:ln>
+          <a:extLst>
+            <a:ext uri="{909E8E84-426E-40DD-AFC4-6F175D3DCCD1}">
+              <a14:hiddenFill xmlns:a14="http://schemas.microsoft.com/office/drawing/2010/main">
+                <a:solidFill>
+                  <a:srgbClr val="FFFFFF"/>
+                </a:solidFill>
+              </a14:hiddenFill>
+            </a:ext>
+            <a:ext uri="{91240B29-F687-4F45-9708-019B960494DF}">
+              <a14:hiddenLine xmlns:a14="http://schemas.microsoft.com/office/drawing/2010/main" w="9525">
+                <a:solidFill>
+                  <a:srgbClr val="000000"/>
+                </a:solidFill>
+                <a:miter lim="800000"/>
+                <a:headEnd/>
+                <a:tailEnd/>
+              </a14:hiddenLine>
+            </a:ext>
+          </a:extLst>
+        </p:spPr>
+      </p:pic>
     </p:spTree>
     <p:extLst>
       <p:ext uri="{BB962C8B-B14F-4D97-AF65-F5344CB8AC3E}">
-        <p14:creationId xmlns:p14="http://schemas.microsoft.com/office/powerpoint/2010/main" val="1517503303"/>
+        <p14:creationId xmlns:p14="http://schemas.microsoft.com/office/powerpoint/2010/main" val="811338384"/>
       </p:ext>
     </p:extLst>
   </p:cSld>
@@ -5126,17 +5393,17 @@
                 <a:latin typeface="Times New Roman" panose="02020603050405020304" pitchFamily="18" charset="0"/>
                 <a:cs typeface="Times New Roman" panose="02020603050405020304" pitchFamily="18" charset="0"/>
               </a:rPr>
-              <a:t>Настройка кластера маршрутизаторов</a:t>
+              <a:t>Настройка кластера виртуализации</a:t>
             </a:r>
           </a:p>
         </p:txBody>
       </p:sp>
       <p:pic>
         <p:nvPicPr>
-          <p:cNvPr id="7170" name="Picture 2">
+          <p:cNvPr id="13316" name="Picture 4">
             <a:extLst>
               <a:ext uri="{FF2B5EF4-FFF2-40B4-BE49-F238E27FC236}">
-                <a16:creationId xmlns:a16="http://schemas.microsoft.com/office/drawing/2014/main" id="{3A0AC1FE-F2E0-57AA-309D-5857FE31FB3A}"/>
+                <a16:creationId xmlns:a16="http://schemas.microsoft.com/office/drawing/2014/main" id="{9E0235D9-0EA5-C3D8-BE2E-BADA2BFD4D50}"/>
               </a:ext>
             </a:extLst>
           </p:cNvPr>
@@ -5160,8 +5427,8 @@
         </p:blipFill>
         <p:spPr bwMode="auto">
           <a:xfrm>
-            <a:off x="2109787" y="1247775"/>
-            <a:ext cx="4924425" cy="2181225"/>
+            <a:off x="2100263" y="1302402"/>
+            <a:ext cx="4943475" cy="1114425"/>
           </a:xfrm>
           <a:prstGeom prst="rect">
             <a:avLst/>
@@ -5193,10 +5460,10 @@
       </p:pic>
       <p:pic>
         <p:nvPicPr>
-          <p:cNvPr id="7171" name="Picture 3">
+          <p:cNvPr id="14338" name="Picture 2">
             <a:extLst>
               <a:ext uri="{FF2B5EF4-FFF2-40B4-BE49-F238E27FC236}">
-                <a16:creationId xmlns:a16="http://schemas.microsoft.com/office/drawing/2014/main" id="{E1159D95-37D2-81BF-5D37-92FE6C5EBC16}"/>
+                <a16:creationId xmlns:a16="http://schemas.microsoft.com/office/drawing/2014/main" id="{D6AF071F-E8C3-CCFD-A927-6C2495CC8464}"/>
               </a:ext>
             </a:extLst>
           </p:cNvPr>
@@ -5220,8 +5487,8 @@
         </p:blipFill>
         <p:spPr bwMode="auto">
           <a:xfrm>
-            <a:off x="1604963" y="3467819"/>
-            <a:ext cx="5934075" cy="1647825"/>
+            <a:off x="1771650" y="2503615"/>
+            <a:ext cx="5600700" cy="2266950"/>
           </a:xfrm>
           <a:prstGeom prst="rect">
             <a:avLst/>
@@ -5253,10 +5520,10 @@
       </p:pic>
       <p:pic>
         <p:nvPicPr>
-          <p:cNvPr id="7172" name="Picture 4">
+          <p:cNvPr id="14339" name="Рисунок 1">
             <a:extLst>
               <a:ext uri="{FF2B5EF4-FFF2-40B4-BE49-F238E27FC236}">
-                <a16:creationId xmlns:a16="http://schemas.microsoft.com/office/drawing/2014/main" id="{99C80198-7B10-7010-3955-8567FA77640C}"/>
+                <a16:creationId xmlns:a16="http://schemas.microsoft.com/office/drawing/2014/main" id="{7AADDEF2-2975-1E6F-AB77-91141CF92436}"/>
               </a:ext>
             </a:extLst>
           </p:cNvPr>
@@ -5280,8 +5547,8 @@
         </p:blipFill>
         <p:spPr bwMode="auto">
           <a:xfrm>
-            <a:off x="1217156" y="5147617"/>
-            <a:ext cx="6709688" cy="1507795"/>
+            <a:off x="2600325" y="4840829"/>
+            <a:ext cx="3943350" cy="1533525"/>
           </a:xfrm>
           <a:prstGeom prst="rect">
             <a:avLst/>
@@ -5316,7 +5583,7 @@
           <p:cNvPr id="2" name="TextBox 1">
             <a:extLst>
               <a:ext uri="{FF2B5EF4-FFF2-40B4-BE49-F238E27FC236}">
-                <a16:creationId xmlns:a16="http://schemas.microsoft.com/office/drawing/2014/main" id="{F878E65A-EF7F-3E42-3758-1B3C286FADEA}"/>
+                <a16:creationId xmlns:a16="http://schemas.microsoft.com/office/drawing/2014/main" id="{4F31B2AC-7473-E1A8-28D7-3D500745DEEB}"/>
               </a:ext>
             </a:extLst>
           </p:cNvPr>
@@ -5325,8 +5592,8 @@
         </p:nvSpPr>
         <p:spPr>
           <a:xfrm>
-            <a:off x="3667265" y="817099"/>
-            <a:ext cx="1809470" cy="369332"/>
+            <a:off x="2920041" y="801251"/>
+            <a:ext cx="3303917" cy="430887"/>
           </a:xfrm>
           <a:prstGeom prst="rect">
             <a:avLst/>
@@ -5334,33 +5601,33 @@
           <a:noFill/>
         </p:spPr>
         <p:txBody>
-          <a:bodyPr wrap="none" rtlCol="0">
+          <a:bodyPr wrap="square" rtlCol="0">
             <a:spAutoFit/>
           </a:bodyPr>
           <a:lstStyle/>
           <a:p>
             <a:r>
-              <a:rPr lang="ru-RU" dirty="0">
-                <a:latin typeface="Times New Roman" panose="02020603050405020304" pitchFamily="18" charset="0"/>
-                <a:cs typeface="Times New Roman" panose="02020603050405020304" pitchFamily="18" charset="0"/>
-              </a:rPr>
-              <a:t>Настройка</a:t>
-            </a:r>
-            <a:r>
-              <a:rPr lang="en-US" dirty="0">
-                <a:latin typeface="Times New Roman" panose="02020603050405020304" pitchFamily="18" charset="0"/>
-                <a:cs typeface="Times New Roman" panose="02020603050405020304" pitchFamily="18" charset="0"/>
-              </a:rPr>
-              <a:t> bind9</a:t>
-            </a:r>
-            <a:endParaRPr lang="en-US" dirty="0"/>
+              <a:rPr lang="ru-RU" sz="2200" dirty="0">
+                <a:latin typeface="Times New Roman" panose="02020603050405020304" pitchFamily="18" charset="0"/>
+                <a:cs typeface="Times New Roman" panose="02020603050405020304" pitchFamily="18" charset="0"/>
+              </a:rPr>
+              <a:t>Подключение диска </a:t>
+            </a:r>
+            <a:r>
+              <a:rPr lang="en-US" sz="2200" dirty="0" err="1">
+                <a:latin typeface="Times New Roman" panose="02020603050405020304" pitchFamily="18" charset="0"/>
+                <a:cs typeface="Times New Roman" panose="02020603050405020304" pitchFamily="18" charset="0"/>
+              </a:rPr>
+              <a:t>ceph</a:t>
+            </a:r>
+            <a:endParaRPr lang="en-US" sz="2200" dirty="0"/>
           </a:p>
         </p:txBody>
       </p:sp>
     </p:spTree>
     <p:extLst>
       <p:ext uri="{BB962C8B-B14F-4D97-AF65-F5344CB8AC3E}">
-        <p14:creationId xmlns:p14="http://schemas.microsoft.com/office/powerpoint/2010/main" val="3626825929"/>
+        <p14:creationId xmlns:p14="http://schemas.microsoft.com/office/powerpoint/2010/main" val="1336945680"/>
       </p:ext>
     </p:extLst>
   </p:cSld>
@@ -5443,17 +5710,17 @@
                 <a:latin typeface="Times New Roman" panose="02020603050405020304" pitchFamily="18" charset="0"/>
                 <a:cs typeface="Times New Roman" panose="02020603050405020304" pitchFamily="18" charset="0"/>
               </a:rPr>
-              <a:t>Настройка кластера маршрутизаторов</a:t>
+              <a:t>Настройка кластера виртуализации</a:t>
             </a:r>
           </a:p>
         </p:txBody>
       </p:sp>
       <p:pic>
         <p:nvPicPr>
-          <p:cNvPr id="8194" name="Picture 2">
+          <p:cNvPr id="15362" name="Picture 2">
             <a:extLst>
               <a:ext uri="{FF2B5EF4-FFF2-40B4-BE49-F238E27FC236}">
-                <a16:creationId xmlns:a16="http://schemas.microsoft.com/office/drawing/2014/main" id="{85AC79CC-2F4E-46C2-C190-7AA37A968C34}"/>
+                <a16:creationId xmlns:a16="http://schemas.microsoft.com/office/drawing/2014/main" id="{D14D26AF-231F-D40D-7819-DE2DAE719306}"/>
               </a:ext>
             </a:extLst>
           </p:cNvPr>
@@ -5477,8 +5744,8 @@
         </p:blipFill>
         <p:spPr bwMode="auto">
           <a:xfrm>
-            <a:off x="1943708" y="1306095"/>
-            <a:ext cx="5256584" cy="4988163"/>
+            <a:off x="356837" y="1916832"/>
+            <a:ext cx="2931595" cy="3600400"/>
           </a:xfrm>
           <a:prstGeom prst="rect">
             <a:avLst/>
@@ -5508,12 +5775,132 @@
           </a:extLst>
         </p:spPr>
       </p:pic>
+      <p:pic>
+        <p:nvPicPr>
+          <p:cNvPr id="15363" name="Picture 3">
+            <a:extLst>
+              <a:ext uri="{FF2B5EF4-FFF2-40B4-BE49-F238E27FC236}">
+                <a16:creationId xmlns:a16="http://schemas.microsoft.com/office/drawing/2014/main" id="{4CAB2CD4-5C10-10AE-D993-4370EA4CB182}"/>
+              </a:ext>
+            </a:extLst>
+          </p:cNvPr>
+          <p:cNvPicPr>
+            <a:picLocks noChangeAspect="1" noChangeArrowheads="1"/>
+          </p:cNvPicPr>
+          <p:nvPr/>
+        </p:nvPicPr>
+        <p:blipFill>
+          <a:blip r:embed="rId3">
+            <a:extLst>
+              <a:ext uri="{28A0092B-C50C-407E-A947-70E740481C1C}">
+                <a14:useLocalDpi xmlns:a14="http://schemas.microsoft.com/office/drawing/2010/main" val="0"/>
+              </a:ext>
+            </a:extLst>
+          </a:blip>
+          <a:srcRect/>
+          <a:stretch>
+            <a:fillRect/>
+          </a:stretch>
+        </p:blipFill>
+        <p:spPr bwMode="auto">
+          <a:xfrm>
+            <a:off x="3347864" y="1916832"/>
+            <a:ext cx="5610225" cy="2085975"/>
+          </a:xfrm>
+          <a:prstGeom prst="rect">
+            <a:avLst/>
+          </a:prstGeom>
+          <a:noFill/>
+          <a:ln>
+            <a:noFill/>
+          </a:ln>
+          <a:extLst>
+            <a:ext uri="{909E8E84-426E-40DD-AFC4-6F175D3DCCD1}">
+              <a14:hiddenFill xmlns:a14="http://schemas.microsoft.com/office/drawing/2010/main">
+                <a:solidFill>
+                  <a:srgbClr val="FFFFFF"/>
+                </a:solidFill>
+              </a14:hiddenFill>
+            </a:ext>
+            <a:ext uri="{91240B29-F687-4F45-9708-019B960494DF}">
+              <a14:hiddenLine xmlns:a14="http://schemas.microsoft.com/office/drawing/2010/main" w="9525">
+                <a:solidFill>
+                  <a:srgbClr val="000000"/>
+                </a:solidFill>
+                <a:miter lim="800000"/>
+                <a:headEnd/>
+                <a:tailEnd/>
+              </a14:hiddenLine>
+            </a:ext>
+          </a:extLst>
+        </p:spPr>
+      </p:pic>
+      <p:pic>
+        <p:nvPicPr>
+          <p:cNvPr id="15364" name="Picture 4">
+            <a:extLst>
+              <a:ext uri="{FF2B5EF4-FFF2-40B4-BE49-F238E27FC236}">
+                <a16:creationId xmlns:a16="http://schemas.microsoft.com/office/drawing/2014/main" id="{485152DD-71D7-9781-197D-33FAD6774B97}"/>
+              </a:ext>
+            </a:extLst>
+          </p:cNvPr>
+          <p:cNvPicPr>
+            <a:picLocks noChangeAspect="1" noChangeArrowheads="1"/>
+          </p:cNvPicPr>
+          <p:nvPr/>
+        </p:nvPicPr>
+        <p:blipFill>
+          <a:blip r:embed="rId4">
+            <a:extLst>
+              <a:ext uri="{28A0092B-C50C-407E-A947-70E740481C1C}">
+                <a14:useLocalDpi xmlns:a14="http://schemas.microsoft.com/office/drawing/2010/main" val="0"/>
+              </a:ext>
+            </a:extLst>
+          </a:blip>
+          <a:srcRect/>
+          <a:stretch>
+            <a:fillRect/>
+          </a:stretch>
+        </p:blipFill>
+        <p:spPr bwMode="auto">
+          <a:xfrm>
+            <a:off x="4677317" y="4149080"/>
+            <a:ext cx="2647950" cy="2114550"/>
+          </a:xfrm>
+          <a:prstGeom prst="rect">
+            <a:avLst/>
+          </a:prstGeom>
+          <a:noFill/>
+          <a:ln>
+            <a:noFill/>
+          </a:ln>
+          <a:extLst>
+            <a:ext uri="{909E8E84-426E-40DD-AFC4-6F175D3DCCD1}">
+              <a14:hiddenFill xmlns:a14="http://schemas.microsoft.com/office/drawing/2010/main">
+                <a:solidFill>
+                  <a:srgbClr val="FFFFFF"/>
+                </a:solidFill>
+              </a14:hiddenFill>
+            </a:ext>
+            <a:ext uri="{91240B29-F687-4F45-9708-019B960494DF}">
+              <a14:hiddenLine xmlns:a14="http://schemas.microsoft.com/office/drawing/2010/main" w="9525">
+                <a:solidFill>
+                  <a:srgbClr val="000000"/>
+                </a:solidFill>
+                <a:miter lim="800000"/>
+                <a:headEnd/>
+                <a:tailEnd/>
+              </a14:hiddenLine>
+            </a:ext>
+          </a:extLst>
+        </p:spPr>
+      </p:pic>
       <p:sp>
         <p:nvSpPr>
           <p:cNvPr id="2" name="TextBox 1">
             <a:extLst>
               <a:ext uri="{FF2B5EF4-FFF2-40B4-BE49-F238E27FC236}">
-                <a16:creationId xmlns:a16="http://schemas.microsoft.com/office/drawing/2014/main" id="{7E45F7D6-BBB2-DB9A-1003-6FCA419DECD6}"/>
+                <a16:creationId xmlns:a16="http://schemas.microsoft.com/office/drawing/2014/main" id="{6B6A86AB-9FCA-A95A-911F-FF88E8F1B24A}"/>
               </a:ext>
             </a:extLst>
           </p:cNvPr>
@@ -5522,8 +5909,8 @@
         </p:nvSpPr>
         <p:spPr>
           <a:xfrm>
-            <a:off x="3347864" y="803255"/>
-            <a:ext cx="2146357" cy="369332"/>
+            <a:off x="1822634" y="1151522"/>
+            <a:ext cx="5490657" cy="430887"/>
           </a:xfrm>
           <a:prstGeom prst="rect">
             <a:avLst/>
@@ -5531,47 +5918,47 @@
           <a:noFill/>
         </p:spPr>
         <p:txBody>
-          <a:bodyPr wrap="none" rtlCol="0">
+          <a:bodyPr wrap="square" rtlCol="0">
             <a:spAutoFit/>
           </a:bodyPr>
           <a:lstStyle/>
           <a:p>
             <a:r>
-              <a:rPr lang="ru-RU" dirty="0">
-                <a:latin typeface="Times New Roman" panose="02020603050405020304" pitchFamily="18" charset="0"/>
-                <a:cs typeface="Times New Roman" panose="02020603050405020304" pitchFamily="18" charset="0"/>
-              </a:rPr>
-              <a:t>Настройка </a:t>
-            </a:r>
-            <a:r>
-              <a:rPr lang="en-US" dirty="0" err="1">
-                <a:latin typeface="Times New Roman" panose="02020603050405020304" pitchFamily="18" charset="0"/>
-                <a:cs typeface="Times New Roman" panose="02020603050405020304" pitchFamily="18" charset="0"/>
-              </a:rPr>
-              <a:t>dns</a:t>
-            </a:r>
-            <a:r>
-              <a:rPr lang="en-US" dirty="0">
-                <a:latin typeface="Times New Roman" panose="02020603050405020304" pitchFamily="18" charset="0"/>
-                <a:cs typeface="Times New Roman" panose="02020603050405020304" pitchFamily="18" charset="0"/>
-              </a:rPr>
-              <a:t> </a:t>
-            </a:r>
-            <a:r>
-              <a:rPr lang="ru-RU" dirty="0">
-                <a:latin typeface="Times New Roman" panose="02020603050405020304" pitchFamily="18" charset="0"/>
-                <a:cs typeface="Times New Roman" panose="02020603050405020304" pitchFamily="18" charset="0"/>
-              </a:rPr>
-              <a:t>зоны</a:t>
-            </a:r>
-            <a:endParaRPr lang="en-US" dirty="0"/>
+              <a:rPr lang="ru-RU" sz="2200" dirty="0">
+                <a:latin typeface="Times New Roman" panose="02020603050405020304" pitchFamily="18" charset="0"/>
+                <a:cs typeface="Times New Roman" panose="02020603050405020304" pitchFamily="18" charset="0"/>
+              </a:rPr>
+              <a:t>Монтирование диска </a:t>
+            </a:r>
+            <a:r>
+              <a:rPr lang="en-US" sz="2200" dirty="0" err="1">
+                <a:latin typeface="Times New Roman" panose="02020603050405020304" pitchFamily="18" charset="0"/>
+                <a:cs typeface="Times New Roman" panose="02020603050405020304" pitchFamily="18" charset="0"/>
+              </a:rPr>
+              <a:t>ceph</a:t>
+            </a:r>
+            <a:r>
+              <a:rPr lang="ru-RU" sz="2200" dirty="0">
+                <a:latin typeface="Times New Roman" panose="02020603050405020304" pitchFamily="18" charset="0"/>
+                <a:cs typeface="Times New Roman" panose="02020603050405020304" pitchFamily="18" charset="0"/>
+              </a:rPr>
+              <a:t>. Настройка </a:t>
+            </a:r>
+            <a:r>
+              <a:rPr lang="en-US" sz="2200" dirty="0">
+                <a:latin typeface="Times New Roman" panose="02020603050405020304" pitchFamily="18" charset="0"/>
+                <a:cs typeface="Times New Roman" panose="02020603050405020304" pitchFamily="18" charset="0"/>
+              </a:rPr>
+              <a:t>ocfs2</a:t>
+            </a:r>
+            <a:endParaRPr lang="en-US" sz="2200" dirty="0"/>
           </a:p>
         </p:txBody>
       </p:sp>
     </p:spTree>
     <p:extLst>
       <p:ext uri="{BB962C8B-B14F-4D97-AF65-F5344CB8AC3E}">
-        <p14:creationId xmlns:p14="http://schemas.microsoft.com/office/powerpoint/2010/main" val="3056042578"/>
+        <p14:creationId xmlns:p14="http://schemas.microsoft.com/office/powerpoint/2010/main" val="2011615274"/>
       </p:ext>
     </p:extLst>
   </p:cSld>
@@ -5654,17 +6041,17 @@
                 <a:latin typeface="Times New Roman" panose="02020603050405020304" pitchFamily="18" charset="0"/>
                 <a:cs typeface="Times New Roman" panose="02020603050405020304" pitchFamily="18" charset="0"/>
               </a:rPr>
-              <a:t>Настройка кластера маршрутизаторов</a:t>
+              <a:t>Настройка кластера виртуализации</a:t>
             </a:r>
           </a:p>
         </p:txBody>
       </p:sp>
       <p:pic>
         <p:nvPicPr>
-          <p:cNvPr id="9218" name="Picture 2">
+          <p:cNvPr id="16386" name="Picture 2">
             <a:extLst>
               <a:ext uri="{FF2B5EF4-FFF2-40B4-BE49-F238E27FC236}">
-                <a16:creationId xmlns:a16="http://schemas.microsoft.com/office/drawing/2014/main" id="{BA90BE3F-2944-21DD-5C4D-5593F297FFCA}"/>
+                <a16:creationId xmlns:a16="http://schemas.microsoft.com/office/drawing/2014/main" id="{4CE72672-7D4C-49A4-7A29-82F5156851D0}"/>
               </a:ext>
             </a:extLst>
           </p:cNvPr>
@@ -5688,8 +6075,8 @@
         </p:blipFill>
         <p:spPr bwMode="auto">
           <a:xfrm>
-            <a:off x="2667000" y="1844824"/>
-            <a:ext cx="3810000" cy="1695450"/>
+            <a:off x="702432" y="1431384"/>
+            <a:ext cx="7866085" cy="1265357"/>
           </a:xfrm>
           <a:prstGeom prst="rect">
             <a:avLst/>
@@ -5721,10 +6108,10 @@
       </p:pic>
       <p:pic>
         <p:nvPicPr>
-          <p:cNvPr id="9219" name="Picture 3">
+          <p:cNvPr id="16387" name="Picture 3">
             <a:extLst>
               <a:ext uri="{FF2B5EF4-FFF2-40B4-BE49-F238E27FC236}">
-                <a16:creationId xmlns:a16="http://schemas.microsoft.com/office/drawing/2014/main" id="{76D4E10C-575C-84A2-2275-51737B33B069}"/>
+                <a16:creationId xmlns:a16="http://schemas.microsoft.com/office/drawing/2014/main" id="{B5C5F148-DF70-62F2-FBC7-ED1074D46312}"/>
               </a:ext>
             </a:extLst>
           </p:cNvPr>
@@ -5748,8 +6135,8 @@
         </p:blipFill>
         <p:spPr bwMode="auto">
           <a:xfrm>
-            <a:off x="1966912" y="3645024"/>
-            <a:ext cx="5210175" cy="1057275"/>
+            <a:off x="1222625" y="2780928"/>
+            <a:ext cx="6698750" cy="3456384"/>
           </a:xfrm>
           <a:prstGeom prst="rect">
             <a:avLst/>
@@ -5784,7 +6171,7 @@
           <p:cNvPr id="2" name="TextBox 1">
             <a:extLst>
               <a:ext uri="{FF2B5EF4-FFF2-40B4-BE49-F238E27FC236}">
-                <a16:creationId xmlns:a16="http://schemas.microsoft.com/office/drawing/2014/main" id="{7FE56F76-4387-5397-E2E3-BC0782E590D6}"/>
+                <a16:creationId xmlns:a16="http://schemas.microsoft.com/office/drawing/2014/main" id="{BBF92CB5-3ECC-252B-E067-08A53DFE72D6}"/>
               </a:ext>
             </a:extLst>
           </p:cNvPr>
@@ -5793,8 +6180,8 @@
         </p:nvSpPr>
         <p:spPr>
           <a:xfrm>
-            <a:off x="3407577" y="1146295"/>
-            <a:ext cx="2328843" cy="369332"/>
+            <a:off x="2353932" y="1000497"/>
+            <a:ext cx="4563086" cy="430887"/>
           </a:xfrm>
           <a:prstGeom prst="rect">
             <a:avLst/>
@@ -5802,33 +6189,40 @@
           <a:noFill/>
         </p:spPr>
         <p:txBody>
-          <a:bodyPr wrap="none" rtlCol="0">
+          <a:bodyPr wrap="square" rtlCol="0">
             <a:spAutoFit/>
           </a:bodyPr>
           <a:lstStyle/>
           <a:p>
             <a:r>
-              <a:rPr lang="ru-RU" dirty="0">
-                <a:latin typeface="Times New Roman" panose="02020603050405020304" pitchFamily="18" charset="0"/>
-                <a:cs typeface="Times New Roman" panose="02020603050405020304" pitchFamily="18" charset="0"/>
-              </a:rPr>
-              <a:t>Настройка </a:t>
-            </a:r>
-            <a:r>
-              <a:rPr lang="en-US" dirty="0">
-                <a:latin typeface="Times New Roman" panose="02020603050405020304" pitchFamily="18" charset="0"/>
-                <a:cs typeface="Times New Roman" panose="02020603050405020304" pitchFamily="18" charset="0"/>
-              </a:rPr>
-              <a:t>nginx relay</a:t>
-            </a:r>
-            <a:endParaRPr lang="en-US" dirty="0"/>
+              <a:rPr lang="ru-RU" sz="2200" dirty="0">
+                <a:latin typeface="Times New Roman" panose="02020603050405020304" pitchFamily="18" charset="0"/>
+                <a:cs typeface="Times New Roman" panose="02020603050405020304" pitchFamily="18" charset="0"/>
+              </a:rPr>
+              <a:t>Настройка шаблона контейнеров</a:t>
+            </a:r>
+            <a:r>
+              <a:rPr lang="en-US" sz="2200" dirty="0">
+                <a:latin typeface="Times New Roman" panose="02020603050405020304" pitchFamily="18" charset="0"/>
+                <a:cs typeface="Times New Roman" panose="02020603050405020304" pitchFamily="18" charset="0"/>
+              </a:rPr>
+              <a:t> </a:t>
+            </a:r>
+            <a:r>
+              <a:rPr lang="en-US" sz="2200" dirty="0" err="1">
+                <a:latin typeface="Times New Roman" panose="02020603050405020304" pitchFamily="18" charset="0"/>
+                <a:cs typeface="Times New Roman" panose="02020603050405020304" pitchFamily="18" charset="0"/>
+              </a:rPr>
+              <a:t>lxc</a:t>
+            </a:r>
+            <a:endParaRPr lang="en-US" sz="2200" dirty="0"/>
           </a:p>
         </p:txBody>
       </p:sp>
     </p:spTree>
     <p:extLst>
       <p:ext uri="{BB962C8B-B14F-4D97-AF65-F5344CB8AC3E}">
-        <p14:creationId xmlns:p14="http://schemas.microsoft.com/office/powerpoint/2010/main" val="3219886664"/>
+        <p14:creationId xmlns:p14="http://schemas.microsoft.com/office/powerpoint/2010/main" val="1468752486"/>
       </p:ext>
     </p:extLst>
   </p:cSld>
@@ -5911,17 +6305,17 @@
                 <a:latin typeface="Times New Roman" panose="02020603050405020304" pitchFamily="18" charset="0"/>
                 <a:cs typeface="Times New Roman" panose="02020603050405020304" pitchFamily="18" charset="0"/>
               </a:rPr>
-              <a:t>Настройка кластера маршрутизаторов</a:t>
+              <a:t>Настройка контейнера тестового сайта</a:t>
             </a:r>
           </a:p>
         </p:txBody>
       </p:sp>
       <p:pic>
         <p:nvPicPr>
-          <p:cNvPr id="10242" name="Рисунок 1">
+          <p:cNvPr id="17410" name="Picture 2">
             <a:extLst>
               <a:ext uri="{FF2B5EF4-FFF2-40B4-BE49-F238E27FC236}">
-                <a16:creationId xmlns:a16="http://schemas.microsoft.com/office/drawing/2014/main" id="{5FB9BBBC-78F5-D029-2A0E-F787A24953C9}"/>
+                <a16:creationId xmlns:a16="http://schemas.microsoft.com/office/drawing/2014/main" id="{1FB62258-87EF-E5F7-CB1F-8D422D52E262}"/>
               </a:ext>
             </a:extLst>
           </p:cNvPr>
@@ -5945,8 +6339,8 @@
         </p:blipFill>
         <p:spPr bwMode="auto">
           <a:xfrm>
-            <a:off x="2805112" y="1704342"/>
-            <a:ext cx="3533775" cy="2838450"/>
+            <a:off x="1787674" y="1544970"/>
+            <a:ext cx="5568652" cy="1812022"/>
           </a:xfrm>
           <a:prstGeom prst="rect">
             <a:avLst/>
@@ -5978,10 +6372,10 @@
       </p:pic>
       <p:pic>
         <p:nvPicPr>
-          <p:cNvPr id="10243" name="Picture 3">
+          <p:cNvPr id="17411" name="Picture 3">
             <a:extLst>
               <a:ext uri="{FF2B5EF4-FFF2-40B4-BE49-F238E27FC236}">
-                <a16:creationId xmlns:a16="http://schemas.microsoft.com/office/drawing/2014/main" id="{B96C1D6B-3CEF-C1C1-0944-C1BC09842255}"/>
+                <a16:creationId xmlns:a16="http://schemas.microsoft.com/office/drawing/2014/main" id="{F73D11C6-E7CA-F251-E046-EFEE46367BDC}"/>
               </a:ext>
             </a:extLst>
           </p:cNvPr>
@@ -6005,8 +6399,8 @@
         </p:blipFill>
         <p:spPr bwMode="auto">
           <a:xfrm>
-            <a:off x="785034" y="4653136"/>
-            <a:ext cx="7573932" cy="936104"/>
+            <a:off x="2711792" y="3440669"/>
+            <a:ext cx="3720413" cy="1080120"/>
           </a:xfrm>
           <a:prstGeom prst="rect">
             <a:avLst/>
@@ -6036,12 +6430,42 @@
           </a:extLst>
         </p:spPr>
       </p:pic>
-      <p:sp>
-        <p:nvSpPr>
-          <p:cNvPr id="2" name="TextBox 1">
+      <p:pic>
+        <p:nvPicPr>
+          <p:cNvPr id="4" name="Рисунок 3">
             <a:extLst>
               <a:ext uri="{FF2B5EF4-FFF2-40B4-BE49-F238E27FC236}">
-                <a16:creationId xmlns:a16="http://schemas.microsoft.com/office/drawing/2014/main" id="{07AEAFA3-34B2-D264-B3A3-5CC412447F89}"/>
+                <a16:creationId xmlns:a16="http://schemas.microsoft.com/office/drawing/2014/main" id="{7B92B1D8-0C1C-CF6F-0B85-E8D2D6CC0284}"/>
+              </a:ext>
+            </a:extLst>
+          </p:cNvPr>
+          <p:cNvPicPr>
+            <a:picLocks noChangeAspect="1"/>
+          </p:cNvPicPr>
+          <p:nvPr/>
+        </p:nvPicPr>
+        <p:blipFill>
+          <a:blip r:embed="rId4"/>
+          <a:stretch>
+            <a:fillRect/>
+          </a:stretch>
+        </p:blipFill>
+        <p:spPr>
+          <a:xfrm>
+            <a:off x="2459632" y="4587575"/>
+            <a:ext cx="4224732" cy="2076563"/>
+          </a:xfrm>
+          <a:prstGeom prst="rect">
+            <a:avLst/>
+          </a:prstGeom>
+        </p:spPr>
+      </p:pic>
+      <p:sp>
+        <p:nvSpPr>
+          <p:cNvPr id="5" name="TextBox 4">
+            <a:extLst>
+              <a:ext uri="{FF2B5EF4-FFF2-40B4-BE49-F238E27FC236}">
+                <a16:creationId xmlns:a16="http://schemas.microsoft.com/office/drawing/2014/main" id="{5E8FDA4E-4855-62F9-87E4-30D412A3D1D4}"/>
               </a:ext>
             </a:extLst>
           </p:cNvPr>
@@ -6050,8 +6474,8 @@
         </p:nvSpPr>
         <p:spPr>
           <a:xfrm>
-            <a:off x="3609556" y="1076054"/>
-            <a:ext cx="1924886" cy="369332"/>
+            <a:off x="1559020" y="1081294"/>
+            <a:ext cx="6025959" cy="430887"/>
           </a:xfrm>
           <a:prstGeom prst="rect">
             <a:avLst/>
@@ -6059,33 +6483,26 @@
           <a:noFill/>
         </p:spPr>
         <p:txBody>
-          <a:bodyPr wrap="none" rtlCol="0">
+          <a:bodyPr wrap="square" rtlCol="0">
             <a:spAutoFit/>
           </a:bodyPr>
           <a:lstStyle/>
           <a:p>
             <a:r>
-              <a:rPr lang="ru-RU" dirty="0">
-                <a:latin typeface="Times New Roman" panose="02020603050405020304" pitchFamily="18" charset="0"/>
-                <a:cs typeface="Times New Roman" panose="02020603050405020304" pitchFamily="18" charset="0"/>
-              </a:rPr>
-              <a:t>Настройка</a:t>
-            </a:r>
-            <a:r>
-              <a:rPr lang="en-US" dirty="0">
-                <a:latin typeface="Times New Roman" panose="02020603050405020304" pitchFamily="18" charset="0"/>
-                <a:cs typeface="Times New Roman" panose="02020603050405020304" pitchFamily="18" charset="0"/>
-              </a:rPr>
-              <a:t> csync2</a:t>
-            </a:r>
-            <a:endParaRPr lang="en-US" dirty="0"/>
+              <a:rPr lang="ru-RU" sz="2200" dirty="0">
+                <a:latin typeface="Times New Roman" panose="02020603050405020304" pitchFamily="18" charset="0"/>
+                <a:cs typeface="Times New Roman" panose="02020603050405020304" pitchFamily="18" charset="0"/>
+              </a:rPr>
+              <a:t>Настройка контейнера тестового сайта компании</a:t>
+            </a:r>
+            <a:endParaRPr lang="en-US" sz="2200" dirty="0"/>
           </a:p>
         </p:txBody>
       </p:sp>
     </p:spTree>
     <p:extLst>
       <p:ext uri="{BB962C8B-B14F-4D97-AF65-F5344CB8AC3E}">
-        <p14:creationId xmlns:p14="http://schemas.microsoft.com/office/powerpoint/2010/main" val="1838519652"/>
+        <p14:creationId xmlns:p14="http://schemas.microsoft.com/office/powerpoint/2010/main" val="2346655458"/>
       </p:ext>
     </p:extLst>
   </p:cSld>
@@ -6198,7 +6615,7 @@
                 <a:latin typeface="Times New Roman" panose="02020603050405020304" pitchFamily="18" charset="0"/>
                 <a:cs typeface="Times New Roman" panose="02020603050405020304" pitchFamily="18" charset="0"/>
               </a:rPr>
-              <a:t>	Создать подробную блок-схему ЛВС Центра обработки данных (далее -ЦОД), основываясь на требованиях к архитектуре ЛВС ЦОДов, отражающей локальную сеть.</a:t>
+              <a:t>	Создать подробную блок-схему ЛВС Центра обработки данных (далее - ЦОД), основываясь на требованиях к архитектуре ЛВС ЦОДов, отражающей локальную сеть.</a:t>
             </a:r>
           </a:p>
           <a:p>
@@ -6294,7 +6711,7 @@
         </p:nvSpPr>
         <p:spPr>
           <a:xfrm>
-            <a:off x="628650" y="345513"/>
+            <a:off x="628649" y="133746"/>
             <a:ext cx="7886700" cy="471586"/>
           </a:xfrm>
           <a:prstGeom prst="rect">
@@ -6331,28 +6748,17 @@
                 <a:latin typeface="Times New Roman" panose="02020603050405020304" pitchFamily="18" charset="0"/>
                 <a:cs typeface="Times New Roman" panose="02020603050405020304" pitchFamily="18" charset="0"/>
               </a:rPr>
-              <a:t>Настройка хранилища </a:t>
-            </a:r>
-            <a:r>
-              <a:rPr lang="en-US" sz="2800" b="1" dirty="0" err="1">
-                <a:latin typeface="Times New Roman" panose="02020603050405020304" pitchFamily="18" charset="0"/>
-                <a:cs typeface="Times New Roman" panose="02020603050405020304" pitchFamily="18" charset="0"/>
-              </a:rPr>
-              <a:t>ceph</a:t>
-            </a:r>
-            <a:endParaRPr lang="ru-RU" sz="2800" b="1" dirty="0">
-              <a:latin typeface="Times New Roman" panose="02020603050405020304" pitchFamily="18" charset="0"/>
-              <a:cs typeface="Times New Roman" panose="02020603050405020304" pitchFamily="18" charset="0"/>
-            </a:endParaRPr>
+              <a:t>Проверка работоспособности ЛВС ЦОДа</a:t>
+            </a:r>
           </a:p>
         </p:txBody>
       </p:sp>
       <p:pic>
         <p:nvPicPr>
-          <p:cNvPr id="11266" name="Picture 2">
+          <p:cNvPr id="18434" name="Рисунок 1">
             <a:extLst>
               <a:ext uri="{FF2B5EF4-FFF2-40B4-BE49-F238E27FC236}">
-                <a16:creationId xmlns:a16="http://schemas.microsoft.com/office/drawing/2014/main" id="{6E2D42DF-FBF3-BE87-CC7E-695BEF4CC53D}"/>
+                <a16:creationId xmlns:a16="http://schemas.microsoft.com/office/drawing/2014/main" id="{7FFD8284-8C63-1971-859D-454F11644812}"/>
               </a:ext>
             </a:extLst>
           </p:cNvPr>
@@ -6376,8 +6782,8 @@
         </p:blipFill>
         <p:spPr bwMode="auto">
           <a:xfrm>
-            <a:off x="2730170" y="908682"/>
-            <a:ext cx="5429250" cy="1857375"/>
+            <a:off x="1752600" y="1076722"/>
+            <a:ext cx="5619750" cy="2428875"/>
           </a:xfrm>
           <a:prstGeom prst="rect">
             <a:avLst/>
@@ -6409,10 +6815,10 @@
       </p:pic>
       <p:pic>
         <p:nvPicPr>
-          <p:cNvPr id="11267" name="Picture 3">
+          <p:cNvPr id="18436" name="Picture 4">
             <a:extLst>
               <a:ext uri="{FF2B5EF4-FFF2-40B4-BE49-F238E27FC236}">
-                <a16:creationId xmlns:a16="http://schemas.microsoft.com/office/drawing/2014/main" id="{9FE9DF08-887D-4292-72A2-F0AE6744AEB8}"/>
+                <a16:creationId xmlns:a16="http://schemas.microsoft.com/office/drawing/2014/main" id="{F999A924-5B09-AAD8-82D4-5E3982DB3DB9}"/>
               </a:ext>
             </a:extLst>
           </p:cNvPr>
@@ -6436,8 +6842,8 @@
         </p:blipFill>
         <p:spPr bwMode="auto">
           <a:xfrm>
-            <a:off x="971230" y="2857641"/>
-            <a:ext cx="7201535" cy="2376264"/>
+            <a:off x="1776412" y="3523854"/>
+            <a:ext cx="5572125" cy="3286125"/>
           </a:xfrm>
           <a:prstGeom prst="rect">
             <a:avLst/>
@@ -6467,72 +6873,12 @@
           </a:extLst>
         </p:spPr>
       </p:pic>
-      <p:pic>
-        <p:nvPicPr>
-          <p:cNvPr id="11268" name="Picture 4">
-            <a:extLst>
-              <a:ext uri="{FF2B5EF4-FFF2-40B4-BE49-F238E27FC236}">
-                <a16:creationId xmlns:a16="http://schemas.microsoft.com/office/drawing/2014/main" id="{F36161D1-FE1A-B2A5-224C-639CC7DF662D}"/>
-              </a:ext>
-            </a:extLst>
-          </p:cNvPr>
-          <p:cNvPicPr>
-            <a:picLocks noChangeAspect="1" noChangeArrowheads="1"/>
-          </p:cNvPicPr>
-          <p:nvPr/>
-        </p:nvPicPr>
-        <p:blipFill>
-          <a:blip r:embed="rId4">
-            <a:extLst>
-              <a:ext uri="{28A0092B-C50C-407E-A947-70E740481C1C}">
-                <a14:useLocalDpi xmlns:a14="http://schemas.microsoft.com/office/drawing/2010/main" val="0"/>
-              </a:ext>
-            </a:extLst>
-          </a:blip>
-          <a:srcRect/>
-          <a:stretch>
-            <a:fillRect/>
-          </a:stretch>
-        </p:blipFill>
-        <p:spPr bwMode="auto">
-          <a:xfrm>
-            <a:off x="971230" y="5287248"/>
-            <a:ext cx="3355257" cy="1525905"/>
-          </a:xfrm>
-          <a:prstGeom prst="rect">
-            <a:avLst/>
-          </a:prstGeom>
-          <a:noFill/>
-          <a:ln>
-            <a:noFill/>
-          </a:ln>
-          <a:extLst>
-            <a:ext uri="{909E8E84-426E-40DD-AFC4-6F175D3DCCD1}">
-              <a14:hiddenFill xmlns:a14="http://schemas.microsoft.com/office/drawing/2010/main">
-                <a:solidFill>
-                  <a:srgbClr val="FFFFFF"/>
-                </a:solidFill>
-              </a14:hiddenFill>
-            </a:ext>
-            <a:ext uri="{91240B29-F687-4F45-9708-019B960494DF}">
-              <a14:hiddenLine xmlns:a14="http://schemas.microsoft.com/office/drawing/2010/main" w="9525">
-                <a:solidFill>
-                  <a:srgbClr val="000000"/>
-                </a:solidFill>
-                <a:miter lim="800000"/>
-                <a:headEnd/>
-                <a:tailEnd/>
-              </a14:hiddenLine>
-            </a:ext>
-          </a:extLst>
-        </p:spPr>
-      </p:pic>
       <p:sp>
         <p:nvSpPr>
           <p:cNvPr id="2" name="TextBox 1">
             <a:extLst>
               <a:ext uri="{FF2B5EF4-FFF2-40B4-BE49-F238E27FC236}">
-                <a16:creationId xmlns:a16="http://schemas.microsoft.com/office/drawing/2014/main" id="{EB7C7A78-BD14-5982-9BD3-E7B01531C1A6}"/>
+                <a16:creationId xmlns:a16="http://schemas.microsoft.com/office/drawing/2014/main" id="{857855C6-D265-C713-2101-99D978E99468}"/>
               </a:ext>
             </a:extLst>
           </p:cNvPr>
@@ -6541,8 +6887,8 @@
         </p:nvSpPr>
         <p:spPr>
           <a:xfrm>
-            <a:off x="971230" y="1052736"/>
-            <a:ext cx="1296143" cy="923330"/>
+            <a:off x="1043116" y="645835"/>
+            <a:ext cx="7057765" cy="430887"/>
           </a:xfrm>
           <a:prstGeom prst="rect">
             <a:avLst/>
@@ -6556,64 +6902,20 @@
           <a:lstStyle/>
           <a:p>
             <a:r>
-              <a:rPr lang="ru-RU" dirty="0">
-                <a:latin typeface="Times New Roman" panose="02020603050405020304" pitchFamily="18" charset="0"/>
-                <a:cs typeface="Times New Roman" panose="02020603050405020304" pitchFamily="18" charset="0"/>
-              </a:rPr>
-              <a:t>Настройка хранилища</a:t>
-            </a:r>
-            <a:r>
-              <a:rPr lang="en-US" dirty="0">
-                <a:latin typeface="Times New Roman" panose="02020603050405020304" pitchFamily="18" charset="0"/>
-                <a:cs typeface="Times New Roman" panose="02020603050405020304" pitchFamily="18" charset="0"/>
-              </a:rPr>
-              <a:t> </a:t>
-            </a:r>
-            <a:r>
-              <a:rPr lang="en-US" dirty="0" err="1">
-                <a:latin typeface="Times New Roman" panose="02020603050405020304" pitchFamily="18" charset="0"/>
-                <a:cs typeface="Times New Roman" panose="02020603050405020304" pitchFamily="18" charset="0"/>
-              </a:rPr>
-              <a:t>ceph</a:t>
-            </a:r>
-            <a:endParaRPr lang="en-US" dirty="0"/>
-          </a:p>
-        </p:txBody>
-      </p:sp>
-      <p:pic>
-        <p:nvPicPr>
-          <p:cNvPr id="4" name="Рисунок 3">
-            <a:extLst>
-              <a:ext uri="{FF2B5EF4-FFF2-40B4-BE49-F238E27FC236}">
-                <a16:creationId xmlns:a16="http://schemas.microsoft.com/office/drawing/2014/main" id="{8FCE6255-D739-6366-7D80-C02EB4422223}"/>
-              </a:ext>
-            </a:extLst>
-          </p:cNvPr>
-          <p:cNvPicPr>
-            <a:picLocks noChangeAspect="1"/>
-          </p:cNvPicPr>
-          <p:nvPr/>
-        </p:nvPicPr>
-        <p:blipFill>
-          <a:blip r:embed="rId5"/>
-          <a:stretch>
-            <a:fillRect/>
-          </a:stretch>
-        </p:blipFill>
-        <p:spPr>
-          <a:xfrm>
-            <a:off x="4720415" y="5502436"/>
-            <a:ext cx="3439005" cy="1095528"/>
-          </a:xfrm>
-          <a:prstGeom prst="rect">
-            <a:avLst/>
-          </a:prstGeom>
-        </p:spPr>
-      </p:pic>
+              <a:rPr lang="ru-RU" sz="2200" dirty="0">
+                <a:latin typeface="Times New Roman" panose="02020603050405020304" pitchFamily="18" charset="0"/>
+                <a:cs typeface="Times New Roman" panose="02020603050405020304" pitchFamily="18" charset="0"/>
+              </a:rPr>
+              <a:t>Состояние бэкап маршрутизатора до поломки основного</a:t>
+            </a:r>
+            <a:endParaRPr lang="en-US" sz="2200" dirty="0"/>
+          </a:p>
+        </p:txBody>
+      </p:sp>
     </p:spTree>
     <p:extLst>
       <p:ext uri="{BB962C8B-B14F-4D97-AF65-F5344CB8AC3E}">
-        <p14:creationId xmlns:p14="http://schemas.microsoft.com/office/powerpoint/2010/main" val="1128094416"/>
+        <p14:creationId xmlns:p14="http://schemas.microsoft.com/office/powerpoint/2010/main" val="3805346702"/>
       </p:ext>
     </p:extLst>
   </p:cSld>
@@ -6696,17 +6998,17 @@
                 <a:latin typeface="Times New Roman" panose="02020603050405020304" pitchFamily="18" charset="0"/>
                 <a:cs typeface="Times New Roman" panose="02020603050405020304" pitchFamily="18" charset="0"/>
               </a:rPr>
-              <a:t>Настройка кластера виртуализации</a:t>
+              <a:t>Проверка работоспособности ЛВС ЦОДа</a:t>
             </a:r>
           </a:p>
         </p:txBody>
       </p:sp>
       <p:pic>
         <p:nvPicPr>
-          <p:cNvPr id="12291" name="Picture 3">
+          <p:cNvPr id="19458" name="Picture 2">
             <a:extLst>
               <a:ext uri="{FF2B5EF4-FFF2-40B4-BE49-F238E27FC236}">
-                <a16:creationId xmlns:a16="http://schemas.microsoft.com/office/drawing/2014/main" id="{0C54F733-3BB4-87C0-341D-E134CB0067CB}"/>
+                <a16:creationId xmlns:a16="http://schemas.microsoft.com/office/drawing/2014/main" id="{6AD83969-591D-9382-D57F-778E2ACCDD91}"/>
               </a:ext>
             </a:extLst>
           </p:cNvPr>
@@ -6730,8 +7032,8 @@
         </p:blipFill>
         <p:spPr bwMode="auto">
           <a:xfrm>
-            <a:off x="2262187" y="1628800"/>
-            <a:ext cx="4619625" cy="4238625"/>
+            <a:off x="1666875" y="1556792"/>
+            <a:ext cx="5810250" cy="4000500"/>
           </a:xfrm>
           <a:prstGeom prst="rect">
             <a:avLst/>
@@ -6766,7 +7068,7 @@
           <p:cNvPr id="2" name="TextBox 1">
             <a:extLst>
               <a:ext uri="{FF2B5EF4-FFF2-40B4-BE49-F238E27FC236}">
-                <a16:creationId xmlns:a16="http://schemas.microsoft.com/office/drawing/2014/main" id="{5B64A275-D987-CAA4-7CCD-D34E83930B11}"/>
+                <a16:creationId xmlns:a16="http://schemas.microsoft.com/office/drawing/2014/main" id="{02951626-BCAD-37B3-2AF4-DF66099EA041}"/>
               </a:ext>
             </a:extLst>
           </p:cNvPr>
@@ -6775,8 +7077,8 @@
         </p:nvSpPr>
         <p:spPr>
           <a:xfrm>
-            <a:off x="2987638" y="990575"/>
-            <a:ext cx="3168722" cy="369332"/>
+            <a:off x="-34712" y="927242"/>
+            <a:ext cx="9223226" cy="430887"/>
           </a:xfrm>
           <a:prstGeom prst="rect">
             <a:avLst/>
@@ -6790,34 +7092,34 @@
           <a:lstStyle/>
           <a:p>
             <a:r>
-              <a:rPr lang="ru-RU" dirty="0">
-                <a:latin typeface="Times New Roman" panose="02020603050405020304" pitchFamily="18" charset="0"/>
-                <a:cs typeface="Times New Roman" panose="02020603050405020304" pitchFamily="18" charset="0"/>
-              </a:rPr>
-              <a:t>Настройка </a:t>
-            </a:r>
-            <a:r>
-              <a:rPr lang="en-US" dirty="0">
-                <a:latin typeface="Times New Roman" panose="02020603050405020304" pitchFamily="18" charset="0"/>
-                <a:cs typeface="Times New Roman" panose="02020603050405020304" pitchFamily="18" charset="0"/>
-              </a:rPr>
-              <a:t>bridge</a:t>
-            </a:r>
-            <a:r>
-              <a:rPr lang="ru-RU" dirty="0">
-                <a:latin typeface="Times New Roman" panose="02020603050405020304" pitchFamily="18" charset="0"/>
-                <a:cs typeface="Times New Roman" panose="02020603050405020304" pitchFamily="18" charset="0"/>
-              </a:rPr>
-              <a:t> интерфейса</a:t>
-            </a:r>
-            <a:endParaRPr lang="en-US" dirty="0"/>
+              <a:rPr lang="ru-RU" sz="2200" dirty="0">
+                <a:latin typeface="Times New Roman" panose="02020603050405020304" pitchFamily="18" charset="0"/>
+                <a:cs typeface="Times New Roman" panose="02020603050405020304" pitchFamily="18" charset="0"/>
+              </a:rPr>
+              <a:t>Переключение состояния бэкап</a:t>
+            </a:r>
+            <a:r>
+              <a:rPr lang="en-US" sz="2200" dirty="0">
+                <a:latin typeface="Times New Roman" panose="02020603050405020304" pitchFamily="18" charset="0"/>
+                <a:cs typeface="Times New Roman" panose="02020603050405020304" pitchFamily="18" charset="0"/>
+              </a:rPr>
+              <a:t> </a:t>
+            </a:r>
+            <a:r>
+              <a:rPr lang="ru-RU" sz="2200" dirty="0">
+                <a:latin typeface="Times New Roman" panose="02020603050405020304" pitchFamily="18" charset="0"/>
+                <a:cs typeface="Times New Roman" panose="02020603050405020304" pitchFamily="18" charset="0"/>
+              </a:rPr>
+              <a:t>маршрутизатора после поломки основного</a:t>
+            </a:r>
+            <a:endParaRPr lang="en-US" sz="2200" dirty="0"/>
           </a:p>
         </p:txBody>
       </p:sp>
     </p:spTree>
     <p:extLst>
       <p:ext uri="{BB962C8B-B14F-4D97-AF65-F5344CB8AC3E}">
-        <p14:creationId xmlns:p14="http://schemas.microsoft.com/office/powerpoint/2010/main" val="605582621"/>
+        <p14:creationId xmlns:p14="http://schemas.microsoft.com/office/powerpoint/2010/main" val="2342601633"/>
       </p:ext>
     </p:extLst>
   </p:cSld>
@@ -6863,7 +7165,7 @@
         </p:nvSpPr>
         <p:spPr>
           <a:xfrm>
-            <a:off x="628650" y="345513"/>
+            <a:off x="628650" y="-5659"/>
             <a:ext cx="7886700" cy="471586"/>
           </a:xfrm>
           <a:prstGeom prst="rect">
@@ -6900,17 +7202,17 @@
                 <a:latin typeface="Times New Roman" panose="02020603050405020304" pitchFamily="18" charset="0"/>
                 <a:cs typeface="Times New Roman" panose="02020603050405020304" pitchFamily="18" charset="0"/>
               </a:rPr>
-              <a:t>Настройка кластера виртуализации</a:t>
+              <a:t>Проверка работоспособности ЛВС ЦОДа</a:t>
             </a:r>
           </a:p>
         </p:txBody>
       </p:sp>
       <p:pic>
         <p:nvPicPr>
-          <p:cNvPr id="12290" name="Picture 2">
+          <p:cNvPr id="20482" name="Picture 2">
             <a:extLst>
               <a:ext uri="{FF2B5EF4-FFF2-40B4-BE49-F238E27FC236}">
-                <a16:creationId xmlns:a16="http://schemas.microsoft.com/office/drawing/2014/main" id="{3C3DCF46-C9BB-E524-C7B7-40805E15DB64}"/>
+                <a16:creationId xmlns:a16="http://schemas.microsoft.com/office/drawing/2014/main" id="{C8893045-610A-57AA-7679-DA508A125025}"/>
               </a:ext>
             </a:extLst>
           </p:cNvPr>
@@ -6934,8 +7236,8 @@
         </p:blipFill>
         <p:spPr bwMode="auto">
           <a:xfrm>
-            <a:off x="2735796" y="817496"/>
-            <a:ext cx="3672408" cy="5883836"/>
+            <a:off x="1956997" y="768970"/>
+            <a:ext cx="5230003" cy="4327363"/>
           </a:xfrm>
           <a:prstGeom prst="rect">
             <a:avLst/>
@@ -6965,12 +7267,72 @@
           </a:extLst>
         </p:spPr>
       </p:pic>
-      <p:sp>
-        <p:nvSpPr>
-          <p:cNvPr id="2" name="TextBox 1">
+      <p:pic>
+        <p:nvPicPr>
+          <p:cNvPr id="21506" name="Picture 2">
             <a:extLst>
               <a:ext uri="{FF2B5EF4-FFF2-40B4-BE49-F238E27FC236}">
-                <a16:creationId xmlns:a16="http://schemas.microsoft.com/office/drawing/2014/main" id="{5F1299AB-35DF-2D7D-E5EC-27204DB8E14A}"/>
+                <a16:creationId xmlns:a16="http://schemas.microsoft.com/office/drawing/2014/main" id="{06BD4990-6B88-C3D8-3DFE-873A11703629}"/>
+              </a:ext>
+            </a:extLst>
+          </p:cNvPr>
+          <p:cNvPicPr>
+            <a:picLocks noChangeAspect="1" noChangeArrowheads="1"/>
+          </p:cNvPicPr>
+          <p:nvPr/>
+        </p:nvPicPr>
+        <p:blipFill>
+          <a:blip r:embed="rId3">
+            <a:extLst>
+              <a:ext uri="{28A0092B-C50C-407E-A947-70E740481C1C}">
+                <a14:useLocalDpi xmlns:a14="http://schemas.microsoft.com/office/drawing/2010/main" val="0"/>
+              </a:ext>
+            </a:extLst>
+          </a:blip>
+          <a:srcRect/>
+          <a:stretch>
+            <a:fillRect/>
+          </a:stretch>
+        </p:blipFill>
+        <p:spPr bwMode="auto">
+          <a:xfrm>
+            <a:off x="2006424" y="5455033"/>
+            <a:ext cx="5131148" cy="1267994"/>
+          </a:xfrm>
+          <a:prstGeom prst="rect">
+            <a:avLst/>
+          </a:prstGeom>
+          <a:noFill/>
+          <a:ln>
+            <a:noFill/>
+          </a:ln>
+          <a:extLst>
+            <a:ext uri="{909E8E84-426E-40DD-AFC4-6F175D3DCCD1}">
+              <a14:hiddenFill xmlns:a14="http://schemas.microsoft.com/office/drawing/2010/main">
+                <a:solidFill>
+                  <a:srgbClr val="FFFFFF"/>
+                </a:solidFill>
+              </a14:hiddenFill>
+            </a:ext>
+            <a:ext uri="{91240B29-F687-4F45-9708-019B960494DF}">
+              <a14:hiddenLine xmlns:a14="http://schemas.microsoft.com/office/drawing/2010/main" w="9525">
+                <a:solidFill>
+                  <a:srgbClr val="000000"/>
+                </a:solidFill>
+                <a:miter lim="800000"/>
+                <a:headEnd/>
+                <a:tailEnd/>
+              </a14:hiddenLine>
+            </a:ext>
+          </a:extLst>
+        </p:spPr>
+      </p:pic>
+      <p:sp>
+        <p:nvSpPr>
+          <p:cNvPr id="4" name="TextBox 3">
+            <a:extLst>
+              <a:ext uri="{FF2B5EF4-FFF2-40B4-BE49-F238E27FC236}">
+                <a16:creationId xmlns:a16="http://schemas.microsoft.com/office/drawing/2014/main" id="{D2704A19-4D4C-4CE6-EA75-92F9D41EBED0}"/>
               </a:ext>
             </a:extLst>
           </p:cNvPr>
@@ -6979,8 +7341,8 @@
         </p:nvSpPr>
         <p:spPr>
           <a:xfrm>
-            <a:off x="971230" y="1052736"/>
-            <a:ext cx="1296143" cy="646331"/>
+            <a:off x="821382" y="323443"/>
+            <a:ext cx="7501235" cy="430887"/>
           </a:xfrm>
           <a:prstGeom prst="rect">
             <a:avLst/>
@@ -6993,28 +7355,62 @@
           </a:bodyPr>
           <a:lstStyle/>
           <a:p>
-            <a:r>
-              <a:rPr lang="ru-RU" dirty="0">
-                <a:latin typeface="Times New Roman" panose="02020603050405020304" pitchFamily="18" charset="0"/>
-                <a:cs typeface="Times New Roman" panose="02020603050405020304" pitchFamily="18" charset="0"/>
-              </a:rPr>
-              <a:t>Настройка </a:t>
-            </a:r>
-            <a:r>
-              <a:rPr lang="en-US" dirty="0" err="1">
-                <a:latin typeface="Times New Roman" panose="02020603050405020304" pitchFamily="18" charset="0"/>
-                <a:cs typeface="Times New Roman" panose="02020603050405020304" pitchFamily="18" charset="0"/>
-              </a:rPr>
-              <a:t>corosync</a:t>
-            </a:r>
-            <a:endParaRPr lang="en-US" dirty="0"/>
+            <a:pPr algn="ctr"/>
+            <a:r>
+              <a:rPr lang="ru-RU" sz="2200" dirty="0">
+                <a:latin typeface="Times New Roman" panose="02020603050405020304" pitchFamily="18" charset="0"/>
+                <a:cs typeface="Times New Roman" panose="02020603050405020304" pitchFamily="18" charset="0"/>
+              </a:rPr>
+              <a:t>Запущенные сервисы после переключения</a:t>
+            </a:r>
+            <a:endParaRPr lang="en-US" sz="2200" dirty="0"/>
+          </a:p>
+        </p:txBody>
+      </p:sp>
+      <p:sp>
+        <p:nvSpPr>
+          <p:cNvPr id="2" name="TextBox 1">
+            <a:extLst>
+              <a:ext uri="{FF2B5EF4-FFF2-40B4-BE49-F238E27FC236}">
+                <a16:creationId xmlns:a16="http://schemas.microsoft.com/office/drawing/2014/main" id="{91182AFA-6022-66D4-1F82-33E3A953BD57}"/>
+              </a:ext>
+            </a:extLst>
+          </p:cNvPr>
+          <p:cNvSpPr txBox="1"/>
+          <p:nvPr/>
+        </p:nvSpPr>
+        <p:spPr>
+          <a:xfrm>
+            <a:off x="821382" y="5067900"/>
+            <a:ext cx="7501235" cy="430887"/>
+          </a:xfrm>
+          <a:prstGeom prst="rect">
+            <a:avLst/>
+          </a:prstGeom>
+          <a:noFill/>
+        </p:spPr>
+        <p:txBody>
+          <a:bodyPr wrap="square" rtlCol="0">
+            <a:spAutoFit/>
+          </a:bodyPr>
+          <a:lstStyle/>
+          <a:p>
+            <a:pPr algn="ctr"/>
+            <a:r>
+              <a:rPr lang="ru-RU" sz="2200" dirty="0">
+                <a:latin typeface="Times New Roman" panose="02020603050405020304" pitchFamily="18" charset="0"/>
+                <a:cs typeface="Times New Roman" panose="02020603050405020304" pitchFamily="18" charset="0"/>
+              </a:rPr>
+              <a:t>Момент переключения со стороны локальной сети</a:t>
+            </a:r>
+            <a:endParaRPr lang="en-US" sz="2200" dirty="0"/>
           </a:p>
         </p:txBody>
       </p:sp>
     </p:spTree>
     <p:extLst>
       <p:ext uri="{BB962C8B-B14F-4D97-AF65-F5344CB8AC3E}">
-        <p14:creationId xmlns:p14="http://schemas.microsoft.com/office/powerpoint/2010/main" val="811338384"/>
+        <p14:creationId xmlns:p14="http://schemas.microsoft.com/office/powerpoint/2010/main" val="626845610"/>
       </p:ext>
     </p:extLst>
   </p:cSld>
@@ -7097,17 +7493,17 @@
                 <a:latin typeface="Times New Roman" panose="02020603050405020304" pitchFamily="18" charset="0"/>
                 <a:cs typeface="Times New Roman" panose="02020603050405020304" pitchFamily="18" charset="0"/>
               </a:rPr>
-              <a:t>Настройка кластера виртуализации</a:t>
+              <a:t>Проверка работоспособности ЛВС ЦОДа</a:t>
             </a:r>
           </a:p>
         </p:txBody>
       </p:sp>
       <p:pic>
         <p:nvPicPr>
-          <p:cNvPr id="13314" name="Рисунок 1">
+          <p:cNvPr id="22530" name="Picture 2">
             <a:extLst>
               <a:ext uri="{FF2B5EF4-FFF2-40B4-BE49-F238E27FC236}">
-                <a16:creationId xmlns:a16="http://schemas.microsoft.com/office/drawing/2014/main" id="{5743B989-18C6-68BD-4D98-0A9FA8FAB19E}"/>
+                <a16:creationId xmlns:a16="http://schemas.microsoft.com/office/drawing/2014/main" id="{A77A95FB-60EF-D00C-90C6-70044DFF7020}"/>
               </a:ext>
             </a:extLst>
           </p:cNvPr>
@@ -7131,8 +7527,8 @@
         </p:blipFill>
         <p:spPr bwMode="auto">
           <a:xfrm>
-            <a:off x="2414587" y="1412776"/>
-            <a:ext cx="4314825" cy="1257300"/>
+            <a:off x="1604962" y="1556792"/>
+            <a:ext cx="5934075" cy="2905125"/>
           </a:xfrm>
           <a:prstGeom prst="rect">
             <a:avLst/>
@@ -7164,10 +7560,10 @@
       </p:pic>
       <p:pic>
         <p:nvPicPr>
-          <p:cNvPr id="13315" name="Picture 3">
+          <p:cNvPr id="22531" name="Рисунок 1">
             <a:extLst>
               <a:ext uri="{FF2B5EF4-FFF2-40B4-BE49-F238E27FC236}">
-                <a16:creationId xmlns:a16="http://schemas.microsoft.com/office/drawing/2014/main" id="{3760DD82-ECF5-B1FC-A6D1-FE18C2C6D22D}"/>
+                <a16:creationId xmlns:a16="http://schemas.microsoft.com/office/drawing/2014/main" id="{A3A2E1DE-C160-56F9-AE1D-D185E1817E74}"/>
               </a:ext>
             </a:extLst>
           </p:cNvPr>
@@ -7191,8 +7587,8 @@
         </p:blipFill>
         <p:spPr bwMode="auto">
           <a:xfrm>
-            <a:off x="2586036" y="2780928"/>
-            <a:ext cx="3971925" cy="2000250"/>
+            <a:off x="1824035" y="5013176"/>
+            <a:ext cx="5495925" cy="1162050"/>
           </a:xfrm>
           <a:prstGeom prst="rect">
             <a:avLst/>
@@ -7227,7 +7623,7 @@
           <p:cNvPr id="2" name="TextBox 1">
             <a:extLst>
               <a:ext uri="{FF2B5EF4-FFF2-40B4-BE49-F238E27FC236}">
-                <a16:creationId xmlns:a16="http://schemas.microsoft.com/office/drawing/2014/main" id="{A84D3A12-239F-6009-FAFA-479568784DBF}"/>
+                <a16:creationId xmlns:a16="http://schemas.microsoft.com/office/drawing/2014/main" id="{8F4F4755-D35F-5B44-68F7-9C04868D8FF2}"/>
               </a:ext>
             </a:extLst>
           </p:cNvPr>
@@ -7236,8 +7632,8 @@
         </p:nvSpPr>
         <p:spPr>
           <a:xfrm>
-            <a:off x="3491693" y="988018"/>
-            <a:ext cx="2160610" cy="369332"/>
+            <a:off x="821381" y="894267"/>
+            <a:ext cx="7501235" cy="430887"/>
           </a:xfrm>
           <a:prstGeom prst="rect">
             <a:avLst/>
@@ -7250,28 +7646,62 @@
           </a:bodyPr>
           <a:lstStyle/>
           <a:p>
-            <a:r>
-              <a:rPr lang="ru-RU" dirty="0">
-                <a:latin typeface="Times New Roman" panose="02020603050405020304" pitchFamily="18" charset="0"/>
-                <a:cs typeface="Times New Roman" panose="02020603050405020304" pitchFamily="18" charset="0"/>
-              </a:rPr>
-              <a:t>Настройка </a:t>
-            </a:r>
-            <a:r>
-              <a:rPr lang="en-US" dirty="0" err="1">
-                <a:latin typeface="Times New Roman" panose="02020603050405020304" pitchFamily="18" charset="0"/>
-                <a:cs typeface="Times New Roman" panose="02020603050405020304" pitchFamily="18" charset="0"/>
-              </a:rPr>
-              <a:t>corosync</a:t>
-            </a:r>
-            <a:endParaRPr lang="en-US" dirty="0"/>
+            <a:pPr algn="ctr"/>
+            <a:r>
+              <a:rPr lang="ru-RU" sz="2200" dirty="0">
+                <a:latin typeface="Times New Roman" panose="02020603050405020304" pitchFamily="18" charset="0"/>
+                <a:cs typeface="Times New Roman" panose="02020603050405020304" pitchFamily="18" charset="0"/>
+              </a:rPr>
+              <a:t>Переключение при поломки провайдера</a:t>
+            </a:r>
+            <a:endParaRPr lang="en-US" sz="2200" dirty="0"/>
+          </a:p>
+        </p:txBody>
+      </p:sp>
+      <p:sp>
+        <p:nvSpPr>
+          <p:cNvPr id="4" name="TextBox 3">
+            <a:extLst>
+              <a:ext uri="{FF2B5EF4-FFF2-40B4-BE49-F238E27FC236}">
+                <a16:creationId xmlns:a16="http://schemas.microsoft.com/office/drawing/2014/main" id="{E28DCE53-AA67-83B3-10CD-1AB923F571E4}"/>
+              </a:ext>
+            </a:extLst>
+          </p:cNvPr>
+          <p:cNvSpPr txBox="1"/>
+          <p:nvPr/>
+        </p:nvSpPr>
+        <p:spPr>
+          <a:xfrm>
+            <a:off x="866781" y="4584559"/>
+            <a:ext cx="7501235" cy="430887"/>
+          </a:xfrm>
+          <a:prstGeom prst="rect">
+            <a:avLst/>
+          </a:prstGeom>
+          <a:noFill/>
+        </p:spPr>
+        <p:txBody>
+          <a:bodyPr wrap="square" rtlCol="0">
+            <a:spAutoFit/>
+          </a:bodyPr>
+          <a:lstStyle/>
+          <a:p>
+            <a:pPr algn="ctr"/>
+            <a:r>
+              <a:rPr lang="ru-RU" sz="2200" dirty="0">
+                <a:latin typeface="Times New Roman" panose="02020603050405020304" pitchFamily="18" charset="0"/>
+                <a:cs typeface="Times New Roman" panose="02020603050405020304" pitchFamily="18" charset="0"/>
+              </a:rPr>
+              <a:t>Новый маршрут по умолчанию</a:t>
+            </a:r>
+            <a:endParaRPr lang="en-US" sz="2200" dirty="0"/>
           </a:p>
         </p:txBody>
       </p:sp>
     </p:spTree>
     <p:extLst>
       <p:ext uri="{BB962C8B-B14F-4D97-AF65-F5344CB8AC3E}">
-        <p14:creationId xmlns:p14="http://schemas.microsoft.com/office/powerpoint/2010/main" val="1312888017"/>
+        <p14:creationId xmlns:p14="http://schemas.microsoft.com/office/powerpoint/2010/main" val="1013482586"/>
       </p:ext>
     </p:extLst>
   </p:cSld>
@@ -7317,7 +7747,7 @@
         </p:nvSpPr>
         <p:spPr>
           <a:xfrm>
-            <a:off x="628650" y="345513"/>
+            <a:off x="628649" y="80184"/>
             <a:ext cx="7886700" cy="471586"/>
           </a:xfrm>
           <a:prstGeom prst="rect">
@@ -7354,17 +7784,47 @@
                 <a:latin typeface="Times New Roman" panose="02020603050405020304" pitchFamily="18" charset="0"/>
                 <a:cs typeface="Times New Roman" panose="02020603050405020304" pitchFamily="18" charset="0"/>
               </a:rPr>
-              <a:t>Настройка кластера виртуализации</a:t>
+              <a:t>Проверка работоспособности ЛВС ЦОДа</a:t>
             </a:r>
           </a:p>
         </p:txBody>
       </p:sp>
       <p:pic>
         <p:nvPicPr>
-          <p:cNvPr id="13316" name="Picture 4">
+          <p:cNvPr id="4" name="Рисунок 3">
             <a:extLst>
               <a:ext uri="{FF2B5EF4-FFF2-40B4-BE49-F238E27FC236}">
-                <a16:creationId xmlns:a16="http://schemas.microsoft.com/office/drawing/2014/main" id="{9E0235D9-0EA5-C3D8-BE2E-BADA2BFD4D50}"/>
+                <a16:creationId xmlns:a16="http://schemas.microsoft.com/office/drawing/2014/main" id="{FA650315-484E-575B-2BCB-E60CD748B196}"/>
+              </a:ext>
+            </a:extLst>
+          </p:cNvPr>
+          <p:cNvPicPr>
+            <a:picLocks noChangeAspect="1"/>
+          </p:cNvPicPr>
+          <p:nvPr/>
+        </p:nvPicPr>
+        <p:blipFill>
+          <a:blip r:embed="rId2"/>
+          <a:stretch>
+            <a:fillRect/>
+          </a:stretch>
+        </p:blipFill>
+        <p:spPr>
+          <a:xfrm>
+            <a:off x="2471579" y="803224"/>
+            <a:ext cx="4200835" cy="2808892"/>
+          </a:xfrm>
+          <a:prstGeom prst="rect">
+            <a:avLst/>
+          </a:prstGeom>
+        </p:spPr>
+      </p:pic>
+      <p:pic>
+        <p:nvPicPr>
+          <p:cNvPr id="23554" name="Picture 2">
+            <a:extLst>
+              <a:ext uri="{FF2B5EF4-FFF2-40B4-BE49-F238E27FC236}">
+                <a16:creationId xmlns:a16="http://schemas.microsoft.com/office/drawing/2014/main" id="{DC1A65D4-F25D-9641-44A2-95CB889FC1F8}"/>
               </a:ext>
             </a:extLst>
           </p:cNvPr>
@@ -7374,7 +7834,7 @@
           <p:nvPr/>
         </p:nvPicPr>
         <p:blipFill>
-          <a:blip r:embed="rId2">
+          <a:blip r:embed="rId3">
             <a:extLst>
               <a:ext uri="{28A0092B-C50C-407E-A947-70E740481C1C}">
                 <a14:useLocalDpi xmlns:a14="http://schemas.microsoft.com/office/drawing/2010/main" val="0"/>
@@ -7388,8 +7848,8 @@
         </p:blipFill>
         <p:spPr bwMode="auto">
           <a:xfrm>
-            <a:off x="2100263" y="1302402"/>
-            <a:ext cx="4943475" cy="1114425"/>
+            <a:off x="1953884" y="4012814"/>
+            <a:ext cx="5236222" cy="2765002"/>
           </a:xfrm>
           <a:prstGeom prst="rect">
             <a:avLst/>
@@ -7419,132 +7879,12 @@
           </a:extLst>
         </p:spPr>
       </p:pic>
-      <p:pic>
-        <p:nvPicPr>
-          <p:cNvPr id="14338" name="Picture 2">
+      <p:sp>
+        <p:nvSpPr>
+          <p:cNvPr id="5" name="TextBox 4">
             <a:extLst>
               <a:ext uri="{FF2B5EF4-FFF2-40B4-BE49-F238E27FC236}">
-                <a16:creationId xmlns:a16="http://schemas.microsoft.com/office/drawing/2014/main" id="{D6AF071F-E8C3-CCFD-A927-6C2495CC8464}"/>
-              </a:ext>
-            </a:extLst>
-          </p:cNvPr>
-          <p:cNvPicPr>
-            <a:picLocks noChangeAspect="1" noChangeArrowheads="1"/>
-          </p:cNvPicPr>
-          <p:nvPr/>
-        </p:nvPicPr>
-        <p:blipFill>
-          <a:blip r:embed="rId3">
-            <a:extLst>
-              <a:ext uri="{28A0092B-C50C-407E-A947-70E740481C1C}">
-                <a14:useLocalDpi xmlns:a14="http://schemas.microsoft.com/office/drawing/2010/main" val="0"/>
-              </a:ext>
-            </a:extLst>
-          </a:blip>
-          <a:srcRect/>
-          <a:stretch>
-            <a:fillRect/>
-          </a:stretch>
-        </p:blipFill>
-        <p:spPr bwMode="auto">
-          <a:xfrm>
-            <a:off x="1771650" y="2503615"/>
-            <a:ext cx="5600700" cy="2266950"/>
-          </a:xfrm>
-          <a:prstGeom prst="rect">
-            <a:avLst/>
-          </a:prstGeom>
-          <a:noFill/>
-          <a:ln>
-            <a:noFill/>
-          </a:ln>
-          <a:extLst>
-            <a:ext uri="{909E8E84-426E-40DD-AFC4-6F175D3DCCD1}">
-              <a14:hiddenFill xmlns:a14="http://schemas.microsoft.com/office/drawing/2010/main">
-                <a:solidFill>
-                  <a:srgbClr val="FFFFFF"/>
-                </a:solidFill>
-              </a14:hiddenFill>
-            </a:ext>
-            <a:ext uri="{91240B29-F687-4F45-9708-019B960494DF}">
-              <a14:hiddenLine xmlns:a14="http://schemas.microsoft.com/office/drawing/2010/main" w="9525">
-                <a:solidFill>
-                  <a:srgbClr val="000000"/>
-                </a:solidFill>
-                <a:miter lim="800000"/>
-                <a:headEnd/>
-                <a:tailEnd/>
-              </a14:hiddenLine>
-            </a:ext>
-          </a:extLst>
-        </p:spPr>
-      </p:pic>
-      <p:pic>
-        <p:nvPicPr>
-          <p:cNvPr id="14339" name="Рисунок 1">
-            <a:extLst>
-              <a:ext uri="{FF2B5EF4-FFF2-40B4-BE49-F238E27FC236}">
-                <a16:creationId xmlns:a16="http://schemas.microsoft.com/office/drawing/2014/main" id="{7AADDEF2-2975-1E6F-AB77-91141CF92436}"/>
-              </a:ext>
-            </a:extLst>
-          </p:cNvPr>
-          <p:cNvPicPr>
-            <a:picLocks noChangeAspect="1" noChangeArrowheads="1"/>
-          </p:cNvPicPr>
-          <p:nvPr/>
-        </p:nvPicPr>
-        <p:blipFill>
-          <a:blip r:embed="rId4">
-            <a:extLst>
-              <a:ext uri="{28A0092B-C50C-407E-A947-70E740481C1C}">
-                <a14:useLocalDpi xmlns:a14="http://schemas.microsoft.com/office/drawing/2010/main" val="0"/>
-              </a:ext>
-            </a:extLst>
-          </a:blip>
-          <a:srcRect/>
-          <a:stretch>
-            <a:fillRect/>
-          </a:stretch>
-        </p:blipFill>
-        <p:spPr bwMode="auto">
-          <a:xfrm>
-            <a:off x="2600325" y="4840829"/>
-            <a:ext cx="3943350" cy="1533525"/>
-          </a:xfrm>
-          <a:prstGeom prst="rect">
-            <a:avLst/>
-          </a:prstGeom>
-          <a:noFill/>
-          <a:ln>
-            <a:noFill/>
-          </a:ln>
-          <a:extLst>
-            <a:ext uri="{909E8E84-426E-40DD-AFC4-6F175D3DCCD1}">
-              <a14:hiddenFill xmlns:a14="http://schemas.microsoft.com/office/drawing/2010/main">
-                <a:solidFill>
-                  <a:srgbClr val="FFFFFF"/>
-                </a:solidFill>
-              </a14:hiddenFill>
-            </a:ext>
-            <a:ext uri="{91240B29-F687-4F45-9708-019B960494DF}">
-              <a14:hiddenLine xmlns:a14="http://schemas.microsoft.com/office/drawing/2010/main" w="9525">
-                <a:solidFill>
-                  <a:srgbClr val="000000"/>
-                </a:solidFill>
-                <a:miter lim="800000"/>
-                <a:headEnd/>
-                <a:tailEnd/>
-              </a14:hiddenLine>
-            </a:ext>
-          </a:extLst>
-        </p:spPr>
-      </p:pic>
-      <p:sp>
-        <p:nvSpPr>
-          <p:cNvPr id="2" name="TextBox 1">
-            <a:extLst>
-              <a:ext uri="{FF2B5EF4-FFF2-40B4-BE49-F238E27FC236}">
-                <a16:creationId xmlns:a16="http://schemas.microsoft.com/office/drawing/2014/main" id="{4F31B2AC-7473-E1A8-28D7-3D500745DEEB}"/>
+                <a16:creationId xmlns:a16="http://schemas.microsoft.com/office/drawing/2014/main" id="{927C0AEC-810F-C8AC-D01A-78E022B4218F}"/>
               </a:ext>
             </a:extLst>
           </p:cNvPr>
@@ -7553,8 +7893,8 @@
         </p:nvSpPr>
         <p:spPr>
           <a:xfrm>
-            <a:off x="3239758" y="817099"/>
-            <a:ext cx="2664482" cy="369332"/>
+            <a:off x="2051720" y="3583847"/>
+            <a:ext cx="5400600" cy="430887"/>
           </a:xfrm>
           <a:prstGeom prst="rect">
             <a:avLst/>
@@ -7568,27 +7908,94 @@
           <a:lstStyle/>
           <a:p>
             <a:r>
-              <a:rPr lang="ru-RU" dirty="0">
-                <a:latin typeface="Times New Roman" panose="02020603050405020304" pitchFamily="18" charset="0"/>
-                <a:cs typeface="Times New Roman" panose="02020603050405020304" pitchFamily="18" charset="0"/>
-              </a:rPr>
-              <a:t>Подключение диска </a:t>
-            </a:r>
-            <a:r>
-              <a:rPr lang="en-US" dirty="0" err="1">
+              <a:rPr lang="ru-RU" sz="2200" dirty="0">
+                <a:latin typeface="Times New Roman" panose="02020603050405020304" pitchFamily="18" charset="0"/>
+                <a:cs typeface="Times New Roman" panose="02020603050405020304" pitchFamily="18" charset="0"/>
+              </a:rPr>
+              <a:t>Состояние хранилища </a:t>
+            </a:r>
+            <a:r>
+              <a:rPr lang="en-US" sz="2200" dirty="0" err="1">
                 <a:latin typeface="Times New Roman" panose="02020603050405020304" pitchFamily="18" charset="0"/>
                 <a:cs typeface="Times New Roman" panose="02020603050405020304" pitchFamily="18" charset="0"/>
               </a:rPr>
               <a:t>ceph</a:t>
             </a:r>
-            <a:endParaRPr lang="en-US" dirty="0"/>
+            <a:r>
+              <a:rPr lang="en-US" sz="2200" dirty="0">
+                <a:latin typeface="Times New Roman" panose="02020603050405020304" pitchFamily="18" charset="0"/>
+                <a:cs typeface="Times New Roman" panose="02020603050405020304" pitchFamily="18" charset="0"/>
+              </a:rPr>
+              <a:t> </a:t>
+            </a:r>
+            <a:r>
+              <a:rPr lang="ru-RU" sz="2200" dirty="0">
+                <a:latin typeface="Times New Roman" panose="02020603050405020304" pitchFamily="18" charset="0"/>
+                <a:cs typeface="Times New Roman" panose="02020603050405020304" pitchFamily="18" charset="0"/>
+              </a:rPr>
+              <a:t>после аварии</a:t>
+            </a:r>
+            <a:endParaRPr lang="en-US" sz="2200" dirty="0"/>
+          </a:p>
+        </p:txBody>
+      </p:sp>
+      <p:sp>
+        <p:nvSpPr>
+          <p:cNvPr id="2" name="TextBox 1">
+            <a:extLst>
+              <a:ext uri="{FF2B5EF4-FFF2-40B4-BE49-F238E27FC236}">
+                <a16:creationId xmlns:a16="http://schemas.microsoft.com/office/drawing/2014/main" id="{C549AD78-6BD3-C77C-58EF-1CFEE7C113DF}"/>
+              </a:ext>
+            </a:extLst>
+          </p:cNvPr>
+          <p:cNvSpPr txBox="1"/>
+          <p:nvPr/>
+        </p:nvSpPr>
+        <p:spPr>
+          <a:xfrm>
+            <a:off x="2221845" y="441242"/>
+            <a:ext cx="4700301" cy="430887"/>
+          </a:xfrm>
+          <a:prstGeom prst="rect">
+            <a:avLst/>
+          </a:prstGeom>
+          <a:noFill/>
+        </p:spPr>
+        <p:txBody>
+          <a:bodyPr wrap="square" rtlCol="0">
+            <a:spAutoFit/>
+          </a:bodyPr>
+          <a:lstStyle/>
+          <a:p>
+            <a:r>
+              <a:rPr lang="ru-RU" sz="2200" dirty="0">
+                <a:latin typeface="Times New Roman" panose="02020603050405020304" pitchFamily="18" charset="0"/>
+                <a:cs typeface="Times New Roman" panose="02020603050405020304" pitchFamily="18" charset="0"/>
+              </a:rPr>
+              <a:t>Состояние хранилища </a:t>
+            </a:r>
+            <a:r>
+              <a:rPr lang="en-US" sz="2200" dirty="0" err="1">
+                <a:latin typeface="Times New Roman" panose="02020603050405020304" pitchFamily="18" charset="0"/>
+                <a:cs typeface="Times New Roman" panose="02020603050405020304" pitchFamily="18" charset="0"/>
+              </a:rPr>
+              <a:t>ceph</a:t>
+            </a:r>
+            <a:r>
+              <a:rPr lang="ru-RU" sz="2200" dirty="0">
+                <a:latin typeface="Times New Roman" panose="02020603050405020304" pitchFamily="18" charset="0"/>
+                <a:cs typeface="Times New Roman" panose="02020603050405020304" pitchFamily="18" charset="0"/>
+              </a:rPr>
+              <a:t> до аврии</a:t>
+            </a:r>
+            <a:endParaRPr lang="en-US" sz="2200" dirty="0"/>
           </a:p>
         </p:txBody>
       </p:sp>
     </p:spTree>
     <p:extLst>
       <p:ext uri="{BB962C8B-B14F-4D97-AF65-F5344CB8AC3E}">
-        <p14:creationId xmlns:p14="http://schemas.microsoft.com/office/powerpoint/2010/main" val="1336945680"/>
+        <p14:creationId xmlns:p14="http://schemas.microsoft.com/office/powerpoint/2010/main" val="1243664027"/>
       </p:ext>
     </p:extLst>
   </p:cSld>
@@ -7671,17 +8078,47 @@
                 <a:latin typeface="Times New Roman" panose="02020603050405020304" pitchFamily="18" charset="0"/>
                 <a:cs typeface="Times New Roman" panose="02020603050405020304" pitchFamily="18" charset="0"/>
               </a:rPr>
-              <a:t>Настройка кластера виртуализации</a:t>
+              <a:t>Проверка работоспособности ЛВС ЦОДа</a:t>
             </a:r>
           </a:p>
         </p:txBody>
       </p:sp>
       <p:pic>
         <p:nvPicPr>
-          <p:cNvPr id="15362" name="Picture 2">
+          <p:cNvPr id="9" name="Рисунок 8">
             <a:extLst>
               <a:ext uri="{FF2B5EF4-FFF2-40B4-BE49-F238E27FC236}">
-                <a16:creationId xmlns:a16="http://schemas.microsoft.com/office/drawing/2014/main" id="{D14D26AF-231F-D40D-7819-DE2DAE719306}"/>
+                <a16:creationId xmlns:a16="http://schemas.microsoft.com/office/drawing/2014/main" id="{AC43BE40-81D3-191D-3B8F-CE8075DABDBD}"/>
+              </a:ext>
+            </a:extLst>
+          </p:cNvPr>
+          <p:cNvPicPr>
+            <a:picLocks noChangeAspect="1"/>
+          </p:cNvPicPr>
+          <p:nvPr/>
+        </p:nvPicPr>
+        <p:blipFill>
+          <a:blip r:embed="rId2"/>
+          <a:stretch>
+            <a:fillRect/>
+          </a:stretch>
+        </p:blipFill>
+        <p:spPr>
+          <a:xfrm>
+            <a:off x="2671760" y="1628800"/>
+            <a:ext cx="3800475" cy="1181100"/>
+          </a:xfrm>
+          <a:prstGeom prst="rect">
+            <a:avLst/>
+          </a:prstGeom>
+        </p:spPr>
+      </p:pic>
+      <p:pic>
+        <p:nvPicPr>
+          <p:cNvPr id="24578" name="Picture 2">
+            <a:extLst>
+              <a:ext uri="{FF2B5EF4-FFF2-40B4-BE49-F238E27FC236}">
+                <a16:creationId xmlns:a16="http://schemas.microsoft.com/office/drawing/2014/main" id="{521BCEDD-CFFD-0CF9-19D5-F8F7B9B1C83F}"/>
               </a:ext>
             </a:extLst>
           </p:cNvPr>
@@ -7691,7 +8128,7 @@
           <p:nvPr/>
         </p:nvPicPr>
         <p:blipFill>
-          <a:blip r:embed="rId2">
+          <a:blip r:embed="rId3">
             <a:extLst>
               <a:ext uri="{28A0092B-C50C-407E-A947-70E740481C1C}">
                 <a14:useLocalDpi xmlns:a14="http://schemas.microsoft.com/office/drawing/2010/main" val="0"/>
@@ -7705,8 +8142,8 @@
         </p:blipFill>
         <p:spPr bwMode="auto">
           <a:xfrm>
-            <a:off x="356837" y="1916832"/>
-            <a:ext cx="2931595" cy="3600400"/>
+            <a:off x="1310857" y="3413373"/>
+            <a:ext cx="6522278" cy="2617861"/>
           </a:xfrm>
           <a:prstGeom prst="rect">
             <a:avLst/>
@@ -7736,132 +8173,12 @@
           </a:extLst>
         </p:spPr>
       </p:pic>
-      <p:pic>
-        <p:nvPicPr>
-          <p:cNvPr id="15363" name="Picture 3">
+      <p:sp>
+        <p:nvSpPr>
+          <p:cNvPr id="10" name="TextBox 9">
             <a:extLst>
               <a:ext uri="{FF2B5EF4-FFF2-40B4-BE49-F238E27FC236}">
-                <a16:creationId xmlns:a16="http://schemas.microsoft.com/office/drawing/2014/main" id="{4CAB2CD4-5C10-10AE-D993-4370EA4CB182}"/>
-              </a:ext>
-            </a:extLst>
-          </p:cNvPr>
-          <p:cNvPicPr>
-            <a:picLocks noChangeAspect="1" noChangeArrowheads="1"/>
-          </p:cNvPicPr>
-          <p:nvPr/>
-        </p:nvPicPr>
-        <p:blipFill>
-          <a:blip r:embed="rId3">
-            <a:extLst>
-              <a:ext uri="{28A0092B-C50C-407E-A947-70E740481C1C}">
-                <a14:useLocalDpi xmlns:a14="http://schemas.microsoft.com/office/drawing/2010/main" val="0"/>
-              </a:ext>
-            </a:extLst>
-          </a:blip>
-          <a:srcRect/>
-          <a:stretch>
-            <a:fillRect/>
-          </a:stretch>
-        </p:blipFill>
-        <p:spPr bwMode="auto">
-          <a:xfrm>
-            <a:off x="3347864" y="1916832"/>
-            <a:ext cx="5610225" cy="2085975"/>
-          </a:xfrm>
-          <a:prstGeom prst="rect">
-            <a:avLst/>
-          </a:prstGeom>
-          <a:noFill/>
-          <a:ln>
-            <a:noFill/>
-          </a:ln>
-          <a:extLst>
-            <a:ext uri="{909E8E84-426E-40DD-AFC4-6F175D3DCCD1}">
-              <a14:hiddenFill xmlns:a14="http://schemas.microsoft.com/office/drawing/2010/main">
-                <a:solidFill>
-                  <a:srgbClr val="FFFFFF"/>
-                </a:solidFill>
-              </a14:hiddenFill>
-            </a:ext>
-            <a:ext uri="{91240B29-F687-4F45-9708-019B960494DF}">
-              <a14:hiddenLine xmlns:a14="http://schemas.microsoft.com/office/drawing/2010/main" w="9525">
-                <a:solidFill>
-                  <a:srgbClr val="000000"/>
-                </a:solidFill>
-                <a:miter lim="800000"/>
-                <a:headEnd/>
-                <a:tailEnd/>
-              </a14:hiddenLine>
-            </a:ext>
-          </a:extLst>
-        </p:spPr>
-      </p:pic>
-      <p:pic>
-        <p:nvPicPr>
-          <p:cNvPr id="15364" name="Picture 4">
-            <a:extLst>
-              <a:ext uri="{FF2B5EF4-FFF2-40B4-BE49-F238E27FC236}">
-                <a16:creationId xmlns:a16="http://schemas.microsoft.com/office/drawing/2014/main" id="{485152DD-71D7-9781-197D-33FAD6774B97}"/>
-              </a:ext>
-            </a:extLst>
-          </p:cNvPr>
-          <p:cNvPicPr>
-            <a:picLocks noChangeAspect="1" noChangeArrowheads="1"/>
-          </p:cNvPicPr>
-          <p:nvPr/>
-        </p:nvPicPr>
-        <p:blipFill>
-          <a:blip r:embed="rId4">
-            <a:extLst>
-              <a:ext uri="{28A0092B-C50C-407E-A947-70E740481C1C}">
-                <a14:useLocalDpi xmlns:a14="http://schemas.microsoft.com/office/drawing/2010/main" val="0"/>
-              </a:ext>
-            </a:extLst>
-          </a:blip>
-          <a:srcRect/>
-          <a:stretch>
-            <a:fillRect/>
-          </a:stretch>
-        </p:blipFill>
-        <p:spPr bwMode="auto">
-          <a:xfrm>
-            <a:off x="4677317" y="4149080"/>
-            <a:ext cx="2647950" cy="2114550"/>
-          </a:xfrm>
-          <a:prstGeom prst="rect">
-            <a:avLst/>
-          </a:prstGeom>
-          <a:noFill/>
-          <a:ln>
-            <a:noFill/>
-          </a:ln>
-          <a:extLst>
-            <a:ext uri="{909E8E84-426E-40DD-AFC4-6F175D3DCCD1}">
-              <a14:hiddenFill xmlns:a14="http://schemas.microsoft.com/office/drawing/2010/main">
-                <a:solidFill>
-                  <a:srgbClr val="FFFFFF"/>
-                </a:solidFill>
-              </a14:hiddenFill>
-            </a:ext>
-            <a:ext uri="{91240B29-F687-4F45-9708-019B960494DF}">
-              <a14:hiddenLine xmlns:a14="http://schemas.microsoft.com/office/drawing/2010/main" w="9525">
-                <a:solidFill>
-                  <a:srgbClr val="000000"/>
-                </a:solidFill>
-                <a:miter lim="800000"/>
-                <a:headEnd/>
-                <a:tailEnd/>
-              </a14:hiddenLine>
-            </a:ext>
-          </a:extLst>
-        </p:spPr>
-      </p:pic>
-      <p:sp>
-        <p:nvSpPr>
-          <p:cNvPr id="2" name="TextBox 1">
-            <a:extLst>
-              <a:ext uri="{FF2B5EF4-FFF2-40B4-BE49-F238E27FC236}">
-                <a16:creationId xmlns:a16="http://schemas.microsoft.com/office/drawing/2014/main" id="{6B6A86AB-9FCA-A95A-911F-FF88E8F1B24A}"/>
+                <a16:creationId xmlns:a16="http://schemas.microsoft.com/office/drawing/2014/main" id="{3EA32A66-BBAB-AA53-9FFD-C1C655414A9D}"/>
               </a:ext>
             </a:extLst>
           </p:cNvPr>
@@ -7870,8 +8187,8 @@
         </p:nvSpPr>
         <p:spPr>
           <a:xfrm>
-            <a:off x="3185799" y="1156102"/>
-            <a:ext cx="2772401" cy="369332"/>
+            <a:off x="821379" y="1130529"/>
+            <a:ext cx="7501235" cy="430887"/>
           </a:xfrm>
           <a:prstGeom prst="rect">
             <a:avLst/>
@@ -7884,28 +8201,76 @@
           </a:bodyPr>
           <a:lstStyle/>
           <a:p>
-            <a:r>
-              <a:rPr lang="ru-RU" dirty="0">
-                <a:latin typeface="Times New Roman" panose="02020603050405020304" pitchFamily="18" charset="0"/>
-                <a:cs typeface="Times New Roman" panose="02020603050405020304" pitchFamily="18" charset="0"/>
-              </a:rPr>
-              <a:t>Монтирование диска </a:t>
-            </a:r>
-            <a:r>
-              <a:rPr lang="en-US" dirty="0" err="1">
+            <a:pPr algn="ctr"/>
+            <a:r>
+              <a:rPr lang="ru-RU" sz="2200" dirty="0">
+                <a:latin typeface="Times New Roman" panose="02020603050405020304" pitchFamily="18" charset="0"/>
+                <a:cs typeface="Times New Roman" panose="02020603050405020304" pitchFamily="18" charset="0"/>
+              </a:rPr>
+              <a:t>Состояние диска </a:t>
+            </a:r>
+            <a:r>
+              <a:rPr lang="en-US" sz="2200" dirty="0" err="1">
                 <a:latin typeface="Times New Roman" panose="02020603050405020304" pitchFamily="18" charset="0"/>
                 <a:cs typeface="Times New Roman" panose="02020603050405020304" pitchFamily="18" charset="0"/>
               </a:rPr>
               <a:t>ceph</a:t>
             </a:r>
-            <a:endParaRPr lang="en-US" dirty="0"/>
+            <a:r>
+              <a:rPr lang="ru-RU" sz="2200" dirty="0">
+                <a:latin typeface="Times New Roman" panose="02020603050405020304" pitchFamily="18" charset="0"/>
+                <a:cs typeface="Times New Roman" panose="02020603050405020304" pitchFamily="18" charset="0"/>
+              </a:rPr>
+              <a:t> после аварии хранилища</a:t>
+            </a:r>
+            <a:endParaRPr lang="en-US" sz="2200" dirty="0"/>
+          </a:p>
+        </p:txBody>
+      </p:sp>
+      <p:sp>
+        <p:nvSpPr>
+          <p:cNvPr id="11" name="TextBox 10">
+            <a:extLst>
+              <a:ext uri="{FF2B5EF4-FFF2-40B4-BE49-F238E27FC236}">
+                <a16:creationId xmlns:a16="http://schemas.microsoft.com/office/drawing/2014/main" id="{6A29F8EC-FC08-2251-B86F-CDE6750F3642}"/>
+              </a:ext>
+            </a:extLst>
+          </p:cNvPr>
+          <p:cNvSpPr txBox="1"/>
+          <p:nvPr/>
+        </p:nvSpPr>
+        <p:spPr>
+          <a:xfrm>
+            <a:off x="821378" y="2938839"/>
+            <a:ext cx="7501235" cy="430887"/>
+          </a:xfrm>
+          <a:prstGeom prst="rect">
+            <a:avLst/>
+          </a:prstGeom>
+          <a:noFill/>
+        </p:spPr>
+        <p:txBody>
+          <a:bodyPr wrap="square" rtlCol="0">
+            <a:spAutoFit/>
+          </a:bodyPr>
+          <a:lstStyle/>
+          <a:p>
+            <a:pPr algn="ctr"/>
+            <a:r>
+              <a:rPr lang="ru-RU" sz="2200" dirty="0">
+                <a:latin typeface="Times New Roman" panose="02020603050405020304" pitchFamily="18" charset="0"/>
+                <a:cs typeface="Times New Roman" panose="02020603050405020304" pitchFamily="18" charset="0"/>
+              </a:rPr>
+              <a:t>Состояние кластера виртуализации до поломки участника</a:t>
+            </a:r>
+            <a:endParaRPr lang="en-US" sz="2200" dirty="0"/>
           </a:p>
         </p:txBody>
       </p:sp>
     </p:spTree>
     <p:extLst>
       <p:ext uri="{BB962C8B-B14F-4D97-AF65-F5344CB8AC3E}">
-        <p14:creationId xmlns:p14="http://schemas.microsoft.com/office/powerpoint/2010/main" val="2011615274"/>
+        <p14:creationId xmlns:p14="http://schemas.microsoft.com/office/powerpoint/2010/main" val="3596038706"/>
       </p:ext>
     </p:extLst>
   </p:cSld>
@@ -7988,17 +8353,17 @@
                 <a:latin typeface="Times New Roman" panose="02020603050405020304" pitchFamily="18" charset="0"/>
                 <a:cs typeface="Times New Roman" panose="02020603050405020304" pitchFamily="18" charset="0"/>
               </a:rPr>
-              <a:t>Настройка кластера виртуализации</a:t>
+              <a:t>Проверка работоспособности ЛВС ЦОДа</a:t>
             </a:r>
           </a:p>
         </p:txBody>
       </p:sp>
       <p:pic>
         <p:nvPicPr>
-          <p:cNvPr id="16386" name="Picture 2">
+          <p:cNvPr id="25602" name="Picture 2">
             <a:extLst>
               <a:ext uri="{FF2B5EF4-FFF2-40B4-BE49-F238E27FC236}">
-                <a16:creationId xmlns:a16="http://schemas.microsoft.com/office/drawing/2014/main" id="{4CE72672-7D4C-49A4-7A29-82F5156851D0}"/>
+                <a16:creationId xmlns:a16="http://schemas.microsoft.com/office/drawing/2014/main" id="{8357ABE0-3582-4A96-B38E-BC7D54575E66}"/>
               </a:ext>
             </a:extLst>
           </p:cNvPr>
@@ -8022,8 +8387,8 @@
         </p:blipFill>
         <p:spPr bwMode="auto">
           <a:xfrm>
-            <a:off x="1763688" y="1772816"/>
-            <a:ext cx="5743575" cy="923925"/>
+            <a:off x="1847850" y="1772816"/>
+            <a:ext cx="5448300" cy="2428875"/>
           </a:xfrm>
           <a:prstGeom prst="rect">
             <a:avLst/>
@@ -8053,72 +8418,12 @@
           </a:extLst>
         </p:spPr>
       </p:pic>
-      <p:pic>
-        <p:nvPicPr>
-          <p:cNvPr id="16387" name="Picture 3">
-            <a:extLst>
-              <a:ext uri="{FF2B5EF4-FFF2-40B4-BE49-F238E27FC236}">
-                <a16:creationId xmlns:a16="http://schemas.microsoft.com/office/drawing/2014/main" id="{B5C5F148-DF70-62F2-FBC7-ED1074D46312}"/>
-              </a:ext>
-            </a:extLst>
-          </p:cNvPr>
-          <p:cNvPicPr>
-            <a:picLocks noChangeAspect="1" noChangeArrowheads="1"/>
-          </p:cNvPicPr>
-          <p:nvPr/>
-        </p:nvPicPr>
-        <p:blipFill>
-          <a:blip r:embed="rId3">
-            <a:extLst>
-              <a:ext uri="{28A0092B-C50C-407E-A947-70E740481C1C}">
-                <a14:useLocalDpi xmlns:a14="http://schemas.microsoft.com/office/drawing/2010/main" val="0"/>
-              </a:ext>
-            </a:extLst>
-          </a:blip>
-          <a:srcRect/>
-          <a:stretch>
-            <a:fillRect/>
-          </a:stretch>
-        </p:blipFill>
-        <p:spPr bwMode="auto">
-          <a:xfrm>
-            <a:off x="1654150" y="2780928"/>
-            <a:ext cx="5962650" cy="3076575"/>
-          </a:xfrm>
-          <a:prstGeom prst="rect">
-            <a:avLst/>
-          </a:prstGeom>
-          <a:noFill/>
-          <a:ln>
-            <a:noFill/>
-          </a:ln>
-          <a:extLst>
-            <a:ext uri="{909E8E84-426E-40DD-AFC4-6F175D3DCCD1}">
-              <a14:hiddenFill xmlns:a14="http://schemas.microsoft.com/office/drawing/2010/main">
-                <a:solidFill>
-                  <a:srgbClr val="FFFFFF"/>
-                </a:solidFill>
-              </a14:hiddenFill>
-            </a:ext>
-            <a:ext uri="{91240B29-F687-4F45-9708-019B960494DF}">
-              <a14:hiddenLine xmlns:a14="http://schemas.microsoft.com/office/drawing/2010/main" w="9525">
-                <a:solidFill>
-                  <a:srgbClr val="000000"/>
-                </a:solidFill>
-                <a:miter lim="800000"/>
-                <a:headEnd/>
-                <a:tailEnd/>
-              </a14:hiddenLine>
-            </a:ext>
-          </a:extLst>
-        </p:spPr>
-      </p:pic>
       <p:sp>
         <p:nvSpPr>
           <p:cNvPr id="2" name="TextBox 1">
             <a:extLst>
               <a:ext uri="{FF2B5EF4-FFF2-40B4-BE49-F238E27FC236}">
-                <a16:creationId xmlns:a16="http://schemas.microsoft.com/office/drawing/2014/main" id="{BBF92CB5-3ECC-252B-E067-08A53DFE72D6}"/>
+                <a16:creationId xmlns:a16="http://schemas.microsoft.com/office/drawing/2014/main" id="{F1DBBF33-0EAF-7978-4AEA-0979AEFCF096}"/>
               </a:ext>
             </a:extLst>
           </p:cNvPr>
@@ -8127,8 +8432,8 @@
         </p:nvSpPr>
         <p:spPr>
           <a:xfrm>
-            <a:off x="2745218" y="1000497"/>
-            <a:ext cx="3780513" cy="369332"/>
+            <a:off x="821379" y="1130529"/>
+            <a:ext cx="7693971" cy="430887"/>
           </a:xfrm>
           <a:prstGeom prst="rect">
             <a:avLst/>
@@ -8141,21 +8446,92 @@
           </a:bodyPr>
           <a:lstStyle/>
           <a:p>
-            <a:r>
-              <a:rPr lang="ru-RU" dirty="0">
-                <a:latin typeface="Times New Roman" panose="02020603050405020304" pitchFamily="18" charset="0"/>
-                <a:cs typeface="Times New Roman" panose="02020603050405020304" pitchFamily="18" charset="0"/>
-              </a:rPr>
-              <a:t>Настройка шаблона контейнеров</a:t>
-            </a:r>
-            <a:endParaRPr lang="en-US" dirty="0"/>
-          </a:p>
-        </p:txBody>
-      </p:sp>
+            <a:pPr algn="ctr"/>
+            <a:r>
+              <a:rPr lang="ru-RU" sz="2200" dirty="0">
+                <a:latin typeface="Times New Roman" panose="02020603050405020304" pitchFamily="18" charset="0"/>
+                <a:cs typeface="Times New Roman" panose="02020603050405020304" pitchFamily="18" charset="0"/>
+              </a:rPr>
+              <a:t>Состояние кластера виртуализации после поломки участника</a:t>
+            </a:r>
+            <a:endParaRPr lang="en-US" sz="2200" dirty="0"/>
+          </a:p>
+        </p:txBody>
+      </p:sp>
+      <p:sp>
+        <p:nvSpPr>
+          <p:cNvPr id="4" name="TextBox 3">
+            <a:extLst>
+              <a:ext uri="{FF2B5EF4-FFF2-40B4-BE49-F238E27FC236}">
+                <a16:creationId xmlns:a16="http://schemas.microsoft.com/office/drawing/2014/main" id="{C13B09CD-B2F6-24C6-261A-4C0486B33415}"/>
+              </a:ext>
+            </a:extLst>
+          </p:cNvPr>
+          <p:cNvSpPr txBox="1"/>
+          <p:nvPr/>
+        </p:nvSpPr>
+        <p:spPr>
+          <a:xfrm>
+            <a:off x="795830" y="4270814"/>
+            <a:ext cx="7501235" cy="430887"/>
+          </a:xfrm>
+          <a:prstGeom prst="rect">
+            <a:avLst/>
+          </a:prstGeom>
+          <a:noFill/>
+        </p:spPr>
+        <p:txBody>
+          <a:bodyPr wrap="square" rtlCol="0">
+            <a:spAutoFit/>
+          </a:bodyPr>
+          <a:lstStyle/>
+          <a:p>
+            <a:pPr algn="ctr"/>
+            <a:r>
+              <a:rPr lang="ru-RU" sz="2200" dirty="0">
+                <a:latin typeface="Times New Roman" panose="02020603050405020304" pitchFamily="18" charset="0"/>
+                <a:cs typeface="Times New Roman" panose="02020603050405020304" pitchFamily="18" charset="0"/>
+              </a:rPr>
+              <a:t>Доступность сайта компании после всех аварий</a:t>
+            </a:r>
+            <a:endParaRPr lang="en-US" sz="2200" dirty="0"/>
+          </a:p>
+        </p:txBody>
+      </p:sp>
+      <p:pic>
+        <p:nvPicPr>
+          <p:cNvPr id="6" name="Рисунок 5">
+            <a:extLst>
+              <a:ext uri="{FF2B5EF4-FFF2-40B4-BE49-F238E27FC236}">
+                <a16:creationId xmlns:a16="http://schemas.microsoft.com/office/drawing/2014/main" id="{C72E9737-7FB7-562A-3741-F36C62CD5ECC}"/>
+              </a:ext>
+            </a:extLst>
+          </p:cNvPr>
+          <p:cNvPicPr>
+            <a:picLocks noChangeAspect="1"/>
+          </p:cNvPicPr>
+          <p:nvPr/>
+        </p:nvPicPr>
+        <p:blipFill>
+          <a:blip r:embed="rId3"/>
+          <a:stretch>
+            <a:fillRect/>
+          </a:stretch>
+        </p:blipFill>
+        <p:spPr>
+          <a:xfrm>
+            <a:off x="2838446" y="4730229"/>
+            <a:ext cx="3467100" cy="1685925"/>
+          </a:xfrm>
+          <a:prstGeom prst="rect">
+            <a:avLst/>
+          </a:prstGeom>
+        </p:spPr>
+      </p:pic>
     </p:spTree>
     <p:extLst>
       <p:ext uri="{BB962C8B-B14F-4D97-AF65-F5344CB8AC3E}">
-        <p14:creationId xmlns:p14="http://schemas.microsoft.com/office/powerpoint/2010/main" val="1468752486"/>
+        <p14:creationId xmlns:p14="http://schemas.microsoft.com/office/powerpoint/2010/main" val="2100540269"/>
       </p:ext>
     </p:extLst>
   </p:cSld>
@@ -8171,6 +8547,11 @@
 <file path=ppt/slides/slide27.xml><?xml version="1.0" encoding="utf-8"?>
 <p:sld xmlns:a="http://schemas.openxmlformats.org/drawingml/2006/main" xmlns:r="http://schemas.openxmlformats.org/officeDocument/2006/relationships" xmlns:p="http://schemas.openxmlformats.org/presentationml/2006/main">
   <p:cSld>
+    <p:bg>
+      <p:bgRef idx="1001">
+        <a:schemeClr val="bg1"/>
+      </p:bgRef>
+    </p:bg>
     <p:spTree>
       <p:nvGrpSpPr>
         <p:cNvPr id="1" name=""/>
@@ -8187,260 +8568,202 @@
       </p:grpSpPr>
       <p:sp>
         <p:nvSpPr>
-          <p:cNvPr id="3" name="Заголовок 1">
-            <a:extLst>
-              <a:ext uri="{FF2B5EF4-FFF2-40B4-BE49-F238E27FC236}">
-                <a16:creationId xmlns:a16="http://schemas.microsoft.com/office/drawing/2014/main" id="{5F5F565D-21AE-2129-3A8D-F7B449234509}"/>
-              </a:ext>
-            </a:extLst>
-          </p:cNvPr>
-          <p:cNvSpPr txBox="1">
-            <a:spLocks/>
+          <p:cNvPr id="3" name="Объект 2"/>
+          <p:cNvSpPr>
+            <a:spLocks noGrp="1"/>
           </p:cNvSpPr>
+          <p:nvPr>
+            <p:ph idx="1"/>
+          </p:nvPr>
+        </p:nvSpPr>
+        <p:spPr>
+          <a:xfrm>
+            <a:off x="251520" y="764540"/>
+            <a:ext cx="8640960" cy="5904656"/>
+          </a:xfrm>
+        </p:spPr>
+        <p:txBody>
+          <a:bodyPr>
+            <a:noAutofit/>
+          </a:bodyPr>
+          <a:lstStyle/>
+          <a:p>
+            <a:pPr marL="0" indent="0" algn="just">
+              <a:spcBef>
+                <a:spcPts val="0"/>
+              </a:spcBef>
+              <a:buNone/>
+              <a:tabLst>
+                <a:tab pos="357188" algn="l"/>
+              </a:tabLst>
+            </a:pPr>
+            <a:r>
+              <a:rPr lang="ru-RU" sz="2200" dirty="0">
+                <a:latin typeface="Times New Roman" panose="02020603050405020304" pitchFamily="18" charset="0"/>
+                <a:cs typeface="Times New Roman" panose="02020603050405020304" pitchFamily="18" charset="0"/>
+              </a:rPr>
+              <a:t>	В дипломном проекте была разработана локальная вычислительная сеть центра обработки данных компании ЗАО МНИТИ, которая реализует требования, предоставляемые уровнем Центров обработки данных </a:t>
+            </a:r>
+            <a:r>
+              <a:rPr lang="ru-RU" sz="2200" dirty="0" err="1">
+                <a:latin typeface="Times New Roman" panose="02020603050405020304" pitchFamily="18" charset="0"/>
+                <a:cs typeface="Times New Roman" panose="02020603050405020304" pitchFamily="18" charset="0"/>
+              </a:rPr>
+              <a:t>Tier</a:t>
+            </a:r>
+            <a:r>
+              <a:rPr lang="ru-RU" sz="2200" dirty="0">
+                <a:latin typeface="Times New Roman" panose="02020603050405020304" pitchFamily="18" charset="0"/>
+                <a:cs typeface="Times New Roman" panose="02020603050405020304" pitchFamily="18" charset="0"/>
+              </a:rPr>
+              <a:t> 2, а также которая подходит для предоставления услуг </a:t>
+            </a:r>
+            <a:r>
+              <a:rPr lang="ru-RU" sz="2200" dirty="0" err="1">
+                <a:latin typeface="Times New Roman" panose="02020603050405020304" pitchFamily="18" charset="0"/>
+                <a:cs typeface="Times New Roman" panose="02020603050405020304" pitchFamily="18" charset="0"/>
+              </a:rPr>
+              <a:t>IaaS</a:t>
+            </a:r>
+            <a:r>
+              <a:rPr lang="ru-RU" sz="2200" dirty="0">
+                <a:latin typeface="Times New Roman" panose="02020603050405020304" pitchFamily="18" charset="0"/>
+                <a:cs typeface="Times New Roman" panose="02020603050405020304" pitchFamily="18" charset="0"/>
+              </a:rPr>
+              <a:t> в корпоративной сети компании.</a:t>
+            </a:r>
+          </a:p>
+          <a:p>
+            <a:pPr marL="0" indent="0" algn="just">
+              <a:spcBef>
+                <a:spcPts val="0"/>
+              </a:spcBef>
+              <a:buNone/>
+              <a:tabLst>
+                <a:tab pos="357188" algn="l"/>
+              </a:tabLst>
+            </a:pPr>
+            <a:r>
+              <a:rPr lang="ru-RU" sz="2200" dirty="0">
+                <a:latin typeface="Times New Roman" panose="02020603050405020304" pitchFamily="18" charset="0"/>
+                <a:cs typeface="Times New Roman" panose="02020603050405020304" pitchFamily="18" charset="0"/>
+              </a:rPr>
+              <a:t>	В ходе выполнения дипломного проекта были рассмотрены и проанализированы основные технологии, применяемые в локальных вычислительных сетях для реализации отказоустойчивости, высокой доступности и виртуализации сервисов, например механизмы контейнеризации </a:t>
+            </a:r>
+            <a:r>
+              <a:rPr lang="ru-RU" sz="2200" dirty="0" err="1">
+                <a:latin typeface="Times New Roman" panose="02020603050405020304" pitchFamily="18" charset="0"/>
+                <a:cs typeface="Times New Roman" panose="02020603050405020304" pitchFamily="18" charset="0"/>
+              </a:rPr>
+              <a:t>Lxc</a:t>
+            </a:r>
+            <a:r>
+              <a:rPr lang="ru-RU" sz="2200" dirty="0">
+                <a:latin typeface="Times New Roman" panose="02020603050405020304" pitchFamily="18" charset="0"/>
+                <a:cs typeface="Times New Roman" panose="02020603050405020304" pitchFamily="18" charset="0"/>
+              </a:rPr>
+              <a:t>, кластер высокой доступности </a:t>
+            </a:r>
+            <a:r>
+              <a:rPr lang="ru-RU" sz="2200" dirty="0" err="1">
+                <a:latin typeface="Times New Roman" panose="02020603050405020304" pitchFamily="18" charset="0"/>
+                <a:cs typeface="Times New Roman" panose="02020603050405020304" pitchFamily="18" charset="0"/>
+              </a:rPr>
+              <a:t>keepalived</a:t>
+            </a:r>
+            <a:r>
+              <a:rPr lang="ru-RU" sz="2200" dirty="0">
+                <a:latin typeface="Times New Roman" panose="02020603050405020304" pitchFamily="18" charset="0"/>
+                <a:cs typeface="Times New Roman" panose="02020603050405020304" pitchFamily="18" charset="0"/>
+              </a:rPr>
+              <a:t>, отказоустойчивый кластер </a:t>
+            </a:r>
+            <a:r>
+              <a:rPr lang="ru-RU" sz="2200" dirty="0" err="1">
+                <a:latin typeface="Times New Roman" panose="02020603050405020304" pitchFamily="18" charset="0"/>
+                <a:cs typeface="Times New Roman" panose="02020603050405020304" pitchFamily="18" charset="0"/>
+              </a:rPr>
+              <a:t>corosync</a:t>
+            </a:r>
+            <a:r>
+              <a:rPr lang="ru-RU" sz="2200" dirty="0">
+                <a:latin typeface="Times New Roman" panose="02020603050405020304" pitchFamily="18" charset="0"/>
+                <a:cs typeface="Times New Roman" panose="02020603050405020304" pitchFamily="18" charset="0"/>
+              </a:rPr>
+              <a:t> </a:t>
+            </a:r>
+            <a:r>
+              <a:rPr lang="ru-RU" sz="2200" dirty="0" err="1">
+                <a:latin typeface="Times New Roman" panose="02020603050405020304" pitchFamily="18" charset="0"/>
+                <a:cs typeface="Times New Roman" panose="02020603050405020304" pitchFamily="18" charset="0"/>
+              </a:rPr>
+              <a:t>pacemaker</a:t>
+            </a:r>
+            <a:r>
+              <a:rPr lang="ru-RU" sz="2200" dirty="0">
+                <a:latin typeface="Times New Roman" panose="02020603050405020304" pitchFamily="18" charset="0"/>
+                <a:cs typeface="Times New Roman" panose="02020603050405020304" pitchFamily="18" charset="0"/>
+              </a:rPr>
+              <a:t>, и отказоустойчивое хранилище </a:t>
+            </a:r>
+            <a:r>
+              <a:rPr lang="ru-RU" sz="2200" dirty="0" err="1">
+                <a:latin typeface="Times New Roman" panose="02020603050405020304" pitchFamily="18" charset="0"/>
+                <a:cs typeface="Times New Roman" panose="02020603050405020304" pitchFamily="18" charset="0"/>
+              </a:rPr>
+              <a:t>ceph</a:t>
+            </a:r>
+            <a:r>
+              <a:rPr lang="ru-RU" sz="2200" dirty="0">
+                <a:latin typeface="Times New Roman" panose="02020603050405020304" pitchFamily="18" charset="0"/>
+                <a:cs typeface="Times New Roman" panose="02020603050405020304" pitchFamily="18" charset="0"/>
+              </a:rPr>
+              <a:t>. Все рассмотренные технологии были настроены и реализованы на базе операционной системы Linux, а также было произведено тестирование локальной вычислительной сети на отказоустойчивость при авариях на важных элементах сети, которое показало высокую отказоустойчивость архитектуры, которая также была разработана с учетом возможности масштабируемости и интеграции в корпоративную сеть предприятия ЗАО МНИТИ.</a:t>
+            </a:r>
+          </a:p>
+        </p:txBody>
+      </p:sp>
+      <p:sp>
+        <p:nvSpPr>
+          <p:cNvPr id="4" name="Прямоугольник 3"/>
+          <p:cNvSpPr/>
           <p:nvPr/>
         </p:nvSpPr>
         <p:spPr>
           <a:xfrm>
-            <a:off x="628650" y="345513"/>
-            <a:ext cx="7886700" cy="471586"/>
+            <a:off x="0" y="260648"/>
+            <a:ext cx="9144000" cy="523220"/>
           </a:xfrm>
           <a:prstGeom prst="rect">
             <a:avLst/>
           </a:prstGeom>
         </p:spPr>
         <p:txBody>
-          <a:bodyPr vert="horz" lIns="91440" tIns="45720" rIns="91440" bIns="45720" rtlCol="0" anchor="ctr">
-            <a:noAutofit/>
-          </a:bodyPr>
-          <a:lstStyle>
-            <a:lvl1pPr algn="l" defTabSz="685800" rtl="0" eaLnBrk="1" latinLnBrk="0" hangingPunct="1">
-              <a:lnSpc>
-                <a:spcPct val="90000"/>
-              </a:lnSpc>
-              <a:spcBef>
-                <a:spcPct val="0"/>
-              </a:spcBef>
-              <a:buNone/>
-              <a:defRPr sz="3300" kern="1200">
-                <a:solidFill>
-                  <a:schemeClr val="tx1"/>
-                </a:solidFill>
-                <a:latin typeface="+mj-lt"/>
-                <a:ea typeface="+mj-ea"/>
-                <a:cs typeface="+mj-cs"/>
-              </a:defRPr>
-            </a:lvl1pPr>
-          </a:lstStyle>
-          <a:p>
-            <a:pPr algn="ctr"/>
-            <a:r>
-              <a:rPr lang="ru-RU" sz="2800" b="1" dirty="0">
-                <a:latin typeface="Times New Roman" panose="02020603050405020304" pitchFamily="18" charset="0"/>
-                <a:cs typeface="Times New Roman" panose="02020603050405020304" pitchFamily="18" charset="0"/>
-              </a:rPr>
-              <a:t>Настройка контейнера тестового сайта</a:t>
-            </a:r>
-          </a:p>
-        </p:txBody>
-      </p:sp>
-      <p:pic>
-        <p:nvPicPr>
-          <p:cNvPr id="17410" name="Picture 2">
-            <a:extLst>
-              <a:ext uri="{FF2B5EF4-FFF2-40B4-BE49-F238E27FC236}">
-                <a16:creationId xmlns:a16="http://schemas.microsoft.com/office/drawing/2014/main" id="{1FB62258-87EF-E5F7-CB1F-8D422D52E262}"/>
-              </a:ext>
-            </a:extLst>
-          </p:cNvPr>
-          <p:cNvPicPr>
-            <a:picLocks noChangeAspect="1" noChangeArrowheads="1"/>
-          </p:cNvPicPr>
-          <p:nvPr/>
-        </p:nvPicPr>
-        <p:blipFill>
-          <a:blip r:embed="rId2">
-            <a:extLst>
-              <a:ext uri="{28A0092B-C50C-407E-A947-70E740481C1C}">
-                <a14:useLocalDpi xmlns:a14="http://schemas.microsoft.com/office/drawing/2010/main" val="0"/>
-              </a:ext>
-            </a:extLst>
-          </a:blip>
-          <a:srcRect/>
-          <a:stretch>
-            <a:fillRect/>
-          </a:stretch>
-        </p:blipFill>
-        <p:spPr bwMode="auto">
-          <a:xfrm>
-            <a:off x="2171700" y="1776377"/>
-            <a:ext cx="4800600" cy="1562100"/>
-          </a:xfrm>
-          <a:prstGeom prst="rect">
-            <a:avLst/>
-          </a:prstGeom>
-          <a:noFill/>
-          <a:ln>
-            <a:noFill/>
-          </a:ln>
-          <a:extLst>
-            <a:ext uri="{909E8E84-426E-40DD-AFC4-6F175D3DCCD1}">
-              <a14:hiddenFill xmlns:a14="http://schemas.microsoft.com/office/drawing/2010/main">
-                <a:solidFill>
-                  <a:srgbClr val="FFFFFF"/>
-                </a:solidFill>
-              </a14:hiddenFill>
-            </a:ext>
-            <a:ext uri="{91240B29-F687-4F45-9708-019B960494DF}">
-              <a14:hiddenLine xmlns:a14="http://schemas.microsoft.com/office/drawing/2010/main" w="9525">
-                <a:solidFill>
-                  <a:srgbClr val="000000"/>
-                </a:solidFill>
-                <a:miter lim="800000"/>
-                <a:headEnd/>
-                <a:tailEnd/>
-              </a14:hiddenLine>
-            </a:ext>
-          </a:extLst>
-        </p:spPr>
-      </p:pic>
-      <p:pic>
-        <p:nvPicPr>
-          <p:cNvPr id="17411" name="Picture 3">
-            <a:extLst>
-              <a:ext uri="{FF2B5EF4-FFF2-40B4-BE49-F238E27FC236}">
-                <a16:creationId xmlns:a16="http://schemas.microsoft.com/office/drawing/2014/main" id="{F73D11C6-E7CA-F251-E046-EFEE46367BDC}"/>
-              </a:ext>
-            </a:extLst>
-          </p:cNvPr>
-          <p:cNvPicPr>
-            <a:picLocks noChangeAspect="1" noChangeArrowheads="1"/>
-          </p:cNvPicPr>
-          <p:nvPr/>
-        </p:nvPicPr>
-        <p:blipFill>
-          <a:blip r:embed="rId3">
-            <a:extLst>
-              <a:ext uri="{28A0092B-C50C-407E-A947-70E740481C1C}">
-                <a14:useLocalDpi xmlns:a14="http://schemas.microsoft.com/office/drawing/2010/main" val="0"/>
-              </a:ext>
-            </a:extLst>
-          </a:blip>
-          <a:srcRect/>
-          <a:stretch>
-            <a:fillRect/>
-          </a:stretch>
-        </p:blipFill>
-        <p:spPr bwMode="auto">
-          <a:xfrm>
-            <a:off x="3095625" y="3501008"/>
-            <a:ext cx="2952750" cy="857250"/>
-          </a:xfrm>
-          <a:prstGeom prst="rect">
-            <a:avLst/>
-          </a:prstGeom>
-          <a:noFill/>
-          <a:ln>
-            <a:noFill/>
-          </a:ln>
-          <a:extLst>
-            <a:ext uri="{909E8E84-426E-40DD-AFC4-6F175D3DCCD1}">
-              <a14:hiddenFill xmlns:a14="http://schemas.microsoft.com/office/drawing/2010/main">
-                <a:solidFill>
-                  <a:srgbClr val="FFFFFF"/>
-                </a:solidFill>
-              </a14:hiddenFill>
-            </a:ext>
-            <a:ext uri="{91240B29-F687-4F45-9708-019B960494DF}">
-              <a14:hiddenLine xmlns:a14="http://schemas.microsoft.com/office/drawing/2010/main" w="9525">
-                <a:solidFill>
-                  <a:srgbClr val="000000"/>
-                </a:solidFill>
-                <a:miter lim="800000"/>
-                <a:headEnd/>
-                <a:tailEnd/>
-              </a14:hiddenLine>
-            </a:ext>
-          </a:extLst>
-        </p:spPr>
-      </p:pic>
-      <p:pic>
-        <p:nvPicPr>
-          <p:cNvPr id="4" name="Рисунок 3">
-            <a:extLst>
-              <a:ext uri="{FF2B5EF4-FFF2-40B4-BE49-F238E27FC236}">
-                <a16:creationId xmlns:a16="http://schemas.microsoft.com/office/drawing/2014/main" id="{7B92B1D8-0C1C-CF6F-0B85-E8D2D6CC0284}"/>
-              </a:ext>
-            </a:extLst>
-          </p:cNvPr>
-          <p:cNvPicPr>
-            <a:picLocks noChangeAspect="1"/>
-          </p:cNvPicPr>
-          <p:nvPr/>
-        </p:nvPicPr>
-        <p:blipFill>
-          <a:blip r:embed="rId4"/>
-          <a:stretch>
-            <a:fillRect/>
-          </a:stretch>
-        </p:blipFill>
-        <p:spPr>
-          <a:xfrm>
-            <a:off x="2886075" y="4520789"/>
-            <a:ext cx="3371850" cy="1657350"/>
-          </a:xfrm>
-          <a:prstGeom prst="rect">
-            <a:avLst/>
-          </a:prstGeom>
-        </p:spPr>
-      </p:pic>
-      <p:sp>
-        <p:nvSpPr>
-          <p:cNvPr id="5" name="TextBox 4">
-            <a:extLst>
-              <a:ext uri="{FF2B5EF4-FFF2-40B4-BE49-F238E27FC236}">
-                <a16:creationId xmlns:a16="http://schemas.microsoft.com/office/drawing/2014/main" id="{5E8FDA4E-4855-62F9-87E4-30D412A3D1D4}"/>
-              </a:ext>
-            </a:extLst>
-          </p:cNvPr>
-          <p:cNvSpPr txBox="1"/>
-          <p:nvPr/>
-        </p:nvSpPr>
-        <p:spPr>
-          <a:xfrm>
-            <a:off x="1930417" y="1038923"/>
-            <a:ext cx="5283166" cy="369332"/>
-          </a:xfrm>
-          <a:prstGeom prst="rect">
-            <a:avLst/>
-          </a:prstGeom>
-          <a:noFill/>
-        </p:spPr>
-        <p:txBody>
-          <a:bodyPr wrap="square" rtlCol="0">
+          <a:bodyPr wrap="square">
             <a:spAutoFit/>
           </a:bodyPr>
           <a:lstStyle/>
           <a:p>
-            <a:r>
-              <a:rPr lang="ru-RU" dirty="0">
-                <a:latin typeface="Times New Roman" panose="02020603050405020304" pitchFamily="18" charset="0"/>
-                <a:cs typeface="Times New Roman" panose="02020603050405020304" pitchFamily="18" charset="0"/>
-              </a:rPr>
-              <a:t>Настройка контейнера тестового сайта компании</a:t>
-            </a:r>
-            <a:endParaRPr lang="en-US" dirty="0"/>
+            <a:pPr algn="ctr"/>
+            <a:r>
+              <a:rPr lang="ru-RU" sz="2800" b="1" dirty="0">
+                <a:latin typeface="Times New Roman" pitchFamily="18" charset="0"/>
+                <a:cs typeface="Times New Roman" pitchFamily="18" charset="0"/>
+              </a:rPr>
+              <a:t>Заключение</a:t>
+            </a:r>
           </a:p>
         </p:txBody>
       </p:sp>
     </p:spTree>
     <p:extLst>
       <p:ext uri="{BB962C8B-B14F-4D97-AF65-F5344CB8AC3E}">
-        <p14:creationId xmlns:p14="http://schemas.microsoft.com/office/powerpoint/2010/main" val="2346655458"/>
+        <p14:creationId xmlns:p14="http://schemas.microsoft.com/office/powerpoint/2010/main" val="1388752116"/>
       </p:ext>
     </p:extLst>
   </p:cSld>
   <p:clrMapOvr>
-    <a:masterClrMapping/>
+    <a:overrideClrMapping bg1="lt1" tx1="dk1" bg2="lt2" tx2="dk2" accent1="accent1" accent2="accent2" accent3="accent3" accent4="accent4" accent5="accent5" accent6="accent6" hlink="hlink" folHlink="folHlink"/>
   </p:clrMapOvr>
   <p:transition>
     <p:push dir="u"/>
@@ -8467,203 +8790,19 @@
       </p:grpSpPr>
       <p:sp>
         <p:nvSpPr>
-          <p:cNvPr id="3" name="Заголовок 1">
-            <a:extLst>
-              <a:ext uri="{FF2B5EF4-FFF2-40B4-BE49-F238E27FC236}">
-                <a16:creationId xmlns:a16="http://schemas.microsoft.com/office/drawing/2014/main" id="{5F5F565D-21AE-2129-3A8D-F7B449234509}"/>
-              </a:ext>
-            </a:extLst>
-          </p:cNvPr>
-          <p:cNvSpPr txBox="1">
-            <a:spLocks/>
-          </p:cNvSpPr>
+          <p:cNvPr id="5" name="TextBox 4"/>
+          <p:cNvSpPr txBox="1"/>
           <p:nvPr/>
         </p:nvSpPr>
         <p:spPr>
           <a:xfrm>
-            <a:off x="628649" y="133746"/>
-            <a:ext cx="7886700" cy="471586"/>
-          </a:xfrm>
-          <a:prstGeom prst="rect">
-            <a:avLst/>
-          </a:prstGeom>
-        </p:spPr>
-        <p:txBody>
-          <a:bodyPr vert="horz" lIns="91440" tIns="45720" rIns="91440" bIns="45720" rtlCol="0" anchor="ctr">
-            <a:noAutofit/>
-          </a:bodyPr>
-          <a:lstStyle>
-            <a:lvl1pPr algn="l" defTabSz="685800" rtl="0" eaLnBrk="1" latinLnBrk="0" hangingPunct="1">
-              <a:lnSpc>
-                <a:spcPct val="90000"/>
-              </a:lnSpc>
-              <a:spcBef>
-                <a:spcPct val="0"/>
-              </a:spcBef>
-              <a:buNone/>
-              <a:defRPr sz="3300" kern="1200">
-                <a:solidFill>
-                  <a:schemeClr val="tx1"/>
-                </a:solidFill>
-                <a:latin typeface="+mj-lt"/>
-                <a:ea typeface="+mj-ea"/>
-                <a:cs typeface="+mj-cs"/>
-              </a:defRPr>
-            </a:lvl1pPr>
-          </a:lstStyle>
-          <a:p>
-            <a:pPr algn="ctr"/>
-            <a:r>
-              <a:rPr lang="ru-RU" sz="2800" b="1" dirty="0">
-                <a:latin typeface="Times New Roman" panose="02020603050405020304" pitchFamily="18" charset="0"/>
-                <a:cs typeface="Times New Roman" panose="02020603050405020304" pitchFamily="18" charset="0"/>
-              </a:rPr>
-              <a:t>Проверка работоспособности ЛВС ЦОДа</a:t>
-            </a:r>
-          </a:p>
-        </p:txBody>
-      </p:sp>
-      <p:pic>
-        <p:nvPicPr>
-          <p:cNvPr id="18434" name="Рисунок 1">
-            <a:extLst>
-              <a:ext uri="{FF2B5EF4-FFF2-40B4-BE49-F238E27FC236}">
-                <a16:creationId xmlns:a16="http://schemas.microsoft.com/office/drawing/2014/main" id="{7FFD8284-8C63-1971-859D-454F11644812}"/>
-              </a:ext>
-            </a:extLst>
-          </p:cNvPr>
-          <p:cNvPicPr>
-            <a:picLocks noChangeAspect="1" noChangeArrowheads="1"/>
-          </p:cNvPicPr>
-          <p:nvPr/>
-        </p:nvPicPr>
-        <p:blipFill>
-          <a:blip r:embed="rId2">
-            <a:extLst>
-              <a:ext uri="{28A0092B-C50C-407E-A947-70E740481C1C}">
-                <a14:useLocalDpi xmlns:a14="http://schemas.microsoft.com/office/drawing/2010/main" val="0"/>
-              </a:ext>
-            </a:extLst>
-          </a:blip>
-          <a:srcRect/>
-          <a:stretch>
-            <a:fillRect/>
-          </a:stretch>
-        </p:blipFill>
-        <p:spPr bwMode="auto">
-          <a:xfrm>
-            <a:off x="1752600" y="1076722"/>
-            <a:ext cx="5619750" cy="2428875"/>
+            <a:off x="0" y="2780928"/>
+            <a:ext cx="9143999" cy="830997"/>
           </a:xfrm>
           <a:prstGeom prst="rect">
             <a:avLst/>
           </a:prstGeom>
           <a:noFill/>
-          <a:ln>
-            <a:noFill/>
-          </a:ln>
-          <a:extLst>
-            <a:ext uri="{909E8E84-426E-40DD-AFC4-6F175D3DCCD1}">
-              <a14:hiddenFill xmlns:a14="http://schemas.microsoft.com/office/drawing/2010/main">
-                <a:solidFill>
-                  <a:srgbClr val="FFFFFF"/>
-                </a:solidFill>
-              </a14:hiddenFill>
-            </a:ext>
-            <a:ext uri="{91240B29-F687-4F45-9708-019B960494DF}">
-              <a14:hiddenLine xmlns:a14="http://schemas.microsoft.com/office/drawing/2010/main" w="9525">
-                <a:solidFill>
-                  <a:srgbClr val="000000"/>
-                </a:solidFill>
-                <a:miter lim="800000"/>
-                <a:headEnd/>
-                <a:tailEnd/>
-              </a14:hiddenLine>
-            </a:ext>
-          </a:extLst>
-        </p:spPr>
-      </p:pic>
-      <p:pic>
-        <p:nvPicPr>
-          <p:cNvPr id="18436" name="Picture 4">
-            <a:extLst>
-              <a:ext uri="{FF2B5EF4-FFF2-40B4-BE49-F238E27FC236}">
-                <a16:creationId xmlns:a16="http://schemas.microsoft.com/office/drawing/2014/main" id="{F999A924-5B09-AAD8-82D4-5E3982DB3DB9}"/>
-              </a:ext>
-            </a:extLst>
-          </p:cNvPr>
-          <p:cNvPicPr>
-            <a:picLocks noChangeAspect="1" noChangeArrowheads="1"/>
-          </p:cNvPicPr>
-          <p:nvPr/>
-        </p:nvPicPr>
-        <p:blipFill>
-          <a:blip r:embed="rId3">
-            <a:extLst>
-              <a:ext uri="{28A0092B-C50C-407E-A947-70E740481C1C}">
-                <a14:useLocalDpi xmlns:a14="http://schemas.microsoft.com/office/drawing/2010/main" val="0"/>
-              </a:ext>
-            </a:extLst>
-          </a:blip>
-          <a:srcRect/>
-          <a:stretch>
-            <a:fillRect/>
-          </a:stretch>
-        </p:blipFill>
-        <p:spPr bwMode="auto">
-          <a:xfrm>
-            <a:off x="1776412" y="3523854"/>
-            <a:ext cx="5572125" cy="3286125"/>
-          </a:xfrm>
-          <a:prstGeom prst="rect">
-            <a:avLst/>
-          </a:prstGeom>
-          <a:noFill/>
-          <a:ln>
-            <a:noFill/>
-          </a:ln>
-          <a:extLst>
-            <a:ext uri="{909E8E84-426E-40DD-AFC4-6F175D3DCCD1}">
-              <a14:hiddenFill xmlns:a14="http://schemas.microsoft.com/office/drawing/2010/main">
-                <a:solidFill>
-                  <a:srgbClr val="FFFFFF"/>
-                </a:solidFill>
-              </a14:hiddenFill>
-            </a:ext>
-            <a:ext uri="{91240B29-F687-4F45-9708-019B960494DF}">
-              <a14:hiddenLine xmlns:a14="http://schemas.microsoft.com/office/drawing/2010/main" w="9525">
-                <a:solidFill>
-                  <a:srgbClr val="000000"/>
-                </a:solidFill>
-                <a:miter lim="800000"/>
-                <a:headEnd/>
-                <a:tailEnd/>
-              </a14:hiddenLine>
-            </a:ext>
-          </a:extLst>
-        </p:spPr>
-      </p:pic>
-      <p:sp>
-        <p:nvSpPr>
-          <p:cNvPr id="2" name="TextBox 1">
-            <a:extLst>
-              <a:ext uri="{FF2B5EF4-FFF2-40B4-BE49-F238E27FC236}">
-                <a16:creationId xmlns:a16="http://schemas.microsoft.com/office/drawing/2014/main" id="{857855C6-D265-C713-2101-99D978E99468}"/>
-              </a:ext>
-            </a:extLst>
-          </p:cNvPr>
-          <p:cNvSpPr txBox="1"/>
-          <p:nvPr/>
-        </p:nvSpPr>
-        <p:spPr>
-          <a:xfrm>
-            <a:off x="1690699" y="633043"/>
-            <a:ext cx="5743549" cy="369332"/>
-          </a:xfrm>
-          <a:prstGeom prst="rect">
-            <a:avLst/>
-          </a:prstGeom>
-          <a:noFill/>
         </p:spPr>
         <p:txBody>
           <a:bodyPr wrap="square" rtlCol="0">
@@ -8671,225 +8810,21 @@
           </a:bodyPr>
           <a:lstStyle/>
           <a:p>
-            <a:r>
-              <a:rPr lang="ru-RU" dirty="0">
-                <a:latin typeface="Times New Roman" panose="02020603050405020304" pitchFamily="18" charset="0"/>
-                <a:cs typeface="Times New Roman" panose="02020603050405020304" pitchFamily="18" charset="0"/>
-              </a:rPr>
-              <a:t>Состояние бэкап маршрутизатора до поломки основного</a:t>
-            </a:r>
-            <a:endParaRPr lang="en-US" dirty="0"/>
+            <a:pPr algn="ctr"/>
+            <a:r>
+              <a:rPr lang="ru-RU" sz="4800" dirty="0">
+                <a:latin typeface="Times New Roman" pitchFamily="18" charset="0"/>
+                <a:cs typeface="Times New Roman" pitchFamily="18" charset="0"/>
+              </a:rPr>
+              <a:t>Спасибо за внимание!</a:t>
+            </a:r>
           </a:p>
         </p:txBody>
       </p:sp>
     </p:spTree>
     <p:extLst>
       <p:ext uri="{BB962C8B-B14F-4D97-AF65-F5344CB8AC3E}">
-        <p14:creationId xmlns:p14="http://schemas.microsoft.com/office/powerpoint/2010/main" val="3805346702"/>
-      </p:ext>
-    </p:extLst>
-  </p:cSld>
-  <p:clrMapOvr>
-    <a:masterClrMapping/>
-  </p:clrMapOvr>
-  <p:transition>
-    <p:push dir="u"/>
-  </p:transition>
-</p:sld>
-</file>
-
-<file path=ppt/slides/slide29.xml><?xml version="1.0" encoding="utf-8"?>
-<p:sld xmlns:a="http://schemas.openxmlformats.org/drawingml/2006/main" xmlns:r="http://schemas.openxmlformats.org/officeDocument/2006/relationships" xmlns:p="http://schemas.openxmlformats.org/presentationml/2006/main">
-  <p:cSld>
-    <p:spTree>
-      <p:nvGrpSpPr>
-        <p:cNvPr id="1" name=""/>
-        <p:cNvGrpSpPr/>
-        <p:nvPr/>
-      </p:nvGrpSpPr>
-      <p:grpSpPr>
-        <a:xfrm>
-          <a:off x="0" y="0"/>
-          <a:ext cx="0" cy="0"/>
-          <a:chOff x="0" y="0"/>
-          <a:chExt cx="0" cy="0"/>
-        </a:xfrm>
-      </p:grpSpPr>
-      <p:sp>
-        <p:nvSpPr>
-          <p:cNvPr id="3" name="Заголовок 1">
-            <a:extLst>
-              <a:ext uri="{FF2B5EF4-FFF2-40B4-BE49-F238E27FC236}">
-                <a16:creationId xmlns:a16="http://schemas.microsoft.com/office/drawing/2014/main" id="{5F5F565D-21AE-2129-3A8D-F7B449234509}"/>
-              </a:ext>
-            </a:extLst>
-          </p:cNvPr>
-          <p:cNvSpPr txBox="1">
-            <a:spLocks/>
-          </p:cNvSpPr>
-          <p:nvPr/>
-        </p:nvSpPr>
-        <p:spPr>
-          <a:xfrm>
-            <a:off x="628650" y="345513"/>
-            <a:ext cx="7886700" cy="471586"/>
-          </a:xfrm>
-          <a:prstGeom prst="rect">
-            <a:avLst/>
-          </a:prstGeom>
-        </p:spPr>
-        <p:txBody>
-          <a:bodyPr vert="horz" lIns="91440" tIns="45720" rIns="91440" bIns="45720" rtlCol="0" anchor="ctr">
-            <a:noAutofit/>
-          </a:bodyPr>
-          <a:lstStyle>
-            <a:lvl1pPr algn="l" defTabSz="685800" rtl="0" eaLnBrk="1" latinLnBrk="0" hangingPunct="1">
-              <a:lnSpc>
-                <a:spcPct val="90000"/>
-              </a:lnSpc>
-              <a:spcBef>
-                <a:spcPct val="0"/>
-              </a:spcBef>
-              <a:buNone/>
-              <a:defRPr sz="3300" kern="1200">
-                <a:solidFill>
-                  <a:schemeClr val="tx1"/>
-                </a:solidFill>
-                <a:latin typeface="+mj-lt"/>
-                <a:ea typeface="+mj-ea"/>
-                <a:cs typeface="+mj-cs"/>
-              </a:defRPr>
-            </a:lvl1pPr>
-          </a:lstStyle>
-          <a:p>
-            <a:pPr algn="ctr"/>
-            <a:r>
-              <a:rPr lang="ru-RU" sz="2800" b="1" dirty="0">
-                <a:latin typeface="Times New Roman" panose="02020603050405020304" pitchFamily="18" charset="0"/>
-                <a:cs typeface="Times New Roman" panose="02020603050405020304" pitchFamily="18" charset="0"/>
-              </a:rPr>
-              <a:t>Проверка работоспособности ЛВС ЦОДа</a:t>
-            </a:r>
-          </a:p>
-        </p:txBody>
-      </p:sp>
-      <p:pic>
-        <p:nvPicPr>
-          <p:cNvPr id="19458" name="Picture 2">
-            <a:extLst>
-              <a:ext uri="{FF2B5EF4-FFF2-40B4-BE49-F238E27FC236}">
-                <a16:creationId xmlns:a16="http://schemas.microsoft.com/office/drawing/2014/main" id="{6AD83969-591D-9382-D57F-778E2ACCDD91}"/>
-              </a:ext>
-            </a:extLst>
-          </p:cNvPr>
-          <p:cNvPicPr>
-            <a:picLocks noChangeAspect="1" noChangeArrowheads="1"/>
-          </p:cNvPicPr>
-          <p:nvPr/>
-        </p:nvPicPr>
-        <p:blipFill>
-          <a:blip r:embed="rId2">
-            <a:extLst>
-              <a:ext uri="{28A0092B-C50C-407E-A947-70E740481C1C}">
-                <a14:useLocalDpi xmlns:a14="http://schemas.microsoft.com/office/drawing/2010/main" val="0"/>
-              </a:ext>
-            </a:extLst>
-          </a:blip>
-          <a:srcRect/>
-          <a:stretch>
-            <a:fillRect/>
-          </a:stretch>
-        </p:blipFill>
-        <p:spPr bwMode="auto">
-          <a:xfrm>
-            <a:off x="1666875" y="1556792"/>
-            <a:ext cx="5810250" cy="4000500"/>
-          </a:xfrm>
-          <a:prstGeom prst="rect">
-            <a:avLst/>
-          </a:prstGeom>
-          <a:noFill/>
-          <a:ln>
-            <a:noFill/>
-          </a:ln>
-          <a:extLst>
-            <a:ext uri="{909E8E84-426E-40DD-AFC4-6F175D3DCCD1}">
-              <a14:hiddenFill xmlns:a14="http://schemas.microsoft.com/office/drawing/2010/main">
-                <a:solidFill>
-                  <a:srgbClr val="FFFFFF"/>
-                </a:solidFill>
-              </a14:hiddenFill>
-            </a:ext>
-            <a:ext uri="{91240B29-F687-4F45-9708-019B960494DF}">
-              <a14:hiddenLine xmlns:a14="http://schemas.microsoft.com/office/drawing/2010/main" w="9525">
-                <a:solidFill>
-                  <a:srgbClr val="000000"/>
-                </a:solidFill>
-                <a:miter lim="800000"/>
-                <a:headEnd/>
-                <a:tailEnd/>
-              </a14:hiddenLine>
-            </a:ext>
-          </a:extLst>
-        </p:spPr>
-      </p:pic>
-      <p:sp>
-        <p:nvSpPr>
-          <p:cNvPr id="2" name="TextBox 1">
-            <a:extLst>
-              <a:ext uri="{FF2B5EF4-FFF2-40B4-BE49-F238E27FC236}">
-                <a16:creationId xmlns:a16="http://schemas.microsoft.com/office/drawing/2014/main" id="{02951626-BCAD-37B3-2AF4-DF66099EA041}"/>
-              </a:ext>
-            </a:extLst>
-          </p:cNvPr>
-          <p:cNvSpPr txBox="1"/>
-          <p:nvPr/>
-        </p:nvSpPr>
-        <p:spPr>
-          <a:xfrm>
-            <a:off x="821382" y="1002279"/>
-            <a:ext cx="7501235" cy="369332"/>
-          </a:xfrm>
-          <a:prstGeom prst="rect">
-            <a:avLst/>
-          </a:prstGeom>
-          <a:noFill/>
-        </p:spPr>
-        <p:txBody>
-          <a:bodyPr wrap="square" rtlCol="0">
-            <a:spAutoFit/>
-          </a:bodyPr>
-          <a:lstStyle/>
-          <a:p>
-            <a:r>
-              <a:rPr lang="ru-RU" dirty="0">
-                <a:latin typeface="Times New Roman" panose="02020603050405020304" pitchFamily="18" charset="0"/>
-                <a:cs typeface="Times New Roman" panose="02020603050405020304" pitchFamily="18" charset="0"/>
-              </a:rPr>
-              <a:t>Переключение состояния бэкап</a:t>
-            </a:r>
-            <a:r>
-              <a:rPr lang="en-US" dirty="0">
-                <a:latin typeface="Times New Roman" panose="02020603050405020304" pitchFamily="18" charset="0"/>
-                <a:cs typeface="Times New Roman" panose="02020603050405020304" pitchFamily="18" charset="0"/>
-              </a:rPr>
-              <a:t> </a:t>
-            </a:r>
-            <a:r>
-              <a:rPr lang="ru-RU" dirty="0">
-                <a:latin typeface="Times New Roman" panose="02020603050405020304" pitchFamily="18" charset="0"/>
-                <a:cs typeface="Times New Roman" panose="02020603050405020304" pitchFamily="18" charset="0"/>
-              </a:rPr>
-              <a:t>маршрутизатора после поломки основного</a:t>
-            </a:r>
-            <a:endParaRPr lang="en-US" dirty="0"/>
-          </a:p>
-        </p:txBody>
-      </p:sp>
-    </p:spTree>
-    <p:extLst>
-      <p:ext uri="{BB962C8B-B14F-4D97-AF65-F5344CB8AC3E}">
-        <p14:creationId xmlns:p14="http://schemas.microsoft.com/office/powerpoint/2010/main" val="2342601633"/>
+        <p14:creationId xmlns:p14="http://schemas.microsoft.com/office/powerpoint/2010/main" val="3652116733"/>
       </p:ext>
     </p:extLst>
   </p:cSld>
@@ -9030,1557 +8965,6 @@
 </p:sld>
 </file>
 
-<file path=ppt/slides/slide30.xml><?xml version="1.0" encoding="utf-8"?>
-<p:sld xmlns:a="http://schemas.openxmlformats.org/drawingml/2006/main" xmlns:r="http://schemas.openxmlformats.org/officeDocument/2006/relationships" xmlns:p="http://schemas.openxmlformats.org/presentationml/2006/main">
-  <p:cSld>
-    <p:spTree>
-      <p:nvGrpSpPr>
-        <p:cNvPr id="1" name=""/>
-        <p:cNvGrpSpPr/>
-        <p:nvPr/>
-      </p:nvGrpSpPr>
-      <p:grpSpPr>
-        <a:xfrm>
-          <a:off x="0" y="0"/>
-          <a:ext cx="0" cy="0"/>
-          <a:chOff x="0" y="0"/>
-          <a:chExt cx="0" cy="0"/>
-        </a:xfrm>
-      </p:grpSpPr>
-      <p:sp>
-        <p:nvSpPr>
-          <p:cNvPr id="3" name="Заголовок 1">
-            <a:extLst>
-              <a:ext uri="{FF2B5EF4-FFF2-40B4-BE49-F238E27FC236}">
-                <a16:creationId xmlns:a16="http://schemas.microsoft.com/office/drawing/2014/main" id="{5F5F565D-21AE-2129-3A8D-F7B449234509}"/>
-              </a:ext>
-            </a:extLst>
-          </p:cNvPr>
-          <p:cNvSpPr txBox="1">
-            <a:spLocks/>
-          </p:cNvSpPr>
-          <p:nvPr/>
-        </p:nvSpPr>
-        <p:spPr>
-          <a:xfrm>
-            <a:off x="628650" y="65520"/>
-            <a:ext cx="7886700" cy="471586"/>
-          </a:xfrm>
-          <a:prstGeom prst="rect">
-            <a:avLst/>
-          </a:prstGeom>
-        </p:spPr>
-        <p:txBody>
-          <a:bodyPr vert="horz" lIns="91440" tIns="45720" rIns="91440" bIns="45720" rtlCol="0" anchor="ctr">
-            <a:noAutofit/>
-          </a:bodyPr>
-          <a:lstStyle>
-            <a:lvl1pPr algn="l" defTabSz="685800" rtl="0" eaLnBrk="1" latinLnBrk="0" hangingPunct="1">
-              <a:lnSpc>
-                <a:spcPct val="90000"/>
-              </a:lnSpc>
-              <a:spcBef>
-                <a:spcPct val="0"/>
-              </a:spcBef>
-              <a:buNone/>
-              <a:defRPr sz="3300" kern="1200">
-                <a:solidFill>
-                  <a:schemeClr val="tx1"/>
-                </a:solidFill>
-                <a:latin typeface="+mj-lt"/>
-                <a:ea typeface="+mj-ea"/>
-                <a:cs typeface="+mj-cs"/>
-              </a:defRPr>
-            </a:lvl1pPr>
-          </a:lstStyle>
-          <a:p>
-            <a:pPr algn="ctr"/>
-            <a:r>
-              <a:rPr lang="ru-RU" sz="2800" b="1" dirty="0">
-                <a:latin typeface="Times New Roman" panose="02020603050405020304" pitchFamily="18" charset="0"/>
-                <a:cs typeface="Times New Roman" panose="02020603050405020304" pitchFamily="18" charset="0"/>
-              </a:rPr>
-              <a:t>Проверка работоспособности ЛВС ЦОДа</a:t>
-            </a:r>
-          </a:p>
-        </p:txBody>
-      </p:sp>
-      <p:pic>
-        <p:nvPicPr>
-          <p:cNvPr id="20482" name="Picture 2">
-            <a:extLst>
-              <a:ext uri="{FF2B5EF4-FFF2-40B4-BE49-F238E27FC236}">
-                <a16:creationId xmlns:a16="http://schemas.microsoft.com/office/drawing/2014/main" id="{C8893045-610A-57AA-7679-DA508A125025}"/>
-              </a:ext>
-            </a:extLst>
-          </p:cNvPr>
-          <p:cNvPicPr>
-            <a:picLocks noChangeAspect="1" noChangeArrowheads="1"/>
-          </p:cNvPicPr>
-          <p:nvPr/>
-        </p:nvPicPr>
-        <p:blipFill>
-          <a:blip r:embed="rId2">
-            <a:extLst>
-              <a:ext uri="{28A0092B-C50C-407E-A947-70E740481C1C}">
-                <a14:useLocalDpi xmlns:a14="http://schemas.microsoft.com/office/drawing/2010/main" val="0"/>
-              </a:ext>
-            </a:extLst>
-          </a:blip>
-          <a:srcRect/>
-          <a:stretch>
-            <a:fillRect/>
-          </a:stretch>
-        </p:blipFill>
-        <p:spPr bwMode="auto">
-          <a:xfrm>
-            <a:off x="1862277" y="908720"/>
-            <a:ext cx="5419445" cy="4484109"/>
-          </a:xfrm>
-          <a:prstGeom prst="rect">
-            <a:avLst/>
-          </a:prstGeom>
-          <a:noFill/>
-          <a:ln>
-            <a:noFill/>
-          </a:ln>
-          <a:extLst>
-            <a:ext uri="{909E8E84-426E-40DD-AFC4-6F175D3DCCD1}">
-              <a14:hiddenFill xmlns:a14="http://schemas.microsoft.com/office/drawing/2010/main">
-                <a:solidFill>
-                  <a:srgbClr val="FFFFFF"/>
-                </a:solidFill>
-              </a14:hiddenFill>
-            </a:ext>
-            <a:ext uri="{91240B29-F687-4F45-9708-019B960494DF}">
-              <a14:hiddenLine xmlns:a14="http://schemas.microsoft.com/office/drawing/2010/main" w="9525">
-                <a:solidFill>
-                  <a:srgbClr val="000000"/>
-                </a:solidFill>
-                <a:miter lim="800000"/>
-                <a:headEnd/>
-                <a:tailEnd/>
-              </a14:hiddenLine>
-            </a:ext>
-          </a:extLst>
-        </p:spPr>
-      </p:pic>
-      <p:pic>
-        <p:nvPicPr>
-          <p:cNvPr id="21506" name="Picture 2">
-            <a:extLst>
-              <a:ext uri="{FF2B5EF4-FFF2-40B4-BE49-F238E27FC236}">
-                <a16:creationId xmlns:a16="http://schemas.microsoft.com/office/drawing/2014/main" id="{06BD4990-6B88-C3D8-3DFE-873A11703629}"/>
-              </a:ext>
-            </a:extLst>
-          </p:cNvPr>
-          <p:cNvPicPr>
-            <a:picLocks noChangeAspect="1" noChangeArrowheads="1"/>
-          </p:cNvPicPr>
-          <p:nvPr/>
-        </p:nvPicPr>
-        <p:blipFill>
-          <a:blip r:embed="rId3">
-            <a:extLst>
-              <a:ext uri="{28A0092B-C50C-407E-A947-70E740481C1C}">
-                <a14:useLocalDpi xmlns:a14="http://schemas.microsoft.com/office/drawing/2010/main" val="0"/>
-              </a:ext>
-            </a:extLst>
-          </a:blip>
-          <a:srcRect/>
-          <a:stretch>
-            <a:fillRect/>
-          </a:stretch>
-        </p:blipFill>
-        <p:spPr bwMode="auto">
-          <a:xfrm>
-            <a:off x="1889124" y="5466512"/>
-            <a:ext cx="5365750" cy="1325968"/>
-          </a:xfrm>
-          <a:prstGeom prst="rect">
-            <a:avLst/>
-          </a:prstGeom>
-          <a:noFill/>
-          <a:ln>
-            <a:noFill/>
-          </a:ln>
-          <a:extLst>
-            <a:ext uri="{909E8E84-426E-40DD-AFC4-6F175D3DCCD1}">
-              <a14:hiddenFill xmlns:a14="http://schemas.microsoft.com/office/drawing/2010/main">
-                <a:solidFill>
-                  <a:srgbClr val="FFFFFF"/>
-                </a:solidFill>
-              </a14:hiddenFill>
-            </a:ext>
-            <a:ext uri="{91240B29-F687-4F45-9708-019B960494DF}">
-              <a14:hiddenLine xmlns:a14="http://schemas.microsoft.com/office/drawing/2010/main" w="9525">
-                <a:solidFill>
-                  <a:srgbClr val="000000"/>
-                </a:solidFill>
-                <a:miter lim="800000"/>
-                <a:headEnd/>
-                <a:tailEnd/>
-              </a14:hiddenLine>
-            </a:ext>
-          </a:extLst>
-        </p:spPr>
-      </p:pic>
-      <p:sp>
-        <p:nvSpPr>
-          <p:cNvPr id="4" name="TextBox 3">
-            <a:extLst>
-              <a:ext uri="{FF2B5EF4-FFF2-40B4-BE49-F238E27FC236}">
-                <a16:creationId xmlns:a16="http://schemas.microsoft.com/office/drawing/2014/main" id="{D2704A19-4D4C-4CE6-EA75-92F9D41EBED0}"/>
-              </a:ext>
-            </a:extLst>
-          </p:cNvPr>
-          <p:cNvSpPr txBox="1"/>
-          <p:nvPr/>
-        </p:nvSpPr>
-        <p:spPr>
-          <a:xfrm>
-            <a:off x="821381" y="465705"/>
-            <a:ext cx="7501235" cy="369332"/>
-          </a:xfrm>
-          <a:prstGeom prst="rect">
-            <a:avLst/>
-          </a:prstGeom>
-          <a:noFill/>
-        </p:spPr>
-        <p:txBody>
-          <a:bodyPr wrap="square" rtlCol="0">
-            <a:spAutoFit/>
-          </a:bodyPr>
-          <a:lstStyle/>
-          <a:p>
-            <a:pPr algn="ctr"/>
-            <a:r>
-              <a:rPr lang="ru-RU" dirty="0">
-                <a:latin typeface="Times New Roman" panose="02020603050405020304" pitchFamily="18" charset="0"/>
-                <a:cs typeface="Times New Roman" panose="02020603050405020304" pitchFamily="18" charset="0"/>
-              </a:rPr>
-              <a:t>Запущенные сервисы после переключения</a:t>
-            </a:r>
-            <a:endParaRPr lang="en-US" dirty="0"/>
-          </a:p>
-        </p:txBody>
-      </p:sp>
-    </p:spTree>
-    <p:extLst>
-      <p:ext uri="{BB962C8B-B14F-4D97-AF65-F5344CB8AC3E}">
-        <p14:creationId xmlns:p14="http://schemas.microsoft.com/office/powerpoint/2010/main" val="626845610"/>
-      </p:ext>
-    </p:extLst>
-  </p:cSld>
-  <p:clrMapOvr>
-    <a:masterClrMapping/>
-  </p:clrMapOvr>
-  <p:transition>
-    <p:push dir="u"/>
-  </p:transition>
-</p:sld>
-</file>
-
-<file path=ppt/slides/slide31.xml><?xml version="1.0" encoding="utf-8"?>
-<p:sld xmlns:a="http://schemas.openxmlformats.org/drawingml/2006/main" xmlns:r="http://schemas.openxmlformats.org/officeDocument/2006/relationships" xmlns:p="http://schemas.openxmlformats.org/presentationml/2006/main">
-  <p:cSld>
-    <p:spTree>
-      <p:nvGrpSpPr>
-        <p:cNvPr id="1" name=""/>
-        <p:cNvGrpSpPr/>
-        <p:nvPr/>
-      </p:nvGrpSpPr>
-      <p:grpSpPr>
-        <a:xfrm>
-          <a:off x="0" y="0"/>
-          <a:ext cx="0" cy="0"/>
-          <a:chOff x="0" y="0"/>
-          <a:chExt cx="0" cy="0"/>
-        </a:xfrm>
-      </p:grpSpPr>
-      <p:sp>
-        <p:nvSpPr>
-          <p:cNvPr id="3" name="Заголовок 1">
-            <a:extLst>
-              <a:ext uri="{FF2B5EF4-FFF2-40B4-BE49-F238E27FC236}">
-                <a16:creationId xmlns:a16="http://schemas.microsoft.com/office/drawing/2014/main" id="{5F5F565D-21AE-2129-3A8D-F7B449234509}"/>
-              </a:ext>
-            </a:extLst>
-          </p:cNvPr>
-          <p:cNvSpPr txBox="1">
-            <a:spLocks/>
-          </p:cNvSpPr>
-          <p:nvPr/>
-        </p:nvSpPr>
-        <p:spPr>
-          <a:xfrm>
-            <a:off x="628650" y="345513"/>
-            <a:ext cx="7886700" cy="471586"/>
-          </a:xfrm>
-          <a:prstGeom prst="rect">
-            <a:avLst/>
-          </a:prstGeom>
-        </p:spPr>
-        <p:txBody>
-          <a:bodyPr vert="horz" lIns="91440" tIns="45720" rIns="91440" bIns="45720" rtlCol="0" anchor="ctr">
-            <a:noAutofit/>
-          </a:bodyPr>
-          <a:lstStyle>
-            <a:lvl1pPr algn="l" defTabSz="685800" rtl="0" eaLnBrk="1" latinLnBrk="0" hangingPunct="1">
-              <a:lnSpc>
-                <a:spcPct val="90000"/>
-              </a:lnSpc>
-              <a:spcBef>
-                <a:spcPct val="0"/>
-              </a:spcBef>
-              <a:buNone/>
-              <a:defRPr sz="3300" kern="1200">
-                <a:solidFill>
-                  <a:schemeClr val="tx1"/>
-                </a:solidFill>
-                <a:latin typeface="+mj-lt"/>
-                <a:ea typeface="+mj-ea"/>
-                <a:cs typeface="+mj-cs"/>
-              </a:defRPr>
-            </a:lvl1pPr>
-          </a:lstStyle>
-          <a:p>
-            <a:pPr algn="ctr"/>
-            <a:r>
-              <a:rPr lang="ru-RU" sz="2800" b="1" dirty="0">
-                <a:latin typeface="Times New Roman" panose="02020603050405020304" pitchFamily="18" charset="0"/>
-                <a:cs typeface="Times New Roman" panose="02020603050405020304" pitchFamily="18" charset="0"/>
-              </a:rPr>
-              <a:t>Проверка работоспособности ЛВС ЦОДа</a:t>
-            </a:r>
-          </a:p>
-        </p:txBody>
-      </p:sp>
-      <p:pic>
-        <p:nvPicPr>
-          <p:cNvPr id="22530" name="Picture 2">
-            <a:extLst>
-              <a:ext uri="{FF2B5EF4-FFF2-40B4-BE49-F238E27FC236}">
-                <a16:creationId xmlns:a16="http://schemas.microsoft.com/office/drawing/2014/main" id="{A77A95FB-60EF-D00C-90C6-70044DFF7020}"/>
-              </a:ext>
-            </a:extLst>
-          </p:cNvPr>
-          <p:cNvPicPr>
-            <a:picLocks noChangeAspect="1" noChangeArrowheads="1"/>
-          </p:cNvPicPr>
-          <p:nvPr/>
-        </p:nvPicPr>
-        <p:blipFill>
-          <a:blip r:embed="rId2">
-            <a:extLst>
-              <a:ext uri="{28A0092B-C50C-407E-A947-70E740481C1C}">
-                <a14:useLocalDpi xmlns:a14="http://schemas.microsoft.com/office/drawing/2010/main" val="0"/>
-              </a:ext>
-            </a:extLst>
-          </a:blip>
-          <a:srcRect/>
-          <a:stretch>
-            <a:fillRect/>
-          </a:stretch>
-        </p:blipFill>
-        <p:spPr bwMode="auto">
-          <a:xfrm>
-            <a:off x="1604962" y="1556792"/>
-            <a:ext cx="5934075" cy="2905125"/>
-          </a:xfrm>
-          <a:prstGeom prst="rect">
-            <a:avLst/>
-          </a:prstGeom>
-          <a:noFill/>
-          <a:ln>
-            <a:noFill/>
-          </a:ln>
-          <a:extLst>
-            <a:ext uri="{909E8E84-426E-40DD-AFC4-6F175D3DCCD1}">
-              <a14:hiddenFill xmlns:a14="http://schemas.microsoft.com/office/drawing/2010/main">
-                <a:solidFill>
-                  <a:srgbClr val="FFFFFF"/>
-                </a:solidFill>
-              </a14:hiddenFill>
-            </a:ext>
-            <a:ext uri="{91240B29-F687-4F45-9708-019B960494DF}">
-              <a14:hiddenLine xmlns:a14="http://schemas.microsoft.com/office/drawing/2010/main" w="9525">
-                <a:solidFill>
-                  <a:srgbClr val="000000"/>
-                </a:solidFill>
-                <a:miter lim="800000"/>
-                <a:headEnd/>
-                <a:tailEnd/>
-              </a14:hiddenLine>
-            </a:ext>
-          </a:extLst>
-        </p:spPr>
-      </p:pic>
-      <p:pic>
-        <p:nvPicPr>
-          <p:cNvPr id="22531" name="Рисунок 1">
-            <a:extLst>
-              <a:ext uri="{FF2B5EF4-FFF2-40B4-BE49-F238E27FC236}">
-                <a16:creationId xmlns:a16="http://schemas.microsoft.com/office/drawing/2014/main" id="{A3A2E1DE-C160-56F9-AE1D-D185E1817E74}"/>
-              </a:ext>
-            </a:extLst>
-          </p:cNvPr>
-          <p:cNvPicPr>
-            <a:picLocks noChangeAspect="1" noChangeArrowheads="1"/>
-          </p:cNvPicPr>
-          <p:nvPr/>
-        </p:nvPicPr>
-        <p:blipFill>
-          <a:blip r:embed="rId3">
-            <a:extLst>
-              <a:ext uri="{28A0092B-C50C-407E-A947-70E740481C1C}">
-                <a14:useLocalDpi xmlns:a14="http://schemas.microsoft.com/office/drawing/2010/main" val="0"/>
-              </a:ext>
-            </a:extLst>
-          </a:blip>
-          <a:srcRect/>
-          <a:stretch>
-            <a:fillRect/>
-          </a:stretch>
-        </p:blipFill>
-        <p:spPr bwMode="auto">
-          <a:xfrm>
-            <a:off x="1824036" y="4521523"/>
-            <a:ext cx="5495925" cy="1162050"/>
-          </a:xfrm>
-          <a:prstGeom prst="rect">
-            <a:avLst/>
-          </a:prstGeom>
-          <a:noFill/>
-          <a:ln>
-            <a:noFill/>
-          </a:ln>
-          <a:extLst>
-            <a:ext uri="{909E8E84-426E-40DD-AFC4-6F175D3DCCD1}">
-              <a14:hiddenFill xmlns:a14="http://schemas.microsoft.com/office/drawing/2010/main">
-                <a:solidFill>
-                  <a:srgbClr val="FFFFFF"/>
-                </a:solidFill>
-              </a14:hiddenFill>
-            </a:ext>
-            <a:ext uri="{91240B29-F687-4F45-9708-019B960494DF}">
-              <a14:hiddenLine xmlns:a14="http://schemas.microsoft.com/office/drawing/2010/main" w="9525">
-                <a:solidFill>
-                  <a:srgbClr val="000000"/>
-                </a:solidFill>
-                <a:miter lim="800000"/>
-                <a:headEnd/>
-                <a:tailEnd/>
-              </a14:hiddenLine>
-            </a:ext>
-          </a:extLst>
-        </p:spPr>
-      </p:pic>
-      <p:sp>
-        <p:nvSpPr>
-          <p:cNvPr id="2" name="TextBox 1">
-            <a:extLst>
-              <a:ext uri="{FF2B5EF4-FFF2-40B4-BE49-F238E27FC236}">
-                <a16:creationId xmlns:a16="http://schemas.microsoft.com/office/drawing/2014/main" id="{8F4F4755-D35F-5B44-68F7-9C04868D8FF2}"/>
-              </a:ext>
-            </a:extLst>
-          </p:cNvPr>
-          <p:cNvSpPr txBox="1"/>
-          <p:nvPr/>
-        </p:nvSpPr>
-        <p:spPr>
-          <a:xfrm>
-            <a:off x="821381" y="894267"/>
-            <a:ext cx="7501235" cy="369332"/>
-          </a:xfrm>
-          <a:prstGeom prst="rect">
-            <a:avLst/>
-          </a:prstGeom>
-          <a:noFill/>
-        </p:spPr>
-        <p:txBody>
-          <a:bodyPr wrap="square" rtlCol="0">
-            <a:spAutoFit/>
-          </a:bodyPr>
-          <a:lstStyle/>
-          <a:p>
-            <a:pPr algn="ctr"/>
-            <a:r>
-              <a:rPr lang="ru-RU" dirty="0">
-                <a:latin typeface="Times New Roman" panose="02020603050405020304" pitchFamily="18" charset="0"/>
-                <a:cs typeface="Times New Roman" panose="02020603050405020304" pitchFamily="18" charset="0"/>
-              </a:rPr>
-              <a:t>Переключение при поломки провайдера</a:t>
-            </a:r>
-            <a:endParaRPr lang="en-US" dirty="0"/>
-          </a:p>
-        </p:txBody>
-      </p:sp>
-    </p:spTree>
-    <p:extLst>
-      <p:ext uri="{BB962C8B-B14F-4D97-AF65-F5344CB8AC3E}">
-        <p14:creationId xmlns:p14="http://schemas.microsoft.com/office/powerpoint/2010/main" val="1013482586"/>
-      </p:ext>
-    </p:extLst>
-  </p:cSld>
-  <p:clrMapOvr>
-    <a:masterClrMapping/>
-  </p:clrMapOvr>
-  <p:transition>
-    <p:push dir="u"/>
-  </p:transition>
-</p:sld>
-</file>
-
-<file path=ppt/slides/slide32.xml><?xml version="1.0" encoding="utf-8"?>
-<p:sld xmlns:a="http://schemas.openxmlformats.org/drawingml/2006/main" xmlns:r="http://schemas.openxmlformats.org/officeDocument/2006/relationships" xmlns:p="http://schemas.openxmlformats.org/presentationml/2006/main">
-  <p:cSld>
-    <p:spTree>
-      <p:nvGrpSpPr>
-        <p:cNvPr id="1" name=""/>
-        <p:cNvGrpSpPr/>
-        <p:nvPr/>
-      </p:nvGrpSpPr>
-      <p:grpSpPr>
-        <a:xfrm>
-          <a:off x="0" y="0"/>
-          <a:ext cx="0" cy="0"/>
-          <a:chOff x="0" y="0"/>
-          <a:chExt cx="0" cy="0"/>
-        </a:xfrm>
-      </p:grpSpPr>
-      <p:sp>
-        <p:nvSpPr>
-          <p:cNvPr id="3" name="Заголовок 1">
-            <a:extLst>
-              <a:ext uri="{FF2B5EF4-FFF2-40B4-BE49-F238E27FC236}">
-                <a16:creationId xmlns:a16="http://schemas.microsoft.com/office/drawing/2014/main" id="{5F5F565D-21AE-2129-3A8D-F7B449234509}"/>
-              </a:ext>
-            </a:extLst>
-          </p:cNvPr>
-          <p:cNvSpPr txBox="1">
-            <a:spLocks/>
-          </p:cNvSpPr>
-          <p:nvPr/>
-        </p:nvSpPr>
-        <p:spPr>
-          <a:xfrm>
-            <a:off x="628650" y="345513"/>
-            <a:ext cx="7886700" cy="471586"/>
-          </a:xfrm>
-          <a:prstGeom prst="rect">
-            <a:avLst/>
-          </a:prstGeom>
-        </p:spPr>
-        <p:txBody>
-          <a:bodyPr vert="horz" lIns="91440" tIns="45720" rIns="91440" bIns="45720" rtlCol="0" anchor="ctr">
-            <a:noAutofit/>
-          </a:bodyPr>
-          <a:lstStyle>
-            <a:lvl1pPr algn="l" defTabSz="685800" rtl="0" eaLnBrk="1" latinLnBrk="0" hangingPunct="1">
-              <a:lnSpc>
-                <a:spcPct val="90000"/>
-              </a:lnSpc>
-              <a:spcBef>
-                <a:spcPct val="0"/>
-              </a:spcBef>
-              <a:buNone/>
-              <a:defRPr sz="3300" kern="1200">
-                <a:solidFill>
-                  <a:schemeClr val="tx1"/>
-                </a:solidFill>
-                <a:latin typeface="+mj-lt"/>
-                <a:ea typeface="+mj-ea"/>
-                <a:cs typeface="+mj-cs"/>
-              </a:defRPr>
-            </a:lvl1pPr>
-          </a:lstStyle>
-          <a:p>
-            <a:pPr algn="ctr"/>
-            <a:r>
-              <a:rPr lang="ru-RU" sz="2800" b="1" dirty="0">
-                <a:latin typeface="Times New Roman" panose="02020603050405020304" pitchFamily="18" charset="0"/>
-                <a:cs typeface="Times New Roman" panose="02020603050405020304" pitchFamily="18" charset="0"/>
-              </a:rPr>
-              <a:t>Проверка работоспособности ЛВС ЦОДа</a:t>
-            </a:r>
-          </a:p>
-        </p:txBody>
-      </p:sp>
-      <p:pic>
-        <p:nvPicPr>
-          <p:cNvPr id="4" name="Рисунок 3">
-            <a:extLst>
-              <a:ext uri="{FF2B5EF4-FFF2-40B4-BE49-F238E27FC236}">
-                <a16:creationId xmlns:a16="http://schemas.microsoft.com/office/drawing/2014/main" id="{FA650315-484E-575B-2BCB-E60CD748B196}"/>
-              </a:ext>
-            </a:extLst>
-          </p:cNvPr>
-          <p:cNvPicPr>
-            <a:picLocks noChangeAspect="1"/>
-          </p:cNvPicPr>
-          <p:nvPr/>
-        </p:nvPicPr>
-        <p:blipFill>
-          <a:blip r:embed="rId2"/>
-          <a:stretch>
-            <a:fillRect/>
-          </a:stretch>
-        </p:blipFill>
-        <p:spPr>
-          <a:xfrm>
-            <a:off x="3257239" y="892360"/>
-            <a:ext cx="4200835" cy="2808892"/>
-          </a:xfrm>
-          <a:prstGeom prst="rect">
-            <a:avLst/>
-          </a:prstGeom>
-        </p:spPr>
-      </p:pic>
-      <p:pic>
-        <p:nvPicPr>
-          <p:cNvPr id="23554" name="Picture 2">
-            <a:extLst>
-              <a:ext uri="{FF2B5EF4-FFF2-40B4-BE49-F238E27FC236}">
-                <a16:creationId xmlns:a16="http://schemas.microsoft.com/office/drawing/2014/main" id="{DC1A65D4-F25D-9641-44A2-95CB889FC1F8}"/>
-              </a:ext>
-            </a:extLst>
-          </p:cNvPr>
-          <p:cNvPicPr>
-            <a:picLocks noChangeAspect="1" noChangeArrowheads="1"/>
-          </p:cNvPicPr>
-          <p:nvPr/>
-        </p:nvPicPr>
-        <p:blipFill>
-          <a:blip r:embed="rId3">
-            <a:extLst>
-              <a:ext uri="{28A0092B-C50C-407E-A947-70E740481C1C}">
-                <a14:useLocalDpi xmlns:a14="http://schemas.microsoft.com/office/drawing/2010/main" val="0"/>
-              </a:ext>
-            </a:extLst>
-          </a:blip>
-          <a:srcRect/>
-          <a:stretch>
-            <a:fillRect/>
-          </a:stretch>
-        </p:blipFill>
-        <p:spPr bwMode="auto">
-          <a:xfrm>
-            <a:off x="1685924" y="3717032"/>
-            <a:ext cx="5772150" cy="3048000"/>
-          </a:xfrm>
-          <a:prstGeom prst="rect">
-            <a:avLst/>
-          </a:prstGeom>
-          <a:noFill/>
-          <a:ln>
-            <a:noFill/>
-          </a:ln>
-          <a:extLst>
-            <a:ext uri="{909E8E84-426E-40DD-AFC4-6F175D3DCCD1}">
-              <a14:hiddenFill xmlns:a14="http://schemas.microsoft.com/office/drawing/2010/main">
-                <a:solidFill>
-                  <a:srgbClr val="FFFFFF"/>
-                </a:solidFill>
-              </a14:hiddenFill>
-            </a:ext>
-            <a:ext uri="{91240B29-F687-4F45-9708-019B960494DF}">
-              <a14:hiddenLine xmlns:a14="http://schemas.microsoft.com/office/drawing/2010/main" w="9525">
-                <a:solidFill>
-                  <a:srgbClr val="000000"/>
-                </a:solidFill>
-                <a:miter lim="800000"/>
-                <a:headEnd/>
-                <a:tailEnd/>
-              </a14:hiddenLine>
-            </a:ext>
-          </a:extLst>
-        </p:spPr>
-      </p:pic>
-      <p:sp>
-        <p:nvSpPr>
-          <p:cNvPr id="5" name="TextBox 4">
-            <a:extLst>
-              <a:ext uri="{FF2B5EF4-FFF2-40B4-BE49-F238E27FC236}">
-                <a16:creationId xmlns:a16="http://schemas.microsoft.com/office/drawing/2014/main" id="{927C0AEC-810F-C8AC-D01A-78E022B4218F}"/>
-              </a:ext>
-            </a:extLst>
-          </p:cNvPr>
-          <p:cNvSpPr txBox="1"/>
-          <p:nvPr/>
-        </p:nvSpPr>
-        <p:spPr>
-          <a:xfrm>
-            <a:off x="1619672" y="980728"/>
-            <a:ext cx="1296144" cy="1200329"/>
-          </a:xfrm>
-          <a:prstGeom prst="rect">
-            <a:avLst/>
-          </a:prstGeom>
-          <a:noFill/>
-        </p:spPr>
-        <p:txBody>
-          <a:bodyPr wrap="square" rtlCol="0">
-            <a:spAutoFit/>
-          </a:bodyPr>
-          <a:lstStyle/>
-          <a:p>
-            <a:r>
-              <a:rPr lang="ru-RU" dirty="0">
-                <a:latin typeface="Times New Roman" panose="02020603050405020304" pitchFamily="18" charset="0"/>
-                <a:cs typeface="Times New Roman" panose="02020603050405020304" pitchFamily="18" charset="0"/>
-              </a:rPr>
-              <a:t>Поломка участника кластера </a:t>
-            </a:r>
-            <a:r>
-              <a:rPr lang="en-US" dirty="0" err="1">
-                <a:latin typeface="Times New Roman" panose="02020603050405020304" pitchFamily="18" charset="0"/>
-                <a:cs typeface="Times New Roman" panose="02020603050405020304" pitchFamily="18" charset="0"/>
-              </a:rPr>
-              <a:t>ceph</a:t>
-            </a:r>
-            <a:endParaRPr lang="en-US" dirty="0"/>
-          </a:p>
-        </p:txBody>
-      </p:sp>
-    </p:spTree>
-    <p:extLst>
-      <p:ext uri="{BB962C8B-B14F-4D97-AF65-F5344CB8AC3E}">
-        <p14:creationId xmlns:p14="http://schemas.microsoft.com/office/powerpoint/2010/main" val="1243664027"/>
-      </p:ext>
-    </p:extLst>
-  </p:cSld>
-  <p:clrMapOvr>
-    <a:masterClrMapping/>
-  </p:clrMapOvr>
-  <p:transition>
-    <p:push dir="u"/>
-  </p:transition>
-</p:sld>
-</file>
-
-<file path=ppt/slides/slide33.xml><?xml version="1.0" encoding="utf-8"?>
-<p:sld xmlns:a="http://schemas.openxmlformats.org/drawingml/2006/main" xmlns:r="http://schemas.openxmlformats.org/officeDocument/2006/relationships" xmlns:p="http://schemas.openxmlformats.org/presentationml/2006/main">
-  <p:cSld>
-    <p:spTree>
-      <p:nvGrpSpPr>
-        <p:cNvPr id="1" name=""/>
-        <p:cNvGrpSpPr/>
-        <p:nvPr/>
-      </p:nvGrpSpPr>
-      <p:grpSpPr>
-        <a:xfrm>
-          <a:off x="0" y="0"/>
-          <a:ext cx="0" cy="0"/>
-          <a:chOff x="0" y="0"/>
-          <a:chExt cx="0" cy="0"/>
-        </a:xfrm>
-      </p:grpSpPr>
-      <p:sp>
-        <p:nvSpPr>
-          <p:cNvPr id="3" name="Заголовок 1">
-            <a:extLst>
-              <a:ext uri="{FF2B5EF4-FFF2-40B4-BE49-F238E27FC236}">
-                <a16:creationId xmlns:a16="http://schemas.microsoft.com/office/drawing/2014/main" id="{5F5F565D-21AE-2129-3A8D-F7B449234509}"/>
-              </a:ext>
-            </a:extLst>
-          </p:cNvPr>
-          <p:cNvSpPr txBox="1">
-            <a:spLocks/>
-          </p:cNvSpPr>
-          <p:nvPr/>
-        </p:nvSpPr>
-        <p:spPr>
-          <a:xfrm>
-            <a:off x="628650" y="345513"/>
-            <a:ext cx="7886700" cy="471586"/>
-          </a:xfrm>
-          <a:prstGeom prst="rect">
-            <a:avLst/>
-          </a:prstGeom>
-        </p:spPr>
-        <p:txBody>
-          <a:bodyPr vert="horz" lIns="91440" tIns="45720" rIns="91440" bIns="45720" rtlCol="0" anchor="ctr">
-            <a:noAutofit/>
-          </a:bodyPr>
-          <a:lstStyle>
-            <a:lvl1pPr algn="l" defTabSz="685800" rtl="0" eaLnBrk="1" latinLnBrk="0" hangingPunct="1">
-              <a:lnSpc>
-                <a:spcPct val="90000"/>
-              </a:lnSpc>
-              <a:spcBef>
-                <a:spcPct val="0"/>
-              </a:spcBef>
-              <a:buNone/>
-              <a:defRPr sz="3300" kern="1200">
-                <a:solidFill>
-                  <a:schemeClr val="tx1"/>
-                </a:solidFill>
-                <a:latin typeface="+mj-lt"/>
-                <a:ea typeface="+mj-ea"/>
-                <a:cs typeface="+mj-cs"/>
-              </a:defRPr>
-            </a:lvl1pPr>
-          </a:lstStyle>
-          <a:p>
-            <a:pPr algn="ctr"/>
-            <a:r>
-              <a:rPr lang="ru-RU" sz="2800" b="1" dirty="0">
-                <a:latin typeface="Times New Roman" panose="02020603050405020304" pitchFamily="18" charset="0"/>
-                <a:cs typeface="Times New Roman" panose="02020603050405020304" pitchFamily="18" charset="0"/>
-              </a:rPr>
-              <a:t>Проверка работоспособности ЛВС ЦОДа</a:t>
-            </a:r>
-          </a:p>
-        </p:txBody>
-      </p:sp>
-      <p:pic>
-        <p:nvPicPr>
-          <p:cNvPr id="9" name="Рисунок 8">
-            <a:extLst>
-              <a:ext uri="{FF2B5EF4-FFF2-40B4-BE49-F238E27FC236}">
-                <a16:creationId xmlns:a16="http://schemas.microsoft.com/office/drawing/2014/main" id="{AC43BE40-81D3-191D-3B8F-CE8075DABDBD}"/>
-              </a:ext>
-            </a:extLst>
-          </p:cNvPr>
-          <p:cNvPicPr>
-            <a:picLocks noChangeAspect="1"/>
-          </p:cNvPicPr>
-          <p:nvPr/>
-        </p:nvPicPr>
-        <p:blipFill>
-          <a:blip r:embed="rId2"/>
-          <a:stretch>
-            <a:fillRect/>
-          </a:stretch>
-        </p:blipFill>
-        <p:spPr>
-          <a:xfrm>
-            <a:off x="2671760" y="1628800"/>
-            <a:ext cx="3800475" cy="1181100"/>
-          </a:xfrm>
-          <a:prstGeom prst="rect">
-            <a:avLst/>
-          </a:prstGeom>
-        </p:spPr>
-      </p:pic>
-      <p:pic>
-        <p:nvPicPr>
-          <p:cNvPr id="24578" name="Picture 2">
-            <a:extLst>
-              <a:ext uri="{FF2B5EF4-FFF2-40B4-BE49-F238E27FC236}">
-                <a16:creationId xmlns:a16="http://schemas.microsoft.com/office/drawing/2014/main" id="{521BCEDD-CFFD-0CF9-19D5-F8F7B9B1C83F}"/>
-              </a:ext>
-            </a:extLst>
-          </p:cNvPr>
-          <p:cNvPicPr>
-            <a:picLocks noChangeAspect="1" noChangeArrowheads="1"/>
-          </p:cNvPicPr>
-          <p:nvPr/>
-        </p:nvPicPr>
-        <p:blipFill>
-          <a:blip r:embed="rId3">
-            <a:extLst>
-              <a:ext uri="{28A0092B-C50C-407E-A947-70E740481C1C}">
-                <a14:useLocalDpi xmlns:a14="http://schemas.microsoft.com/office/drawing/2010/main" val="0"/>
-              </a:ext>
-            </a:extLst>
-          </a:blip>
-          <a:srcRect/>
-          <a:stretch>
-            <a:fillRect/>
-          </a:stretch>
-        </p:blipFill>
-        <p:spPr bwMode="auto">
-          <a:xfrm>
-            <a:off x="1310857" y="3413373"/>
-            <a:ext cx="6522278" cy="2617861"/>
-          </a:xfrm>
-          <a:prstGeom prst="rect">
-            <a:avLst/>
-          </a:prstGeom>
-          <a:noFill/>
-          <a:ln>
-            <a:noFill/>
-          </a:ln>
-          <a:extLst>
-            <a:ext uri="{909E8E84-426E-40DD-AFC4-6F175D3DCCD1}">
-              <a14:hiddenFill xmlns:a14="http://schemas.microsoft.com/office/drawing/2010/main">
-                <a:solidFill>
-                  <a:srgbClr val="FFFFFF"/>
-                </a:solidFill>
-              </a14:hiddenFill>
-            </a:ext>
-            <a:ext uri="{91240B29-F687-4F45-9708-019B960494DF}">
-              <a14:hiddenLine xmlns:a14="http://schemas.microsoft.com/office/drawing/2010/main" w="9525">
-                <a:solidFill>
-                  <a:srgbClr val="000000"/>
-                </a:solidFill>
-                <a:miter lim="800000"/>
-                <a:headEnd/>
-                <a:tailEnd/>
-              </a14:hiddenLine>
-            </a:ext>
-          </a:extLst>
-        </p:spPr>
-      </p:pic>
-      <p:sp>
-        <p:nvSpPr>
-          <p:cNvPr id="10" name="TextBox 9">
-            <a:extLst>
-              <a:ext uri="{FF2B5EF4-FFF2-40B4-BE49-F238E27FC236}">
-                <a16:creationId xmlns:a16="http://schemas.microsoft.com/office/drawing/2014/main" id="{3EA32A66-BBAB-AA53-9FFD-C1C655414A9D}"/>
-              </a:ext>
-            </a:extLst>
-          </p:cNvPr>
-          <p:cNvSpPr txBox="1"/>
-          <p:nvPr/>
-        </p:nvSpPr>
-        <p:spPr>
-          <a:xfrm>
-            <a:off x="821379" y="1130529"/>
-            <a:ext cx="7501235" cy="369332"/>
-          </a:xfrm>
-          <a:prstGeom prst="rect">
-            <a:avLst/>
-          </a:prstGeom>
-          <a:noFill/>
-        </p:spPr>
-        <p:txBody>
-          <a:bodyPr wrap="square" rtlCol="0">
-            <a:spAutoFit/>
-          </a:bodyPr>
-          <a:lstStyle/>
-          <a:p>
-            <a:pPr algn="ctr"/>
-            <a:r>
-              <a:rPr lang="ru-RU" dirty="0">
-                <a:latin typeface="Times New Roman" panose="02020603050405020304" pitchFamily="18" charset="0"/>
-                <a:cs typeface="Times New Roman" panose="02020603050405020304" pitchFamily="18" charset="0"/>
-              </a:rPr>
-              <a:t>Состояние диска </a:t>
-            </a:r>
-            <a:r>
-              <a:rPr lang="en-US" dirty="0" err="1">
-                <a:latin typeface="Times New Roman" panose="02020603050405020304" pitchFamily="18" charset="0"/>
-                <a:cs typeface="Times New Roman" panose="02020603050405020304" pitchFamily="18" charset="0"/>
-              </a:rPr>
-              <a:t>ceph</a:t>
-            </a:r>
-            <a:endParaRPr lang="en-US" dirty="0"/>
-          </a:p>
-        </p:txBody>
-      </p:sp>
-      <p:sp>
-        <p:nvSpPr>
-          <p:cNvPr id="11" name="TextBox 10">
-            <a:extLst>
-              <a:ext uri="{FF2B5EF4-FFF2-40B4-BE49-F238E27FC236}">
-                <a16:creationId xmlns:a16="http://schemas.microsoft.com/office/drawing/2014/main" id="{6A29F8EC-FC08-2251-B86F-CDE6750F3642}"/>
-              </a:ext>
-            </a:extLst>
-          </p:cNvPr>
-          <p:cNvSpPr txBox="1"/>
-          <p:nvPr/>
-        </p:nvSpPr>
-        <p:spPr>
-          <a:xfrm>
-            <a:off x="821378" y="2938839"/>
-            <a:ext cx="7501235" cy="369332"/>
-          </a:xfrm>
-          <a:prstGeom prst="rect">
-            <a:avLst/>
-          </a:prstGeom>
-          <a:noFill/>
-        </p:spPr>
-        <p:txBody>
-          <a:bodyPr wrap="square" rtlCol="0">
-            <a:spAutoFit/>
-          </a:bodyPr>
-          <a:lstStyle/>
-          <a:p>
-            <a:pPr algn="ctr"/>
-            <a:r>
-              <a:rPr lang="ru-RU" dirty="0">
-                <a:latin typeface="Times New Roman" panose="02020603050405020304" pitchFamily="18" charset="0"/>
-                <a:cs typeface="Times New Roman" panose="02020603050405020304" pitchFamily="18" charset="0"/>
-              </a:rPr>
-              <a:t>Состояние кластера виртуализации до поломки</a:t>
-            </a:r>
-            <a:endParaRPr lang="en-US" dirty="0"/>
-          </a:p>
-        </p:txBody>
-      </p:sp>
-    </p:spTree>
-    <p:extLst>
-      <p:ext uri="{BB962C8B-B14F-4D97-AF65-F5344CB8AC3E}">
-        <p14:creationId xmlns:p14="http://schemas.microsoft.com/office/powerpoint/2010/main" val="3596038706"/>
-      </p:ext>
-    </p:extLst>
-  </p:cSld>
-  <p:clrMapOvr>
-    <a:masterClrMapping/>
-  </p:clrMapOvr>
-  <p:transition>
-    <p:push dir="u"/>
-  </p:transition>
-</p:sld>
-</file>
-
-<file path=ppt/slides/slide34.xml><?xml version="1.0" encoding="utf-8"?>
-<p:sld xmlns:a="http://schemas.openxmlformats.org/drawingml/2006/main" xmlns:r="http://schemas.openxmlformats.org/officeDocument/2006/relationships" xmlns:p="http://schemas.openxmlformats.org/presentationml/2006/main">
-  <p:cSld>
-    <p:spTree>
-      <p:nvGrpSpPr>
-        <p:cNvPr id="1" name=""/>
-        <p:cNvGrpSpPr/>
-        <p:nvPr/>
-      </p:nvGrpSpPr>
-      <p:grpSpPr>
-        <a:xfrm>
-          <a:off x="0" y="0"/>
-          <a:ext cx="0" cy="0"/>
-          <a:chOff x="0" y="0"/>
-          <a:chExt cx="0" cy="0"/>
-        </a:xfrm>
-      </p:grpSpPr>
-      <p:sp>
-        <p:nvSpPr>
-          <p:cNvPr id="3" name="Заголовок 1">
-            <a:extLst>
-              <a:ext uri="{FF2B5EF4-FFF2-40B4-BE49-F238E27FC236}">
-                <a16:creationId xmlns:a16="http://schemas.microsoft.com/office/drawing/2014/main" id="{5F5F565D-21AE-2129-3A8D-F7B449234509}"/>
-              </a:ext>
-            </a:extLst>
-          </p:cNvPr>
-          <p:cNvSpPr txBox="1">
-            <a:spLocks/>
-          </p:cNvSpPr>
-          <p:nvPr/>
-        </p:nvSpPr>
-        <p:spPr>
-          <a:xfrm>
-            <a:off x="628650" y="345513"/>
-            <a:ext cx="7886700" cy="471586"/>
-          </a:xfrm>
-          <a:prstGeom prst="rect">
-            <a:avLst/>
-          </a:prstGeom>
-        </p:spPr>
-        <p:txBody>
-          <a:bodyPr vert="horz" lIns="91440" tIns="45720" rIns="91440" bIns="45720" rtlCol="0" anchor="ctr">
-            <a:noAutofit/>
-          </a:bodyPr>
-          <a:lstStyle>
-            <a:lvl1pPr algn="l" defTabSz="685800" rtl="0" eaLnBrk="1" latinLnBrk="0" hangingPunct="1">
-              <a:lnSpc>
-                <a:spcPct val="90000"/>
-              </a:lnSpc>
-              <a:spcBef>
-                <a:spcPct val="0"/>
-              </a:spcBef>
-              <a:buNone/>
-              <a:defRPr sz="3300" kern="1200">
-                <a:solidFill>
-                  <a:schemeClr val="tx1"/>
-                </a:solidFill>
-                <a:latin typeface="+mj-lt"/>
-                <a:ea typeface="+mj-ea"/>
-                <a:cs typeface="+mj-cs"/>
-              </a:defRPr>
-            </a:lvl1pPr>
-          </a:lstStyle>
-          <a:p>
-            <a:pPr algn="ctr"/>
-            <a:r>
-              <a:rPr lang="ru-RU" sz="2800" b="1" dirty="0">
-                <a:latin typeface="Times New Roman" panose="02020603050405020304" pitchFamily="18" charset="0"/>
-                <a:cs typeface="Times New Roman" panose="02020603050405020304" pitchFamily="18" charset="0"/>
-              </a:rPr>
-              <a:t>Проверка работоспособности ЛВС ЦОДа</a:t>
-            </a:r>
-          </a:p>
-        </p:txBody>
-      </p:sp>
-      <p:pic>
-        <p:nvPicPr>
-          <p:cNvPr id="25602" name="Picture 2">
-            <a:extLst>
-              <a:ext uri="{FF2B5EF4-FFF2-40B4-BE49-F238E27FC236}">
-                <a16:creationId xmlns:a16="http://schemas.microsoft.com/office/drawing/2014/main" id="{8357ABE0-3582-4A96-B38E-BC7D54575E66}"/>
-              </a:ext>
-            </a:extLst>
-          </p:cNvPr>
-          <p:cNvPicPr>
-            <a:picLocks noChangeAspect="1" noChangeArrowheads="1"/>
-          </p:cNvPicPr>
-          <p:nvPr/>
-        </p:nvPicPr>
-        <p:blipFill>
-          <a:blip r:embed="rId2">
-            <a:extLst>
-              <a:ext uri="{28A0092B-C50C-407E-A947-70E740481C1C}">
-                <a14:useLocalDpi xmlns:a14="http://schemas.microsoft.com/office/drawing/2010/main" val="0"/>
-              </a:ext>
-            </a:extLst>
-          </a:blip>
-          <a:srcRect/>
-          <a:stretch>
-            <a:fillRect/>
-          </a:stretch>
-        </p:blipFill>
-        <p:spPr bwMode="auto">
-          <a:xfrm>
-            <a:off x="1847850" y="1772816"/>
-            <a:ext cx="5448300" cy="2428875"/>
-          </a:xfrm>
-          <a:prstGeom prst="rect">
-            <a:avLst/>
-          </a:prstGeom>
-          <a:noFill/>
-          <a:ln>
-            <a:noFill/>
-          </a:ln>
-          <a:extLst>
-            <a:ext uri="{909E8E84-426E-40DD-AFC4-6F175D3DCCD1}">
-              <a14:hiddenFill xmlns:a14="http://schemas.microsoft.com/office/drawing/2010/main">
-                <a:solidFill>
-                  <a:srgbClr val="FFFFFF"/>
-                </a:solidFill>
-              </a14:hiddenFill>
-            </a:ext>
-            <a:ext uri="{91240B29-F687-4F45-9708-019B960494DF}">
-              <a14:hiddenLine xmlns:a14="http://schemas.microsoft.com/office/drawing/2010/main" w="9525">
-                <a:solidFill>
-                  <a:srgbClr val="000000"/>
-                </a:solidFill>
-                <a:miter lim="800000"/>
-                <a:headEnd/>
-                <a:tailEnd/>
-              </a14:hiddenLine>
-            </a:ext>
-          </a:extLst>
-        </p:spPr>
-      </p:pic>
-      <p:sp>
-        <p:nvSpPr>
-          <p:cNvPr id="2" name="TextBox 1">
-            <a:extLst>
-              <a:ext uri="{FF2B5EF4-FFF2-40B4-BE49-F238E27FC236}">
-                <a16:creationId xmlns:a16="http://schemas.microsoft.com/office/drawing/2014/main" id="{F1DBBF33-0EAF-7978-4AEA-0979AEFCF096}"/>
-              </a:ext>
-            </a:extLst>
-          </p:cNvPr>
-          <p:cNvSpPr txBox="1"/>
-          <p:nvPr/>
-        </p:nvSpPr>
-        <p:spPr>
-          <a:xfrm>
-            <a:off x="821379" y="1130529"/>
-            <a:ext cx="7501235" cy="369332"/>
-          </a:xfrm>
-          <a:prstGeom prst="rect">
-            <a:avLst/>
-          </a:prstGeom>
-          <a:noFill/>
-        </p:spPr>
-        <p:txBody>
-          <a:bodyPr wrap="square" rtlCol="0">
-            <a:spAutoFit/>
-          </a:bodyPr>
-          <a:lstStyle/>
-          <a:p>
-            <a:pPr algn="ctr"/>
-            <a:r>
-              <a:rPr lang="ru-RU" dirty="0">
-                <a:latin typeface="Times New Roman" panose="02020603050405020304" pitchFamily="18" charset="0"/>
-                <a:cs typeface="Times New Roman" panose="02020603050405020304" pitchFamily="18" charset="0"/>
-              </a:rPr>
-              <a:t>Состояние кластера виртуализации после поломки</a:t>
-            </a:r>
-            <a:endParaRPr lang="en-US" dirty="0"/>
-          </a:p>
-        </p:txBody>
-      </p:sp>
-      <p:sp>
-        <p:nvSpPr>
-          <p:cNvPr id="4" name="TextBox 3">
-            <a:extLst>
-              <a:ext uri="{FF2B5EF4-FFF2-40B4-BE49-F238E27FC236}">
-                <a16:creationId xmlns:a16="http://schemas.microsoft.com/office/drawing/2014/main" id="{C13B09CD-B2F6-24C6-261A-4C0486B33415}"/>
-              </a:ext>
-            </a:extLst>
-          </p:cNvPr>
-          <p:cNvSpPr txBox="1"/>
-          <p:nvPr/>
-        </p:nvSpPr>
-        <p:spPr>
-          <a:xfrm>
-            <a:off x="795830" y="4270814"/>
-            <a:ext cx="7501235" cy="369332"/>
-          </a:xfrm>
-          <a:prstGeom prst="rect">
-            <a:avLst/>
-          </a:prstGeom>
-          <a:noFill/>
-        </p:spPr>
-        <p:txBody>
-          <a:bodyPr wrap="square" rtlCol="0">
-            <a:spAutoFit/>
-          </a:bodyPr>
-          <a:lstStyle/>
-          <a:p>
-            <a:pPr algn="ctr"/>
-            <a:r>
-              <a:rPr lang="ru-RU" dirty="0">
-                <a:latin typeface="Times New Roman" panose="02020603050405020304" pitchFamily="18" charset="0"/>
-                <a:cs typeface="Times New Roman" panose="02020603050405020304" pitchFamily="18" charset="0"/>
-              </a:rPr>
-              <a:t>Доступность сайта компании после всех поломок</a:t>
-            </a:r>
-            <a:endParaRPr lang="en-US" dirty="0"/>
-          </a:p>
-        </p:txBody>
-      </p:sp>
-      <p:pic>
-        <p:nvPicPr>
-          <p:cNvPr id="6" name="Рисунок 5">
-            <a:extLst>
-              <a:ext uri="{FF2B5EF4-FFF2-40B4-BE49-F238E27FC236}">
-                <a16:creationId xmlns:a16="http://schemas.microsoft.com/office/drawing/2014/main" id="{C72E9737-7FB7-562A-3741-F36C62CD5ECC}"/>
-              </a:ext>
-            </a:extLst>
-          </p:cNvPr>
-          <p:cNvPicPr>
-            <a:picLocks noChangeAspect="1"/>
-          </p:cNvPicPr>
-          <p:nvPr/>
-        </p:nvPicPr>
-        <p:blipFill>
-          <a:blip r:embed="rId3"/>
-          <a:stretch>
-            <a:fillRect/>
-          </a:stretch>
-        </p:blipFill>
-        <p:spPr>
-          <a:xfrm>
-            <a:off x="2838446" y="4730229"/>
-            <a:ext cx="3467100" cy="1685925"/>
-          </a:xfrm>
-          <a:prstGeom prst="rect">
-            <a:avLst/>
-          </a:prstGeom>
-        </p:spPr>
-      </p:pic>
-    </p:spTree>
-    <p:extLst>
-      <p:ext uri="{BB962C8B-B14F-4D97-AF65-F5344CB8AC3E}">
-        <p14:creationId xmlns:p14="http://schemas.microsoft.com/office/powerpoint/2010/main" val="2100540269"/>
-      </p:ext>
-    </p:extLst>
-  </p:cSld>
-  <p:clrMapOvr>
-    <a:masterClrMapping/>
-  </p:clrMapOvr>
-  <p:transition>
-    <p:push dir="u"/>
-  </p:transition>
-</p:sld>
-</file>
-
-<file path=ppt/slides/slide35.xml><?xml version="1.0" encoding="utf-8"?>
-<p:sld xmlns:a="http://schemas.openxmlformats.org/drawingml/2006/main" xmlns:r="http://schemas.openxmlformats.org/officeDocument/2006/relationships" xmlns:p="http://schemas.openxmlformats.org/presentationml/2006/main">
-  <p:cSld>
-    <p:bg>
-      <p:bgRef idx="1001">
-        <a:schemeClr val="bg1"/>
-      </p:bgRef>
-    </p:bg>
-    <p:spTree>
-      <p:nvGrpSpPr>
-        <p:cNvPr id="1" name=""/>
-        <p:cNvGrpSpPr/>
-        <p:nvPr/>
-      </p:nvGrpSpPr>
-      <p:grpSpPr>
-        <a:xfrm>
-          <a:off x="0" y="0"/>
-          <a:ext cx="0" cy="0"/>
-          <a:chOff x="0" y="0"/>
-          <a:chExt cx="0" cy="0"/>
-        </a:xfrm>
-      </p:grpSpPr>
-      <p:sp>
-        <p:nvSpPr>
-          <p:cNvPr id="3" name="Объект 2"/>
-          <p:cNvSpPr>
-            <a:spLocks noGrp="1"/>
-          </p:cNvSpPr>
-          <p:nvPr>
-            <p:ph idx="1"/>
-          </p:nvPr>
-        </p:nvSpPr>
-        <p:spPr>
-          <a:xfrm>
-            <a:off x="251520" y="764540"/>
-            <a:ext cx="8640960" cy="5904656"/>
-          </a:xfrm>
-        </p:spPr>
-        <p:txBody>
-          <a:bodyPr>
-            <a:noAutofit/>
-          </a:bodyPr>
-          <a:lstStyle/>
-          <a:p>
-            <a:pPr marL="0" indent="0" algn="just">
-              <a:spcBef>
-                <a:spcPts val="0"/>
-              </a:spcBef>
-              <a:buNone/>
-              <a:tabLst>
-                <a:tab pos="357188" algn="l"/>
-              </a:tabLst>
-            </a:pPr>
-            <a:r>
-              <a:rPr lang="ru-RU" sz="2200" dirty="0">
-                <a:latin typeface="Times New Roman" panose="02020603050405020304" pitchFamily="18" charset="0"/>
-                <a:cs typeface="Times New Roman" panose="02020603050405020304" pitchFamily="18" charset="0"/>
-              </a:rPr>
-              <a:t>	В дипломном проекте была разработана локальная вычислительная сеть центра обработки данных компании ЗАО МНИТИ, которая реализует требования, предоставляемые уровнем Центров обработки данных </a:t>
-            </a:r>
-            <a:r>
-              <a:rPr lang="ru-RU" sz="2200" dirty="0" err="1">
-                <a:latin typeface="Times New Roman" panose="02020603050405020304" pitchFamily="18" charset="0"/>
-                <a:cs typeface="Times New Roman" panose="02020603050405020304" pitchFamily="18" charset="0"/>
-              </a:rPr>
-              <a:t>Tier</a:t>
-            </a:r>
-            <a:r>
-              <a:rPr lang="ru-RU" sz="2200" dirty="0">
-                <a:latin typeface="Times New Roman" panose="02020603050405020304" pitchFamily="18" charset="0"/>
-                <a:cs typeface="Times New Roman" panose="02020603050405020304" pitchFamily="18" charset="0"/>
-              </a:rPr>
-              <a:t> 2, а также которая подходит для предоставления услуг </a:t>
-            </a:r>
-            <a:r>
-              <a:rPr lang="ru-RU" sz="2200" dirty="0" err="1">
-                <a:latin typeface="Times New Roman" panose="02020603050405020304" pitchFamily="18" charset="0"/>
-                <a:cs typeface="Times New Roman" panose="02020603050405020304" pitchFamily="18" charset="0"/>
-              </a:rPr>
-              <a:t>IaaS</a:t>
-            </a:r>
-            <a:r>
-              <a:rPr lang="ru-RU" sz="2200" dirty="0">
-                <a:latin typeface="Times New Roman" panose="02020603050405020304" pitchFamily="18" charset="0"/>
-                <a:cs typeface="Times New Roman" panose="02020603050405020304" pitchFamily="18" charset="0"/>
-              </a:rPr>
-              <a:t> в корпоративной сети компании.</a:t>
-            </a:r>
-          </a:p>
-          <a:p>
-            <a:pPr marL="0" indent="0" algn="just">
-              <a:spcBef>
-                <a:spcPts val="0"/>
-              </a:spcBef>
-              <a:buNone/>
-              <a:tabLst>
-                <a:tab pos="357188" algn="l"/>
-              </a:tabLst>
-            </a:pPr>
-            <a:r>
-              <a:rPr lang="ru-RU" sz="2200" dirty="0">
-                <a:latin typeface="Times New Roman" panose="02020603050405020304" pitchFamily="18" charset="0"/>
-                <a:cs typeface="Times New Roman" panose="02020603050405020304" pitchFamily="18" charset="0"/>
-              </a:rPr>
-              <a:t>	В ходе выполнения дипломного проекта были рассмотрены и проанализированы основные технологии, применяемые в локальных вычислительных сетях для реализации отказоустойчивости, высокой доступности и виртуализации сервисов, например механизмы контейнеризации </a:t>
-            </a:r>
-            <a:r>
-              <a:rPr lang="ru-RU" sz="2200" dirty="0" err="1">
-                <a:latin typeface="Times New Roman" panose="02020603050405020304" pitchFamily="18" charset="0"/>
-                <a:cs typeface="Times New Roman" panose="02020603050405020304" pitchFamily="18" charset="0"/>
-              </a:rPr>
-              <a:t>Lxc</a:t>
-            </a:r>
-            <a:r>
-              <a:rPr lang="ru-RU" sz="2200" dirty="0">
-                <a:latin typeface="Times New Roman" panose="02020603050405020304" pitchFamily="18" charset="0"/>
-                <a:cs typeface="Times New Roman" panose="02020603050405020304" pitchFamily="18" charset="0"/>
-              </a:rPr>
-              <a:t>, кластер высокой доступности </a:t>
-            </a:r>
-            <a:r>
-              <a:rPr lang="ru-RU" sz="2200" dirty="0" err="1">
-                <a:latin typeface="Times New Roman" panose="02020603050405020304" pitchFamily="18" charset="0"/>
-                <a:cs typeface="Times New Roman" panose="02020603050405020304" pitchFamily="18" charset="0"/>
-              </a:rPr>
-              <a:t>keepalived</a:t>
-            </a:r>
-            <a:r>
-              <a:rPr lang="ru-RU" sz="2200" dirty="0">
-                <a:latin typeface="Times New Roman" panose="02020603050405020304" pitchFamily="18" charset="0"/>
-                <a:cs typeface="Times New Roman" panose="02020603050405020304" pitchFamily="18" charset="0"/>
-              </a:rPr>
-              <a:t>, отказоустойчивый кластер </a:t>
-            </a:r>
-            <a:r>
-              <a:rPr lang="ru-RU" sz="2200" dirty="0" err="1">
-                <a:latin typeface="Times New Roman" panose="02020603050405020304" pitchFamily="18" charset="0"/>
-                <a:cs typeface="Times New Roman" panose="02020603050405020304" pitchFamily="18" charset="0"/>
-              </a:rPr>
-              <a:t>corosync</a:t>
-            </a:r>
-            <a:r>
-              <a:rPr lang="ru-RU" sz="2200" dirty="0">
-                <a:latin typeface="Times New Roman" panose="02020603050405020304" pitchFamily="18" charset="0"/>
-                <a:cs typeface="Times New Roman" panose="02020603050405020304" pitchFamily="18" charset="0"/>
-              </a:rPr>
-              <a:t> </a:t>
-            </a:r>
-            <a:r>
-              <a:rPr lang="ru-RU" sz="2200" dirty="0" err="1">
-                <a:latin typeface="Times New Roman" panose="02020603050405020304" pitchFamily="18" charset="0"/>
-                <a:cs typeface="Times New Roman" panose="02020603050405020304" pitchFamily="18" charset="0"/>
-              </a:rPr>
-              <a:t>pacemaker</a:t>
-            </a:r>
-            <a:r>
-              <a:rPr lang="ru-RU" sz="2200" dirty="0">
-                <a:latin typeface="Times New Roman" panose="02020603050405020304" pitchFamily="18" charset="0"/>
-                <a:cs typeface="Times New Roman" panose="02020603050405020304" pitchFamily="18" charset="0"/>
-              </a:rPr>
-              <a:t>, и отказоустойчивое хранилище </a:t>
-            </a:r>
-            <a:r>
-              <a:rPr lang="ru-RU" sz="2200" dirty="0" err="1">
-                <a:latin typeface="Times New Roman" panose="02020603050405020304" pitchFamily="18" charset="0"/>
-                <a:cs typeface="Times New Roman" panose="02020603050405020304" pitchFamily="18" charset="0"/>
-              </a:rPr>
-              <a:t>ceph</a:t>
-            </a:r>
-            <a:r>
-              <a:rPr lang="ru-RU" sz="2200" dirty="0">
-                <a:latin typeface="Times New Roman" panose="02020603050405020304" pitchFamily="18" charset="0"/>
-                <a:cs typeface="Times New Roman" panose="02020603050405020304" pitchFamily="18" charset="0"/>
-              </a:rPr>
-              <a:t>. Все рассмотренные технологии были настроены и реализованы на базе операционной системы Linux, а также было произведено тестирование локальной вычислительной сети на отказоустойчивость при авариях на важных элементах сети, которое показало высокую отказоустойчивость архитектуры, которая также была разработана с учетом возможности масштабируемости и интеграции в корпоративную сеть предприятия ЗАО МНИТИ.</a:t>
-            </a:r>
-          </a:p>
-        </p:txBody>
-      </p:sp>
-      <p:sp>
-        <p:nvSpPr>
-          <p:cNvPr id="4" name="Прямоугольник 3"/>
-          <p:cNvSpPr/>
-          <p:nvPr/>
-        </p:nvSpPr>
-        <p:spPr>
-          <a:xfrm>
-            <a:off x="0" y="260648"/>
-            <a:ext cx="9144000" cy="523220"/>
-          </a:xfrm>
-          <a:prstGeom prst="rect">
-            <a:avLst/>
-          </a:prstGeom>
-        </p:spPr>
-        <p:txBody>
-          <a:bodyPr wrap="square">
-            <a:spAutoFit/>
-          </a:bodyPr>
-          <a:lstStyle/>
-          <a:p>
-            <a:pPr algn="ctr"/>
-            <a:r>
-              <a:rPr lang="ru-RU" sz="2800" b="1" dirty="0">
-                <a:latin typeface="Times New Roman" pitchFamily="18" charset="0"/>
-                <a:cs typeface="Times New Roman" pitchFamily="18" charset="0"/>
-              </a:rPr>
-              <a:t>Заключение</a:t>
-            </a:r>
-          </a:p>
-        </p:txBody>
-      </p:sp>
-    </p:spTree>
-    <p:extLst>
-      <p:ext uri="{BB962C8B-B14F-4D97-AF65-F5344CB8AC3E}">
-        <p14:creationId xmlns:p14="http://schemas.microsoft.com/office/powerpoint/2010/main" val="1388752116"/>
-      </p:ext>
-    </p:extLst>
-  </p:cSld>
-  <p:clrMapOvr>
-    <a:overrideClrMapping bg1="lt1" tx1="dk1" bg2="lt2" tx2="dk2" accent1="accent1" accent2="accent2" accent3="accent3" accent4="accent4" accent5="accent5" accent6="accent6" hlink="hlink" folHlink="folHlink"/>
-  </p:clrMapOvr>
-  <p:transition>
-    <p:push dir="u"/>
-  </p:transition>
-</p:sld>
-</file>
-
-<file path=ppt/slides/slide36.xml><?xml version="1.0" encoding="utf-8"?>
-<p:sld xmlns:a="http://schemas.openxmlformats.org/drawingml/2006/main" xmlns:r="http://schemas.openxmlformats.org/officeDocument/2006/relationships" xmlns:p="http://schemas.openxmlformats.org/presentationml/2006/main">
-  <p:cSld>
-    <p:spTree>
-      <p:nvGrpSpPr>
-        <p:cNvPr id="1" name=""/>
-        <p:cNvGrpSpPr/>
-        <p:nvPr/>
-      </p:nvGrpSpPr>
-      <p:grpSpPr>
-        <a:xfrm>
-          <a:off x="0" y="0"/>
-          <a:ext cx="0" cy="0"/>
-          <a:chOff x="0" y="0"/>
-          <a:chExt cx="0" cy="0"/>
-        </a:xfrm>
-      </p:grpSpPr>
-      <p:sp>
-        <p:nvSpPr>
-          <p:cNvPr id="5" name="TextBox 4"/>
-          <p:cNvSpPr txBox="1"/>
-          <p:nvPr/>
-        </p:nvSpPr>
-        <p:spPr>
-          <a:xfrm>
-            <a:off x="0" y="2780928"/>
-            <a:ext cx="9143999" cy="830997"/>
-          </a:xfrm>
-          <a:prstGeom prst="rect">
-            <a:avLst/>
-          </a:prstGeom>
-          <a:noFill/>
-        </p:spPr>
-        <p:txBody>
-          <a:bodyPr wrap="square" rtlCol="0">
-            <a:spAutoFit/>
-          </a:bodyPr>
-          <a:lstStyle/>
-          <a:p>
-            <a:pPr algn="ctr"/>
-            <a:r>
-              <a:rPr lang="ru-RU" sz="4800" dirty="0">
-                <a:latin typeface="Times New Roman" pitchFamily="18" charset="0"/>
-                <a:cs typeface="Times New Roman" pitchFamily="18" charset="0"/>
-              </a:rPr>
-              <a:t>Спасибо за внимание!</a:t>
-            </a:r>
-          </a:p>
-        </p:txBody>
-      </p:sp>
-    </p:spTree>
-    <p:extLst>
-      <p:ext uri="{BB962C8B-B14F-4D97-AF65-F5344CB8AC3E}">
-        <p14:creationId xmlns:p14="http://schemas.microsoft.com/office/powerpoint/2010/main" val="3652116733"/>
-      </p:ext>
-    </p:extLst>
-  </p:cSld>
-  <p:clrMapOvr>
-    <a:masterClrMapping/>
-  </p:clrMapOvr>
-  <p:transition>
-    <p:push dir="u"/>
-  </p:transition>
-</p:sld>
-</file>
-
 <file path=ppt/slides/slide4.xml><?xml version="1.0" encoding="utf-8"?>
 <p:sld xmlns:a="http://schemas.openxmlformats.org/drawingml/2006/main" xmlns:r="http://schemas.openxmlformats.org/officeDocument/2006/relationships" xmlns:p="http://schemas.openxmlformats.org/presentationml/2006/main">
   <p:cSld>
@@ -10643,21 +9027,6 @@
               </a:rPr>
               <a:t>:</a:t>
             </a:r>
-          </a:p>
-          <a:p>
-            <a:pPr marL="0" indent="0" defTabSz="914400">
-              <a:lnSpc>
-                <a:spcPct val="100000"/>
-              </a:lnSpc>
-              <a:buNone/>
-              <a:tabLst>
-                <a:tab pos="357188" algn="l"/>
-              </a:tabLst>
-            </a:pPr>
-            <a:endParaRPr lang="en-US" sz="2200" dirty="0">
-              <a:latin typeface="Times New Roman" panose="02020603050405020304" pitchFamily="18" charset="0"/>
-              <a:cs typeface="Times New Roman" panose="02020603050405020304" pitchFamily="18" charset="0"/>
-            </a:endParaRPr>
           </a:p>
           <a:p>
             <a:pPr marL="914400" indent="-228600" defTabSz="914400">
@@ -10999,8 +9368,8 @@
         </p:nvSpPr>
         <p:spPr>
           <a:xfrm>
-            <a:off x="454598" y="1412776"/>
-            <a:ext cx="8234804" cy="3924921"/>
+            <a:off x="323528" y="1412776"/>
+            <a:ext cx="8365874" cy="4432752"/>
           </a:xfrm>
           <a:prstGeom prst="rect">
             <a:avLst/>
@@ -11056,6 +9425,13 @@
               <a:buChar char="•"/>
             </a:pPr>
             <a:r>
+              <a:rPr lang="ru-RU" sz="2200" dirty="0">
+                <a:latin typeface="Times New Roman" panose="02020603050405020304" pitchFamily="18" charset="0"/>
+                <a:cs typeface="Times New Roman" panose="02020603050405020304" pitchFamily="18" charset="0"/>
+              </a:rPr>
+              <a:t>кластер </a:t>
+            </a:r>
+            <a:r>
               <a:rPr lang="en-US" sz="2200" dirty="0" err="1">
                 <a:latin typeface="Times New Roman" panose="02020603050405020304" pitchFamily="18" charset="0"/>
                 <a:cs typeface="Times New Roman" panose="02020603050405020304" pitchFamily="18" charset="0"/>
@@ -11067,7 +9443,14 @@
                 <a:latin typeface="Times New Roman" panose="02020603050405020304" pitchFamily="18" charset="0"/>
                 <a:cs typeface="Times New Roman" panose="02020603050405020304" pitchFamily="18" charset="0"/>
               </a:rPr>
-              <a:t> + </a:t>
+              <a:t> +</a:t>
+            </a:r>
+            <a:r>
+              <a:rPr lang="ru-RU" sz="2200" dirty="0">
+                <a:latin typeface="Times New Roman" panose="02020603050405020304" pitchFamily="18" charset="0"/>
+                <a:cs typeface="Times New Roman" panose="02020603050405020304" pitchFamily="18" charset="0"/>
+              </a:rPr>
+              <a:t> механизм синхронизации </a:t>
             </a:r>
             <a:r>
               <a:rPr lang="en-US" sz="2200" dirty="0" err="1">
@@ -11093,6 +9476,13 @@
               <a:buChar char="•"/>
             </a:pPr>
             <a:r>
+              <a:rPr lang="ru-RU" sz="2200" dirty="0">
+                <a:latin typeface="Times New Roman" panose="02020603050405020304" pitchFamily="18" charset="0"/>
+                <a:cs typeface="Times New Roman" panose="02020603050405020304" pitchFamily="18" charset="0"/>
+              </a:rPr>
+              <a:t>пакет </a:t>
+            </a:r>
+            <a:r>
               <a:rPr lang="en-US" sz="2200" dirty="0">
                 <a:latin typeface="Times New Roman" panose="02020603050405020304" pitchFamily="18" charset="0"/>
                 <a:cs typeface="Times New Roman" panose="02020603050405020304" pitchFamily="18" charset="0"/>
@@ -11109,6 +9499,13 @@
               <a:buChar char="•"/>
             </a:pPr>
             <a:r>
+              <a:rPr lang="ru-RU" sz="2200" dirty="0">
+                <a:latin typeface="Times New Roman" panose="02020603050405020304" pitchFamily="18" charset="0"/>
+                <a:cs typeface="Times New Roman" panose="02020603050405020304" pitchFamily="18" charset="0"/>
+              </a:rPr>
+              <a:t>кластер </a:t>
+            </a:r>
+            <a:r>
               <a:rPr lang="en-US" sz="2200" dirty="0" err="1">
                 <a:latin typeface="Times New Roman" panose="02020603050405020304" pitchFamily="18" charset="0"/>
                 <a:cs typeface="Times New Roman" panose="02020603050405020304" pitchFamily="18" charset="0"/>
@@ -11132,6 +9529,13 @@
               <a:buChar char="•"/>
             </a:pPr>
             <a:r>
+              <a:rPr lang="ru-RU" sz="2200" dirty="0">
+                <a:latin typeface="Times New Roman" panose="02020603050405020304" pitchFamily="18" charset="0"/>
+                <a:cs typeface="Times New Roman" panose="02020603050405020304" pitchFamily="18" charset="0"/>
+              </a:rPr>
+              <a:t>хранилище </a:t>
+            </a:r>
+            <a:r>
               <a:rPr lang="en-US" sz="2200" dirty="0" err="1">
                 <a:latin typeface="Times New Roman" panose="02020603050405020304" pitchFamily="18" charset="0"/>
                 <a:cs typeface="Times New Roman" panose="02020603050405020304" pitchFamily="18" charset="0"/>
@@ -11139,11 +9543,32 @@
               <a:t>ceph</a:t>
             </a:r>
             <a:r>
+              <a:rPr lang="ru-RU" sz="2200" dirty="0">
+                <a:latin typeface="Times New Roman" panose="02020603050405020304" pitchFamily="18" charset="0"/>
+                <a:cs typeface="Times New Roman" panose="02020603050405020304" pitchFamily="18" charset="0"/>
+              </a:rPr>
+              <a:t> + протокол </a:t>
+            </a:r>
+            <a:r>
               <a:rPr lang="en-US" sz="2200" dirty="0">
                 <a:latin typeface="Times New Roman" panose="02020603050405020304" pitchFamily="18" charset="0"/>
                 <a:cs typeface="Times New Roman" panose="02020603050405020304" pitchFamily="18" charset="0"/>
               </a:rPr>
-              <a:t>;</a:t>
+              <a:t>ISCSI</a:t>
+            </a:r>
+            <a:r>
+              <a:rPr lang="ru-RU" sz="2200" dirty="0">
+                <a:latin typeface="Times New Roman" panose="02020603050405020304" pitchFamily="18" charset="0"/>
+                <a:cs typeface="Times New Roman" panose="02020603050405020304" pitchFamily="18" charset="0"/>
+              </a:rPr>
+              <a:t> + файловая система </a:t>
+            </a:r>
+            <a:r>
+              <a:rPr lang="en-US" sz="2200" dirty="0">
+                <a:latin typeface="Times New Roman" panose="02020603050405020304" pitchFamily="18" charset="0"/>
+                <a:cs typeface="Times New Roman" panose="02020603050405020304" pitchFamily="18" charset="0"/>
+              </a:rPr>
+              <a:t>ocfs2;</a:t>
             </a:r>
           </a:p>
           <a:p>
@@ -11155,11 +9580,45 @@
               <a:buChar char="•"/>
             </a:pPr>
             <a:r>
+              <a:rPr lang="ru-RU" sz="2200" dirty="0">
+                <a:latin typeface="Times New Roman" panose="02020603050405020304" pitchFamily="18" charset="0"/>
+                <a:cs typeface="Times New Roman" panose="02020603050405020304" pitchFamily="18" charset="0"/>
+              </a:rPr>
+              <a:t>технология </a:t>
+            </a:r>
+            <a:r>
               <a:rPr lang="en-US" sz="2200" dirty="0">
                 <a:latin typeface="Times New Roman" panose="02020603050405020304" pitchFamily="18" charset="0"/>
                 <a:cs typeface="Times New Roman" panose="02020603050405020304" pitchFamily="18" charset="0"/>
               </a:rPr>
-              <a:t>LACP.</a:t>
+              <a:t>LACP;</a:t>
+            </a:r>
+            <a:endParaRPr lang="ru-RU" sz="2200" dirty="0">
+              <a:latin typeface="Times New Roman" panose="02020603050405020304" pitchFamily="18" charset="0"/>
+              <a:cs typeface="Times New Roman" panose="02020603050405020304" pitchFamily="18" charset="0"/>
+            </a:endParaRPr>
+          </a:p>
+          <a:p>
+            <a:pPr marL="914400" indent="-228600">
+              <a:lnSpc>
+                <a:spcPct val="150000"/>
+              </a:lnSpc>
+              <a:buFont typeface="Arial" panose="020B0604020202020204" pitchFamily="34" charset="0"/>
+              <a:buChar char="•"/>
+            </a:pPr>
+            <a:r>
+              <a:rPr lang="ru-RU" sz="2200" dirty="0">
+                <a:latin typeface="Times New Roman" panose="02020603050405020304" pitchFamily="18" charset="0"/>
+                <a:cs typeface="Times New Roman" panose="02020603050405020304" pitchFamily="18" charset="0"/>
+              </a:rPr>
+              <a:t>встроенные механизмы отказоустойчивости сервисов</a:t>
+            </a:r>
+            <a:r>
+              <a:rPr lang="en-US" sz="2200" dirty="0">
+                <a:latin typeface="Times New Roman" panose="02020603050405020304" pitchFamily="18" charset="0"/>
+                <a:cs typeface="Times New Roman" panose="02020603050405020304" pitchFamily="18" charset="0"/>
+              </a:rPr>
+              <a:t>.</a:t>
             </a:r>
           </a:p>
         </p:txBody>
@@ -11250,7 +9709,7 @@
         <p:spPr>
           <a:xfrm>
             <a:off x="454598" y="1412776"/>
-            <a:ext cx="8234804" cy="1385764"/>
+            <a:ext cx="8234804" cy="2401427"/>
           </a:xfrm>
           <a:prstGeom prst="rect">
             <a:avLst/>
@@ -11297,8 +9756,19 @@
                 <a:latin typeface="Times New Roman" panose="02020603050405020304" pitchFamily="18" charset="0"/>
                 <a:cs typeface="Times New Roman" panose="02020603050405020304" pitchFamily="18" charset="0"/>
               </a:rPr>
-              <a:t>аппаратная виртуализация</a:t>
-            </a:r>
+              <a:t>аппаратная виртуализация – виртуализация аппаратных средств</a:t>
+            </a:r>
+            <a:r>
+              <a:rPr lang="en-US" sz="2200" dirty="0">
+                <a:latin typeface="Times New Roman" panose="02020603050405020304" pitchFamily="18" charset="0"/>
+                <a:cs typeface="Times New Roman" panose="02020603050405020304" pitchFamily="18" charset="0"/>
+              </a:rPr>
+              <a:t>;</a:t>
+            </a:r>
+            <a:endParaRPr lang="ru-RU" sz="2200" dirty="0">
+              <a:latin typeface="Times New Roman" panose="02020603050405020304" pitchFamily="18" charset="0"/>
+              <a:cs typeface="Times New Roman" panose="02020603050405020304" pitchFamily="18" charset="0"/>
+            </a:endParaRPr>
           </a:p>
           <a:p>
             <a:pPr marL="914400" indent="-228600">
@@ -11315,10 +9785,27 @@
               </a:rPr>
               <a:t>контейнерная виртуализация</a:t>
             </a:r>
-            <a:endParaRPr lang="en-US" sz="2200" dirty="0">
-              <a:latin typeface="Times New Roman" panose="02020603050405020304" pitchFamily="18" charset="0"/>
-              <a:cs typeface="Times New Roman" panose="02020603050405020304" pitchFamily="18" charset="0"/>
-            </a:endParaRPr>
+            <a:r>
+              <a:rPr lang="en-US" sz="2200" dirty="0">
+                <a:latin typeface="Times New Roman" panose="02020603050405020304" pitchFamily="18" charset="0"/>
+                <a:cs typeface="Times New Roman" panose="02020603050405020304" pitchFamily="18" charset="0"/>
+              </a:rPr>
+              <a:t> –</a:t>
+            </a:r>
+            <a:r>
+              <a:rPr lang="ru-RU" sz="2200" dirty="0">
+                <a:latin typeface="Times New Roman" panose="02020603050405020304" pitchFamily="18" charset="0"/>
+                <a:cs typeface="Times New Roman" panose="02020603050405020304" pitchFamily="18" charset="0"/>
+              </a:rPr>
+              <a:t> виртуализация с общим ядром операционной системы</a:t>
+            </a:r>
+            <a:r>
+              <a:rPr lang="en-US" sz="2200" dirty="0">
+                <a:latin typeface="Times New Roman" panose="02020603050405020304" pitchFamily="18" charset="0"/>
+                <a:cs typeface="Times New Roman" panose="02020603050405020304" pitchFamily="18" charset="0"/>
+              </a:rPr>
+              <a:t>.</a:t>
+            </a:r>
           </a:p>
         </p:txBody>
       </p:sp>
@@ -11336,8 +9823,8 @@
         </p:nvSpPr>
         <p:spPr>
           <a:xfrm>
-            <a:off x="454598" y="3212976"/>
-            <a:ext cx="8234804" cy="1385764"/>
+            <a:off x="481030" y="4221088"/>
+            <a:ext cx="8234804" cy="1893595"/>
           </a:xfrm>
           <a:prstGeom prst="rect">
             <a:avLst/>
@@ -11384,7 +9871,21 @@
                 <a:latin typeface="Times New Roman" panose="02020603050405020304" pitchFamily="18" charset="0"/>
                 <a:cs typeface="Times New Roman" panose="02020603050405020304" pitchFamily="18" charset="0"/>
               </a:rPr>
-              <a:t>docker</a:t>
+              <a:t>docker – </a:t>
+            </a:r>
+            <a:r>
+              <a:rPr lang="ru-RU" sz="2200" dirty="0">
+                <a:latin typeface="Times New Roman" panose="02020603050405020304" pitchFamily="18" charset="0"/>
+                <a:cs typeface="Times New Roman" panose="02020603050405020304" pitchFamily="18" charset="0"/>
+              </a:rPr>
+              <a:t>подходит для виртуализации приложений</a:t>
+            </a:r>
+            <a:r>
+              <a:rPr lang="en-US" sz="2200" dirty="0">
+                <a:latin typeface="Times New Roman" panose="02020603050405020304" pitchFamily="18" charset="0"/>
+                <a:cs typeface="Times New Roman" panose="02020603050405020304" pitchFamily="18" charset="0"/>
+              </a:rPr>
+              <a:t>;</a:t>
             </a:r>
           </a:p>
           <a:p>
@@ -11407,7 +9908,21 @@
                 <a:latin typeface="Times New Roman" panose="02020603050405020304" pitchFamily="18" charset="0"/>
                 <a:cs typeface="Times New Roman" panose="02020603050405020304" pitchFamily="18" charset="0"/>
               </a:rPr>
-              <a:t> containers (LXC)</a:t>
+              <a:t> containers (LXC) – </a:t>
+            </a:r>
+            <a:r>
+              <a:rPr lang="ru-RU" sz="2200" dirty="0">
+                <a:latin typeface="Times New Roman" panose="02020603050405020304" pitchFamily="18" charset="0"/>
+                <a:cs typeface="Times New Roman" panose="02020603050405020304" pitchFamily="18" charset="0"/>
+              </a:rPr>
+              <a:t>подходит для виртуализации серверов</a:t>
+            </a:r>
+            <a:r>
+              <a:rPr lang="en-US" sz="2200" dirty="0">
+                <a:latin typeface="Times New Roman" panose="02020603050405020304" pitchFamily="18" charset="0"/>
+                <a:cs typeface="Times New Roman" panose="02020603050405020304" pitchFamily="18" charset="0"/>
+              </a:rPr>
+              <a:t>.</a:t>
             </a:r>
           </a:p>
         </p:txBody>
@@ -12090,6 +10605,31 @@
               </a:rPr>
               <a:t>Локальные подсети</a:t>
             </a:r>
+            <a:r>
+              <a:rPr lang="en-US" sz="2800" b="1" dirty="0">
+                <a:latin typeface="Times New Roman" pitchFamily="18" charset="0"/>
+                <a:cs typeface="Times New Roman" pitchFamily="18" charset="0"/>
+              </a:rPr>
+              <a:t> (</a:t>
+            </a:r>
+            <a:r>
+              <a:rPr lang="ru-RU" sz="2800" b="1" dirty="0">
+                <a:latin typeface="Times New Roman" pitchFamily="18" charset="0"/>
+                <a:cs typeface="Times New Roman" pitchFamily="18" charset="0"/>
+              </a:rPr>
+              <a:t>продолжение</a:t>
+            </a:r>
+            <a:r>
+              <a:rPr lang="en-US" sz="2800" b="1" dirty="0">
+                <a:latin typeface="Times New Roman" pitchFamily="18" charset="0"/>
+                <a:cs typeface="Times New Roman" pitchFamily="18" charset="0"/>
+              </a:rPr>
+              <a:t>)</a:t>
+            </a:r>
+            <a:endParaRPr lang="ru-RU" sz="2800" b="1" dirty="0">
+              <a:latin typeface="Times New Roman" pitchFamily="18" charset="0"/>
+              <a:cs typeface="Times New Roman" pitchFamily="18" charset="0"/>
+            </a:endParaRPr>
           </a:p>
         </p:txBody>
       </p:sp>

--- a/Diplom_Rakov.pptx
+++ b/Diplom_Rakov.pptx
@@ -14,25 +14,15 @@
     <p:sldId id="302" r:id="rId8"/>
     <p:sldId id="303" r:id="rId9"/>
     <p:sldId id="272" r:id="rId10"/>
-    <p:sldId id="271" r:id="rId11"/>
-    <p:sldId id="270" r:id="rId12"/>
-    <p:sldId id="275" r:id="rId13"/>
-    <p:sldId id="282" r:id="rId14"/>
-    <p:sldId id="283" r:id="rId15"/>
-    <p:sldId id="301" r:id="rId16"/>
-    <p:sldId id="288" r:id="rId17"/>
-    <p:sldId id="289" r:id="rId18"/>
-    <p:sldId id="290" r:id="rId19"/>
-    <p:sldId id="291" r:id="rId20"/>
-    <p:sldId id="292" r:id="rId21"/>
-    <p:sldId id="293" r:id="rId22"/>
-    <p:sldId id="295" r:id="rId23"/>
-    <p:sldId id="296" r:id="rId24"/>
-    <p:sldId id="297" r:id="rId25"/>
-    <p:sldId id="298" r:id="rId26"/>
-    <p:sldId id="299" r:id="rId27"/>
-    <p:sldId id="260" r:id="rId28"/>
-    <p:sldId id="265" r:id="rId29"/>
+    <p:sldId id="292" r:id="rId11"/>
+    <p:sldId id="293" r:id="rId12"/>
+    <p:sldId id="295" r:id="rId13"/>
+    <p:sldId id="296" r:id="rId14"/>
+    <p:sldId id="297" r:id="rId15"/>
+    <p:sldId id="298" r:id="rId16"/>
+    <p:sldId id="299" r:id="rId17"/>
+    <p:sldId id="260" r:id="rId18"/>
+    <p:sldId id="265" r:id="rId19"/>
   </p:sldIdLst>
   <p:sldSz cx="9144000" cy="6858000" type="screen4x3"/>
   <p:notesSz cx="6858000" cy="9144000"/>
@@ -3190,18 +3180,11 @@
               <a:t>: </a:t>
             </a:r>
             <a:r>
-              <a:rPr lang="ru-RU" dirty="0" err="1">
-                <a:latin typeface="Times New Roman" panose="02020603050405020304" pitchFamily="18" charset="0"/>
-                <a:cs typeface="Times New Roman" panose="02020603050405020304" pitchFamily="18" charset="0"/>
-              </a:rPr>
-              <a:t>Беседин</a:t>
-            </a:r>
-            <a:r>
               <a:rPr lang="ru-RU" dirty="0">
                 <a:latin typeface="Times New Roman" panose="02020603050405020304" pitchFamily="18" charset="0"/>
                 <a:cs typeface="Times New Roman" panose="02020603050405020304" pitchFamily="18" charset="0"/>
               </a:rPr>
-              <a:t> А.В.</a:t>
+              <a:t>Власова И.М.</a:t>
             </a:r>
             <a:endParaRPr lang="en-US" dirty="0">
               <a:latin typeface="Times New Roman" panose="02020603050405020304" pitchFamily="18" charset="0"/>
@@ -3215,7 +3198,7 @@
                 <a:latin typeface="Times New Roman" panose="02020603050405020304" pitchFamily="18" charset="0"/>
                 <a:cs typeface="Times New Roman" panose="02020603050405020304" pitchFamily="18" charset="0"/>
               </a:rPr>
-              <a:t>Выполнил: студент группы ЩАК0-01-20</a:t>
+              <a:t>Выполнил: студент группы ЩАК0-03-20</a:t>
             </a:r>
             <a:endParaRPr lang="en-US" dirty="0">
               <a:latin typeface="Times New Roman" panose="02020603050405020304" pitchFamily="18" charset="0"/>
@@ -3229,7 +3212,7 @@
                 <a:latin typeface="Times New Roman" panose="02020603050405020304" pitchFamily="18" charset="0"/>
                 <a:cs typeface="Times New Roman" panose="02020603050405020304" pitchFamily="18" charset="0"/>
               </a:rPr>
-              <a:t>Иванов И.И.</a:t>
+              <a:t>Раков И.В.</a:t>
             </a:r>
           </a:p>
         </p:txBody>
@@ -3673,11 +3656,11 @@
   <p:clrMapOvr>
     <a:masterClrMapping/>
   </p:clrMapOvr>
-  <mc:AlternateContent xmlns:mc="http://schemas.openxmlformats.org/markup-compatibility/2006" xmlns:p14="http://schemas.microsoft.com/office/powerpoint/2010/main">
-    <mc:Choice Requires="p14">
-      <p:transition p14:dur="0"/>
+  <mc:AlternateContent xmlns:mc="http://schemas.openxmlformats.org/markup-compatibility/2006">
+    <mc:Choice xmlns:p14="http://schemas.microsoft.com/office/powerpoint/2010/main" Requires="p14">
+      <p:transition p14:dur="10"/>
     </mc:Choice>
-    <mc:Fallback xmlns="">
+    <mc:Fallback>
       <p:transition/>
     </mc:Fallback>
   </mc:AlternateContent>
@@ -3685,3000 +3668,6 @@
 </file>
 
 <file path=ppt/slides/slide10.xml><?xml version="1.0" encoding="utf-8"?>
-<p:sld xmlns:a="http://schemas.openxmlformats.org/drawingml/2006/main" xmlns:r="http://schemas.openxmlformats.org/officeDocument/2006/relationships" xmlns:p="http://schemas.openxmlformats.org/presentationml/2006/main">
-  <p:cSld>
-    <p:spTree>
-      <p:nvGrpSpPr>
-        <p:cNvPr id="1" name=""/>
-        <p:cNvGrpSpPr/>
-        <p:nvPr/>
-      </p:nvGrpSpPr>
-      <p:grpSpPr>
-        <a:xfrm>
-          <a:off x="0" y="0"/>
-          <a:ext cx="0" cy="0"/>
-          <a:chOff x="0" y="0"/>
-          <a:chExt cx="0" cy="0"/>
-        </a:xfrm>
-      </p:grpSpPr>
-      <p:sp>
-        <p:nvSpPr>
-          <p:cNvPr id="2" name="Заголовок 1"/>
-          <p:cNvSpPr>
-            <a:spLocks noGrp="1"/>
-          </p:cNvSpPr>
-          <p:nvPr>
-            <p:ph type="title"/>
-          </p:nvPr>
-        </p:nvSpPr>
-        <p:spPr>
-          <a:xfrm>
-            <a:off x="628650" y="116632"/>
-            <a:ext cx="7886700" cy="543594"/>
-          </a:xfrm>
-        </p:spPr>
-        <p:txBody>
-          <a:bodyPr>
-            <a:normAutofit/>
-          </a:bodyPr>
-          <a:lstStyle/>
-          <a:p>
-            <a:pPr algn="ctr"/>
-            <a:r>
-              <a:rPr lang="ru-RU" sz="2800" b="1" dirty="0">
-                <a:latin typeface="Times New Roman" panose="02020603050405020304" pitchFamily="18" charset="0"/>
-                <a:cs typeface="Times New Roman" panose="02020603050405020304" pitchFamily="18" charset="0"/>
-              </a:rPr>
-              <a:t>Настройка кластера маршрутизаторов</a:t>
-            </a:r>
-            <a:endParaRPr lang="ru-RU" sz="2800" dirty="0">
-              <a:latin typeface="Times New Roman" panose="02020603050405020304" pitchFamily="18" charset="0"/>
-              <a:cs typeface="Times New Roman" panose="02020603050405020304" pitchFamily="18" charset="0"/>
-            </a:endParaRPr>
-          </a:p>
-        </p:txBody>
-      </p:sp>
-      <p:pic>
-        <p:nvPicPr>
-          <p:cNvPr id="1026" name="Picture 2">
-            <a:extLst>
-              <a:ext uri="{FF2B5EF4-FFF2-40B4-BE49-F238E27FC236}">
-                <a16:creationId xmlns:a16="http://schemas.microsoft.com/office/drawing/2014/main" id="{1C6E1A02-F2F2-791A-A449-75C81C3DD1EB}"/>
-              </a:ext>
-            </a:extLst>
-          </p:cNvPr>
-          <p:cNvPicPr>
-            <a:picLocks noChangeAspect="1" noChangeArrowheads="1"/>
-          </p:cNvPicPr>
-          <p:nvPr/>
-        </p:nvPicPr>
-        <p:blipFill>
-          <a:blip r:embed="rId2">
-            <a:extLst>
-              <a:ext uri="{28A0092B-C50C-407E-A947-70E740481C1C}">
-                <a14:useLocalDpi xmlns:a14="http://schemas.microsoft.com/office/drawing/2010/main" val="0"/>
-              </a:ext>
-            </a:extLst>
-          </a:blip>
-          <a:srcRect/>
-          <a:stretch>
-            <a:fillRect/>
-          </a:stretch>
-        </p:blipFill>
-        <p:spPr bwMode="auto">
-          <a:xfrm>
-            <a:off x="1959398" y="1280761"/>
-            <a:ext cx="5040560" cy="5460607"/>
-          </a:xfrm>
-          <a:prstGeom prst="rect">
-            <a:avLst/>
-          </a:prstGeom>
-          <a:noFill/>
-          <a:ln>
-            <a:noFill/>
-          </a:ln>
-          <a:extLst>
-            <a:ext uri="{909E8E84-426E-40DD-AFC4-6F175D3DCCD1}">
-              <a14:hiddenFill xmlns:a14="http://schemas.microsoft.com/office/drawing/2010/main">
-                <a:solidFill>
-                  <a:srgbClr val="FFFFFF"/>
-                </a:solidFill>
-              </a14:hiddenFill>
-            </a:ext>
-            <a:ext uri="{91240B29-F687-4F45-9708-019B960494DF}">
-              <a14:hiddenLine xmlns:a14="http://schemas.microsoft.com/office/drawing/2010/main" w="9525">
-                <a:solidFill>
-                  <a:srgbClr val="000000"/>
-                </a:solidFill>
-                <a:miter lim="800000"/>
-                <a:headEnd/>
-                <a:tailEnd/>
-              </a14:hiddenLine>
-            </a:ext>
-          </a:extLst>
-        </p:spPr>
-      </p:pic>
-      <p:sp>
-        <p:nvSpPr>
-          <p:cNvPr id="3" name="TextBox 2">
-            <a:extLst>
-              <a:ext uri="{FF2B5EF4-FFF2-40B4-BE49-F238E27FC236}">
-                <a16:creationId xmlns:a16="http://schemas.microsoft.com/office/drawing/2014/main" id="{C88388BB-078E-5D52-B1E9-CCC43E3CFD59}"/>
-              </a:ext>
-            </a:extLst>
-          </p:cNvPr>
-          <p:cNvSpPr txBox="1"/>
-          <p:nvPr/>
-        </p:nvSpPr>
-        <p:spPr>
-          <a:xfrm>
-            <a:off x="2716780" y="767914"/>
-            <a:ext cx="3710439" cy="430887"/>
-          </a:xfrm>
-          <a:prstGeom prst="rect">
-            <a:avLst/>
-          </a:prstGeom>
-          <a:noFill/>
-        </p:spPr>
-        <p:txBody>
-          <a:bodyPr wrap="none" rtlCol="0">
-            <a:spAutoFit/>
-          </a:bodyPr>
-          <a:lstStyle/>
-          <a:p>
-            <a:r>
-              <a:rPr lang="ru-RU" sz="2200" dirty="0">
-                <a:latin typeface="Times New Roman" panose="02020603050405020304" pitchFamily="18" charset="0"/>
-                <a:cs typeface="Times New Roman" panose="02020603050405020304" pitchFamily="18" charset="0"/>
-              </a:rPr>
-              <a:t>Настройка </a:t>
-            </a:r>
-            <a:r>
-              <a:rPr lang="en-US" sz="2200" dirty="0">
-                <a:latin typeface="Times New Roman" panose="02020603050405020304" pitchFamily="18" charset="0"/>
-                <a:cs typeface="Times New Roman" panose="02020603050405020304" pitchFamily="18" charset="0"/>
-              </a:rPr>
-              <a:t>bond</a:t>
-            </a:r>
-            <a:r>
-              <a:rPr lang="ru-RU" sz="2200" dirty="0">
-                <a:latin typeface="Times New Roman" panose="02020603050405020304" pitchFamily="18" charset="0"/>
-                <a:cs typeface="Times New Roman" panose="02020603050405020304" pitchFamily="18" charset="0"/>
-              </a:rPr>
-              <a:t> интерфейсов</a:t>
-            </a:r>
-            <a:endParaRPr lang="en-US" sz="2200" dirty="0"/>
-          </a:p>
-        </p:txBody>
-      </p:sp>
-    </p:spTree>
-    <p:extLst>
-      <p:ext uri="{BB962C8B-B14F-4D97-AF65-F5344CB8AC3E}">
-        <p14:creationId xmlns:p14="http://schemas.microsoft.com/office/powerpoint/2010/main" val="553810069"/>
-      </p:ext>
-    </p:extLst>
-  </p:cSld>
-  <p:clrMapOvr>
-    <a:masterClrMapping/>
-  </p:clrMapOvr>
-  <p:transition>
-    <p:push dir="u"/>
-  </p:transition>
-</p:sld>
-</file>
-
-<file path=ppt/slides/slide11.xml><?xml version="1.0" encoding="utf-8"?>
-<p:sld xmlns:a="http://schemas.openxmlformats.org/drawingml/2006/main" xmlns:r="http://schemas.openxmlformats.org/officeDocument/2006/relationships" xmlns:p="http://schemas.openxmlformats.org/presentationml/2006/main">
-  <p:cSld>
-    <p:spTree>
-      <p:nvGrpSpPr>
-        <p:cNvPr id="1" name=""/>
-        <p:cNvGrpSpPr/>
-        <p:nvPr/>
-      </p:nvGrpSpPr>
-      <p:grpSpPr>
-        <a:xfrm>
-          <a:off x="0" y="0"/>
-          <a:ext cx="0" cy="0"/>
-          <a:chOff x="0" y="0"/>
-          <a:chExt cx="0" cy="0"/>
-        </a:xfrm>
-      </p:grpSpPr>
-      <p:sp>
-        <p:nvSpPr>
-          <p:cNvPr id="2" name="Заголовок 1"/>
-          <p:cNvSpPr>
-            <a:spLocks noGrp="1"/>
-          </p:cNvSpPr>
-          <p:nvPr>
-            <p:ph type="title"/>
-          </p:nvPr>
-        </p:nvSpPr>
-        <p:spPr>
-          <a:xfrm>
-            <a:off x="628650" y="260648"/>
-            <a:ext cx="7886700" cy="471586"/>
-          </a:xfrm>
-        </p:spPr>
-        <p:txBody>
-          <a:bodyPr>
-            <a:noAutofit/>
-          </a:bodyPr>
-          <a:lstStyle/>
-          <a:p>
-            <a:pPr algn="ctr"/>
-            <a:r>
-              <a:rPr lang="ru-RU" sz="2800" b="1" dirty="0">
-                <a:latin typeface="Times New Roman" panose="02020603050405020304" pitchFamily="18" charset="0"/>
-                <a:cs typeface="Times New Roman" panose="02020603050405020304" pitchFamily="18" charset="0"/>
-              </a:rPr>
-              <a:t>Настройка кластера маршрутизаторов</a:t>
-            </a:r>
-          </a:p>
-        </p:txBody>
-      </p:sp>
-      <p:pic>
-        <p:nvPicPr>
-          <p:cNvPr id="2050" name="Рисунок 1">
-            <a:extLst>
-              <a:ext uri="{FF2B5EF4-FFF2-40B4-BE49-F238E27FC236}">
-                <a16:creationId xmlns:a16="http://schemas.microsoft.com/office/drawing/2014/main" id="{F8919C89-1B77-96FC-1628-61B11FE3C170}"/>
-              </a:ext>
-            </a:extLst>
-          </p:cNvPr>
-          <p:cNvPicPr>
-            <a:picLocks noChangeAspect="1" noChangeArrowheads="1"/>
-          </p:cNvPicPr>
-          <p:nvPr/>
-        </p:nvPicPr>
-        <p:blipFill>
-          <a:blip r:embed="rId2">
-            <a:extLst>
-              <a:ext uri="{28A0092B-C50C-407E-A947-70E740481C1C}">
-                <a14:useLocalDpi xmlns:a14="http://schemas.microsoft.com/office/drawing/2010/main" val="0"/>
-              </a:ext>
-            </a:extLst>
-          </a:blip>
-          <a:srcRect/>
-          <a:stretch>
-            <a:fillRect/>
-          </a:stretch>
-        </p:blipFill>
-        <p:spPr bwMode="auto">
-          <a:xfrm>
-            <a:off x="169656" y="1580828"/>
-            <a:ext cx="4402344" cy="3096344"/>
-          </a:xfrm>
-          <a:prstGeom prst="rect">
-            <a:avLst/>
-          </a:prstGeom>
-          <a:noFill/>
-          <a:ln>
-            <a:noFill/>
-          </a:ln>
-          <a:extLst>
-            <a:ext uri="{909E8E84-426E-40DD-AFC4-6F175D3DCCD1}">
-              <a14:hiddenFill xmlns:a14="http://schemas.microsoft.com/office/drawing/2010/main">
-                <a:solidFill>
-                  <a:srgbClr val="FFFFFF"/>
-                </a:solidFill>
-              </a14:hiddenFill>
-            </a:ext>
-            <a:ext uri="{91240B29-F687-4F45-9708-019B960494DF}">
-              <a14:hiddenLine xmlns:a14="http://schemas.microsoft.com/office/drawing/2010/main" w="9525">
-                <a:solidFill>
-                  <a:srgbClr val="000000"/>
-                </a:solidFill>
-                <a:miter lim="800000"/>
-                <a:headEnd/>
-                <a:tailEnd/>
-              </a14:hiddenLine>
-            </a:ext>
-          </a:extLst>
-        </p:spPr>
-      </p:pic>
-      <p:pic>
-        <p:nvPicPr>
-          <p:cNvPr id="2051" name="Рисунок 1">
-            <a:extLst>
-              <a:ext uri="{FF2B5EF4-FFF2-40B4-BE49-F238E27FC236}">
-                <a16:creationId xmlns:a16="http://schemas.microsoft.com/office/drawing/2014/main" id="{41EB64DB-83C2-C84B-D25E-3A9B658CA862}"/>
-              </a:ext>
-            </a:extLst>
-          </p:cNvPr>
-          <p:cNvPicPr>
-            <a:picLocks noChangeAspect="1" noChangeArrowheads="1"/>
-          </p:cNvPicPr>
-          <p:nvPr/>
-        </p:nvPicPr>
-        <p:blipFill>
-          <a:blip r:embed="rId3">
-            <a:extLst>
-              <a:ext uri="{28A0092B-C50C-407E-A947-70E740481C1C}">
-                <a14:useLocalDpi xmlns:a14="http://schemas.microsoft.com/office/drawing/2010/main" val="0"/>
-              </a:ext>
-            </a:extLst>
-          </a:blip>
-          <a:srcRect/>
-          <a:stretch>
-            <a:fillRect/>
-          </a:stretch>
-        </p:blipFill>
-        <p:spPr bwMode="auto">
-          <a:xfrm>
-            <a:off x="4644007" y="1580828"/>
-            <a:ext cx="4333153" cy="3096345"/>
-          </a:xfrm>
-          <a:prstGeom prst="rect">
-            <a:avLst/>
-          </a:prstGeom>
-          <a:noFill/>
-          <a:ln>
-            <a:noFill/>
-          </a:ln>
-          <a:extLst>
-            <a:ext uri="{909E8E84-426E-40DD-AFC4-6F175D3DCCD1}">
-              <a14:hiddenFill xmlns:a14="http://schemas.microsoft.com/office/drawing/2010/main">
-                <a:solidFill>
-                  <a:srgbClr val="FFFFFF"/>
-                </a:solidFill>
-              </a14:hiddenFill>
-            </a:ext>
-            <a:ext uri="{91240B29-F687-4F45-9708-019B960494DF}">
-              <a14:hiddenLine xmlns:a14="http://schemas.microsoft.com/office/drawing/2010/main" w="9525">
-                <a:solidFill>
-                  <a:srgbClr val="000000"/>
-                </a:solidFill>
-                <a:miter lim="800000"/>
-                <a:headEnd/>
-                <a:tailEnd/>
-              </a14:hiddenLine>
-            </a:ext>
-          </a:extLst>
-        </p:spPr>
-      </p:pic>
-      <p:sp>
-        <p:nvSpPr>
-          <p:cNvPr id="6" name="TextBox 5">
-            <a:extLst>
-              <a:ext uri="{FF2B5EF4-FFF2-40B4-BE49-F238E27FC236}">
-                <a16:creationId xmlns:a16="http://schemas.microsoft.com/office/drawing/2014/main" id="{552C6F1B-E1B1-3450-5296-143D07718F5C}"/>
-              </a:ext>
-            </a:extLst>
-          </p:cNvPr>
-          <p:cNvSpPr txBox="1"/>
-          <p:nvPr/>
-        </p:nvSpPr>
-        <p:spPr>
-          <a:xfrm>
-            <a:off x="2712645" y="925247"/>
-            <a:ext cx="3862724" cy="430887"/>
-          </a:xfrm>
-          <a:prstGeom prst="rect">
-            <a:avLst/>
-          </a:prstGeom>
-          <a:noFill/>
-        </p:spPr>
-        <p:txBody>
-          <a:bodyPr wrap="none" rtlCol="0">
-            <a:spAutoFit/>
-          </a:bodyPr>
-          <a:lstStyle/>
-          <a:p>
-            <a:r>
-              <a:rPr lang="ru-RU" sz="2200" dirty="0">
-                <a:latin typeface="Times New Roman" panose="02020603050405020304" pitchFamily="18" charset="0"/>
-                <a:cs typeface="Times New Roman" panose="02020603050405020304" pitchFamily="18" charset="0"/>
-              </a:rPr>
-              <a:t>Настройка</a:t>
-            </a:r>
-            <a:r>
-              <a:rPr lang="en-US" sz="2200" dirty="0">
-                <a:latin typeface="Times New Roman" panose="02020603050405020304" pitchFamily="18" charset="0"/>
-                <a:cs typeface="Times New Roman" panose="02020603050405020304" pitchFamily="18" charset="0"/>
-              </a:rPr>
-              <a:t> </a:t>
-            </a:r>
-            <a:r>
-              <a:rPr lang="ru-RU" sz="2200" dirty="0">
-                <a:latin typeface="Times New Roman" panose="02020603050405020304" pitchFamily="18" charset="0"/>
-                <a:cs typeface="Times New Roman" panose="02020603050405020304" pitchFamily="18" charset="0"/>
-              </a:rPr>
-              <a:t>кластера </a:t>
-            </a:r>
-            <a:r>
-              <a:rPr lang="en-US" sz="2200" dirty="0" err="1">
-                <a:latin typeface="Times New Roman" panose="02020603050405020304" pitchFamily="18" charset="0"/>
-                <a:cs typeface="Times New Roman" panose="02020603050405020304" pitchFamily="18" charset="0"/>
-              </a:rPr>
-              <a:t>keepalived</a:t>
-            </a:r>
-            <a:endParaRPr lang="en-US" sz="2200" dirty="0"/>
-          </a:p>
-        </p:txBody>
-      </p:sp>
-    </p:spTree>
-    <p:extLst>
-      <p:ext uri="{BB962C8B-B14F-4D97-AF65-F5344CB8AC3E}">
-        <p14:creationId xmlns:p14="http://schemas.microsoft.com/office/powerpoint/2010/main" val="2914699682"/>
-      </p:ext>
-    </p:extLst>
-  </p:cSld>
-  <p:clrMapOvr>
-    <a:masterClrMapping/>
-  </p:clrMapOvr>
-  <p:transition>
-    <p:push dir="u"/>
-  </p:transition>
-</p:sld>
-</file>
-
-<file path=ppt/slides/slide12.xml><?xml version="1.0" encoding="utf-8"?>
-<p:sld xmlns:a="http://schemas.openxmlformats.org/drawingml/2006/main" xmlns:r="http://schemas.openxmlformats.org/officeDocument/2006/relationships" xmlns:p="http://schemas.openxmlformats.org/presentationml/2006/main">
-  <p:cSld>
-    <p:spTree>
-      <p:nvGrpSpPr>
-        <p:cNvPr id="1" name=""/>
-        <p:cNvGrpSpPr/>
-        <p:nvPr/>
-      </p:nvGrpSpPr>
-      <p:grpSpPr>
-        <a:xfrm>
-          <a:off x="0" y="0"/>
-          <a:ext cx="0" cy="0"/>
-          <a:chOff x="0" y="0"/>
-          <a:chExt cx="0" cy="0"/>
-        </a:xfrm>
-      </p:grpSpPr>
-      <p:sp>
-        <p:nvSpPr>
-          <p:cNvPr id="3" name="Заголовок 1">
-            <a:extLst>
-              <a:ext uri="{FF2B5EF4-FFF2-40B4-BE49-F238E27FC236}">
-                <a16:creationId xmlns:a16="http://schemas.microsoft.com/office/drawing/2014/main" id="{5F5F565D-21AE-2129-3A8D-F7B449234509}"/>
-              </a:ext>
-            </a:extLst>
-          </p:cNvPr>
-          <p:cNvSpPr txBox="1">
-            <a:spLocks/>
-          </p:cNvSpPr>
-          <p:nvPr/>
-        </p:nvSpPr>
-        <p:spPr>
-          <a:xfrm>
-            <a:off x="628649" y="116632"/>
-            <a:ext cx="7886700" cy="471586"/>
-          </a:xfrm>
-          <a:prstGeom prst="rect">
-            <a:avLst/>
-          </a:prstGeom>
-        </p:spPr>
-        <p:txBody>
-          <a:bodyPr vert="horz" lIns="91440" tIns="45720" rIns="91440" bIns="45720" rtlCol="0" anchor="ctr">
-            <a:noAutofit/>
-          </a:bodyPr>
-          <a:lstStyle>
-            <a:lvl1pPr algn="l" defTabSz="685800" rtl="0" eaLnBrk="1" latinLnBrk="0" hangingPunct="1">
-              <a:lnSpc>
-                <a:spcPct val="90000"/>
-              </a:lnSpc>
-              <a:spcBef>
-                <a:spcPct val="0"/>
-              </a:spcBef>
-              <a:buNone/>
-              <a:defRPr sz="3300" kern="1200">
-                <a:solidFill>
-                  <a:schemeClr val="tx1"/>
-                </a:solidFill>
-                <a:latin typeface="+mj-lt"/>
-                <a:ea typeface="+mj-ea"/>
-                <a:cs typeface="+mj-cs"/>
-              </a:defRPr>
-            </a:lvl1pPr>
-          </a:lstStyle>
-          <a:p>
-            <a:pPr algn="ctr"/>
-            <a:r>
-              <a:rPr lang="ru-RU" sz="2800" b="1" dirty="0">
-                <a:latin typeface="Times New Roman" panose="02020603050405020304" pitchFamily="18" charset="0"/>
-                <a:cs typeface="Times New Roman" panose="02020603050405020304" pitchFamily="18" charset="0"/>
-              </a:rPr>
-              <a:t>Настройка кластера маршрутизаторов</a:t>
-            </a:r>
-          </a:p>
-        </p:txBody>
-      </p:sp>
-      <p:pic>
-        <p:nvPicPr>
-          <p:cNvPr id="5122" name="Рисунок 1">
-            <a:extLst>
-              <a:ext uri="{FF2B5EF4-FFF2-40B4-BE49-F238E27FC236}">
-                <a16:creationId xmlns:a16="http://schemas.microsoft.com/office/drawing/2014/main" id="{7B48B4D9-4A6E-D483-7597-EFCEE2920876}"/>
-              </a:ext>
-            </a:extLst>
-          </p:cNvPr>
-          <p:cNvPicPr>
-            <a:picLocks noChangeAspect="1" noChangeArrowheads="1"/>
-          </p:cNvPicPr>
-          <p:nvPr/>
-        </p:nvPicPr>
-        <p:blipFill>
-          <a:blip r:embed="rId2">
-            <a:extLst>
-              <a:ext uri="{28A0092B-C50C-407E-A947-70E740481C1C}">
-                <a14:useLocalDpi xmlns:a14="http://schemas.microsoft.com/office/drawing/2010/main" val="0"/>
-              </a:ext>
-            </a:extLst>
-          </a:blip>
-          <a:srcRect/>
-          <a:stretch>
-            <a:fillRect/>
-          </a:stretch>
-        </p:blipFill>
-        <p:spPr bwMode="auto">
-          <a:xfrm>
-            <a:off x="179512" y="3235227"/>
-            <a:ext cx="4248472" cy="2315954"/>
-          </a:xfrm>
-          <a:prstGeom prst="rect">
-            <a:avLst/>
-          </a:prstGeom>
-          <a:noFill/>
-          <a:ln>
-            <a:noFill/>
-          </a:ln>
-          <a:extLst>
-            <a:ext uri="{909E8E84-426E-40DD-AFC4-6F175D3DCCD1}">
-              <a14:hiddenFill xmlns:a14="http://schemas.microsoft.com/office/drawing/2010/main">
-                <a:solidFill>
-                  <a:srgbClr val="FFFFFF"/>
-                </a:solidFill>
-              </a14:hiddenFill>
-            </a:ext>
-            <a:ext uri="{91240B29-F687-4F45-9708-019B960494DF}">
-              <a14:hiddenLine xmlns:a14="http://schemas.microsoft.com/office/drawing/2010/main" w="9525">
-                <a:solidFill>
-                  <a:srgbClr val="000000"/>
-                </a:solidFill>
-                <a:miter lim="800000"/>
-                <a:headEnd/>
-                <a:tailEnd/>
-              </a14:hiddenLine>
-            </a:ext>
-          </a:extLst>
-        </p:spPr>
-      </p:pic>
-      <p:pic>
-        <p:nvPicPr>
-          <p:cNvPr id="2" name="Рисунок 1">
-            <a:extLst>
-              <a:ext uri="{FF2B5EF4-FFF2-40B4-BE49-F238E27FC236}">
-                <a16:creationId xmlns:a16="http://schemas.microsoft.com/office/drawing/2014/main" id="{09465F09-6E04-5192-33E3-89A2F4B40BB1}"/>
-              </a:ext>
-            </a:extLst>
-          </p:cNvPr>
-          <p:cNvPicPr>
-            <a:picLocks noChangeAspect="1" noChangeArrowheads="1"/>
-          </p:cNvPicPr>
-          <p:nvPr/>
-        </p:nvPicPr>
-        <p:blipFill>
-          <a:blip r:embed="rId3">
-            <a:extLst>
-              <a:ext uri="{28A0092B-C50C-407E-A947-70E740481C1C}">
-                <a14:useLocalDpi xmlns:a14="http://schemas.microsoft.com/office/drawing/2010/main" val="0"/>
-              </a:ext>
-            </a:extLst>
-          </a:blip>
-          <a:srcRect/>
-          <a:stretch>
-            <a:fillRect/>
-          </a:stretch>
-        </p:blipFill>
-        <p:spPr bwMode="auto">
-          <a:xfrm>
-            <a:off x="4454085" y="1285858"/>
-            <a:ext cx="4510403" cy="4286283"/>
-          </a:xfrm>
-          <a:prstGeom prst="rect">
-            <a:avLst/>
-          </a:prstGeom>
-          <a:noFill/>
-          <a:ln>
-            <a:noFill/>
-          </a:ln>
-          <a:extLst>
-            <a:ext uri="{909E8E84-426E-40DD-AFC4-6F175D3DCCD1}">
-              <a14:hiddenFill xmlns:a14="http://schemas.microsoft.com/office/drawing/2010/main">
-                <a:solidFill>
-                  <a:srgbClr val="FFFFFF"/>
-                </a:solidFill>
-              </a14:hiddenFill>
-            </a:ext>
-            <a:ext uri="{91240B29-F687-4F45-9708-019B960494DF}">
-              <a14:hiddenLine xmlns:a14="http://schemas.microsoft.com/office/drawing/2010/main" w="9525">
-                <a:solidFill>
-                  <a:srgbClr val="000000"/>
-                </a:solidFill>
-                <a:miter lim="800000"/>
-                <a:headEnd/>
-                <a:tailEnd/>
-              </a14:hiddenLine>
-            </a:ext>
-          </a:extLst>
-        </p:spPr>
-      </p:pic>
-      <p:sp>
-        <p:nvSpPr>
-          <p:cNvPr id="4" name="TextBox 3">
-            <a:extLst>
-              <a:ext uri="{FF2B5EF4-FFF2-40B4-BE49-F238E27FC236}">
-                <a16:creationId xmlns:a16="http://schemas.microsoft.com/office/drawing/2014/main" id="{C09EB5DD-8E6F-027E-8F7B-C0E2C4A2E332}"/>
-              </a:ext>
-            </a:extLst>
-          </p:cNvPr>
-          <p:cNvSpPr txBox="1"/>
-          <p:nvPr/>
-        </p:nvSpPr>
-        <p:spPr>
-          <a:xfrm>
-            <a:off x="446316" y="1988840"/>
-            <a:ext cx="3714863" cy="430887"/>
-          </a:xfrm>
-          <a:prstGeom prst="rect">
-            <a:avLst/>
-          </a:prstGeom>
-          <a:noFill/>
-        </p:spPr>
-        <p:txBody>
-          <a:bodyPr wrap="none" rtlCol="0">
-            <a:spAutoFit/>
-          </a:bodyPr>
-          <a:lstStyle/>
-          <a:p>
-            <a:r>
-              <a:rPr lang="ru-RU" sz="2200" dirty="0">
-                <a:latin typeface="Times New Roman" panose="02020603050405020304" pitchFamily="18" charset="0"/>
-                <a:cs typeface="Times New Roman" panose="02020603050405020304" pitchFamily="18" charset="0"/>
-              </a:rPr>
-              <a:t>Настройка пакета </a:t>
-            </a:r>
-            <a:r>
-              <a:rPr lang="en-US" sz="2200" dirty="0">
-                <a:latin typeface="Times New Roman" panose="02020603050405020304" pitchFamily="18" charset="0"/>
-                <a:cs typeface="Times New Roman" panose="02020603050405020304" pitchFamily="18" charset="0"/>
-              </a:rPr>
-              <a:t>net-monitor</a:t>
-            </a:r>
-            <a:endParaRPr lang="en-US" sz="2200" dirty="0"/>
-          </a:p>
-        </p:txBody>
-      </p:sp>
-    </p:spTree>
-    <p:extLst>
-      <p:ext uri="{BB962C8B-B14F-4D97-AF65-F5344CB8AC3E}">
-        <p14:creationId xmlns:p14="http://schemas.microsoft.com/office/powerpoint/2010/main" val="2917901199"/>
-      </p:ext>
-    </p:extLst>
-  </p:cSld>
-  <p:clrMapOvr>
-    <a:masterClrMapping/>
-  </p:clrMapOvr>
-  <p:transition>
-    <p:push dir="u"/>
-  </p:transition>
-</p:sld>
-</file>
-
-<file path=ppt/slides/slide13.xml><?xml version="1.0" encoding="utf-8"?>
-<p:sld xmlns:a="http://schemas.openxmlformats.org/drawingml/2006/main" xmlns:r="http://schemas.openxmlformats.org/officeDocument/2006/relationships" xmlns:p="http://schemas.openxmlformats.org/presentationml/2006/main">
-  <p:cSld>
-    <p:spTree>
-      <p:nvGrpSpPr>
-        <p:cNvPr id="1" name=""/>
-        <p:cNvGrpSpPr/>
-        <p:nvPr/>
-      </p:nvGrpSpPr>
-      <p:grpSpPr>
-        <a:xfrm>
-          <a:off x="0" y="0"/>
-          <a:ext cx="0" cy="0"/>
-          <a:chOff x="0" y="0"/>
-          <a:chExt cx="0" cy="0"/>
-        </a:xfrm>
-      </p:grpSpPr>
-      <p:sp>
-        <p:nvSpPr>
-          <p:cNvPr id="3" name="Заголовок 1">
-            <a:extLst>
-              <a:ext uri="{FF2B5EF4-FFF2-40B4-BE49-F238E27FC236}">
-                <a16:creationId xmlns:a16="http://schemas.microsoft.com/office/drawing/2014/main" id="{5F5F565D-21AE-2129-3A8D-F7B449234509}"/>
-              </a:ext>
-            </a:extLst>
-          </p:cNvPr>
-          <p:cNvSpPr txBox="1">
-            <a:spLocks/>
-          </p:cNvSpPr>
-          <p:nvPr/>
-        </p:nvSpPr>
-        <p:spPr>
-          <a:xfrm>
-            <a:off x="628650" y="345513"/>
-            <a:ext cx="7886700" cy="471586"/>
-          </a:xfrm>
-          <a:prstGeom prst="rect">
-            <a:avLst/>
-          </a:prstGeom>
-        </p:spPr>
-        <p:txBody>
-          <a:bodyPr vert="horz" lIns="91440" tIns="45720" rIns="91440" bIns="45720" rtlCol="0" anchor="ctr">
-            <a:noAutofit/>
-          </a:bodyPr>
-          <a:lstStyle>
-            <a:lvl1pPr algn="l" defTabSz="685800" rtl="0" eaLnBrk="1" latinLnBrk="0" hangingPunct="1">
-              <a:lnSpc>
-                <a:spcPct val="90000"/>
-              </a:lnSpc>
-              <a:spcBef>
-                <a:spcPct val="0"/>
-              </a:spcBef>
-              <a:buNone/>
-              <a:defRPr sz="3300" kern="1200">
-                <a:solidFill>
-                  <a:schemeClr val="tx1"/>
-                </a:solidFill>
-                <a:latin typeface="+mj-lt"/>
-                <a:ea typeface="+mj-ea"/>
-                <a:cs typeface="+mj-cs"/>
-              </a:defRPr>
-            </a:lvl1pPr>
-          </a:lstStyle>
-          <a:p>
-            <a:pPr algn="ctr"/>
-            <a:r>
-              <a:rPr lang="ru-RU" sz="2800" b="1" dirty="0">
-                <a:latin typeface="Times New Roman" panose="02020603050405020304" pitchFamily="18" charset="0"/>
-                <a:cs typeface="Times New Roman" panose="02020603050405020304" pitchFamily="18" charset="0"/>
-              </a:rPr>
-              <a:t>Настройка кластера маршрутизаторов</a:t>
-            </a:r>
-          </a:p>
-        </p:txBody>
-      </p:sp>
-      <p:pic>
-        <p:nvPicPr>
-          <p:cNvPr id="10242" name="Рисунок 1">
-            <a:extLst>
-              <a:ext uri="{FF2B5EF4-FFF2-40B4-BE49-F238E27FC236}">
-                <a16:creationId xmlns:a16="http://schemas.microsoft.com/office/drawing/2014/main" id="{5FB9BBBC-78F5-D029-2A0E-F787A24953C9}"/>
-              </a:ext>
-            </a:extLst>
-          </p:cNvPr>
-          <p:cNvPicPr>
-            <a:picLocks noChangeAspect="1" noChangeArrowheads="1"/>
-          </p:cNvPicPr>
-          <p:nvPr/>
-        </p:nvPicPr>
-        <p:blipFill>
-          <a:blip r:embed="rId2">
-            <a:extLst>
-              <a:ext uri="{28A0092B-C50C-407E-A947-70E740481C1C}">
-                <a14:useLocalDpi xmlns:a14="http://schemas.microsoft.com/office/drawing/2010/main" val="0"/>
-              </a:ext>
-            </a:extLst>
-          </a:blip>
-          <a:srcRect/>
-          <a:stretch>
-            <a:fillRect/>
-          </a:stretch>
-        </p:blipFill>
-        <p:spPr bwMode="auto">
-          <a:xfrm>
-            <a:off x="2805112" y="1704342"/>
-            <a:ext cx="3533775" cy="2838450"/>
-          </a:xfrm>
-          <a:prstGeom prst="rect">
-            <a:avLst/>
-          </a:prstGeom>
-          <a:noFill/>
-          <a:ln>
-            <a:noFill/>
-          </a:ln>
-          <a:extLst>
-            <a:ext uri="{909E8E84-426E-40DD-AFC4-6F175D3DCCD1}">
-              <a14:hiddenFill xmlns:a14="http://schemas.microsoft.com/office/drawing/2010/main">
-                <a:solidFill>
-                  <a:srgbClr val="FFFFFF"/>
-                </a:solidFill>
-              </a14:hiddenFill>
-            </a:ext>
-            <a:ext uri="{91240B29-F687-4F45-9708-019B960494DF}">
-              <a14:hiddenLine xmlns:a14="http://schemas.microsoft.com/office/drawing/2010/main" w="9525">
-                <a:solidFill>
-                  <a:srgbClr val="000000"/>
-                </a:solidFill>
-                <a:miter lim="800000"/>
-                <a:headEnd/>
-                <a:tailEnd/>
-              </a14:hiddenLine>
-            </a:ext>
-          </a:extLst>
-        </p:spPr>
-      </p:pic>
-      <p:pic>
-        <p:nvPicPr>
-          <p:cNvPr id="10243" name="Picture 3">
-            <a:extLst>
-              <a:ext uri="{FF2B5EF4-FFF2-40B4-BE49-F238E27FC236}">
-                <a16:creationId xmlns:a16="http://schemas.microsoft.com/office/drawing/2014/main" id="{B96C1D6B-3CEF-C1C1-0944-C1BC09842255}"/>
-              </a:ext>
-            </a:extLst>
-          </p:cNvPr>
-          <p:cNvPicPr>
-            <a:picLocks noChangeAspect="1" noChangeArrowheads="1"/>
-          </p:cNvPicPr>
-          <p:nvPr/>
-        </p:nvPicPr>
-        <p:blipFill>
-          <a:blip r:embed="rId3">
-            <a:extLst>
-              <a:ext uri="{28A0092B-C50C-407E-A947-70E740481C1C}">
-                <a14:useLocalDpi xmlns:a14="http://schemas.microsoft.com/office/drawing/2010/main" val="0"/>
-              </a:ext>
-            </a:extLst>
-          </a:blip>
-          <a:srcRect/>
-          <a:stretch>
-            <a:fillRect/>
-          </a:stretch>
-        </p:blipFill>
-        <p:spPr bwMode="auto">
-          <a:xfrm>
-            <a:off x="785034" y="4653136"/>
-            <a:ext cx="7573932" cy="936104"/>
-          </a:xfrm>
-          <a:prstGeom prst="rect">
-            <a:avLst/>
-          </a:prstGeom>
-          <a:noFill/>
-          <a:ln>
-            <a:noFill/>
-          </a:ln>
-          <a:extLst>
-            <a:ext uri="{909E8E84-426E-40DD-AFC4-6F175D3DCCD1}">
-              <a14:hiddenFill xmlns:a14="http://schemas.microsoft.com/office/drawing/2010/main">
-                <a:solidFill>
-                  <a:srgbClr val="FFFFFF"/>
-                </a:solidFill>
-              </a14:hiddenFill>
-            </a:ext>
-            <a:ext uri="{91240B29-F687-4F45-9708-019B960494DF}">
-              <a14:hiddenLine xmlns:a14="http://schemas.microsoft.com/office/drawing/2010/main" w="9525">
-                <a:solidFill>
-                  <a:srgbClr val="000000"/>
-                </a:solidFill>
-                <a:miter lim="800000"/>
-                <a:headEnd/>
-                <a:tailEnd/>
-              </a14:hiddenLine>
-            </a:ext>
-          </a:extLst>
-        </p:spPr>
-      </p:pic>
-      <p:sp>
-        <p:nvSpPr>
-          <p:cNvPr id="2" name="TextBox 1">
-            <a:extLst>
-              <a:ext uri="{FF2B5EF4-FFF2-40B4-BE49-F238E27FC236}">
-                <a16:creationId xmlns:a16="http://schemas.microsoft.com/office/drawing/2014/main" id="{07AEAFA3-34B2-D264-B3A3-5CC412447F89}"/>
-              </a:ext>
-            </a:extLst>
-          </p:cNvPr>
-          <p:cNvSpPr txBox="1"/>
-          <p:nvPr/>
-        </p:nvSpPr>
-        <p:spPr>
-          <a:xfrm>
-            <a:off x="1790500" y="1053316"/>
-            <a:ext cx="5562998" cy="430887"/>
-          </a:xfrm>
-          <a:prstGeom prst="rect">
-            <a:avLst/>
-          </a:prstGeom>
-          <a:noFill/>
-        </p:spPr>
-        <p:txBody>
-          <a:bodyPr wrap="none" rtlCol="0">
-            <a:spAutoFit/>
-          </a:bodyPr>
-          <a:lstStyle/>
-          <a:p>
-            <a:r>
-              <a:rPr lang="ru-RU" sz="2200" dirty="0">
-                <a:latin typeface="Times New Roman" panose="02020603050405020304" pitchFamily="18" charset="0"/>
-                <a:cs typeface="Times New Roman" panose="02020603050405020304" pitchFamily="18" charset="0"/>
-              </a:rPr>
-              <a:t>Настройка</a:t>
-            </a:r>
-            <a:r>
-              <a:rPr lang="en-US" sz="2200" dirty="0">
-                <a:latin typeface="Times New Roman" panose="02020603050405020304" pitchFamily="18" charset="0"/>
-                <a:cs typeface="Times New Roman" panose="02020603050405020304" pitchFamily="18" charset="0"/>
-              </a:rPr>
-              <a:t> </a:t>
-            </a:r>
-            <a:r>
-              <a:rPr lang="ru-RU" sz="2200" dirty="0">
-                <a:latin typeface="Times New Roman" panose="02020603050405020304" pitchFamily="18" charset="0"/>
-                <a:cs typeface="Times New Roman" panose="02020603050405020304" pitchFamily="18" charset="0"/>
-              </a:rPr>
-              <a:t>механизма синхронизации </a:t>
-            </a:r>
-            <a:r>
-              <a:rPr lang="en-US" sz="2200" dirty="0">
-                <a:latin typeface="Times New Roman" panose="02020603050405020304" pitchFamily="18" charset="0"/>
-                <a:cs typeface="Times New Roman" panose="02020603050405020304" pitchFamily="18" charset="0"/>
-              </a:rPr>
-              <a:t>csync2</a:t>
-            </a:r>
-            <a:endParaRPr lang="en-US" sz="2200" dirty="0"/>
-          </a:p>
-        </p:txBody>
-      </p:sp>
-    </p:spTree>
-    <p:extLst>
-      <p:ext uri="{BB962C8B-B14F-4D97-AF65-F5344CB8AC3E}">
-        <p14:creationId xmlns:p14="http://schemas.microsoft.com/office/powerpoint/2010/main" val="1838519652"/>
-      </p:ext>
-    </p:extLst>
-  </p:cSld>
-  <p:clrMapOvr>
-    <a:masterClrMapping/>
-  </p:clrMapOvr>
-  <p:transition>
-    <p:push dir="u"/>
-  </p:transition>
-</p:sld>
-</file>
-
-<file path=ppt/slides/slide14.xml><?xml version="1.0" encoding="utf-8"?>
-<p:sld xmlns:a="http://schemas.openxmlformats.org/drawingml/2006/main" xmlns:r="http://schemas.openxmlformats.org/officeDocument/2006/relationships" xmlns:p="http://schemas.openxmlformats.org/presentationml/2006/main">
-  <p:cSld>
-    <p:spTree>
-      <p:nvGrpSpPr>
-        <p:cNvPr id="1" name=""/>
-        <p:cNvGrpSpPr/>
-        <p:nvPr/>
-      </p:nvGrpSpPr>
-      <p:grpSpPr>
-        <a:xfrm>
-          <a:off x="0" y="0"/>
-          <a:ext cx="0" cy="0"/>
-          <a:chOff x="0" y="0"/>
-          <a:chExt cx="0" cy="0"/>
-        </a:xfrm>
-      </p:grpSpPr>
-      <p:sp>
-        <p:nvSpPr>
-          <p:cNvPr id="3" name="Заголовок 1">
-            <a:extLst>
-              <a:ext uri="{FF2B5EF4-FFF2-40B4-BE49-F238E27FC236}">
-                <a16:creationId xmlns:a16="http://schemas.microsoft.com/office/drawing/2014/main" id="{5F5F565D-21AE-2129-3A8D-F7B449234509}"/>
-              </a:ext>
-            </a:extLst>
-          </p:cNvPr>
-          <p:cNvSpPr txBox="1">
-            <a:spLocks/>
-          </p:cNvSpPr>
-          <p:nvPr/>
-        </p:nvSpPr>
-        <p:spPr>
-          <a:xfrm>
-            <a:off x="628650" y="345513"/>
-            <a:ext cx="7886700" cy="471586"/>
-          </a:xfrm>
-          <a:prstGeom prst="rect">
-            <a:avLst/>
-          </a:prstGeom>
-        </p:spPr>
-        <p:txBody>
-          <a:bodyPr vert="horz" lIns="91440" tIns="45720" rIns="91440" bIns="45720" rtlCol="0" anchor="ctr">
-            <a:noAutofit/>
-          </a:bodyPr>
-          <a:lstStyle>
-            <a:lvl1pPr algn="l" defTabSz="685800" rtl="0" eaLnBrk="1" latinLnBrk="0" hangingPunct="1">
-              <a:lnSpc>
-                <a:spcPct val="90000"/>
-              </a:lnSpc>
-              <a:spcBef>
-                <a:spcPct val="0"/>
-              </a:spcBef>
-              <a:buNone/>
-              <a:defRPr sz="3300" kern="1200">
-                <a:solidFill>
-                  <a:schemeClr val="tx1"/>
-                </a:solidFill>
-                <a:latin typeface="+mj-lt"/>
-                <a:ea typeface="+mj-ea"/>
-                <a:cs typeface="+mj-cs"/>
-              </a:defRPr>
-            </a:lvl1pPr>
-          </a:lstStyle>
-          <a:p>
-            <a:pPr algn="ctr"/>
-            <a:r>
-              <a:rPr lang="ru-RU" sz="2800" b="1" dirty="0">
-                <a:latin typeface="Times New Roman" panose="02020603050405020304" pitchFamily="18" charset="0"/>
-                <a:cs typeface="Times New Roman" panose="02020603050405020304" pitchFamily="18" charset="0"/>
-              </a:rPr>
-              <a:t>Настройка хранилища </a:t>
-            </a:r>
-            <a:r>
-              <a:rPr lang="en-US" sz="2800" b="1" dirty="0" err="1">
-                <a:latin typeface="Times New Roman" panose="02020603050405020304" pitchFamily="18" charset="0"/>
-                <a:cs typeface="Times New Roman" panose="02020603050405020304" pitchFamily="18" charset="0"/>
-              </a:rPr>
-              <a:t>ceph</a:t>
-            </a:r>
-            <a:endParaRPr lang="ru-RU" sz="2800" b="1" dirty="0">
-              <a:latin typeface="Times New Roman" panose="02020603050405020304" pitchFamily="18" charset="0"/>
-              <a:cs typeface="Times New Roman" panose="02020603050405020304" pitchFamily="18" charset="0"/>
-            </a:endParaRPr>
-          </a:p>
-        </p:txBody>
-      </p:sp>
-      <p:pic>
-        <p:nvPicPr>
-          <p:cNvPr id="11266" name="Picture 2">
-            <a:extLst>
-              <a:ext uri="{FF2B5EF4-FFF2-40B4-BE49-F238E27FC236}">
-                <a16:creationId xmlns:a16="http://schemas.microsoft.com/office/drawing/2014/main" id="{6E2D42DF-FBF3-BE87-CC7E-695BEF4CC53D}"/>
-              </a:ext>
-            </a:extLst>
-          </p:cNvPr>
-          <p:cNvPicPr>
-            <a:picLocks noChangeAspect="1" noChangeArrowheads="1"/>
-          </p:cNvPicPr>
-          <p:nvPr/>
-        </p:nvPicPr>
-        <p:blipFill>
-          <a:blip r:embed="rId2">
-            <a:extLst>
-              <a:ext uri="{28A0092B-C50C-407E-A947-70E740481C1C}">
-                <a14:useLocalDpi xmlns:a14="http://schemas.microsoft.com/office/drawing/2010/main" val="0"/>
-              </a:ext>
-            </a:extLst>
-          </a:blip>
-          <a:srcRect/>
-          <a:stretch>
-            <a:fillRect/>
-          </a:stretch>
-        </p:blipFill>
-        <p:spPr bwMode="auto">
-          <a:xfrm>
-            <a:off x="2730170" y="908682"/>
-            <a:ext cx="5429250" cy="1857375"/>
-          </a:xfrm>
-          <a:prstGeom prst="rect">
-            <a:avLst/>
-          </a:prstGeom>
-          <a:noFill/>
-          <a:ln>
-            <a:noFill/>
-          </a:ln>
-          <a:extLst>
-            <a:ext uri="{909E8E84-426E-40DD-AFC4-6F175D3DCCD1}">
-              <a14:hiddenFill xmlns:a14="http://schemas.microsoft.com/office/drawing/2010/main">
-                <a:solidFill>
-                  <a:srgbClr val="FFFFFF"/>
-                </a:solidFill>
-              </a14:hiddenFill>
-            </a:ext>
-            <a:ext uri="{91240B29-F687-4F45-9708-019B960494DF}">
-              <a14:hiddenLine xmlns:a14="http://schemas.microsoft.com/office/drawing/2010/main" w="9525">
-                <a:solidFill>
-                  <a:srgbClr val="000000"/>
-                </a:solidFill>
-                <a:miter lim="800000"/>
-                <a:headEnd/>
-                <a:tailEnd/>
-              </a14:hiddenLine>
-            </a:ext>
-          </a:extLst>
-        </p:spPr>
-      </p:pic>
-      <p:pic>
-        <p:nvPicPr>
-          <p:cNvPr id="11267" name="Picture 3">
-            <a:extLst>
-              <a:ext uri="{FF2B5EF4-FFF2-40B4-BE49-F238E27FC236}">
-                <a16:creationId xmlns:a16="http://schemas.microsoft.com/office/drawing/2014/main" id="{9FE9DF08-887D-4292-72A2-F0AE6744AEB8}"/>
-              </a:ext>
-            </a:extLst>
-          </p:cNvPr>
-          <p:cNvPicPr>
-            <a:picLocks noChangeAspect="1" noChangeArrowheads="1"/>
-          </p:cNvPicPr>
-          <p:nvPr/>
-        </p:nvPicPr>
-        <p:blipFill>
-          <a:blip r:embed="rId3">
-            <a:extLst>
-              <a:ext uri="{28A0092B-C50C-407E-A947-70E740481C1C}">
-                <a14:useLocalDpi xmlns:a14="http://schemas.microsoft.com/office/drawing/2010/main" val="0"/>
-              </a:ext>
-            </a:extLst>
-          </a:blip>
-          <a:srcRect/>
-          <a:stretch>
-            <a:fillRect/>
-          </a:stretch>
-        </p:blipFill>
-        <p:spPr bwMode="auto">
-          <a:xfrm>
-            <a:off x="971230" y="2857641"/>
-            <a:ext cx="7201535" cy="2376264"/>
-          </a:xfrm>
-          <a:prstGeom prst="rect">
-            <a:avLst/>
-          </a:prstGeom>
-          <a:noFill/>
-          <a:ln>
-            <a:noFill/>
-          </a:ln>
-          <a:extLst>
-            <a:ext uri="{909E8E84-426E-40DD-AFC4-6F175D3DCCD1}">
-              <a14:hiddenFill xmlns:a14="http://schemas.microsoft.com/office/drawing/2010/main">
-                <a:solidFill>
-                  <a:srgbClr val="FFFFFF"/>
-                </a:solidFill>
-              </a14:hiddenFill>
-            </a:ext>
-            <a:ext uri="{91240B29-F687-4F45-9708-019B960494DF}">
-              <a14:hiddenLine xmlns:a14="http://schemas.microsoft.com/office/drawing/2010/main" w="9525">
-                <a:solidFill>
-                  <a:srgbClr val="000000"/>
-                </a:solidFill>
-                <a:miter lim="800000"/>
-                <a:headEnd/>
-                <a:tailEnd/>
-              </a14:hiddenLine>
-            </a:ext>
-          </a:extLst>
-        </p:spPr>
-      </p:pic>
-      <p:pic>
-        <p:nvPicPr>
-          <p:cNvPr id="11268" name="Picture 4">
-            <a:extLst>
-              <a:ext uri="{FF2B5EF4-FFF2-40B4-BE49-F238E27FC236}">
-                <a16:creationId xmlns:a16="http://schemas.microsoft.com/office/drawing/2014/main" id="{F36161D1-FE1A-B2A5-224C-639CC7DF662D}"/>
-              </a:ext>
-            </a:extLst>
-          </p:cNvPr>
-          <p:cNvPicPr>
-            <a:picLocks noChangeAspect="1" noChangeArrowheads="1"/>
-          </p:cNvPicPr>
-          <p:nvPr/>
-        </p:nvPicPr>
-        <p:blipFill>
-          <a:blip r:embed="rId4">
-            <a:extLst>
-              <a:ext uri="{28A0092B-C50C-407E-A947-70E740481C1C}">
-                <a14:useLocalDpi xmlns:a14="http://schemas.microsoft.com/office/drawing/2010/main" val="0"/>
-              </a:ext>
-            </a:extLst>
-          </a:blip>
-          <a:srcRect/>
-          <a:stretch>
-            <a:fillRect/>
-          </a:stretch>
-        </p:blipFill>
-        <p:spPr bwMode="auto">
-          <a:xfrm>
-            <a:off x="971230" y="5287248"/>
-            <a:ext cx="3355257" cy="1525905"/>
-          </a:xfrm>
-          <a:prstGeom prst="rect">
-            <a:avLst/>
-          </a:prstGeom>
-          <a:noFill/>
-          <a:ln>
-            <a:noFill/>
-          </a:ln>
-          <a:extLst>
-            <a:ext uri="{909E8E84-426E-40DD-AFC4-6F175D3DCCD1}">
-              <a14:hiddenFill xmlns:a14="http://schemas.microsoft.com/office/drawing/2010/main">
-                <a:solidFill>
-                  <a:srgbClr val="FFFFFF"/>
-                </a:solidFill>
-              </a14:hiddenFill>
-            </a:ext>
-            <a:ext uri="{91240B29-F687-4F45-9708-019B960494DF}">
-              <a14:hiddenLine xmlns:a14="http://schemas.microsoft.com/office/drawing/2010/main" w="9525">
-                <a:solidFill>
-                  <a:srgbClr val="000000"/>
-                </a:solidFill>
-                <a:miter lim="800000"/>
-                <a:headEnd/>
-                <a:tailEnd/>
-              </a14:hiddenLine>
-            </a:ext>
-          </a:extLst>
-        </p:spPr>
-      </p:pic>
-      <p:sp>
-        <p:nvSpPr>
-          <p:cNvPr id="2" name="TextBox 1">
-            <a:extLst>
-              <a:ext uri="{FF2B5EF4-FFF2-40B4-BE49-F238E27FC236}">
-                <a16:creationId xmlns:a16="http://schemas.microsoft.com/office/drawing/2014/main" id="{EB7C7A78-BD14-5982-9BD3-E7B01531C1A6}"/>
-              </a:ext>
-            </a:extLst>
-          </p:cNvPr>
-          <p:cNvSpPr txBox="1"/>
-          <p:nvPr/>
-        </p:nvSpPr>
-        <p:spPr>
-          <a:xfrm>
-            <a:off x="971230" y="1052736"/>
-            <a:ext cx="1584546" cy="1107996"/>
-          </a:xfrm>
-          <a:prstGeom prst="rect">
-            <a:avLst/>
-          </a:prstGeom>
-          <a:noFill/>
-        </p:spPr>
-        <p:txBody>
-          <a:bodyPr wrap="square" rtlCol="0">
-            <a:spAutoFit/>
-          </a:bodyPr>
-          <a:lstStyle/>
-          <a:p>
-            <a:r>
-              <a:rPr lang="ru-RU" sz="2200" dirty="0">
-                <a:latin typeface="Times New Roman" panose="02020603050405020304" pitchFamily="18" charset="0"/>
-                <a:cs typeface="Times New Roman" panose="02020603050405020304" pitchFamily="18" charset="0"/>
-              </a:rPr>
-              <a:t>Настройка хранилища</a:t>
-            </a:r>
-            <a:r>
-              <a:rPr lang="en-US" sz="2200" dirty="0">
-                <a:latin typeface="Times New Roman" panose="02020603050405020304" pitchFamily="18" charset="0"/>
-                <a:cs typeface="Times New Roman" panose="02020603050405020304" pitchFamily="18" charset="0"/>
-              </a:rPr>
-              <a:t> </a:t>
-            </a:r>
-            <a:r>
-              <a:rPr lang="en-US" sz="2200" dirty="0" err="1">
-                <a:latin typeface="Times New Roman" panose="02020603050405020304" pitchFamily="18" charset="0"/>
-                <a:cs typeface="Times New Roman" panose="02020603050405020304" pitchFamily="18" charset="0"/>
-              </a:rPr>
-              <a:t>ceph</a:t>
-            </a:r>
-            <a:endParaRPr lang="en-US" sz="2200" dirty="0"/>
-          </a:p>
-        </p:txBody>
-      </p:sp>
-      <p:pic>
-        <p:nvPicPr>
-          <p:cNvPr id="4" name="Рисунок 3">
-            <a:extLst>
-              <a:ext uri="{FF2B5EF4-FFF2-40B4-BE49-F238E27FC236}">
-                <a16:creationId xmlns:a16="http://schemas.microsoft.com/office/drawing/2014/main" id="{8FCE6255-D739-6366-7D80-C02EB4422223}"/>
-              </a:ext>
-            </a:extLst>
-          </p:cNvPr>
-          <p:cNvPicPr>
-            <a:picLocks noChangeAspect="1"/>
-          </p:cNvPicPr>
-          <p:nvPr/>
-        </p:nvPicPr>
-        <p:blipFill>
-          <a:blip r:embed="rId5"/>
-          <a:stretch>
-            <a:fillRect/>
-          </a:stretch>
-        </p:blipFill>
-        <p:spPr>
-          <a:xfrm>
-            <a:off x="4720415" y="5502436"/>
-            <a:ext cx="3439005" cy="1095528"/>
-          </a:xfrm>
-          <a:prstGeom prst="rect">
-            <a:avLst/>
-          </a:prstGeom>
-        </p:spPr>
-      </p:pic>
-    </p:spTree>
-    <p:extLst>
-      <p:ext uri="{BB962C8B-B14F-4D97-AF65-F5344CB8AC3E}">
-        <p14:creationId xmlns:p14="http://schemas.microsoft.com/office/powerpoint/2010/main" val="1128094416"/>
-      </p:ext>
-    </p:extLst>
-  </p:cSld>
-  <p:clrMapOvr>
-    <a:masterClrMapping/>
-  </p:clrMapOvr>
-  <p:transition>
-    <p:push dir="u"/>
-  </p:transition>
-</p:sld>
-</file>
-
-<file path=ppt/slides/slide15.xml><?xml version="1.0" encoding="utf-8"?>
-<p:sld xmlns:a="http://schemas.openxmlformats.org/drawingml/2006/main" xmlns:r="http://schemas.openxmlformats.org/officeDocument/2006/relationships" xmlns:p="http://schemas.openxmlformats.org/presentationml/2006/main">
-  <p:cSld>
-    <p:spTree>
-      <p:nvGrpSpPr>
-        <p:cNvPr id="1" name=""/>
-        <p:cNvGrpSpPr/>
-        <p:nvPr/>
-      </p:nvGrpSpPr>
-      <p:grpSpPr>
-        <a:xfrm>
-          <a:off x="0" y="0"/>
-          <a:ext cx="0" cy="0"/>
-          <a:chOff x="0" y="0"/>
-          <a:chExt cx="0" cy="0"/>
-        </a:xfrm>
-      </p:grpSpPr>
-      <p:sp>
-        <p:nvSpPr>
-          <p:cNvPr id="3" name="Заголовок 1">
-            <a:extLst>
-              <a:ext uri="{FF2B5EF4-FFF2-40B4-BE49-F238E27FC236}">
-                <a16:creationId xmlns:a16="http://schemas.microsoft.com/office/drawing/2014/main" id="{5F5F565D-21AE-2129-3A8D-F7B449234509}"/>
-              </a:ext>
-            </a:extLst>
-          </p:cNvPr>
-          <p:cNvSpPr txBox="1">
-            <a:spLocks/>
-          </p:cNvSpPr>
-          <p:nvPr/>
-        </p:nvSpPr>
-        <p:spPr>
-          <a:xfrm>
-            <a:off x="628650" y="345513"/>
-            <a:ext cx="7886700" cy="471586"/>
-          </a:xfrm>
-          <a:prstGeom prst="rect">
-            <a:avLst/>
-          </a:prstGeom>
-        </p:spPr>
-        <p:txBody>
-          <a:bodyPr vert="horz" lIns="91440" tIns="45720" rIns="91440" bIns="45720" rtlCol="0" anchor="ctr">
-            <a:noAutofit/>
-          </a:bodyPr>
-          <a:lstStyle>
-            <a:lvl1pPr algn="l" defTabSz="685800" rtl="0" eaLnBrk="1" latinLnBrk="0" hangingPunct="1">
-              <a:lnSpc>
-                <a:spcPct val="90000"/>
-              </a:lnSpc>
-              <a:spcBef>
-                <a:spcPct val="0"/>
-              </a:spcBef>
-              <a:buNone/>
-              <a:defRPr sz="3300" kern="1200">
-                <a:solidFill>
-                  <a:schemeClr val="tx1"/>
-                </a:solidFill>
-                <a:latin typeface="+mj-lt"/>
-                <a:ea typeface="+mj-ea"/>
-                <a:cs typeface="+mj-cs"/>
-              </a:defRPr>
-            </a:lvl1pPr>
-          </a:lstStyle>
-          <a:p>
-            <a:pPr algn="ctr"/>
-            <a:r>
-              <a:rPr lang="ru-RU" sz="2800" b="1" dirty="0">
-                <a:latin typeface="Times New Roman" panose="02020603050405020304" pitchFamily="18" charset="0"/>
-                <a:cs typeface="Times New Roman" panose="02020603050405020304" pitchFamily="18" charset="0"/>
-              </a:rPr>
-              <a:t>Настройка кластера виртуализации</a:t>
-            </a:r>
-          </a:p>
-        </p:txBody>
-      </p:sp>
-      <p:pic>
-        <p:nvPicPr>
-          <p:cNvPr id="12290" name="Picture 2">
-            <a:extLst>
-              <a:ext uri="{FF2B5EF4-FFF2-40B4-BE49-F238E27FC236}">
-                <a16:creationId xmlns:a16="http://schemas.microsoft.com/office/drawing/2014/main" id="{3C3DCF46-C9BB-E524-C7B7-40805E15DB64}"/>
-              </a:ext>
-            </a:extLst>
-          </p:cNvPr>
-          <p:cNvPicPr>
-            <a:picLocks noChangeAspect="1" noChangeArrowheads="1"/>
-          </p:cNvPicPr>
-          <p:nvPr/>
-        </p:nvPicPr>
-        <p:blipFill>
-          <a:blip r:embed="rId2">
-            <a:extLst>
-              <a:ext uri="{28A0092B-C50C-407E-A947-70E740481C1C}">
-                <a14:useLocalDpi xmlns:a14="http://schemas.microsoft.com/office/drawing/2010/main" val="0"/>
-              </a:ext>
-            </a:extLst>
-          </a:blip>
-          <a:srcRect/>
-          <a:stretch>
-            <a:fillRect/>
-          </a:stretch>
-        </p:blipFill>
-        <p:spPr bwMode="auto">
-          <a:xfrm>
-            <a:off x="5220072" y="817099"/>
-            <a:ext cx="3672408" cy="5883836"/>
-          </a:xfrm>
-          <a:prstGeom prst="rect">
-            <a:avLst/>
-          </a:prstGeom>
-          <a:noFill/>
-          <a:ln>
-            <a:noFill/>
-          </a:ln>
-          <a:extLst>
-            <a:ext uri="{909E8E84-426E-40DD-AFC4-6F175D3DCCD1}">
-              <a14:hiddenFill xmlns:a14="http://schemas.microsoft.com/office/drawing/2010/main">
-                <a:solidFill>
-                  <a:srgbClr val="FFFFFF"/>
-                </a:solidFill>
-              </a14:hiddenFill>
-            </a:ext>
-            <a:ext uri="{91240B29-F687-4F45-9708-019B960494DF}">
-              <a14:hiddenLine xmlns:a14="http://schemas.microsoft.com/office/drawing/2010/main" w="9525">
-                <a:solidFill>
-                  <a:srgbClr val="000000"/>
-                </a:solidFill>
-                <a:miter lim="800000"/>
-                <a:headEnd/>
-                <a:tailEnd/>
-              </a14:hiddenLine>
-            </a:ext>
-          </a:extLst>
-        </p:spPr>
-      </p:pic>
-      <p:sp>
-        <p:nvSpPr>
-          <p:cNvPr id="2" name="TextBox 1">
-            <a:extLst>
-              <a:ext uri="{FF2B5EF4-FFF2-40B4-BE49-F238E27FC236}">
-                <a16:creationId xmlns:a16="http://schemas.microsoft.com/office/drawing/2014/main" id="{5F1299AB-35DF-2D7D-E5EC-27204DB8E14A}"/>
-              </a:ext>
-            </a:extLst>
-          </p:cNvPr>
-          <p:cNvSpPr txBox="1"/>
-          <p:nvPr/>
-        </p:nvSpPr>
-        <p:spPr>
-          <a:xfrm>
-            <a:off x="949857" y="1691582"/>
-            <a:ext cx="3672408" cy="430887"/>
-          </a:xfrm>
-          <a:prstGeom prst="rect">
-            <a:avLst/>
-          </a:prstGeom>
-          <a:noFill/>
-        </p:spPr>
-        <p:txBody>
-          <a:bodyPr wrap="square" rtlCol="0">
-            <a:spAutoFit/>
-          </a:bodyPr>
-          <a:lstStyle/>
-          <a:p>
-            <a:r>
-              <a:rPr lang="ru-RU" sz="2200" dirty="0">
-                <a:latin typeface="Times New Roman" panose="02020603050405020304" pitchFamily="18" charset="0"/>
-                <a:cs typeface="Times New Roman" panose="02020603050405020304" pitchFamily="18" charset="0"/>
-              </a:rPr>
-              <a:t>Настройка кластера </a:t>
-            </a:r>
-            <a:r>
-              <a:rPr lang="en-US" sz="2200" dirty="0" err="1">
-                <a:latin typeface="Times New Roman" panose="02020603050405020304" pitchFamily="18" charset="0"/>
-                <a:cs typeface="Times New Roman" panose="02020603050405020304" pitchFamily="18" charset="0"/>
-              </a:rPr>
-              <a:t>corosync</a:t>
-            </a:r>
-            <a:endParaRPr lang="en-US" sz="2200" dirty="0"/>
-          </a:p>
-        </p:txBody>
-      </p:sp>
-      <p:pic>
-        <p:nvPicPr>
-          <p:cNvPr id="4" name="Рисунок 1">
-            <a:extLst>
-              <a:ext uri="{FF2B5EF4-FFF2-40B4-BE49-F238E27FC236}">
-                <a16:creationId xmlns:a16="http://schemas.microsoft.com/office/drawing/2014/main" id="{E752BD58-C574-EE3A-A4E5-419FA78FB9A4}"/>
-              </a:ext>
-            </a:extLst>
-          </p:cNvPr>
-          <p:cNvPicPr>
-            <a:picLocks noChangeAspect="1" noChangeArrowheads="1"/>
-          </p:cNvPicPr>
-          <p:nvPr/>
-        </p:nvPicPr>
-        <p:blipFill>
-          <a:blip r:embed="rId3">
-            <a:extLst>
-              <a:ext uri="{28A0092B-C50C-407E-A947-70E740481C1C}">
-                <a14:useLocalDpi xmlns:a14="http://schemas.microsoft.com/office/drawing/2010/main" val="0"/>
-              </a:ext>
-            </a:extLst>
-          </a:blip>
-          <a:srcRect/>
-          <a:stretch>
-            <a:fillRect/>
-          </a:stretch>
-        </p:blipFill>
-        <p:spPr bwMode="auto">
-          <a:xfrm>
-            <a:off x="628650" y="2996952"/>
-            <a:ext cx="4314825" cy="1257300"/>
-          </a:xfrm>
-          <a:prstGeom prst="rect">
-            <a:avLst/>
-          </a:prstGeom>
-          <a:noFill/>
-          <a:ln>
-            <a:noFill/>
-          </a:ln>
-          <a:extLst>
-            <a:ext uri="{909E8E84-426E-40DD-AFC4-6F175D3DCCD1}">
-              <a14:hiddenFill xmlns:a14="http://schemas.microsoft.com/office/drawing/2010/main">
-                <a:solidFill>
-                  <a:srgbClr val="FFFFFF"/>
-                </a:solidFill>
-              </a14:hiddenFill>
-            </a:ext>
-            <a:ext uri="{91240B29-F687-4F45-9708-019B960494DF}">
-              <a14:hiddenLine xmlns:a14="http://schemas.microsoft.com/office/drawing/2010/main" w="9525">
-                <a:solidFill>
-                  <a:srgbClr val="000000"/>
-                </a:solidFill>
-                <a:miter lim="800000"/>
-                <a:headEnd/>
-                <a:tailEnd/>
-              </a14:hiddenLine>
-            </a:ext>
-          </a:extLst>
-        </p:spPr>
-      </p:pic>
-      <p:pic>
-        <p:nvPicPr>
-          <p:cNvPr id="5" name="Picture 3">
-            <a:extLst>
-              <a:ext uri="{FF2B5EF4-FFF2-40B4-BE49-F238E27FC236}">
-                <a16:creationId xmlns:a16="http://schemas.microsoft.com/office/drawing/2014/main" id="{EF81809F-93A7-E9EE-CE6A-09517972B868}"/>
-              </a:ext>
-            </a:extLst>
-          </p:cNvPr>
-          <p:cNvPicPr>
-            <a:picLocks noChangeAspect="1" noChangeArrowheads="1"/>
-          </p:cNvPicPr>
-          <p:nvPr/>
-        </p:nvPicPr>
-        <p:blipFill>
-          <a:blip r:embed="rId4">
-            <a:extLst>
-              <a:ext uri="{28A0092B-C50C-407E-A947-70E740481C1C}">
-                <a14:useLocalDpi xmlns:a14="http://schemas.microsoft.com/office/drawing/2010/main" val="0"/>
-              </a:ext>
-            </a:extLst>
-          </a:blip>
-          <a:srcRect/>
-          <a:stretch>
-            <a:fillRect/>
-          </a:stretch>
-        </p:blipFill>
-        <p:spPr bwMode="auto">
-          <a:xfrm>
-            <a:off x="800099" y="4365104"/>
-            <a:ext cx="3971925" cy="2000250"/>
-          </a:xfrm>
-          <a:prstGeom prst="rect">
-            <a:avLst/>
-          </a:prstGeom>
-          <a:noFill/>
-          <a:ln>
-            <a:noFill/>
-          </a:ln>
-          <a:extLst>
-            <a:ext uri="{909E8E84-426E-40DD-AFC4-6F175D3DCCD1}">
-              <a14:hiddenFill xmlns:a14="http://schemas.microsoft.com/office/drawing/2010/main">
-                <a:solidFill>
-                  <a:srgbClr val="FFFFFF"/>
-                </a:solidFill>
-              </a14:hiddenFill>
-            </a:ext>
-            <a:ext uri="{91240B29-F687-4F45-9708-019B960494DF}">
-              <a14:hiddenLine xmlns:a14="http://schemas.microsoft.com/office/drawing/2010/main" w="9525">
-                <a:solidFill>
-                  <a:srgbClr val="000000"/>
-                </a:solidFill>
-                <a:miter lim="800000"/>
-                <a:headEnd/>
-                <a:tailEnd/>
-              </a14:hiddenLine>
-            </a:ext>
-          </a:extLst>
-        </p:spPr>
-      </p:pic>
-    </p:spTree>
-    <p:extLst>
-      <p:ext uri="{BB962C8B-B14F-4D97-AF65-F5344CB8AC3E}">
-        <p14:creationId xmlns:p14="http://schemas.microsoft.com/office/powerpoint/2010/main" val="811338384"/>
-      </p:ext>
-    </p:extLst>
-  </p:cSld>
-  <p:clrMapOvr>
-    <a:masterClrMapping/>
-  </p:clrMapOvr>
-  <p:transition>
-    <p:push dir="u"/>
-  </p:transition>
-</p:sld>
-</file>
-
-<file path=ppt/slides/slide16.xml><?xml version="1.0" encoding="utf-8"?>
-<p:sld xmlns:a="http://schemas.openxmlformats.org/drawingml/2006/main" xmlns:r="http://schemas.openxmlformats.org/officeDocument/2006/relationships" xmlns:p="http://schemas.openxmlformats.org/presentationml/2006/main">
-  <p:cSld>
-    <p:spTree>
-      <p:nvGrpSpPr>
-        <p:cNvPr id="1" name=""/>
-        <p:cNvGrpSpPr/>
-        <p:nvPr/>
-      </p:nvGrpSpPr>
-      <p:grpSpPr>
-        <a:xfrm>
-          <a:off x="0" y="0"/>
-          <a:ext cx="0" cy="0"/>
-          <a:chOff x="0" y="0"/>
-          <a:chExt cx="0" cy="0"/>
-        </a:xfrm>
-      </p:grpSpPr>
-      <p:sp>
-        <p:nvSpPr>
-          <p:cNvPr id="3" name="Заголовок 1">
-            <a:extLst>
-              <a:ext uri="{FF2B5EF4-FFF2-40B4-BE49-F238E27FC236}">
-                <a16:creationId xmlns:a16="http://schemas.microsoft.com/office/drawing/2014/main" id="{5F5F565D-21AE-2129-3A8D-F7B449234509}"/>
-              </a:ext>
-            </a:extLst>
-          </p:cNvPr>
-          <p:cNvSpPr txBox="1">
-            <a:spLocks/>
-          </p:cNvSpPr>
-          <p:nvPr/>
-        </p:nvSpPr>
-        <p:spPr>
-          <a:xfrm>
-            <a:off x="628650" y="345513"/>
-            <a:ext cx="7886700" cy="471586"/>
-          </a:xfrm>
-          <a:prstGeom prst="rect">
-            <a:avLst/>
-          </a:prstGeom>
-        </p:spPr>
-        <p:txBody>
-          <a:bodyPr vert="horz" lIns="91440" tIns="45720" rIns="91440" bIns="45720" rtlCol="0" anchor="ctr">
-            <a:noAutofit/>
-          </a:bodyPr>
-          <a:lstStyle>
-            <a:lvl1pPr algn="l" defTabSz="685800" rtl="0" eaLnBrk="1" latinLnBrk="0" hangingPunct="1">
-              <a:lnSpc>
-                <a:spcPct val="90000"/>
-              </a:lnSpc>
-              <a:spcBef>
-                <a:spcPct val="0"/>
-              </a:spcBef>
-              <a:buNone/>
-              <a:defRPr sz="3300" kern="1200">
-                <a:solidFill>
-                  <a:schemeClr val="tx1"/>
-                </a:solidFill>
-                <a:latin typeface="+mj-lt"/>
-                <a:ea typeface="+mj-ea"/>
-                <a:cs typeface="+mj-cs"/>
-              </a:defRPr>
-            </a:lvl1pPr>
-          </a:lstStyle>
-          <a:p>
-            <a:pPr algn="ctr"/>
-            <a:r>
-              <a:rPr lang="ru-RU" sz="2800" b="1" dirty="0">
-                <a:latin typeface="Times New Roman" panose="02020603050405020304" pitchFamily="18" charset="0"/>
-                <a:cs typeface="Times New Roman" panose="02020603050405020304" pitchFamily="18" charset="0"/>
-              </a:rPr>
-              <a:t>Настройка кластера виртуализации</a:t>
-            </a:r>
-          </a:p>
-        </p:txBody>
-      </p:sp>
-      <p:pic>
-        <p:nvPicPr>
-          <p:cNvPr id="13316" name="Picture 4">
-            <a:extLst>
-              <a:ext uri="{FF2B5EF4-FFF2-40B4-BE49-F238E27FC236}">
-                <a16:creationId xmlns:a16="http://schemas.microsoft.com/office/drawing/2014/main" id="{9E0235D9-0EA5-C3D8-BE2E-BADA2BFD4D50}"/>
-              </a:ext>
-            </a:extLst>
-          </p:cNvPr>
-          <p:cNvPicPr>
-            <a:picLocks noChangeAspect="1" noChangeArrowheads="1"/>
-          </p:cNvPicPr>
-          <p:nvPr/>
-        </p:nvPicPr>
-        <p:blipFill>
-          <a:blip r:embed="rId2">
-            <a:extLst>
-              <a:ext uri="{28A0092B-C50C-407E-A947-70E740481C1C}">
-                <a14:useLocalDpi xmlns:a14="http://schemas.microsoft.com/office/drawing/2010/main" val="0"/>
-              </a:ext>
-            </a:extLst>
-          </a:blip>
-          <a:srcRect/>
-          <a:stretch>
-            <a:fillRect/>
-          </a:stretch>
-        </p:blipFill>
-        <p:spPr bwMode="auto">
-          <a:xfrm>
-            <a:off x="2100263" y="1302402"/>
-            <a:ext cx="4943475" cy="1114425"/>
-          </a:xfrm>
-          <a:prstGeom prst="rect">
-            <a:avLst/>
-          </a:prstGeom>
-          <a:noFill/>
-          <a:ln>
-            <a:noFill/>
-          </a:ln>
-          <a:extLst>
-            <a:ext uri="{909E8E84-426E-40DD-AFC4-6F175D3DCCD1}">
-              <a14:hiddenFill xmlns:a14="http://schemas.microsoft.com/office/drawing/2010/main">
-                <a:solidFill>
-                  <a:srgbClr val="FFFFFF"/>
-                </a:solidFill>
-              </a14:hiddenFill>
-            </a:ext>
-            <a:ext uri="{91240B29-F687-4F45-9708-019B960494DF}">
-              <a14:hiddenLine xmlns:a14="http://schemas.microsoft.com/office/drawing/2010/main" w="9525">
-                <a:solidFill>
-                  <a:srgbClr val="000000"/>
-                </a:solidFill>
-                <a:miter lim="800000"/>
-                <a:headEnd/>
-                <a:tailEnd/>
-              </a14:hiddenLine>
-            </a:ext>
-          </a:extLst>
-        </p:spPr>
-      </p:pic>
-      <p:pic>
-        <p:nvPicPr>
-          <p:cNvPr id="14338" name="Picture 2">
-            <a:extLst>
-              <a:ext uri="{FF2B5EF4-FFF2-40B4-BE49-F238E27FC236}">
-                <a16:creationId xmlns:a16="http://schemas.microsoft.com/office/drawing/2014/main" id="{D6AF071F-E8C3-CCFD-A927-6C2495CC8464}"/>
-              </a:ext>
-            </a:extLst>
-          </p:cNvPr>
-          <p:cNvPicPr>
-            <a:picLocks noChangeAspect="1" noChangeArrowheads="1"/>
-          </p:cNvPicPr>
-          <p:nvPr/>
-        </p:nvPicPr>
-        <p:blipFill>
-          <a:blip r:embed="rId3">
-            <a:extLst>
-              <a:ext uri="{28A0092B-C50C-407E-A947-70E740481C1C}">
-                <a14:useLocalDpi xmlns:a14="http://schemas.microsoft.com/office/drawing/2010/main" val="0"/>
-              </a:ext>
-            </a:extLst>
-          </a:blip>
-          <a:srcRect/>
-          <a:stretch>
-            <a:fillRect/>
-          </a:stretch>
-        </p:blipFill>
-        <p:spPr bwMode="auto">
-          <a:xfrm>
-            <a:off x="1771650" y="2503615"/>
-            <a:ext cx="5600700" cy="2266950"/>
-          </a:xfrm>
-          <a:prstGeom prst="rect">
-            <a:avLst/>
-          </a:prstGeom>
-          <a:noFill/>
-          <a:ln>
-            <a:noFill/>
-          </a:ln>
-          <a:extLst>
-            <a:ext uri="{909E8E84-426E-40DD-AFC4-6F175D3DCCD1}">
-              <a14:hiddenFill xmlns:a14="http://schemas.microsoft.com/office/drawing/2010/main">
-                <a:solidFill>
-                  <a:srgbClr val="FFFFFF"/>
-                </a:solidFill>
-              </a14:hiddenFill>
-            </a:ext>
-            <a:ext uri="{91240B29-F687-4F45-9708-019B960494DF}">
-              <a14:hiddenLine xmlns:a14="http://schemas.microsoft.com/office/drawing/2010/main" w="9525">
-                <a:solidFill>
-                  <a:srgbClr val="000000"/>
-                </a:solidFill>
-                <a:miter lim="800000"/>
-                <a:headEnd/>
-                <a:tailEnd/>
-              </a14:hiddenLine>
-            </a:ext>
-          </a:extLst>
-        </p:spPr>
-      </p:pic>
-      <p:pic>
-        <p:nvPicPr>
-          <p:cNvPr id="14339" name="Рисунок 1">
-            <a:extLst>
-              <a:ext uri="{FF2B5EF4-FFF2-40B4-BE49-F238E27FC236}">
-                <a16:creationId xmlns:a16="http://schemas.microsoft.com/office/drawing/2014/main" id="{7AADDEF2-2975-1E6F-AB77-91141CF92436}"/>
-              </a:ext>
-            </a:extLst>
-          </p:cNvPr>
-          <p:cNvPicPr>
-            <a:picLocks noChangeAspect="1" noChangeArrowheads="1"/>
-          </p:cNvPicPr>
-          <p:nvPr/>
-        </p:nvPicPr>
-        <p:blipFill>
-          <a:blip r:embed="rId4">
-            <a:extLst>
-              <a:ext uri="{28A0092B-C50C-407E-A947-70E740481C1C}">
-                <a14:useLocalDpi xmlns:a14="http://schemas.microsoft.com/office/drawing/2010/main" val="0"/>
-              </a:ext>
-            </a:extLst>
-          </a:blip>
-          <a:srcRect/>
-          <a:stretch>
-            <a:fillRect/>
-          </a:stretch>
-        </p:blipFill>
-        <p:spPr bwMode="auto">
-          <a:xfrm>
-            <a:off x="2600325" y="4840829"/>
-            <a:ext cx="3943350" cy="1533525"/>
-          </a:xfrm>
-          <a:prstGeom prst="rect">
-            <a:avLst/>
-          </a:prstGeom>
-          <a:noFill/>
-          <a:ln>
-            <a:noFill/>
-          </a:ln>
-          <a:extLst>
-            <a:ext uri="{909E8E84-426E-40DD-AFC4-6F175D3DCCD1}">
-              <a14:hiddenFill xmlns:a14="http://schemas.microsoft.com/office/drawing/2010/main">
-                <a:solidFill>
-                  <a:srgbClr val="FFFFFF"/>
-                </a:solidFill>
-              </a14:hiddenFill>
-            </a:ext>
-            <a:ext uri="{91240B29-F687-4F45-9708-019B960494DF}">
-              <a14:hiddenLine xmlns:a14="http://schemas.microsoft.com/office/drawing/2010/main" w="9525">
-                <a:solidFill>
-                  <a:srgbClr val="000000"/>
-                </a:solidFill>
-                <a:miter lim="800000"/>
-                <a:headEnd/>
-                <a:tailEnd/>
-              </a14:hiddenLine>
-            </a:ext>
-          </a:extLst>
-        </p:spPr>
-      </p:pic>
-      <p:sp>
-        <p:nvSpPr>
-          <p:cNvPr id="2" name="TextBox 1">
-            <a:extLst>
-              <a:ext uri="{FF2B5EF4-FFF2-40B4-BE49-F238E27FC236}">
-                <a16:creationId xmlns:a16="http://schemas.microsoft.com/office/drawing/2014/main" id="{4F31B2AC-7473-E1A8-28D7-3D500745DEEB}"/>
-              </a:ext>
-            </a:extLst>
-          </p:cNvPr>
-          <p:cNvSpPr txBox="1"/>
-          <p:nvPr/>
-        </p:nvSpPr>
-        <p:spPr>
-          <a:xfrm>
-            <a:off x="2920041" y="801251"/>
-            <a:ext cx="3303917" cy="430887"/>
-          </a:xfrm>
-          <a:prstGeom prst="rect">
-            <a:avLst/>
-          </a:prstGeom>
-          <a:noFill/>
-        </p:spPr>
-        <p:txBody>
-          <a:bodyPr wrap="square" rtlCol="0">
-            <a:spAutoFit/>
-          </a:bodyPr>
-          <a:lstStyle/>
-          <a:p>
-            <a:r>
-              <a:rPr lang="ru-RU" sz="2200" dirty="0">
-                <a:latin typeface="Times New Roman" panose="02020603050405020304" pitchFamily="18" charset="0"/>
-                <a:cs typeface="Times New Roman" panose="02020603050405020304" pitchFamily="18" charset="0"/>
-              </a:rPr>
-              <a:t>Подключение диска </a:t>
-            </a:r>
-            <a:r>
-              <a:rPr lang="en-US" sz="2200" dirty="0" err="1">
-                <a:latin typeface="Times New Roman" panose="02020603050405020304" pitchFamily="18" charset="0"/>
-                <a:cs typeface="Times New Roman" panose="02020603050405020304" pitchFamily="18" charset="0"/>
-              </a:rPr>
-              <a:t>ceph</a:t>
-            </a:r>
-            <a:endParaRPr lang="en-US" sz="2200" dirty="0"/>
-          </a:p>
-        </p:txBody>
-      </p:sp>
-    </p:spTree>
-    <p:extLst>
-      <p:ext uri="{BB962C8B-B14F-4D97-AF65-F5344CB8AC3E}">
-        <p14:creationId xmlns:p14="http://schemas.microsoft.com/office/powerpoint/2010/main" val="1336945680"/>
-      </p:ext>
-    </p:extLst>
-  </p:cSld>
-  <p:clrMapOvr>
-    <a:masterClrMapping/>
-  </p:clrMapOvr>
-  <p:transition>
-    <p:push dir="u"/>
-  </p:transition>
-</p:sld>
-</file>
-
-<file path=ppt/slides/slide17.xml><?xml version="1.0" encoding="utf-8"?>
-<p:sld xmlns:a="http://schemas.openxmlformats.org/drawingml/2006/main" xmlns:r="http://schemas.openxmlformats.org/officeDocument/2006/relationships" xmlns:p="http://schemas.openxmlformats.org/presentationml/2006/main">
-  <p:cSld>
-    <p:spTree>
-      <p:nvGrpSpPr>
-        <p:cNvPr id="1" name=""/>
-        <p:cNvGrpSpPr/>
-        <p:nvPr/>
-      </p:nvGrpSpPr>
-      <p:grpSpPr>
-        <a:xfrm>
-          <a:off x="0" y="0"/>
-          <a:ext cx="0" cy="0"/>
-          <a:chOff x="0" y="0"/>
-          <a:chExt cx="0" cy="0"/>
-        </a:xfrm>
-      </p:grpSpPr>
-      <p:sp>
-        <p:nvSpPr>
-          <p:cNvPr id="3" name="Заголовок 1">
-            <a:extLst>
-              <a:ext uri="{FF2B5EF4-FFF2-40B4-BE49-F238E27FC236}">
-                <a16:creationId xmlns:a16="http://schemas.microsoft.com/office/drawing/2014/main" id="{5F5F565D-21AE-2129-3A8D-F7B449234509}"/>
-              </a:ext>
-            </a:extLst>
-          </p:cNvPr>
-          <p:cNvSpPr txBox="1">
-            <a:spLocks/>
-          </p:cNvSpPr>
-          <p:nvPr/>
-        </p:nvSpPr>
-        <p:spPr>
-          <a:xfrm>
-            <a:off x="628650" y="345513"/>
-            <a:ext cx="7886700" cy="471586"/>
-          </a:xfrm>
-          <a:prstGeom prst="rect">
-            <a:avLst/>
-          </a:prstGeom>
-        </p:spPr>
-        <p:txBody>
-          <a:bodyPr vert="horz" lIns="91440" tIns="45720" rIns="91440" bIns="45720" rtlCol="0" anchor="ctr">
-            <a:noAutofit/>
-          </a:bodyPr>
-          <a:lstStyle>
-            <a:lvl1pPr algn="l" defTabSz="685800" rtl="0" eaLnBrk="1" latinLnBrk="0" hangingPunct="1">
-              <a:lnSpc>
-                <a:spcPct val="90000"/>
-              </a:lnSpc>
-              <a:spcBef>
-                <a:spcPct val="0"/>
-              </a:spcBef>
-              <a:buNone/>
-              <a:defRPr sz="3300" kern="1200">
-                <a:solidFill>
-                  <a:schemeClr val="tx1"/>
-                </a:solidFill>
-                <a:latin typeface="+mj-lt"/>
-                <a:ea typeface="+mj-ea"/>
-                <a:cs typeface="+mj-cs"/>
-              </a:defRPr>
-            </a:lvl1pPr>
-          </a:lstStyle>
-          <a:p>
-            <a:pPr algn="ctr"/>
-            <a:r>
-              <a:rPr lang="ru-RU" sz="2800" b="1" dirty="0">
-                <a:latin typeface="Times New Roman" panose="02020603050405020304" pitchFamily="18" charset="0"/>
-                <a:cs typeface="Times New Roman" panose="02020603050405020304" pitchFamily="18" charset="0"/>
-              </a:rPr>
-              <a:t>Настройка кластера виртуализации</a:t>
-            </a:r>
-          </a:p>
-        </p:txBody>
-      </p:sp>
-      <p:pic>
-        <p:nvPicPr>
-          <p:cNvPr id="15362" name="Picture 2">
-            <a:extLst>
-              <a:ext uri="{FF2B5EF4-FFF2-40B4-BE49-F238E27FC236}">
-                <a16:creationId xmlns:a16="http://schemas.microsoft.com/office/drawing/2014/main" id="{D14D26AF-231F-D40D-7819-DE2DAE719306}"/>
-              </a:ext>
-            </a:extLst>
-          </p:cNvPr>
-          <p:cNvPicPr>
-            <a:picLocks noChangeAspect="1" noChangeArrowheads="1"/>
-          </p:cNvPicPr>
-          <p:nvPr/>
-        </p:nvPicPr>
-        <p:blipFill>
-          <a:blip r:embed="rId2">
-            <a:extLst>
-              <a:ext uri="{28A0092B-C50C-407E-A947-70E740481C1C}">
-                <a14:useLocalDpi xmlns:a14="http://schemas.microsoft.com/office/drawing/2010/main" val="0"/>
-              </a:ext>
-            </a:extLst>
-          </a:blip>
-          <a:srcRect/>
-          <a:stretch>
-            <a:fillRect/>
-          </a:stretch>
-        </p:blipFill>
-        <p:spPr bwMode="auto">
-          <a:xfrm>
-            <a:off x="356837" y="1916832"/>
-            <a:ext cx="2931595" cy="3600400"/>
-          </a:xfrm>
-          <a:prstGeom prst="rect">
-            <a:avLst/>
-          </a:prstGeom>
-          <a:noFill/>
-          <a:ln>
-            <a:noFill/>
-          </a:ln>
-          <a:extLst>
-            <a:ext uri="{909E8E84-426E-40DD-AFC4-6F175D3DCCD1}">
-              <a14:hiddenFill xmlns:a14="http://schemas.microsoft.com/office/drawing/2010/main">
-                <a:solidFill>
-                  <a:srgbClr val="FFFFFF"/>
-                </a:solidFill>
-              </a14:hiddenFill>
-            </a:ext>
-            <a:ext uri="{91240B29-F687-4F45-9708-019B960494DF}">
-              <a14:hiddenLine xmlns:a14="http://schemas.microsoft.com/office/drawing/2010/main" w="9525">
-                <a:solidFill>
-                  <a:srgbClr val="000000"/>
-                </a:solidFill>
-                <a:miter lim="800000"/>
-                <a:headEnd/>
-                <a:tailEnd/>
-              </a14:hiddenLine>
-            </a:ext>
-          </a:extLst>
-        </p:spPr>
-      </p:pic>
-      <p:pic>
-        <p:nvPicPr>
-          <p:cNvPr id="15363" name="Picture 3">
-            <a:extLst>
-              <a:ext uri="{FF2B5EF4-FFF2-40B4-BE49-F238E27FC236}">
-                <a16:creationId xmlns:a16="http://schemas.microsoft.com/office/drawing/2014/main" id="{4CAB2CD4-5C10-10AE-D993-4370EA4CB182}"/>
-              </a:ext>
-            </a:extLst>
-          </p:cNvPr>
-          <p:cNvPicPr>
-            <a:picLocks noChangeAspect="1" noChangeArrowheads="1"/>
-          </p:cNvPicPr>
-          <p:nvPr/>
-        </p:nvPicPr>
-        <p:blipFill>
-          <a:blip r:embed="rId3">
-            <a:extLst>
-              <a:ext uri="{28A0092B-C50C-407E-A947-70E740481C1C}">
-                <a14:useLocalDpi xmlns:a14="http://schemas.microsoft.com/office/drawing/2010/main" val="0"/>
-              </a:ext>
-            </a:extLst>
-          </a:blip>
-          <a:srcRect/>
-          <a:stretch>
-            <a:fillRect/>
-          </a:stretch>
-        </p:blipFill>
-        <p:spPr bwMode="auto">
-          <a:xfrm>
-            <a:off x="3347864" y="1916832"/>
-            <a:ext cx="5610225" cy="2085975"/>
-          </a:xfrm>
-          <a:prstGeom prst="rect">
-            <a:avLst/>
-          </a:prstGeom>
-          <a:noFill/>
-          <a:ln>
-            <a:noFill/>
-          </a:ln>
-          <a:extLst>
-            <a:ext uri="{909E8E84-426E-40DD-AFC4-6F175D3DCCD1}">
-              <a14:hiddenFill xmlns:a14="http://schemas.microsoft.com/office/drawing/2010/main">
-                <a:solidFill>
-                  <a:srgbClr val="FFFFFF"/>
-                </a:solidFill>
-              </a14:hiddenFill>
-            </a:ext>
-            <a:ext uri="{91240B29-F687-4F45-9708-019B960494DF}">
-              <a14:hiddenLine xmlns:a14="http://schemas.microsoft.com/office/drawing/2010/main" w="9525">
-                <a:solidFill>
-                  <a:srgbClr val="000000"/>
-                </a:solidFill>
-                <a:miter lim="800000"/>
-                <a:headEnd/>
-                <a:tailEnd/>
-              </a14:hiddenLine>
-            </a:ext>
-          </a:extLst>
-        </p:spPr>
-      </p:pic>
-      <p:pic>
-        <p:nvPicPr>
-          <p:cNvPr id="15364" name="Picture 4">
-            <a:extLst>
-              <a:ext uri="{FF2B5EF4-FFF2-40B4-BE49-F238E27FC236}">
-                <a16:creationId xmlns:a16="http://schemas.microsoft.com/office/drawing/2014/main" id="{485152DD-71D7-9781-197D-33FAD6774B97}"/>
-              </a:ext>
-            </a:extLst>
-          </p:cNvPr>
-          <p:cNvPicPr>
-            <a:picLocks noChangeAspect="1" noChangeArrowheads="1"/>
-          </p:cNvPicPr>
-          <p:nvPr/>
-        </p:nvPicPr>
-        <p:blipFill>
-          <a:blip r:embed="rId4">
-            <a:extLst>
-              <a:ext uri="{28A0092B-C50C-407E-A947-70E740481C1C}">
-                <a14:useLocalDpi xmlns:a14="http://schemas.microsoft.com/office/drawing/2010/main" val="0"/>
-              </a:ext>
-            </a:extLst>
-          </a:blip>
-          <a:srcRect/>
-          <a:stretch>
-            <a:fillRect/>
-          </a:stretch>
-        </p:blipFill>
-        <p:spPr bwMode="auto">
-          <a:xfrm>
-            <a:off x="4677317" y="4149080"/>
-            <a:ext cx="2647950" cy="2114550"/>
-          </a:xfrm>
-          <a:prstGeom prst="rect">
-            <a:avLst/>
-          </a:prstGeom>
-          <a:noFill/>
-          <a:ln>
-            <a:noFill/>
-          </a:ln>
-          <a:extLst>
-            <a:ext uri="{909E8E84-426E-40DD-AFC4-6F175D3DCCD1}">
-              <a14:hiddenFill xmlns:a14="http://schemas.microsoft.com/office/drawing/2010/main">
-                <a:solidFill>
-                  <a:srgbClr val="FFFFFF"/>
-                </a:solidFill>
-              </a14:hiddenFill>
-            </a:ext>
-            <a:ext uri="{91240B29-F687-4F45-9708-019B960494DF}">
-              <a14:hiddenLine xmlns:a14="http://schemas.microsoft.com/office/drawing/2010/main" w="9525">
-                <a:solidFill>
-                  <a:srgbClr val="000000"/>
-                </a:solidFill>
-                <a:miter lim="800000"/>
-                <a:headEnd/>
-                <a:tailEnd/>
-              </a14:hiddenLine>
-            </a:ext>
-          </a:extLst>
-        </p:spPr>
-      </p:pic>
-      <p:sp>
-        <p:nvSpPr>
-          <p:cNvPr id="2" name="TextBox 1">
-            <a:extLst>
-              <a:ext uri="{FF2B5EF4-FFF2-40B4-BE49-F238E27FC236}">
-                <a16:creationId xmlns:a16="http://schemas.microsoft.com/office/drawing/2014/main" id="{6B6A86AB-9FCA-A95A-911F-FF88E8F1B24A}"/>
-              </a:ext>
-            </a:extLst>
-          </p:cNvPr>
-          <p:cNvSpPr txBox="1"/>
-          <p:nvPr/>
-        </p:nvSpPr>
-        <p:spPr>
-          <a:xfrm>
-            <a:off x="1822634" y="1151522"/>
-            <a:ext cx="5490657" cy="430887"/>
-          </a:xfrm>
-          <a:prstGeom prst="rect">
-            <a:avLst/>
-          </a:prstGeom>
-          <a:noFill/>
-        </p:spPr>
-        <p:txBody>
-          <a:bodyPr wrap="square" rtlCol="0">
-            <a:spAutoFit/>
-          </a:bodyPr>
-          <a:lstStyle/>
-          <a:p>
-            <a:r>
-              <a:rPr lang="ru-RU" sz="2200" dirty="0">
-                <a:latin typeface="Times New Roman" panose="02020603050405020304" pitchFamily="18" charset="0"/>
-                <a:cs typeface="Times New Roman" panose="02020603050405020304" pitchFamily="18" charset="0"/>
-              </a:rPr>
-              <a:t>Монтирование диска </a:t>
-            </a:r>
-            <a:r>
-              <a:rPr lang="en-US" sz="2200" dirty="0" err="1">
-                <a:latin typeface="Times New Roman" panose="02020603050405020304" pitchFamily="18" charset="0"/>
-                <a:cs typeface="Times New Roman" panose="02020603050405020304" pitchFamily="18" charset="0"/>
-              </a:rPr>
-              <a:t>ceph</a:t>
-            </a:r>
-            <a:r>
-              <a:rPr lang="ru-RU" sz="2200" dirty="0">
-                <a:latin typeface="Times New Roman" panose="02020603050405020304" pitchFamily="18" charset="0"/>
-                <a:cs typeface="Times New Roman" panose="02020603050405020304" pitchFamily="18" charset="0"/>
-              </a:rPr>
-              <a:t>. Настройка </a:t>
-            </a:r>
-            <a:r>
-              <a:rPr lang="en-US" sz="2200" dirty="0">
-                <a:latin typeface="Times New Roman" panose="02020603050405020304" pitchFamily="18" charset="0"/>
-                <a:cs typeface="Times New Roman" panose="02020603050405020304" pitchFamily="18" charset="0"/>
-              </a:rPr>
-              <a:t>ocfs2</a:t>
-            </a:r>
-            <a:endParaRPr lang="en-US" sz="2200" dirty="0"/>
-          </a:p>
-        </p:txBody>
-      </p:sp>
-    </p:spTree>
-    <p:extLst>
-      <p:ext uri="{BB962C8B-B14F-4D97-AF65-F5344CB8AC3E}">
-        <p14:creationId xmlns:p14="http://schemas.microsoft.com/office/powerpoint/2010/main" val="2011615274"/>
-      </p:ext>
-    </p:extLst>
-  </p:cSld>
-  <p:clrMapOvr>
-    <a:masterClrMapping/>
-  </p:clrMapOvr>
-  <p:transition>
-    <p:push dir="u"/>
-  </p:transition>
-</p:sld>
-</file>
-
-<file path=ppt/slides/slide18.xml><?xml version="1.0" encoding="utf-8"?>
-<p:sld xmlns:a="http://schemas.openxmlformats.org/drawingml/2006/main" xmlns:r="http://schemas.openxmlformats.org/officeDocument/2006/relationships" xmlns:p="http://schemas.openxmlformats.org/presentationml/2006/main">
-  <p:cSld>
-    <p:spTree>
-      <p:nvGrpSpPr>
-        <p:cNvPr id="1" name=""/>
-        <p:cNvGrpSpPr/>
-        <p:nvPr/>
-      </p:nvGrpSpPr>
-      <p:grpSpPr>
-        <a:xfrm>
-          <a:off x="0" y="0"/>
-          <a:ext cx="0" cy="0"/>
-          <a:chOff x="0" y="0"/>
-          <a:chExt cx="0" cy="0"/>
-        </a:xfrm>
-      </p:grpSpPr>
-      <p:sp>
-        <p:nvSpPr>
-          <p:cNvPr id="3" name="Заголовок 1">
-            <a:extLst>
-              <a:ext uri="{FF2B5EF4-FFF2-40B4-BE49-F238E27FC236}">
-                <a16:creationId xmlns:a16="http://schemas.microsoft.com/office/drawing/2014/main" id="{5F5F565D-21AE-2129-3A8D-F7B449234509}"/>
-              </a:ext>
-            </a:extLst>
-          </p:cNvPr>
-          <p:cNvSpPr txBox="1">
-            <a:spLocks/>
-          </p:cNvSpPr>
-          <p:nvPr/>
-        </p:nvSpPr>
-        <p:spPr>
-          <a:xfrm>
-            <a:off x="628650" y="345513"/>
-            <a:ext cx="7886700" cy="471586"/>
-          </a:xfrm>
-          <a:prstGeom prst="rect">
-            <a:avLst/>
-          </a:prstGeom>
-        </p:spPr>
-        <p:txBody>
-          <a:bodyPr vert="horz" lIns="91440" tIns="45720" rIns="91440" bIns="45720" rtlCol="0" anchor="ctr">
-            <a:noAutofit/>
-          </a:bodyPr>
-          <a:lstStyle>
-            <a:lvl1pPr algn="l" defTabSz="685800" rtl="0" eaLnBrk="1" latinLnBrk="0" hangingPunct="1">
-              <a:lnSpc>
-                <a:spcPct val="90000"/>
-              </a:lnSpc>
-              <a:spcBef>
-                <a:spcPct val="0"/>
-              </a:spcBef>
-              <a:buNone/>
-              <a:defRPr sz="3300" kern="1200">
-                <a:solidFill>
-                  <a:schemeClr val="tx1"/>
-                </a:solidFill>
-                <a:latin typeface="+mj-lt"/>
-                <a:ea typeface="+mj-ea"/>
-                <a:cs typeface="+mj-cs"/>
-              </a:defRPr>
-            </a:lvl1pPr>
-          </a:lstStyle>
-          <a:p>
-            <a:pPr algn="ctr"/>
-            <a:r>
-              <a:rPr lang="ru-RU" sz="2800" b="1" dirty="0">
-                <a:latin typeface="Times New Roman" panose="02020603050405020304" pitchFamily="18" charset="0"/>
-                <a:cs typeface="Times New Roman" panose="02020603050405020304" pitchFamily="18" charset="0"/>
-              </a:rPr>
-              <a:t>Настройка кластера виртуализации</a:t>
-            </a:r>
-          </a:p>
-        </p:txBody>
-      </p:sp>
-      <p:pic>
-        <p:nvPicPr>
-          <p:cNvPr id="16386" name="Picture 2">
-            <a:extLst>
-              <a:ext uri="{FF2B5EF4-FFF2-40B4-BE49-F238E27FC236}">
-                <a16:creationId xmlns:a16="http://schemas.microsoft.com/office/drawing/2014/main" id="{4CE72672-7D4C-49A4-7A29-82F5156851D0}"/>
-              </a:ext>
-            </a:extLst>
-          </p:cNvPr>
-          <p:cNvPicPr>
-            <a:picLocks noChangeAspect="1" noChangeArrowheads="1"/>
-          </p:cNvPicPr>
-          <p:nvPr/>
-        </p:nvPicPr>
-        <p:blipFill>
-          <a:blip r:embed="rId2">
-            <a:extLst>
-              <a:ext uri="{28A0092B-C50C-407E-A947-70E740481C1C}">
-                <a14:useLocalDpi xmlns:a14="http://schemas.microsoft.com/office/drawing/2010/main" val="0"/>
-              </a:ext>
-            </a:extLst>
-          </a:blip>
-          <a:srcRect/>
-          <a:stretch>
-            <a:fillRect/>
-          </a:stretch>
-        </p:blipFill>
-        <p:spPr bwMode="auto">
-          <a:xfrm>
-            <a:off x="702432" y="1431384"/>
-            <a:ext cx="7866085" cy="1265357"/>
-          </a:xfrm>
-          <a:prstGeom prst="rect">
-            <a:avLst/>
-          </a:prstGeom>
-          <a:noFill/>
-          <a:ln>
-            <a:noFill/>
-          </a:ln>
-          <a:extLst>
-            <a:ext uri="{909E8E84-426E-40DD-AFC4-6F175D3DCCD1}">
-              <a14:hiddenFill xmlns:a14="http://schemas.microsoft.com/office/drawing/2010/main">
-                <a:solidFill>
-                  <a:srgbClr val="FFFFFF"/>
-                </a:solidFill>
-              </a14:hiddenFill>
-            </a:ext>
-            <a:ext uri="{91240B29-F687-4F45-9708-019B960494DF}">
-              <a14:hiddenLine xmlns:a14="http://schemas.microsoft.com/office/drawing/2010/main" w="9525">
-                <a:solidFill>
-                  <a:srgbClr val="000000"/>
-                </a:solidFill>
-                <a:miter lim="800000"/>
-                <a:headEnd/>
-                <a:tailEnd/>
-              </a14:hiddenLine>
-            </a:ext>
-          </a:extLst>
-        </p:spPr>
-      </p:pic>
-      <p:pic>
-        <p:nvPicPr>
-          <p:cNvPr id="16387" name="Picture 3">
-            <a:extLst>
-              <a:ext uri="{FF2B5EF4-FFF2-40B4-BE49-F238E27FC236}">
-                <a16:creationId xmlns:a16="http://schemas.microsoft.com/office/drawing/2014/main" id="{B5C5F148-DF70-62F2-FBC7-ED1074D46312}"/>
-              </a:ext>
-            </a:extLst>
-          </p:cNvPr>
-          <p:cNvPicPr>
-            <a:picLocks noChangeAspect="1" noChangeArrowheads="1"/>
-          </p:cNvPicPr>
-          <p:nvPr/>
-        </p:nvPicPr>
-        <p:blipFill>
-          <a:blip r:embed="rId3">
-            <a:extLst>
-              <a:ext uri="{28A0092B-C50C-407E-A947-70E740481C1C}">
-                <a14:useLocalDpi xmlns:a14="http://schemas.microsoft.com/office/drawing/2010/main" val="0"/>
-              </a:ext>
-            </a:extLst>
-          </a:blip>
-          <a:srcRect/>
-          <a:stretch>
-            <a:fillRect/>
-          </a:stretch>
-        </p:blipFill>
-        <p:spPr bwMode="auto">
-          <a:xfrm>
-            <a:off x="1222625" y="2780928"/>
-            <a:ext cx="6698750" cy="3456384"/>
-          </a:xfrm>
-          <a:prstGeom prst="rect">
-            <a:avLst/>
-          </a:prstGeom>
-          <a:noFill/>
-          <a:ln>
-            <a:noFill/>
-          </a:ln>
-          <a:extLst>
-            <a:ext uri="{909E8E84-426E-40DD-AFC4-6F175D3DCCD1}">
-              <a14:hiddenFill xmlns:a14="http://schemas.microsoft.com/office/drawing/2010/main">
-                <a:solidFill>
-                  <a:srgbClr val="FFFFFF"/>
-                </a:solidFill>
-              </a14:hiddenFill>
-            </a:ext>
-            <a:ext uri="{91240B29-F687-4F45-9708-019B960494DF}">
-              <a14:hiddenLine xmlns:a14="http://schemas.microsoft.com/office/drawing/2010/main" w="9525">
-                <a:solidFill>
-                  <a:srgbClr val="000000"/>
-                </a:solidFill>
-                <a:miter lim="800000"/>
-                <a:headEnd/>
-                <a:tailEnd/>
-              </a14:hiddenLine>
-            </a:ext>
-          </a:extLst>
-        </p:spPr>
-      </p:pic>
-      <p:sp>
-        <p:nvSpPr>
-          <p:cNvPr id="2" name="TextBox 1">
-            <a:extLst>
-              <a:ext uri="{FF2B5EF4-FFF2-40B4-BE49-F238E27FC236}">
-                <a16:creationId xmlns:a16="http://schemas.microsoft.com/office/drawing/2014/main" id="{BBF92CB5-3ECC-252B-E067-08A53DFE72D6}"/>
-              </a:ext>
-            </a:extLst>
-          </p:cNvPr>
-          <p:cNvSpPr txBox="1"/>
-          <p:nvPr/>
-        </p:nvSpPr>
-        <p:spPr>
-          <a:xfrm>
-            <a:off x="2353932" y="1000497"/>
-            <a:ext cx="4563086" cy="430887"/>
-          </a:xfrm>
-          <a:prstGeom prst="rect">
-            <a:avLst/>
-          </a:prstGeom>
-          <a:noFill/>
-        </p:spPr>
-        <p:txBody>
-          <a:bodyPr wrap="square" rtlCol="0">
-            <a:spAutoFit/>
-          </a:bodyPr>
-          <a:lstStyle/>
-          <a:p>
-            <a:r>
-              <a:rPr lang="ru-RU" sz="2200" dirty="0">
-                <a:latin typeface="Times New Roman" panose="02020603050405020304" pitchFamily="18" charset="0"/>
-                <a:cs typeface="Times New Roman" panose="02020603050405020304" pitchFamily="18" charset="0"/>
-              </a:rPr>
-              <a:t>Настройка шаблона контейнеров</a:t>
-            </a:r>
-            <a:r>
-              <a:rPr lang="en-US" sz="2200" dirty="0">
-                <a:latin typeface="Times New Roman" panose="02020603050405020304" pitchFamily="18" charset="0"/>
-                <a:cs typeface="Times New Roman" panose="02020603050405020304" pitchFamily="18" charset="0"/>
-              </a:rPr>
-              <a:t> </a:t>
-            </a:r>
-            <a:r>
-              <a:rPr lang="en-US" sz="2200" dirty="0" err="1">
-                <a:latin typeface="Times New Roman" panose="02020603050405020304" pitchFamily="18" charset="0"/>
-                <a:cs typeface="Times New Roman" panose="02020603050405020304" pitchFamily="18" charset="0"/>
-              </a:rPr>
-              <a:t>lxc</a:t>
-            </a:r>
-            <a:endParaRPr lang="en-US" sz="2200" dirty="0"/>
-          </a:p>
-        </p:txBody>
-      </p:sp>
-    </p:spTree>
-    <p:extLst>
-      <p:ext uri="{BB962C8B-B14F-4D97-AF65-F5344CB8AC3E}">
-        <p14:creationId xmlns:p14="http://schemas.microsoft.com/office/powerpoint/2010/main" val="1468752486"/>
-      </p:ext>
-    </p:extLst>
-  </p:cSld>
-  <p:clrMapOvr>
-    <a:masterClrMapping/>
-  </p:clrMapOvr>
-  <p:transition>
-    <p:push dir="u"/>
-  </p:transition>
-</p:sld>
-</file>
-
-<file path=ppt/slides/slide19.xml><?xml version="1.0" encoding="utf-8"?>
-<p:sld xmlns:a="http://schemas.openxmlformats.org/drawingml/2006/main" xmlns:r="http://schemas.openxmlformats.org/officeDocument/2006/relationships" xmlns:p="http://schemas.openxmlformats.org/presentationml/2006/main">
-  <p:cSld>
-    <p:spTree>
-      <p:nvGrpSpPr>
-        <p:cNvPr id="1" name=""/>
-        <p:cNvGrpSpPr/>
-        <p:nvPr/>
-      </p:nvGrpSpPr>
-      <p:grpSpPr>
-        <a:xfrm>
-          <a:off x="0" y="0"/>
-          <a:ext cx="0" cy="0"/>
-          <a:chOff x="0" y="0"/>
-          <a:chExt cx="0" cy="0"/>
-        </a:xfrm>
-      </p:grpSpPr>
-      <p:sp>
-        <p:nvSpPr>
-          <p:cNvPr id="3" name="Заголовок 1">
-            <a:extLst>
-              <a:ext uri="{FF2B5EF4-FFF2-40B4-BE49-F238E27FC236}">
-                <a16:creationId xmlns:a16="http://schemas.microsoft.com/office/drawing/2014/main" id="{5F5F565D-21AE-2129-3A8D-F7B449234509}"/>
-              </a:ext>
-            </a:extLst>
-          </p:cNvPr>
-          <p:cNvSpPr txBox="1">
-            <a:spLocks/>
-          </p:cNvSpPr>
-          <p:nvPr/>
-        </p:nvSpPr>
-        <p:spPr>
-          <a:xfrm>
-            <a:off x="628650" y="345513"/>
-            <a:ext cx="7886700" cy="471586"/>
-          </a:xfrm>
-          <a:prstGeom prst="rect">
-            <a:avLst/>
-          </a:prstGeom>
-        </p:spPr>
-        <p:txBody>
-          <a:bodyPr vert="horz" lIns="91440" tIns="45720" rIns="91440" bIns="45720" rtlCol="0" anchor="ctr">
-            <a:noAutofit/>
-          </a:bodyPr>
-          <a:lstStyle>
-            <a:lvl1pPr algn="l" defTabSz="685800" rtl="0" eaLnBrk="1" latinLnBrk="0" hangingPunct="1">
-              <a:lnSpc>
-                <a:spcPct val="90000"/>
-              </a:lnSpc>
-              <a:spcBef>
-                <a:spcPct val="0"/>
-              </a:spcBef>
-              <a:buNone/>
-              <a:defRPr sz="3300" kern="1200">
-                <a:solidFill>
-                  <a:schemeClr val="tx1"/>
-                </a:solidFill>
-                <a:latin typeface="+mj-lt"/>
-                <a:ea typeface="+mj-ea"/>
-                <a:cs typeface="+mj-cs"/>
-              </a:defRPr>
-            </a:lvl1pPr>
-          </a:lstStyle>
-          <a:p>
-            <a:pPr algn="ctr"/>
-            <a:r>
-              <a:rPr lang="ru-RU" sz="2800" b="1" dirty="0">
-                <a:latin typeface="Times New Roman" panose="02020603050405020304" pitchFamily="18" charset="0"/>
-                <a:cs typeface="Times New Roman" panose="02020603050405020304" pitchFamily="18" charset="0"/>
-              </a:rPr>
-              <a:t>Настройка контейнера тестового сайта</a:t>
-            </a:r>
-          </a:p>
-        </p:txBody>
-      </p:sp>
-      <p:pic>
-        <p:nvPicPr>
-          <p:cNvPr id="17410" name="Picture 2">
-            <a:extLst>
-              <a:ext uri="{FF2B5EF4-FFF2-40B4-BE49-F238E27FC236}">
-                <a16:creationId xmlns:a16="http://schemas.microsoft.com/office/drawing/2014/main" id="{1FB62258-87EF-E5F7-CB1F-8D422D52E262}"/>
-              </a:ext>
-            </a:extLst>
-          </p:cNvPr>
-          <p:cNvPicPr>
-            <a:picLocks noChangeAspect="1" noChangeArrowheads="1"/>
-          </p:cNvPicPr>
-          <p:nvPr/>
-        </p:nvPicPr>
-        <p:blipFill>
-          <a:blip r:embed="rId2">
-            <a:extLst>
-              <a:ext uri="{28A0092B-C50C-407E-A947-70E740481C1C}">
-                <a14:useLocalDpi xmlns:a14="http://schemas.microsoft.com/office/drawing/2010/main" val="0"/>
-              </a:ext>
-            </a:extLst>
-          </a:blip>
-          <a:srcRect/>
-          <a:stretch>
-            <a:fillRect/>
-          </a:stretch>
-        </p:blipFill>
-        <p:spPr bwMode="auto">
-          <a:xfrm>
-            <a:off x="1787674" y="1544970"/>
-            <a:ext cx="5568652" cy="1812022"/>
-          </a:xfrm>
-          <a:prstGeom prst="rect">
-            <a:avLst/>
-          </a:prstGeom>
-          <a:noFill/>
-          <a:ln>
-            <a:noFill/>
-          </a:ln>
-          <a:extLst>
-            <a:ext uri="{909E8E84-426E-40DD-AFC4-6F175D3DCCD1}">
-              <a14:hiddenFill xmlns:a14="http://schemas.microsoft.com/office/drawing/2010/main">
-                <a:solidFill>
-                  <a:srgbClr val="FFFFFF"/>
-                </a:solidFill>
-              </a14:hiddenFill>
-            </a:ext>
-            <a:ext uri="{91240B29-F687-4F45-9708-019B960494DF}">
-              <a14:hiddenLine xmlns:a14="http://schemas.microsoft.com/office/drawing/2010/main" w="9525">
-                <a:solidFill>
-                  <a:srgbClr val="000000"/>
-                </a:solidFill>
-                <a:miter lim="800000"/>
-                <a:headEnd/>
-                <a:tailEnd/>
-              </a14:hiddenLine>
-            </a:ext>
-          </a:extLst>
-        </p:spPr>
-      </p:pic>
-      <p:pic>
-        <p:nvPicPr>
-          <p:cNvPr id="17411" name="Picture 3">
-            <a:extLst>
-              <a:ext uri="{FF2B5EF4-FFF2-40B4-BE49-F238E27FC236}">
-                <a16:creationId xmlns:a16="http://schemas.microsoft.com/office/drawing/2014/main" id="{F73D11C6-E7CA-F251-E046-EFEE46367BDC}"/>
-              </a:ext>
-            </a:extLst>
-          </p:cNvPr>
-          <p:cNvPicPr>
-            <a:picLocks noChangeAspect="1" noChangeArrowheads="1"/>
-          </p:cNvPicPr>
-          <p:nvPr/>
-        </p:nvPicPr>
-        <p:blipFill>
-          <a:blip r:embed="rId3">
-            <a:extLst>
-              <a:ext uri="{28A0092B-C50C-407E-A947-70E740481C1C}">
-                <a14:useLocalDpi xmlns:a14="http://schemas.microsoft.com/office/drawing/2010/main" val="0"/>
-              </a:ext>
-            </a:extLst>
-          </a:blip>
-          <a:srcRect/>
-          <a:stretch>
-            <a:fillRect/>
-          </a:stretch>
-        </p:blipFill>
-        <p:spPr bwMode="auto">
-          <a:xfrm>
-            <a:off x="2711792" y="3440669"/>
-            <a:ext cx="3720413" cy="1080120"/>
-          </a:xfrm>
-          <a:prstGeom prst="rect">
-            <a:avLst/>
-          </a:prstGeom>
-          <a:noFill/>
-          <a:ln>
-            <a:noFill/>
-          </a:ln>
-          <a:extLst>
-            <a:ext uri="{909E8E84-426E-40DD-AFC4-6F175D3DCCD1}">
-              <a14:hiddenFill xmlns:a14="http://schemas.microsoft.com/office/drawing/2010/main">
-                <a:solidFill>
-                  <a:srgbClr val="FFFFFF"/>
-                </a:solidFill>
-              </a14:hiddenFill>
-            </a:ext>
-            <a:ext uri="{91240B29-F687-4F45-9708-019B960494DF}">
-              <a14:hiddenLine xmlns:a14="http://schemas.microsoft.com/office/drawing/2010/main" w="9525">
-                <a:solidFill>
-                  <a:srgbClr val="000000"/>
-                </a:solidFill>
-                <a:miter lim="800000"/>
-                <a:headEnd/>
-                <a:tailEnd/>
-              </a14:hiddenLine>
-            </a:ext>
-          </a:extLst>
-        </p:spPr>
-      </p:pic>
-      <p:pic>
-        <p:nvPicPr>
-          <p:cNvPr id="4" name="Рисунок 3">
-            <a:extLst>
-              <a:ext uri="{FF2B5EF4-FFF2-40B4-BE49-F238E27FC236}">
-                <a16:creationId xmlns:a16="http://schemas.microsoft.com/office/drawing/2014/main" id="{7B92B1D8-0C1C-CF6F-0B85-E8D2D6CC0284}"/>
-              </a:ext>
-            </a:extLst>
-          </p:cNvPr>
-          <p:cNvPicPr>
-            <a:picLocks noChangeAspect="1"/>
-          </p:cNvPicPr>
-          <p:nvPr/>
-        </p:nvPicPr>
-        <p:blipFill>
-          <a:blip r:embed="rId4"/>
-          <a:stretch>
-            <a:fillRect/>
-          </a:stretch>
-        </p:blipFill>
-        <p:spPr>
-          <a:xfrm>
-            <a:off x="2459632" y="4587575"/>
-            <a:ext cx="4224732" cy="2076563"/>
-          </a:xfrm>
-          <a:prstGeom prst="rect">
-            <a:avLst/>
-          </a:prstGeom>
-        </p:spPr>
-      </p:pic>
-      <p:sp>
-        <p:nvSpPr>
-          <p:cNvPr id="5" name="TextBox 4">
-            <a:extLst>
-              <a:ext uri="{FF2B5EF4-FFF2-40B4-BE49-F238E27FC236}">
-                <a16:creationId xmlns:a16="http://schemas.microsoft.com/office/drawing/2014/main" id="{5E8FDA4E-4855-62F9-87E4-30D412A3D1D4}"/>
-              </a:ext>
-            </a:extLst>
-          </p:cNvPr>
-          <p:cNvSpPr txBox="1"/>
-          <p:nvPr/>
-        </p:nvSpPr>
-        <p:spPr>
-          <a:xfrm>
-            <a:off x="1559020" y="1081294"/>
-            <a:ext cx="6025959" cy="430887"/>
-          </a:xfrm>
-          <a:prstGeom prst="rect">
-            <a:avLst/>
-          </a:prstGeom>
-          <a:noFill/>
-        </p:spPr>
-        <p:txBody>
-          <a:bodyPr wrap="square" rtlCol="0">
-            <a:spAutoFit/>
-          </a:bodyPr>
-          <a:lstStyle/>
-          <a:p>
-            <a:r>
-              <a:rPr lang="ru-RU" sz="2200" dirty="0">
-                <a:latin typeface="Times New Roman" panose="02020603050405020304" pitchFamily="18" charset="0"/>
-                <a:cs typeface="Times New Roman" panose="02020603050405020304" pitchFamily="18" charset="0"/>
-              </a:rPr>
-              <a:t>Настройка контейнера тестового сайта компании</a:t>
-            </a:r>
-            <a:endParaRPr lang="en-US" sz="2200" dirty="0"/>
-          </a:p>
-        </p:txBody>
-      </p:sp>
-    </p:spTree>
-    <p:extLst>
-      <p:ext uri="{BB962C8B-B14F-4D97-AF65-F5344CB8AC3E}">
-        <p14:creationId xmlns:p14="http://schemas.microsoft.com/office/powerpoint/2010/main" val="2346655458"/>
-      </p:ext>
-    </p:extLst>
-  </p:cSld>
-  <p:clrMapOvr>
-    <a:masterClrMapping/>
-  </p:clrMapOvr>
-  <p:transition>
-    <p:push dir="u"/>
-  </p:transition>
-</p:sld>
-</file>
-
-<file path=ppt/slides/slide2.xml><?xml version="1.0" encoding="utf-8"?>
-<p:sld xmlns:a="http://schemas.openxmlformats.org/drawingml/2006/main" xmlns:r="http://schemas.openxmlformats.org/officeDocument/2006/relationships" xmlns:p="http://schemas.openxmlformats.org/presentationml/2006/main">
-  <p:cSld>
-    <p:bg>
-      <p:bgRef idx="1001">
-        <a:schemeClr val="bg1"/>
-      </p:bgRef>
-    </p:bg>
-    <p:spTree>
-      <p:nvGrpSpPr>
-        <p:cNvPr id="1" name=""/>
-        <p:cNvGrpSpPr/>
-        <p:nvPr/>
-      </p:nvGrpSpPr>
-      <p:grpSpPr>
-        <a:xfrm>
-          <a:off x="0" y="0"/>
-          <a:ext cx="0" cy="0"/>
-          <a:chOff x="0" y="0"/>
-          <a:chExt cx="0" cy="0"/>
-        </a:xfrm>
-      </p:grpSpPr>
-      <p:sp>
-        <p:nvSpPr>
-          <p:cNvPr id="2" name="Прямоугольник 1"/>
-          <p:cNvSpPr/>
-          <p:nvPr/>
-        </p:nvSpPr>
-        <p:spPr>
-          <a:xfrm>
-            <a:off x="0" y="260648"/>
-            <a:ext cx="9144000" cy="523220"/>
-          </a:xfrm>
-          <a:prstGeom prst="rect">
-            <a:avLst/>
-          </a:prstGeom>
-        </p:spPr>
-        <p:txBody>
-          <a:bodyPr wrap="square">
-            <a:spAutoFit/>
-          </a:bodyPr>
-          <a:lstStyle/>
-          <a:p>
-            <a:pPr algn="ctr"/>
-            <a:r>
-              <a:rPr lang="ru-RU" sz="2800" b="1" dirty="0">
-                <a:latin typeface="Times New Roman" pitchFamily="18" charset="0"/>
-                <a:cs typeface="Times New Roman" pitchFamily="18" charset="0"/>
-              </a:rPr>
-              <a:t>Задание на дипломный проект</a:t>
-            </a:r>
-          </a:p>
-        </p:txBody>
-      </p:sp>
-      <p:sp>
-        <p:nvSpPr>
-          <p:cNvPr id="3" name="TextBox 2"/>
-          <p:cNvSpPr txBox="1"/>
-          <p:nvPr/>
-        </p:nvSpPr>
-        <p:spPr>
-          <a:xfrm>
-            <a:off x="467544" y="1052736"/>
-            <a:ext cx="8208912" cy="4493538"/>
-          </a:xfrm>
-          <a:prstGeom prst="rect">
-            <a:avLst/>
-          </a:prstGeom>
-          <a:noFill/>
-        </p:spPr>
-        <p:txBody>
-          <a:bodyPr wrap="square" rtlCol="0">
-            <a:spAutoFit/>
-          </a:bodyPr>
-          <a:lstStyle/>
-          <a:p>
-            <a:pPr algn="just">
-              <a:tabLst>
-                <a:tab pos="357188" algn="l"/>
-              </a:tabLst>
-            </a:pPr>
-            <a:r>
-              <a:rPr lang="ru-RU" sz="2200" dirty="0">
-                <a:latin typeface="Times New Roman" panose="02020603050405020304" pitchFamily="18" charset="0"/>
-                <a:cs typeface="Times New Roman" panose="02020603050405020304" pitchFamily="18" charset="0"/>
-              </a:rPr>
-              <a:t>	Произвести администрирование локальной вычислительной сети (далее - ЛВС) центра обработки данных.</a:t>
-            </a:r>
-          </a:p>
-          <a:p>
-            <a:pPr algn="just">
-              <a:tabLst>
-                <a:tab pos="357188" algn="l"/>
-              </a:tabLst>
-            </a:pPr>
-            <a:r>
-              <a:rPr lang="ru-RU" sz="2200" dirty="0">
-                <a:latin typeface="Times New Roman" panose="02020603050405020304" pitchFamily="18" charset="0"/>
-                <a:cs typeface="Times New Roman" panose="02020603050405020304" pitchFamily="18" charset="0"/>
-              </a:rPr>
-              <a:t>	Создать подробную блок-схему ЛВС Центра обработки данных (далее - ЦОД), основываясь на требованиях к архитектуре ЛВС ЦОДов, отражающей локальную сеть.</a:t>
-            </a:r>
-          </a:p>
-          <a:p>
-            <a:pPr algn="just">
-              <a:tabLst>
-                <a:tab pos="357188" algn="l"/>
-              </a:tabLst>
-            </a:pPr>
-            <a:r>
-              <a:rPr lang="ru-RU" sz="2200" dirty="0">
-                <a:latin typeface="Times New Roman" panose="02020603050405020304" pitchFamily="18" charset="0"/>
-                <a:cs typeface="Times New Roman" panose="02020603050405020304" pitchFamily="18" charset="0"/>
-              </a:rPr>
-              <a:t>	Создать виртуальные машины для серверов на основе выбранного дистрибутива </a:t>
-            </a:r>
-            <a:r>
-              <a:rPr lang="en-US" sz="2200" dirty="0">
-                <a:latin typeface="Times New Roman" panose="02020603050405020304" pitchFamily="18" charset="0"/>
-                <a:cs typeface="Times New Roman" panose="02020603050405020304" pitchFamily="18" charset="0"/>
-              </a:rPr>
-              <a:t>Linux</a:t>
-            </a:r>
-            <a:r>
-              <a:rPr lang="ru-RU" sz="2200" dirty="0">
-                <a:latin typeface="Times New Roman" panose="02020603050405020304" pitchFamily="18" charset="0"/>
-                <a:cs typeface="Times New Roman" panose="02020603050405020304" pitchFamily="18" charset="0"/>
-              </a:rPr>
-              <a:t> и настроить их работу в соответствии с подробной блок-схемой ЛВС ЦОДа и в соответствии с выбранными технологиями для создания отказоустойчивых решений.</a:t>
-            </a:r>
-          </a:p>
-          <a:p>
-            <a:pPr algn="just">
-              <a:tabLst>
-                <a:tab pos="357188" algn="l"/>
-              </a:tabLst>
-            </a:pPr>
-            <a:r>
-              <a:rPr lang="ru-RU" sz="2200" dirty="0">
-                <a:latin typeface="Times New Roman" panose="02020603050405020304" pitchFamily="18" charset="0"/>
-                <a:cs typeface="Times New Roman" panose="02020603050405020304" pitchFamily="18" charset="0"/>
-              </a:rPr>
-              <a:t>	Проверить работоспособность сети путем вывода из строя рабочих элементов и проверки оставшейся архитектуры на отказоустойчивость.</a:t>
-            </a:r>
-          </a:p>
-        </p:txBody>
-      </p:sp>
-    </p:spTree>
-    <p:extLst>
-      <p:ext uri="{BB962C8B-B14F-4D97-AF65-F5344CB8AC3E}">
-        <p14:creationId xmlns:p14="http://schemas.microsoft.com/office/powerpoint/2010/main" val="1577785372"/>
-      </p:ext>
-    </p:extLst>
-  </p:cSld>
-  <p:clrMapOvr>
-    <a:overrideClrMapping bg1="lt1" tx1="dk1" bg2="lt2" tx2="dk2" accent1="accent1" accent2="accent2" accent3="accent3" accent4="accent4" accent5="accent5" accent6="accent6" hlink="hlink" folHlink="folHlink"/>
-  </p:clrMapOvr>
-  <p:transition>
-    <p:push dir="u"/>
-  </p:transition>
-</p:sld>
-</file>
-
-<file path=ppt/slides/slide20.xml><?xml version="1.0" encoding="utf-8"?>
 <p:sld xmlns:a="http://schemas.openxmlformats.org/drawingml/2006/main" xmlns:r="http://schemas.openxmlformats.org/officeDocument/2006/relationships" xmlns:p="http://schemas.openxmlformats.org/presentationml/2006/main">
   <p:cSld>
     <p:spTree>
@@ -6928,7 +3917,7 @@
 </p:sld>
 </file>
 
-<file path=ppt/slides/slide21.xml><?xml version="1.0" encoding="utf-8"?>
+<file path=ppt/slides/slide11.xml><?xml version="1.0" encoding="utf-8"?>
 <p:sld xmlns:a="http://schemas.openxmlformats.org/drawingml/2006/main" xmlns:r="http://schemas.openxmlformats.org/officeDocument/2006/relationships" xmlns:p="http://schemas.openxmlformats.org/presentationml/2006/main">
   <p:cSld>
     <p:spTree>
@@ -7132,7 +4121,7 @@
 </p:sld>
 </file>
 
-<file path=ppt/slides/slide22.xml><?xml version="1.0" encoding="utf-8"?>
+<file path=ppt/slides/slide12.xml><?xml version="1.0" encoding="utf-8"?>
 <p:sld xmlns:a="http://schemas.openxmlformats.org/drawingml/2006/main" xmlns:r="http://schemas.openxmlformats.org/officeDocument/2006/relationships" xmlns:p="http://schemas.openxmlformats.org/presentationml/2006/main">
   <p:cSld>
     <p:spTree>
@@ -7423,7 +4412,7 @@
 </p:sld>
 </file>
 
-<file path=ppt/slides/slide23.xml><?xml version="1.0" encoding="utf-8"?>
+<file path=ppt/slides/slide13.xml><?xml version="1.0" encoding="utf-8"?>
 <p:sld xmlns:a="http://schemas.openxmlformats.org/drawingml/2006/main" xmlns:r="http://schemas.openxmlformats.org/officeDocument/2006/relationships" xmlns:p="http://schemas.openxmlformats.org/presentationml/2006/main">
   <p:cSld>
     <p:spTree>
@@ -7652,7 +4641,7 @@
                 <a:latin typeface="Times New Roman" panose="02020603050405020304" pitchFamily="18" charset="0"/>
                 <a:cs typeface="Times New Roman" panose="02020603050405020304" pitchFamily="18" charset="0"/>
               </a:rPr>
-              <a:t>Переключение при поломки провайдера</a:t>
+              <a:t>Переключение при поломке провайдера</a:t>
             </a:r>
             <a:endParaRPr lang="en-US" sz="2200" dirty="0"/>
           </a:p>
@@ -7714,7 +4703,7 @@
 </p:sld>
 </file>
 
-<file path=ppt/slides/slide24.xml><?xml version="1.0" encoding="utf-8"?>
+<file path=ppt/slides/slide14.xml><?xml version="1.0" encoding="utf-8"?>
 <p:sld xmlns:a="http://schemas.openxmlformats.org/drawingml/2006/main" xmlns:r="http://schemas.openxmlformats.org/officeDocument/2006/relationships" xmlns:p="http://schemas.openxmlformats.org/presentationml/2006/main">
   <p:cSld>
     <p:spTree>
@@ -7953,7 +4942,7 @@
         </p:nvSpPr>
         <p:spPr>
           <a:xfrm>
-            <a:off x="2221845" y="441242"/>
+            <a:off x="2221844" y="448620"/>
             <a:ext cx="4700301" cy="430887"/>
           </a:xfrm>
           <a:prstGeom prst="rect">
@@ -7986,7 +4975,7 @@
                 <a:latin typeface="Times New Roman" panose="02020603050405020304" pitchFamily="18" charset="0"/>
                 <a:cs typeface="Times New Roman" panose="02020603050405020304" pitchFamily="18" charset="0"/>
               </a:rPr>
-              <a:t> до аврии</a:t>
+              <a:t> до аварии</a:t>
             </a:r>
             <a:endParaRPr lang="en-US" sz="2200" dirty="0"/>
           </a:p>
@@ -8008,7 +4997,7 @@
 </p:sld>
 </file>
 
-<file path=ppt/slides/slide25.xml><?xml version="1.0" encoding="utf-8"?>
+<file path=ppt/slides/slide15.xml><?xml version="1.0" encoding="utf-8"?>
 <p:sld xmlns:a="http://schemas.openxmlformats.org/drawingml/2006/main" xmlns:r="http://schemas.openxmlformats.org/officeDocument/2006/relationships" xmlns:p="http://schemas.openxmlformats.org/presentationml/2006/main">
   <p:cSld>
     <p:spTree>
@@ -8283,7 +5272,7 @@
 </p:sld>
 </file>
 
-<file path=ppt/slides/slide26.xml><?xml version="1.0" encoding="utf-8"?>
+<file path=ppt/slides/slide16.xml><?xml version="1.0" encoding="utf-8"?>
 <p:sld xmlns:a="http://schemas.openxmlformats.org/drawingml/2006/main" xmlns:r="http://schemas.openxmlformats.org/officeDocument/2006/relationships" xmlns:p="http://schemas.openxmlformats.org/presentationml/2006/main">
   <p:cSld>
     <p:spTree>
@@ -8544,7 +5533,7 @@
 </p:sld>
 </file>
 
-<file path=ppt/slides/slide27.xml><?xml version="1.0" encoding="utf-8"?>
+<file path=ppt/slides/slide17.xml><?xml version="1.0" encoding="utf-8"?>
 <p:sld xmlns:a="http://schemas.openxmlformats.org/drawingml/2006/main" xmlns:r="http://schemas.openxmlformats.org/officeDocument/2006/relationships" xmlns:p="http://schemas.openxmlformats.org/presentationml/2006/main">
   <p:cSld>
     <p:bg>
@@ -8578,8 +5567,8 @@
         </p:nvSpPr>
         <p:spPr>
           <a:xfrm>
-            <a:off x="251520" y="764540"/>
-            <a:ext cx="8640960" cy="5904656"/>
+            <a:off x="449542" y="1196752"/>
+            <a:ext cx="8244916" cy="3888432"/>
           </a:xfrm>
         </p:spPr>
         <p:txBody>
@@ -8616,7 +5605,7 @@
                 <a:latin typeface="Times New Roman" panose="02020603050405020304" pitchFamily="18" charset="0"/>
                 <a:cs typeface="Times New Roman" panose="02020603050405020304" pitchFamily="18" charset="0"/>
               </a:rPr>
-              <a:t> 2, а также которая подходит для предоставления услуг </a:t>
+              <a:t> 2,  подходящая для предоставления услуг </a:t>
             </a:r>
             <a:r>
               <a:rPr lang="ru-RU" sz="2200" dirty="0" err="1">
@@ -8630,95 +5619,21 @@
                 <a:latin typeface="Times New Roman" panose="02020603050405020304" pitchFamily="18" charset="0"/>
                 <a:cs typeface="Times New Roman" panose="02020603050405020304" pitchFamily="18" charset="0"/>
               </a:rPr>
-              <a:t> в корпоративной сети компании.</a:t>
-            </a:r>
-          </a:p>
-          <a:p>
-            <a:pPr marL="0" indent="0" algn="just">
-              <a:spcBef>
-                <a:spcPts val="0"/>
-              </a:spcBef>
-              <a:buNone/>
-              <a:tabLst>
-                <a:tab pos="357188" algn="l"/>
-              </a:tabLst>
-            </a:pPr>
+              <a:t> в корпоративной сети компании. Были использованы и настроены представленные технологии для реализации отказоустойчивости на основе </a:t>
+            </a:r>
+            <a:r>
+              <a:rPr lang="en-US" sz="2200" dirty="0">
+                <a:latin typeface="Times New Roman" panose="02020603050405020304" pitchFamily="18" charset="0"/>
+                <a:cs typeface="Times New Roman" panose="02020603050405020304" pitchFamily="18" charset="0"/>
+              </a:rPr>
+              <a:t>Linux</a:t>
+            </a:r>
             <a:r>
               <a:rPr lang="ru-RU" sz="2200" dirty="0">
                 <a:latin typeface="Times New Roman" panose="02020603050405020304" pitchFamily="18" charset="0"/>
                 <a:cs typeface="Times New Roman" panose="02020603050405020304" pitchFamily="18" charset="0"/>
               </a:rPr>
-              <a:t>	В ходе выполнения дипломного проекта были рассмотрены и проанализированы основные технологии, применяемые в локальных вычислительных сетях для реализации отказоустойчивости, высокой доступности и виртуализации сервисов, например механизмы контейнеризации </a:t>
-            </a:r>
-            <a:r>
-              <a:rPr lang="ru-RU" sz="2200" dirty="0" err="1">
-                <a:latin typeface="Times New Roman" panose="02020603050405020304" pitchFamily="18" charset="0"/>
-                <a:cs typeface="Times New Roman" panose="02020603050405020304" pitchFamily="18" charset="0"/>
-              </a:rPr>
-              <a:t>Lxc</a:t>
-            </a:r>
-            <a:r>
-              <a:rPr lang="ru-RU" sz="2200" dirty="0">
-                <a:latin typeface="Times New Roman" panose="02020603050405020304" pitchFamily="18" charset="0"/>
-                <a:cs typeface="Times New Roman" panose="02020603050405020304" pitchFamily="18" charset="0"/>
-              </a:rPr>
-              <a:t>, кластер высокой доступности </a:t>
-            </a:r>
-            <a:r>
-              <a:rPr lang="ru-RU" sz="2200" dirty="0" err="1">
-                <a:latin typeface="Times New Roman" panose="02020603050405020304" pitchFamily="18" charset="0"/>
-                <a:cs typeface="Times New Roman" panose="02020603050405020304" pitchFamily="18" charset="0"/>
-              </a:rPr>
-              <a:t>keepalived</a:t>
-            </a:r>
-            <a:r>
-              <a:rPr lang="ru-RU" sz="2200" dirty="0">
-                <a:latin typeface="Times New Roman" panose="02020603050405020304" pitchFamily="18" charset="0"/>
-                <a:cs typeface="Times New Roman" panose="02020603050405020304" pitchFamily="18" charset="0"/>
-              </a:rPr>
-              <a:t>, отказоустойчивый кластер </a:t>
-            </a:r>
-            <a:r>
-              <a:rPr lang="ru-RU" sz="2200" dirty="0" err="1">
-                <a:latin typeface="Times New Roman" panose="02020603050405020304" pitchFamily="18" charset="0"/>
-                <a:cs typeface="Times New Roman" panose="02020603050405020304" pitchFamily="18" charset="0"/>
-              </a:rPr>
-              <a:t>corosync</a:t>
-            </a:r>
-            <a:r>
-              <a:rPr lang="ru-RU" sz="2200" dirty="0">
-                <a:latin typeface="Times New Roman" panose="02020603050405020304" pitchFamily="18" charset="0"/>
-                <a:cs typeface="Times New Roman" panose="02020603050405020304" pitchFamily="18" charset="0"/>
-              </a:rPr>
-              <a:t> </a:t>
-            </a:r>
-            <a:r>
-              <a:rPr lang="ru-RU" sz="2200" dirty="0" err="1">
-                <a:latin typeface="Times New Roman" panose="02020603050405020304" pitchFamily="18" charset="0"/>
-                <a:cs typeface="Times New Roman" panose="02020603050405020304" pitchFamily="18" charset="0"/>
-              </a:rPr>
-              <a:t>pacemaker</a:t>
-            </a:r>
-            <a:r>
-              <a:rPr lang="ru-RU" sz="2200" dirty="0">
-                <a:latin typeface="Times New Roman" panose="02020603050405020304" pitchFamily="18" charset="0"/>
-                <a:cs typeface="Times New Roman" panose="02020603050405020304" pitchFamily="18" charset="0"/>
-              </a:rPr>
-              <a:t>, и отказоустойчивое хранилище </a:t>
-            </a:r>
-            <a:r>
-              <a:rPr lang="ru-RU" sz="2200" dirty="0" err="1">
-                <a:latin typeface="Times New Roman" panose="02020603050405020304" pitchFamily="18" charset="0"/>
-                <a:cs typeface="Times New Roman" panose="02020603050405020304" pitchFamily="18" charset="0"/>
-              </a:rPr>
-              <a:t>ceph</a:t>
-            </a:r>
-            <a:r>
-              <a:rPr lang="ru-RU" sz="2200" dirty="0">
-                <a:latin typeface="Times New Roman" panose="02020603050405020304" pitchFamily="18" charset="0"/>
-                <a:cs typeface="Times New Roman" panose="02020603050405020304" pitchFamily="18" charset="0"/>
-              </a:rPr>
-              <a:t>. Все рассмотренные технологии были настроены и реализованы на базе операционной системы Linux, а также было произведено тестирование локальной вычислительной сети на отказоустойчивость при авариях на важных элементах сети, которое показало высокую отказоустойчивость архитектуры, которая также была разработана с учетом возможности масштабируемости и интеграции в корпоративную сеть предприятия ЗАО МНИТИ.</a:t>
+              <a:t>, а также Было произведено тестирование локальной вычислительной сети на отказоустойчивость при авариях на важных элементах сети, которое показало высокую отказоустойчивость архитектуры.</a:t>
             </a:r>
           </a:p>
         </p:txBody>
@@ -8771,7 +5686,7 @@
 </p:sld>
 </file>
 
-<file path=ppt/slides/slide28.xml><?xml version="1.0" encoding="utf-8"?>
+<file path=ppt/slides/slide18.xml><?xml version="1.0" encoding="utf-8"?>
 <p:sld xmlns:a="http://schemas.openxmlformats.org/drawingml/2006/main" xmlns:r="http://schemas.openxmlformats.org/officeDocument/2006/relationships" xmlns:p="http://schemas.openxmlformats.org/presentationml/2006/main">
   <p:cSld>
     <p:spTree>
@@ -8830,6 +5745,169 @@
   </p:cSld>
   <p:clrMapOvr>
     <a:masterClrMapping/>
+  </p:clrMapOvr>
+  <p:transition>
+    <p:push dir="u"/>
+  </p:transition>
+</p:sld>
+</file>
+
+<file path=ppt/slides/slide2.xml><?xml version="1.0" encoding="utf-8"?>
+<p:sld xmlns:a="http://schemas.openxmlformats.org/drawingml/2006/main" xmlns:r="http://schemas.openxmlformats.org/officeDocument/2006/relationships" xmlns:p="http://schemas.openxmlformats.org/presentationml/2006/main">
+  <p:cSld>
+    <p:bg>
+      <p:bgRef idx="1001">
+        <a:schemeClr val="bg1"/>
+      </p:bgRef>
+    </p:bg>
+    <p:spTree>
+      <p:nvGrpSpPr>
+        <p:cNvPr id="1" name=""/>
+        <p:cNvGrpSpPr/>
+        <p:nvPr/>
+      </p:nvGrpSpPr>
+      <p:grpSpPr>
+        <a:xfrm>
+          <a:off x="0" y="0"/>
+          <a:ext cx="0" cy="0"/>
+          <a:chOff x="0" y="0"/>
+          <a:chExt cx="0" cy="0"/>
+        </a:xfrm>
+      </p:grpSpPr>
+      <p:sp>
+        <p:nvSpPr>
+          <p:cNvPr id="2" name="Прямоугольник 1"/>
+          <p:cNvSpPr/>
+          <p:nvPr/>
+        </p:nvSpPr>
+        <p:spPr>
+          <a:xfrm>
+            <a:off x="0" y="260648"/>
+            <a:ext cx="9144000" cy="523220"/>
+          </a:xfrm>
+          <a:prstGeom prst="rect">
+            <a:avLst/>
+          </a:prstGeom>
+        </p:spPr>
+        <p:txBody>
+          <a:bodyPr wrap="square">
+            <a:spAutoFit/>
+          </a:bodyPr>
+          <a:lstStyle/>
+          <a:p>
+            <a:pPr algn="ctr"/>
+            <a:r>
+              <a:rPr lang="ru-RU" sz="2800" b="1" dirty="0">
+                <a:latin typeface="Times New Roman" pitchFamily="18" charset="0"/>
+                <a:cs typeface="Times New Roman" pitchFamily="18" charset="0"/>
+              </a:rPr>
+              <a:t>Задание на дипломный проект</a:t>
+            </a:r>
+          </a:p>
+        </p:txBody>
+      </p:sp>
+      <p:sp>
+        <p:nvSpPr>
+          <p:cNvPr id="3" name="TextBox 2"/>
+          <p:cNvSpPr txBox="1"/>
+          <p:nvPr/>
+        </p:nvSpPr>
+        <p:spPr>
+          <a:xfrm>
+            <a:off x="467544" y="1052736"/>
+            <a:ext cx="8208912" cy="4493538"/>
+          </a:xfrm>
+          <a:prstGeom prst="rect">
+            <a:avLst/>
+          </a:prstGeom>
+          <a:noFill/>
+        </p:spPr>
+        <p:txBody>
+          <a:bodyPr wrap="square" rtlCol="0">
+            <a:spAutoFit/>
+          </a:bodyPr>
+          <a:lstStyle/>
+          <a:p>
+            <a:pPr algn="just">
+              <a:tabLst>
+                <a:tab pos="357188" algn="l"/>
+              </a:tabLst>
+            </a:pPr>
+            <a:r>
+              <a:rPr lang="ru-RU" sz="2200" dirty="0">
+                <a:latin typeface="Times New Roman" panose="02020603050405020304" pitchFamily="18" charset="0"/>
+                <a:cs typeface="Times New Roman" panose="02020603050405020304" pitchFamily="18" charset="0"/>
+              </a:rPr>
+              <a:t>	Произвести администрирование локальной вычислительной сети (далее - ЛВС) центра обработки данных.</a:t>
+            </a:r>
+          </a:p>
+          <a:p>
+            <a:pPr algn="just">
+              <a:tabLst>
+                <a:tab pos="357188" algn="l"/>
+              </a:tabLst>
+            </a:pPr>
+            <a:r>
+              <a:rPr lang="ru-RU" sz="2200" dirty="0">
+                <a:latin typeface="Times New Roman" panose="02020603050405020304" pitchFamily="18" charset="0"/>
+                <a:cs typeface="Times New Roman" panose="02020603050405020304" pitchFamily="18" charset="0"/>
+              </a:rPr>
+              <a:t>	Создать подробную блок-схему ЛВС Центра обработки данных (далее - ЦОД), основываясь на требованиях к архитектуре ЛВС ЦОДов, отражающей локальную сеть.</a:t>
+            </a:r>
+          </a:p>
+          <a:p>
+            <a:pPr algn="just">
+              <a:tabLst>
+                <a:tab pos="357188" algn="l"/>
+              </a:tabLst>
+            </a:pPr>
+            <a:r>
+              <a:rPr lang="ru-RU" sz="2200" dirty="0">
+                <a:latin typeface="Times New Roman" panose="02020603050405020304" pitchFamily="18" charset="0"/>
+                <a:cs typeface="Times New Roman" panose="02020603050405020304" pitchFamily="18" charset="0"/>
+              </a:rPr>
+              <a:t>	Создать виртуальные машины для серверов на основе выбранного дистрибутива </a:t>
+            </a:r>
+            <a:r>
+              <a:rPr lang="en-US" sz="2200" dirty="0">
+                <a:latin typeface="Times New Roman" panose="02020603050405020304" pitchFamily="18" charset="0"/>
+                <a:cs typeface="Times New Roman" panose="02020603050405020304" pitchFamily="18" charset="0"/>
+              </a:rPr>
+              <a:t>Linux</a:t>
+            </a:r>
+            <a:r>
+              <a:rPr lang="ru-RU" sz="2200" dirty="0">
+                <a:latin typeface="Times New Roman" panose="02020603050405020304" pitchFamily="18" charset="0"/>
+                <a:cs typeface="Times New Roman" panose="02020603050405020304" pitchFamily="18" charset="0"/>
+              </a:rPr>
+              <a:t> и настроить их работу в соответствии с подробной блок-схемой ЛВС ЦОДа и в соответствии с выбранными технологиями для создания отказоустойчивых решений.</a:t>
+            </a:r>
+          </a:p>
+          <a:p>
+            <a:pPr algn="just">
+              <a:tabLst>
+                <a:tab pos="357188" algn="l"/>
+              </a:tabLst>
+            </a:pPr>
+            <a:r>
+              <a:rPr lang="ru-RU" sz="2200" dirty="0">
+                <a:latin typeface="Times New Roman" panose="02020603050405020304" pitchFamily="18" charset="0"/>
+                <a:cs typeface="Times New Roman" panose="02020603050405020304" pitchFamily="18" charset="0"/>
+              </a:rPr>
+              <a:t>	Проверить работоспособность сети путем вывода из строя рабочих элементов и проверки оставшейся архитектуры на отказоустойчивость.</a:t>
+            </a:r>
+          </a:p>
+        </p:txBody>
+      </p:sp>
+    </p:spTree>
+    <p:extLst>
+      <p:ext uri="{BB962C8B-B14F-4D97-AF65-F5344CB8AC3E}">
+        <p14:creationId xmlns:p14="http://schemas.microsoft.com/office/powerpoint/2010/main" val="1577785372"/>
+      </p:ext>
+    </p:extLst>
+  </p:cSld>
+  <p:clrMapOvr>
+    <a:overrideClrMapping bg1="lt1" tx1="dk1" bg2="lt2" tx2="dk2" accent1="accent1" accent2="accent2" accent3="accent3" accent4="accent4" accent5="accent5" accent6="accent6" hlink="hlink" folHlink="folHlink"/>
   </p:clrMapOvr>
   <p:transition>
     <p:push dir="u"/>
@@ -8866,8 +5944,8 @@
         </p:nvSpPr>
         <p:spPr>
           <a:xfrm>
-            <a:off x="395536" y="783868"/>
-            <a:ext cx="8352928" cy="5904656"/>
+            <a:off x="359532" y="1196752"/>
+            <a:ext cx="8424936" cy="3941276"/>
           </a:xfrm>
         </p:spPr>
         <p:txBody>
@@ -8894,25 +5972,7 @@
                 <a:latin typeface="Times New Roman" panose="02020603050405020304" pitchFamily="18" charset="0"/>
                 <a:cs typeface="Times New Roman" panose="02020603050405020304" pitchFamily="18" charset="0"/>
               </a:rPr>
-              <a:t>В современном информационном обществе центры обработки данных играют ключевую роль в обеспечении надежности, масштабируемости и эффективности работы компьютерных систем. Центры обработки данных, являясь основой информационной инфраструктуры организации, играют важную роль в обеспечении эффективного функционирования бизнес-процессов.</a:t>
-            </a:r>
-          </a:p>
-          <a:p>
-            <a:pPr marL="0" indent="0" algn="just" defTabSz="914400">
-              <a:lnSpc>
-                <a:spcPct val="100000"/>
-              </a:lnSpc>
-              <a:buNone/>
-              <a:tabLst>
-                <a:tab pos="357188" algn="l"/>
-              </a:tabLst>
-            </a:pPr>
-            <a:r>
-              <a:rPr lang="ru-RU" sz="2200" dirty="0">
-                <a:latin typeface="Times New Roman" panose="02020603050405020304" pitchFamily="18" charset="0"/>
-                <a:cs typeface="Times New Roman" panose="02020603050405020304" pitchFamily="18" charset="0"/>
-              </a:rPr>
-              <a:t>	Центр обработки данных – единая многокомпонентная система, которая призвана обеспечивать бесперебойную автоматизированную работу бизнес-процессов. Центры обработки данных создаются в первую очередь для увеличения производительности компаний, активно использующих в своей деятельности информационные технологии, а также для повышения качества предоставляемых услуг. ЦОДы повседневно используются компаниями различного уровня – начиная от малого бизнеса, заканчивая корпорациями.</a:t>
+              <a:t> Центр обработки данных – единая многокомпонентная система, которая призвана обеспечивать бесперебойную автоматизированную работу бизнес-процессов. В современном информационном обществе центры обработки данных играют ключевую роль в обеспечении надежности, масштабируемости и эффективности работы компьютерных систем. Центры обработки данных, являясь основой информационной инфраструктуры организации, играют важную роль в обеспечении эффективного функционирования бизнес-процессов.</a:t>
             </a:r>
           </a:p>
         </p:txBody>
@@ -9063,7 +6123,7 @@
                 <a:latin typeface="Times New Roman" panose="02020603050405020304" pitchFamily="18" charset="0"/>
                 <a:cs typeface="Times New Roman" panose="02020603050405020304" pitchFamily="18" charset="0"/>
               </a:rPr>
-              <a:t> – Tier I, Tier II, Tier III;</a:t>
+              <a:t> – Tier I, Tier II, Tier III, Tier IV;</a:t>
             </a:r>
           </a:p>
           <a:p>
@@ -9135,62 +6195,12 @@
               <a:t>тип предоставляемых услуг – </a:t>
             </a:r>
             <a:r>
-              <a:rPr lang="en-US" sz="2200" dirty="0" err="1">
-                <a:latin typeface="Times New Roman" panose="02020603050405020304" pitchFamily="18" charset="0"/>
-                <a:cs typeface="Times New Roman" panose="02020603050405020304" pitchFamily="18" charset="0"/>
-              </a:rPr>
-              <a:t>Iaas</a:t>
-            </a:r>
-            <a:r>
               <a:rPr lang="en-US" sz="2200" dirty="0">
                 <a:latin typeface="Times New Roman" panose="02020603050405020304" pitchFamily="18" charset="0"/>
                 <a:cs typeface="Times New Roman" panose="02020603050405020304" pitchFamily="18" charset="0"/>
               </a:rPr>
-              <a:t>, </a:t>
-            </a:r>
-            <a:r>
-              <a:rPr lang="en-US" sz="2200" dirty="0" err="1">
-                <a:latin typeface="Times New Roman" panose="02020603050405020304" pitchFamily="18" charset="0"/>
-                <a:cs typeface="Times New Roman" panose="02020603050405020304" pitchFamily="18" charset="0"/>
-              </a:rPr>
-              <a:t>Paas</a:t>
-            </a:r>
-            <a:r>
-              <a:rPr lang="en-US" sz="2200" dirty="0">
-                <a:latin typeface="Times New Roman" panose="02020603050405020304" pitchFamily="18" charset="0"/>
-                <a:cs typeface="Times New Roman" panose="02020603050405020304" pitchFamily="18" charset="0"/>
-              </a:rPr>
-              <a:t>, </a:t>
-            </a:r>
-            <a:r>
-              <a:rPr lang="en-US" sz="2200" dirty="0" err="1">
-                <a:latin typeface="Times New Roman" panose="02020603050405020304" pitchFamily="18" charset="0"/>
-                <a:cs typeface="Times New Roman" panose="02020603050405020304" pitchFamily="18" charset="0"/>
-              </a:rPr>
-              <a:t>Saas</a:t>
-            </a:r>
-            <a:r>
-              <a:rPr lang="en-US" sz="2200" dirty="0">
-                <a:latin typeface="Times New Roman" panose="02020603050405020304" pitchFamily="18" charset="0"/>
-                <a:cs typeface="Times New Roman" panose="02020603050405020304" pitchFamily="18" charset="0"/>
-              </a:rPr>
-              <a:t>.</a:t>
-            </a:r>
-          </a:p>
-          <a:p>
-            <a:pPr marL="0" indent="0" algn="ctr" defTabSz="914400">
-              <a:lnSpc>
-                <a:spcPct val="100000"/>
-              </a:lnSpc>
-              <a:buNone/>
-              <a:tabLst>
-                <a:tab pos="357188" algn="l"/>
-              </a:tabLst>
-            </a:pPr>
-            <a:endParaRPr lang="en-US" sz="2200" dirty="0">
-              <a:latin typeface="Times New Roman" panose="02020603050405020304" pitchFamily="18" charset="0"/>
-              <a:cs typeface="Times New Roman" panose="02020603050405020304" pitchFamily="18" charset="0"/>
-            </a:endParaRPr>
+              <a:t>IaaS, PaaS, SaaS.</a:t>
+            </a:r>
           </a:p>
           <a:p>
             <a:pPr marL="0" indent="0" defTabSz="914400">
@@ -9207,14 +6217,14 @@
                 <a:latin typeface="Times New Roman" panose="02020603050405020304" pitchFamily="18" charset="0"/>
                 <a:cs typeface="Times New Roman" panose="02020603050405020304" pitchFamily="18" charset="0"/>
               </a:rPr>
-              <a:t>	Tier II – </a:t>
+              <a:t>	Tier II –</a:t>
             </a:r>
             <a:r>
               <a:rPr lang="ru-RU" sz="2200" dirty="0">
                 <a:latin typeface="Times New Roman" panose="02020603050405020304" pitchFamily="18" charset="0"/>
                 <a:cs typeface="Times New Roman" panose="02020603050405020304" pitchFamily="18" charset="0"/>
               </a:rPr>
-              <a:t>присутствует резервирование. Резервирование элементов по схеме </a:t>
+              <a:t> Резервирование элементов по схеме </a:t>
             </a:r>
             <a:r>
               <a:rPr lang="en-US" sz="2200" dirty="0">
@@ -9229,6 +6239,56 @@
                 <a:cs typeface="Times New Roman" panose="02020603050405020304" pitchFamily="18" charset="0"/>
               </a:rPr>
               <a:t> + 1. Автоматическое переключение при авариях.</a:t>
+            </a:r>
+          </a:p>
+          <a:p>
+            <a:pPr marL="0" indent="0" defTabSz="914400">
+              <a:lnSpc>
+                <a:spcPct val="100000"/>
+              </a:lnSpc>
+              <a:buNone/>
+              <a:tabLst>
+                <a:tab pos="357188" algn="l"/>
+              </a:tabLst>
+            </a:pPr>
+            <a:r>
+              <a:rPr lang="ru-RU" sz="2200" dirty="0">
+                <a:latin typeface="Times New Roman" panose="02020603050405020304" pitchFamily="18" charset="0"/>
+                <a:cs typeface="Times New Roman" panose="02020603050405020304" pitchFamily="18" charset="0"/>
+              </a:rPr>
+              <a:t>	Корпоративный ЦОД – возможность интеграции в ЛВС предприятия.</a:t>
+            </a:r>
+          </a:p>
+          <a:p>
+            <a:pPr marL="0" indent="0" defTabSz="914400">
+              <a:lnSpc>
+                <a:spcPct val="100000"/>
+              </a:lnSpc>
+              <a:buNone/>
+              <a:tabLst>
+                <a:tab pos="357188" algn="l"/>
+              </a:tabLst>
+            </a:pPr>
+            <a:r>
+              <a:rPr lang="ru-RU" sz="2200" dirty="0">
+                <a:latin typeface="Times New Roman" panose="02020603050405020304" pitchFamily="18" charset="0"/>
+                <a:cs typeface="Times New Roman" panose="02020603050405020304" pitchFamily="18" charset="0"/>
+              </a:rPr>
+              <a:t>	</a:t>
+            </a:r>
+            <a:r>
+              <a:rPr lang="en-US" sz="2200" dirty="0">
+                <a:latin typeface="Times New Roman" panose="02020603050405020304" pitchFamily="18" charset="0"/>
+                <a:cs typeface="Times New Roman" panose="02020603050405020304" pitchFamily="18" charset="0"/>
+              </a:rPr>
+              <a:t>IaaS – </a:t>
+            </a:r>
+            <a:r>
+              <a:rPr lang="ru-RU" sz="2200" dirty="0">
+                <a:latin typeface="Times New Roman" panose="02020603050405020304" pitchFamily="18" charset="0"/>
+                <a:cs typeface="Times New Roman" panose="02020603050405020304" pitchFamily="18" charset="0"/>
+              </a:rPr>
+              <a:t>предоставление виртуальных серверов.</a:t>
             </a:r>
             <a:endParaRPr lang="en-US" sz="2200" dirty="0">
               <a:latin typeface="Times New Roman" panose="02020603050405020304" pitchFamily="18" charset="0"/>
@@ -9369,7 +6429,7 @@
         <p:spPr>
           <a:xfrm>
             <a:off x="323528" y="1412776"/>
-            <a:ext cx="8365874" cy="4432752"/>
+            <a:ext cx="8365874" cy="3924921"/>
           </a:xfrm>
           <a:prstGeom prst="rect">
             <a:avLst/>
@@ -9453,18 +6513,11 @@
               <a:t> механизм синхронизации </a:t>
             </a:r>
             <a:r>
-              <a:rPr lang="en-US" sz="2200" dirty="0" err="1">
-                <a:latin typeface="Times New Roman" panose="02020603050405020304" pitchFamily="18" charset="0"/>
-                <a:cs typeface="Times New Roman" panose="02020603050405020304" pitchFamily="18" charset="0"/>
-              </a:rPr>
-              <a:t>csync</a:t>
-            </a:r>
-            <a:r>
               <a:rPr lang="en-US" sz="2200" dirty="0">
                 <a:latin typeface="Times New Roman" panose="02020603050405020304" pitchFamily="18" charset="0"/>
                 <a:cs typeface="Times New Roman" panose="02020603050405020304" pitchFamily="18" charset="0"/>
               </a:rPr>
-              <a:t>;</a:t>
+              <a:t>csync2;</a:t>
             </a:r>
           </a:p>
           <a:p>
@@ -9592,33 +6645,6 @@
                 <a:cs typeface="Times New Roman" panose="02020603050405020304" pitchFamily="18" charset="0"/>
               </a:rPr>
               <a:t>LACP;</a:t>
-            </a:r>
-            <a:endParaRPr lang="ru-RU" sz="2200" dirty="0">
-              <a:latin typeface="Times New Roman" panose="02020603050405020304" pitchFamily="18" charset="0"/>
-              <a:cs typeface="Times New Roman" panose="02020603050405020304" pitchFamily="18" charset="0"/>
-            </a:endParaRPr>
-          </a:p>
-          <a:p>
-            <a:pPr marL="914400" indent="-228600">
-              <a:lnSpc>
-                <a:spcPct val="150000"/>
-              </a:lnSpc>
-              <a:buFont typeface="Arial" panose="020B0604020202020204" pitchFamily="34" charset="0"/>
-              <a:buChar char="•"/>
-            </a:pPr>
-            <a:r>
-              <a:rPr lang="ru-RU" sz="2200" dirty="0">
-                <a:latin typeface="Times New Roman" panose="02020603050405020304" pitchFamily="18" charset="0"/>
-                <a:cs typeface="Times New Roman" panose="02020603050405020304" pitchFamily="18" charset="0"/>
-              </a:rPr>
-              <a:t>встроенные механизмы отказоустойчивости сервисов</a:t>
-            </a:r>
-            <a:r>
-              <a:rPr lang="en-US" sz="2200" dirty="0">
-                <a:latin typeface="Times New Roman" panose="02020603050405020304" pitchFamily="18" charset="0"/>
-                <a:cs typeface="Times New Roman" panose="02020603050405020304" pitchFamily="18" charset="0"/>
-              </a:rPr>
-              <a:t>.</a:t>
             </a:r>
           </a:p>
         </p:txBody>
